--- a/Reuse_Water/230207_米国再生水NAWI LVMWD 水質予測_rev.0.pptx
+++ b/Reuse_Water/230207_米国再生水NAWI LVMWD 水質予測_rev.0.pptx
@@ -5,7 +5,7 @@
     <p:sldMasterId id="2147483756" r:id="rId1"/>
   </p:sldMasterIdLst>
   <p:notesMasterIdLst>
-    <p:notesMasterId r:id="rId19"/>
+    <p:notesMasterId r:id="rId20"/>
   </p:notesMasterIdLst>
   <p:sldIdLst>
     <p:sldId id="269" r:id="rId2"/>
@@ -16,15 +16,16 @@
     <p:sldId id="381" r:id="rId7"/>
     <p:sldId id="384" r:id="rId8"/>
     <p:sldId id="315" r:id="rId9"/>
-    <p:sldId id="382" r:id="rId10"/>
-    <p:sldId id="383" r:id="rId11"/>
-    <p:sldId id="348" r:id="rId12"/>
-    <p:sldId id="349" r:id="rId13"/>
-    <p:sldId id="351" r:id="rId14"/>
-    <p:sldId id="300" r:id="rId15"/>
-    <p:sldId id="286" r:id="rId16"/>
-    <p:sldId id="310" r:id="rId17"/>
-    <p:sldId id="327" r:id="rId18"/>
+    <p:sldId id="385" r:id="rId10"/>
+    <p:sldId id="386" r:id="rId11"/>
+    <p:sldId id="382" r:id="rId12"/>
+    <p:sldId id="387" r:id="rId13"/>
+    <p:sldId id="388" r:id="rId14"/>
+    <p:sldId id="383" r:id="rId15"/>
+    <p:sldId id="300" r:id="rId16"/>
+    <p:sldId id="286" r:id="rId17"/>
+    <p:sldId id="310" r:id="rId18"/>
+    <p:sldId id="327" r:id="rId19"/>
   </p:sldIdLst>
   <p:sldSz cx="12192000" cy="6858000"/>
   <p:notesSz cx="6858000" cy="9144000"/>
@@ -2503,7 +2504,7 @@
           <a:p>
             <a:fld id="{82150B36-03E6-4D3A-8098-12EB1C30C067}" type="datetimeFigureOut">
               <a:rPr kumimoji="1" lang="ja-JP" altLang="en-US" smtClean="0"/>
-              <a:t>2023/2/7</a:t>
+              <a:t>2023/2/8</a:t>
             </a:fld>
             <a:endParaRPr kumimoji="1" lang="ja-JP" altLang="en-US"/>
           </a:p>
@@ -3376,7 +3377,7 @@
           <a:p>
             <a:fld id="{234BF75D-FAA7-4C74-927E-D481AAC481B6}" type="slidenum">
               <a:rPr kumimoji="1" lang="ja-JP" altLang="en-US" smtClean="0"/>
-              <a:t>15</a:t>
+              <a:t>16</a:t>
             </a:fld>
             <a:endParaRPr kumimoji="1" lang="ja-JP" altLang="en-US"/>
           </a:p>
@@ -11736,7 +11737,7 @@
             </a:r>
             <a:r>
               <a:rPr lang="en-US" altLang="ja-JP" dirty="0"/>
-              <a:t>7</a:t>
+              <a:t>10</a:t>
             </a:r>
             <a:r>
               <a:rPr lang="ja-JP" altLang="en-US" dirty="0"/>
@@ -12019,8 +12020,16 @@
           <a:lstStyle/>
           <a:p>
             <a:r>
+              <a:rPr lang="ja-JP" altLang="en-US" dirty="0"/>
+              <a:t>データの加工結果（</a:t>
+            </a:r>
+            <a:r>
               <a:rPr lang="en-US" altLang="ja-JP" dirty="0"/>
-              <a:t>LVMWD</a:t>
+              <a:t>daily/30min</a:t>
+            </a:r>
+            <a:r>
+              <a:rPr lang="ja-JP" altLang="en-US" dirty="0"/>
+              <a:t>）</a:t>
             </a:r>
             <a:endParaRPr lang="en-US" dirty="0"/>
           </a:p>
@@ -12058,10 +12067,629 @@
       </p:sp>
       <p:sp>
         <p:nvSpPr>
-          <p:cNvPr id="6" name="テキスト プレースホルダー 5">
-            <a:extLst>
-              <a:ext uri="{FF2B5EF4-FFF2-40B4-BE49-F238E27FC236}">
-                <a16:creationId xmlns:a16="http://schemas.microsoft.com/office/drawing/2014/main" id="{1F609DF4-3152-4D3E-9CA5-170D4BE14906}"/>
+          <p:cNvPr id="26" name="テキスト ボックス 25">
+            <a:extLst>
+              <a:ext uri="{FF2B5EF4-FFF2-40B4-BE49-F238E27FC236}">
+                <a16:creationId xmlns:a16="http://schemas.microsoft.com/office/drawing/2014/main" id="{878A06C2-9BE0-4228-8673-300CDCCC55B4}"/>
+              </a:ext>
+            </a:extLst>
+          </p:cNvPr>
+          <p:cNvSpPr txBox="1"/>
+          <p:nvPr/>
+        </p:nvSpPr>
+        <p:spPr>
+          <a:xfrm>
+            <a:off x="571984" y="-20412"/>
+            <a:ext cx="4521842" cy="338554"/>
+          </a:xfrm>
+          <a:prstGeom prst="rect">
+            <a:avLst/>
+          </a:prstGeom>
+          <a:noFill/>
+        </p:spPr>
+        <p:txBody>
+          <a:bodyPr wrap="square" rtlCol="0">
+            <a:spAutoFit/>
+          </a:bodyPr>
+          <a:lstStyle/>
+          <a:p>
+            <a:r>
+              <a:rPr lang="en-US" altLang="ja-JP" sz="1600" b="1" dirty="0">
+                <a:solidFill>
+                  <a:schemeClr val="bg1"/>
+                </a:solidFill>
+              </a:rPr>
+              <a:t>2. LVMWD</a:t>
+            </a:r>
+            <a:r>
+              <a:rPr lang="ja-JP" altLang="en-US" sz="1600" b="1" dirty="0">
+                <a:solidFill>
+                  <a:schemeClr val="bg1"/>
+                </a:solidFill>
+              </a:rPr>
+              <a:t>データ</a:t>
+            </a:r>
+            <a:endParaRPr kumimoji="1" lang="ja-JP" altLang="en-US" sz="1600" b="1" dirty="0">
+              <a:solidFill>
+                <a:schemeClr val="bg1"/>
+              </a:solidFill>
+            </a:endParaRPr>
+          </a:p>
+        </p:txBody>
+      </p:sp>
+      <p:sp>
+        <p:nvSpPr>
+          <p:cNvPr id="27" name="テキスト ボックス 26">
+            <a:extLst>
+              <a:ext uri="{FF2B5EF4-FFF2-40B4-BE49-F238E27FC236}">
+                <a16:creationId xmlns:a16="http://schemas.microsoft.com/office/drawing/2014/main" id="{CF110DC3-E8F8-4D60-806C-5AE7728B3358}"/>
+              </a:ext>
+            </a:extLst>
+          </p:cNvPr>
+          <p:cNvSpPr txBox="1"/>
+          <p:nvPr/>
+        </p:nvSpPr>
+        <p:spPr>
+          <a:xfrm>
+            <a:off x="3797162" y="1760392"/>
+            <a:ext cx="1836064" cy="338554"/>
+          </a:xfrm>
+          <a:prstGeom prst="rect">
+            <a:avLst/>
+          </a:prstGeom>
+          <a:noFill/>
+        </p:spPr>
+        <p:txBody>
+          <a:bodyPr wrap="square" rtlCol="0">
+            <a:spAutoFit/>
+          </a:bodyPr>
+          <a:lstStyle/>
+          <a:p>
+            <a:pPr algn="ctr"/>
+            <a:r>
+              <a:rPr kumimoji="1" lang="en-US" altLang="ja-JP" sz="1600" dirty="0"/>
+              <a:t>1</a:t>
+            </a:r>
+            <a:r>
+              <a:rPr kumimoji="1" lang="ja-JP" altLang="en-US" sz="1600" dirty="0"/>
+              <a:t>段目 透過 導電率</a:t>
+            </a:r>
+          </a:p>
+        </p:txBody>
+      </p:sp>
+      <p:pic>
+        <p:nvPicPr>
+          <p:cNvPr id="28" name="図 27" descr="グラフ, ヒストグラム&#10;&#10;自動的に生成された説明">
+            <a:extLst>
+              <a:ext uri="{FF2B5EF4-FFF2-40B4-BE49-F238E27FC236}">
+                <a16:creationId xmlns:a16="http://schemas.microsoft.com/office/drawing/2014/main" id="{D89A591F-869D-435C-B578-6564CE9725B3}"/>
+              </a:ext>
+            </a:extLst>
+          </p:cNvPr>
+          <p:cNvPicPr>
+            <a:picLocks noChangeAspect="1"/>
+          </p:cNvPicPr>
+          <p:nvPr/>
+        </p:nvPicPr>
+        <p:blipFill>
+          <a:blip r:embed="rId2">
+            <a:extLst>
+              <a:ext uri="{28A0092B-C50C-407E-A947-70E740481C1C}">
+                <a14:useLocalDpi xmlns:a14="http://schemas.microsoft.com/office/drawing/2010/main" val="0"/>
+              </a:ext>
+            </a:extLst>
+          </a:blip>
+          <a:stretch>
+            <a:fillRect/>
+          </a:stretch>
+        </p:blipFill>
+        <p:spPr>
+          <a:xfrm>
+            <a:off x="3287987" y="4231591"/>
+            <a:ext cx="2854414" cy="1906167"/>
+          </a:xfrm>
+          <a:prstGeom prst="rect">
+            <a:avLst/>
+          </a:prstGeom>
+        </p:spPr>
+      </p:pic>
+      <p:sp>
+        <p:nvSpPr>
+          <p:cNvPr id="29" name="テキスト ボックス 28">
+            <a:extLst>
+              <a:ext uri="{FF2B5EF4-FFF2-40B4-BE49-F238E27FC236}">
+                <a16:creationId xmlns:a16="http://schemas.microsoft.com/office/drawing/2014/main" id="{05787F79-34D9-42BE-85E4-03B9A9945EB2}"/>
+              </a:ext>
+            </a:extLst>
+          </p:cNvPr>
+          <p:cNvSpPr txBox="1"/>
+          <p:nvPr/>
+        </p:nvSpPr>
+        <p:spPr>
+          <a:xfrm>
+            <a:off x="-5758" y="2760616"/>
+            <a:ext cx="430887" cy="604958"/>
+          </a:xfrm>
+          <a:prstGeom prst="rect">
+            <a:avLst/>
+          </a:prstGeom>
+          <a:noFill/>
+        </p:spPr>
+        <p:txBody>
+          <a:bodyPr vert="vert270" wrap="square" rtlCol="0">
+            <a:spAutoFit/>
+          </a:bodyPr>
+          <a:lstStyle/>
+          <a:p>
+            <a:pPr algn="ctr"/>
+            <a:r>
+              <a:rPr kumimoji="1" lang="en-US" altLang="ja-JP" sz="1600" dirty="0"/>
+              <a:t>1day</a:t>
+            </a:r>
+            <a:endParaRPr kumimoji="1" lang="ja-JP" altLang="en-US" sz="1600" dirty="0"/>
+          </a:p>
+        </p:txBody>
+      </p:sp>
+      <p:sp>
+        <p:nvSpPr>
+          <p:cNvPr id="30" name="テキスト ボックス 29">
+            <a:extLst>
+              <a:ext uri="{FF2B5EF4-FFF2-40B4-BE49-F238E27FC236}">
+                <a16:creationId xmlns:a16="http://schemas.microsoft.com/office/drawing/2014/main" id="{5BED1C06-E1FA-4BC0-95D1-652E2AA38DD9}"/>
+              </a:ext>
+            </a:extLst>
+          </p:cNvPr>
+          <p:cNvSpPr txBox="1"/>
+          <p:nvPr/>
+        </p:nvSpPr>
+        <p:spPr>
+          <a:xfrm>
+            <a:off x="-5758" y="4762500"/>
+            <a:ext cx="430887" cy="724653"/>
+          </a:xfrm>
+          <a:prstGeom prst="rect">
+            <a:avLst/>
+          </a:prstGeom>
+          <a:noFill/>
+        </p:spPr>
+        <p:txBody>
+          <a:bodyPr vert="vert270" wrap="square" rtlCol="0">
+            <a:spAutoFit/>
+          </a:bodyPr>
+          <a:lstStyle/>
+          <a:p>
+            <a:pPr algn="ctr"/>
+            <a:r>
+              <a:rPr kumimoji="1" lang="en-US" altLang="ja-JP" sz="1600" dirty="0"/>
+              <a:t>30min</a:t>
+            </a:r>
+            <a:endParaRPr kumimoji="1" lang="ja-JP" altLang="en-US" sz="1600" dirty="0"/>
+          </a:p>
+        </p:txBody>
+      </p:sp>
+      <p:sp>
+        <p:nvSpPr>
+          <p:cNvPr id="31" name="テキスト ボックス 30">
+            <a:extLst>
+              <a:ext uri="{FF2B5EF4-FFF2-40B4-BE49-F238E27FC236}">
+                <a16:creationId xmlns:a16="http://schemas.microsoft.com/office/drawing/2014/main" id="{C6E6CE6B-A6A9-4EE1-B937-07A9737939C0}"/>
+              </a:ext>
+            </a:extLst>
+          </p:cNvPr>
+          <p:cNvSpPr txBox="1"/>
+          <p:nvPr/>
+        </p:nvSpPr>
+        <p:spPr>
+          <a:xfrm>
+            <a:off x="1006326" y="1760392"/>
+            <a:ext cx="1583141" cy="338554"/>
+          </a:xfrm>
+          <a:prstGeom prst="rect">
+            <a:avLst/>
+          </a:prstGeom>
+          <a:noFill/>
+        </p:spPr>
+        <p:txBody>
+          <a:bodyPr wrap="square" rtlCol="0">
+            <a:spAutoFit/>
+          </a:bodyPr>
+          <a:lstStyle/>
+          <a:p>
+            <a:pPr algn="ctr"/>
+            <a:r>
+              <a:rPr kumimoji="1" lang="en-US" altLang="ja-JP" sz="1600" dirty="0"/>
+              <a:t>RO</a:t>
+            </a:r>
+            <a:r>
+              <a:rPr kumimoji="1" lang="ja-JP" altLang="en-US" sz="1600" dirty="0"/>
+              <a:t>流入 導電率</a:t>
+            </a:r>
+          </a:p>
+        </p:txBody>
+      </p:sp>
+      <p:pic>
+        <p:nvPicPr>
+          <p:cNvPr id="32" name="図 31" descr="グラフ, 折れ線グラフ&#10;&#10;自動的に生成された説明">
+            <a:extLst>
+              <a:ext uri="{FF2B5EF4-FFF2-40B4-BE49-F238E27FC236}">
+                <a16:creationId xmlns:a16="http://schemas.microsoft.com/office/drawing/2014/main" id="{6803A074-66B0-4972-9F1C-3539AF65C910}"/>
+              </a:ext>
+            </a:extLst>
+          </p:cNvPr>
+          <p:cNvPicPr>
+            <a:picLocks noChangeAspect="1"/>
+          </p:cNvPicPr>
+          <p:nvPr/>
+        </p:nvPicPr>
+        <p:blipFill>
+          <a:blip r:embed="rId3">
+            <a:extLst>
+              <a:ext uri="{28A0092B-C50C-407E-A947-70E740481C1C}">
+                <a14:useLocalDpi xmlns:a14="http://schemas.microsoft.com/office/drawing/2010/main" val="0"/>
+              </a:ext>
+            </a:extLst>
+          </a:blip>
+          <a:stretch>
+            <a:fillRect/>
+          </a:stretch>
+        </p:blipFill>
+        <p:spPr>
+          <a:xfrm>
+            <a:off x="364144" y="4236940"/>
+            <a:ext cx="2867504" cy="1895469"/>
+          </a:xfrm>
+          <a:prstGeom prst="rect">
+            <a:avLst/>
+          </a:prstGeom>
+        </p:spPr>
+      </p:pic>
+      <p:pic>
+        <p:nvPicPr>
+          <p:cNvPr id="35" name="図 34" descr="グラフ, ヒストグラム&#10;&#10;自動的に生成された説明">
+            <a:extLst>
+              <a:ext uri="{FF2B5EF4-FFF2-40B4-BE49-F238E27FC236}">
+                <a16:creationId xmlns:a16="http://schemas.microsoft.com/office/drawing/2014/main" id="{F0E3EA94-ACD0-4B41-AF28-4C829986C278}"/>
+              </a:ext>
+            </a:extLst>
+          </p:cNvPr>
+          <p:cNvPicPr>
+            <a:picLocks noChangeAspect="1"/>
+          </p:cNvPicPr>
+          <p:nvPr/>
+        </p:nvPicPr>
+        <p:blipFill>
+          <a:blip r:embed="rId4">
+            <a:extLst>
+              <a:ext uri="{28A0092B-C50C-407E-A947-70E740481C1C}">
+                <a14:useLocalDpi xmlns:a14="http://schemas.microsoft.com/office/drawing/2010/main" val="0"/>
+              </a:ext>
+            </a:extLst>
+          </a:blip>
+          <a:stretch>
+            <a:fillRect/>
+          </a:stretch>
+        </p:blipFill>
+        <p:spPr>
+          <a:xfrm>
+            <a:off x="6200138" y="4231591"/>
+            <a:ext cx="2854413" cy="1906167"/>
+          </a:xfrm>
+          <a:prstGeom prst="rect">
+            <a:avLst/>
+          </a:prstGeom>
+        </p:spPr>
+      </p:pic>
+      <p:pic>
+        <p:nvPicPr>
+          <p:cNvPr id="37" name="図 36" descr="グラフ, 折れ線グラフ&#10;&#10;自動的に生成された説明">
+            <a:extLst>
+              <a:ext uri="{FF2B5EF4-FFF2-40B4-BE49-F238E27FC236}">
+                <a16:creationId xmlns:a16="http://schemas.microsoft.com/office/drawing/2014/main" id="{03D9F71A-1FC3-410C-A6B5-1536770D126B}"/>
+              </a:ext>
+            </a:extLst>
+          </p:cNvPr>
+          <p:cNvPicPr>
+            <a:picLocks noChangeAspect="1"/>
+          </p:cNvPicPr>
+          <p:nvPr/>
+        </p:nvPicPr>
+        <p:blipFill>
+          <a:blip r:embed="rId5">
+            <a:extLst>
+              <a:ext uri="{28A0092B-C50C-407E-A947-70E740481C1C}">
+                <a14:useLocalDpi xmlns:a14="http://schemas.microsoft.com/office/drawing/2010/main" val="0"/>
+              </a:ext>
+            </a:extLst>
+          </a:blip>
+          <a:stretch>
+            <a:fillRect/>
+          </a:stretch>
+        </p:blipFill>
+        <p:spPr>
+          <a:xfrm>
+            <a:off x="9191845" y="4235331"/>
+            <a:ext cx="2838393" cy="1898687"/>
+          </a:xfrm>
+          <a:prstGeom prst="rect">
+            <a:avLst/>
+          </a:prstGeom>
+        </p:spPr>
+      </p:pic>
+      <p:sp>
+        <p:nvSpPr>
+          <p:cNvPr id="38" name="テキスト ボックス 37">
+            <a:extLst>
+              <a:ext uri="{FF2B5EF4-FFF2-40B4-BE49-F238E27FC236}">
+                <a16:creationId xmlns:a16="http://schemas.microsoft.com/office/drawing/2014/main" id="{F35DBD13-E36F-4526-876F-CED2B81747C4}"/>
+              </a:ext>
+            </a:extLst>
+          </p:cNvPr>
+          <p:cNvSpPr txBox="1"/>
+          <p:nvPr/>
+        </p:nvSpPr>
+        <p:spPr>
+          <a:xfrm>
+            <a:off x="6709312" y="1760392"/>
+            <a:ext cx="1836064" cy="338554"/>
+          </a:xfrm>
+          <a:prstGeom prst="rect">
+            <a:avLst/>
+          </a:prstGeom>
+          <a:noFill/>
+        </p:spPr>
+        <p:txBody>
+          <a:bodyPr wrap="square" rtlCol="0">
+            <a:spAutoFit/>
+          </a:bodyPr>
+          <a:lstStyle/>
+          <a:p>
+            <a:pPr algn="ctr"/>
+            <a:r>
+              <a:rPr kumimoji="1" lang="en-US" altLang="ja-JP" sz="1600" dirty="0"/>
+              <a:t>2</a:t>
+            </a:r>
+            <a:r>
+              <a:rPr kumimoji="1" lang="ja-JP" altLang="en-US" sz="1600" dirty="0"/>
+              <a:t>段目 透過 導電率</a:t>
+            </a:r>
+          </a:p>
+        </p:txBody>
+      </p:sp>
+      <p:sp>
+        <p:nvSpPr>
+          <p:cNvPr id="40" name="テキスト ボックス 39">
+            <a:extLst>
+              <a:ext uri="{FF2B5EF4-FFF2-40B4-BE49-F238E27FC236}">
+                <a16:creationId xmlns:a16="http://schemas.microsoft.com/office/drawing/2014/main" id="{96D7D32E-286C-47EA-9E93-A3D071474B7E}"/>
+              </a:ext>
+            </a:extLst>
+          </p:cNvPr>
+          <p:cNvSpPr txBox="1"/>
+          <p:nvPr/>
+        </p:nvSpPr>
+        <p:spPr>
+          <a:xfrm>
+            <a:off x="9693009" y="1760392"/>
+            <a:ext cx="1836064" cy="338554"/>
+          </a:xfrm>
+          <a:prstGeom prst="rect">
+            <a:avLst/>
+          </a:prstGeom>
+          <a:noFill/>
+        </p:spPr>
+        <p:txBody>
+          <a:bodyPr wrap="square" rtlCol="0">
+            <a:spAutoFit/>
+          </a:bodyPr>
+          <a:lstStyle/>
+          <a:p>
+            <a:pPr algn="ctr"/>
+            <a:r>
+              <a:rPr kumimoji="1" lang="en-US" altLang="ja-JP" sz="1600" dirty="0"/>
+              <a:t>3</a:t>
+            </a:r>
+            <a:r>
+              <a:rPr kumimoji="1" lang="ja-JP" altLang="en-US" sz="1600" dirty="0"/>
+              <a:t>段目 透過 導電率</a:t>
+            </a:r>
+          </a:p>
+        </p:txBody>
+      </p:sp>
+      <p:pic>
+        <p:nvPicPr>
+          <p:cNvPr id="41" name="図 40" descr="グラフ&#10;&#10;自動的に生成された説明">
+            <a:extLst>
+              <a:ext uri="{FF2B5EF4-FFF2-40B4-BE49-F238E27FC236}">
+                <a16:creationId xmlns:a16="http://schemas.microsoft.com/office/drawing/2014/main" id="{21792270-D3E9-4DE1-B5F4-62AECF41C781}"/>
+              </a:ext>
+            </a:extLst>
+          </p:cNvPr>
+          <p:cNvPicPr>
+            <a:picLocks noChangeAspect="1"/>
+          </p:cNvPicPr>
+          <p:nvPr/>
+        </p:nvPicPr>
+        <p:blipFill>
+          <a:blip r:embed="rId6">
+            <a:extLst>
+              <a:ext uri="{28A0092B-C50C-407E-A947-70E740481C1C}">
+                <a14:useLocalDpi xmlns:a14="http://schemas.microsoft.com/office/drawing/2010/main" val="0"/>
+              </a:ext>
+            </a:extLst>
+          </a:blip>
+          <a:stretch>
+            <a:fillRect/>
+          </a:stretch>
+        </p:blipFill>
+        <p:spPr>
+          <a:xfrm>
+            <a:off x="370080" y="2114524"/>
+            <a:ext cx="2870037" cy="1897143"/>
+          </a:xfrm>
+          <a:prstGeom prst="rect">
+            <a:avLst/>
+          </a:prstGeom>
+        </p:spPr>
+      </p:pic>
+      <p:pic>
+        <p:nvPicPr>
+          <p:cNvPr id="44" name="図 43" descr="グラフ&#10;&#10;自動的に生成された説明">
+            <a:extLst>
+              <a:ext uri="{FF2B5EF4-FFF2-40B4-BE49-F238E27FC236}">
+                <a16:creationId xmlns:a16="http://schemas.microsoft.com/office/drawing/2014/main" id="{5CDF734F-49D0-4FE0-AD1D-DA56D3C7EC7D}"/>
+              </a:ext>
+            </a:extLst>
+          </p:cNvPr>
+          <p:cNvPicPr>
+            <a:picLocks noChangeAspect="1"/>
+          </p:cNvPicPr>
+          <p:nvPr/>
+        </p:nvPicPr>
+        <p:blipFill>
+          <a:blip r:embed="rId7">
+            <a:extLst>
+              <a:ext uri="{28A0092B-C50C-407E-A947-70E740481C1C}">
+                <a14:useLocalDpi xmlns:a14="http://schemas.microsoft.com/office/drawing/2010/main" val="0"/>
+              </a:ext>
+            </a:extLst>
+          </a:blip>
+          <a:stretch>
+            <a:fillRect/>
+          </a:stretch>
+        </p:blipFill>
+        <p:spPr>
+          <a:xfrm>
+            <a:off x="3287987" y="2111628"/>
+            <a:ext cx="2849573" cy="1902935"/>
+          </a:xfrm>
+          <a:prstGeom prst="rect">
+            <a:avLst/>
+          </a:prstGeom>
+        </p:spPr>
+      </p:pic>
+      <p:pic>
+        <p:nvPicPr>
+          <p:cNvPr id="59" name="図 58" descr="グラフ&#10;&#10;自動的に生成された説明">
+            <a:extLst>
+              <a:ext uri="{FF2B5EF4-FFF2-40B4-BE49-F238E27FC236}">
+                <a16:creationId xmlns:a16="http://schemas.microsoft.com/office/drawing/2014/main" id="{1AB6CA35-8E79-4289-90B2-EBACFA77409E}"/>
+              </a:ext>
+            </a:extLst>
+          </p:cNvPr>
+          <p:cNvPicPr>
+            <a:picLocks noChangeAspect="1"/>
+          </p:cNvPicPr>
+          <p:nvPr/>
+        </p:nvPicPr>
+        <p:blipFill>
+          <a:blip r:embed="rId8">
+            <a:extLst>
+              <a:ext uri="{28A0092B-C50C-407E-A947-70E740481C1C}">
+                <a14:useLocalDpi xmlns:a14="http://schemas.microsoft.com/office/drawing/2010/main" val="0"/>
+              </a:ext>
+            </a:extLst>
+          </a:blip>
+          <a:stretch>
+            <a:fillRect/>
+          </a:stretch>
+        </p:blipFill>
+        <p:spPr>
+          <a:xfrm>
+            <a:off x="6197718" y="2110011"/>
+            <a:ext cx="2851994" cy="1904552"/>
+          </a:xfrm>
+          <a:prstGeom prst="rect">
+            <a:avLst/>
+          </a:prstGeom>
+        </p:spPr>
+      </p:pic>
+      <p:pic>
+        <p:nvPicPr>
+          <p:cNvPr id="62" name="図 61" descr="グラフ&#10;&#10;自動的に生成された説明">
+            <a:extLst>
+              <a:ext uri="{FF2B5EF4-FFF2-40B4-BE49-F238E27FC236}">
+                <a16:creationId xmlns:a16="http://schemas.microsoft.com/office/drawing/2014/main" id="{37E94BA4-48A0-4CD1-8FA1-FB8DE661549A}"/>
+              </a:ext>
+            </a:extLst>
+          </p:cNvPr>
+          <p:cNvPicPr>
+            <a:picLocks noChangeAspect="1"/>
+          </p:cNvPicPr>
+          <p:nvPr/>
+        </p:nvPicPr>
+        <p:blipFill>
+          <a:blip r:embed="rId9">
+            <a:extLst>
+              <a:ext uri="{28A0092B-C50C-407E-A947-70E740481C1C}">
+                <a14:useLocalDpi xmlns:a14="http://schemas.microsoft.com/office/drawing/2010/main" val="0"/>
+              </a:ext>
+            </a:extLst>
+          </a:blip>
+          <a:stretch>
+            <a:fillRect/>
+          </a:stretch>
+        </p:blipFill>
+        <p:spPr>
+          <a:xfrm>
+            <a:off x="9165257" y="2113751"/>
+            <a:ext cx="2842057" cy="1897916"/>
+          </a:xfrm>
+          <a:prstGeom prst="rect">
+            <a:avLst/>
+          </a:prstGeom>
+        </p:spPr>
+      </p:pic>
+      <p:sp>
+        <p:nvSpPr>
+          <p:cNvPr id="63" name="テキスト ボックス 62">
+            <a:extLst>
+              <a:ext uri="{FF2B5EF4-FFF2-40B4-BE49-F238E27FC236}">
+                <a16:creationId xmlns:a16="http://schemas.microsoft.com/office/drawing/2014/main" id="{E00C773F-371A-4FF8-9A96-C1B61AB516D2}"/>
+              </a:ext>
+            </a:extLst>
+          </p:cNvPr>
+          <p:cNvSpPr txBox="1"/>
+          <p:nvPr/>
+        </p:nvSpPr>
+        <p:spPr>
+          <a:xfrm>
+            <a:off x="9494028" y="34754"/>
+            <a:ext cx="2535055" cy="338554"/>
+          </a:xfrm>
+          <a:prstGeom prst="rect">
+            <a:avLst/>
+          </a:prstGeom>
+          <a:noFill/>
+        </p:spPr>
+        <p:txBody>
+          <a:bodyPr wrap="square" rtlCol="0">
+            <a:spAutoFit/>
+          </a:bodyPr>
+          <a:lstStyle/>
+          <a:p>
+            <a:pPr algn="ctr"/>
+            <a:r>
+              <a:rPr kumimoji="1" lang="en-US" altLang="ja-JP" sz="1600" dirty="0">
+                <a:solidFill>
+                  <a:schemeClr val="bg1"/>
+                </a:solidFill>
+              </a:rPr>
+              <a:t>2021-07~2022-09</a:t>
+            </a:r>
+            <a:endParaRPr kumimoji="1" lang="ja-JP" altLang="en-US" sz="1600" dirty="0">
+              <a:solidFill>
+                <a:schemeClr val="bg1"/>
+              </a:solidFill>
+            </a:endParaRPr>
+          </a:p>
+        </p:txBody>
+      </p:sp>
+      <p:sp>
+        <p:nvSpPr>
+          <p:cNvPr id="64" name="テキスト プレースホルダー 3">
+            <a:extLst>
+              <a:ext uri="{FF2B5EF4-FFF2-40B4-BE49-F238E27FC236}">
+                <a16:creationId xmlns:a16="http://schemas.microsoft.com/office/drawing/2014/main" id="{63084805-F871-4803-9083-C612AC241077}"/>
               </a:ext>
             </a:extLst>
           </p:cNvPr>
@@ -12074,8 +12702,8 @@
         </p:nvSpPr>
         <p:spPr>
           <a:xfrm>
-            <a:off x="517055" y="1071367"/>
-            <a:ext cx="11341887" cy="600165"/>
+            <a:off x="517055" y="948425"/>
+            <a:ext cx="11341887" cy="518094"/>
           </a:xfrm>
         </p:spPr>
         <p:txBody>
@@ -12083,30 +12711,22 @@
           <a:lstStyle/>
           <a:p>
             <a:r>
+              <a:rPr lang="en-US" altLang="ja-JP" sz="2800" dirty="0"/>
+              <a:t>1day</a:t>
+            </a:r>
+            <a:r>
               <a:rPr lang="ja-JP" altLang="en-US" sz="2800" dirty="0"/>
-              <a:t>目的を細分化すると、下記の</a:t>
-            </a:r>
-            <a:r>
-              <a:rPr lang="en-US" altLang="ja-JP" sz="2800" dirty="0"/>
-              <a:t>3</a:t>
-            </a:r>
-            <a:r>
-              <a:rPr lang="ja-JP" altLang="en-US" sz="2800" dirty="0"/>
-              <a:t>段階に分けられる。</a:t>
-            </a:r>
-            <a:endParaRPr lang="en-US" altLang="ja-JP" sz="2800" dirty="0"/>
-          </a:p>
-          <a:p>
-            <a:endParaRPr lang="en-US" altLang="ja-JP" sz="3200" dirty="0"/>
-          </a:p>
-        </p:txBody>
-      </p:sp>
-      <p:sp>
-        <p:nvSpPr>
-          <p:cNvPr id="26" name="テキスト ボックス 25">
-            <a:extLst>
-              <a:ext uri="{FF2B5EF4-FFF2-40B4-BE49-F238E27FC236}">
-                <a16:creationId xmlns:a16="http://schemas.microsoft.com/office/drawing/2014/main" id="{878A06C2-9BE0-4228-8673-300CDCCC55B4}"/>
+              <a:t>は外れ値に影響を受け、挙動が異なる期間がある。</a:t>
+            </a:r>
+          </a:p>
+        </p:txBody>
+      </p:sp>
+      <p:sp>
+        <p:nvSpPr>
+          <p:cNvPr id="65" name="テキスト ボックス 64">
+            <a:extLst>
+              <a:ext uri="{FF2B5EF4-FFF2-40B4-BE49-F238E27FC236}">
+                <a16:creationId xmlns:a16="http://schemas.microsoft.com/office/drawing/2014/main" id="{7D4B2E87-287F-4C0E-8EDC-C72C84F1D106}"/>
               </a:ext>
             </a:extLst>
           </p:cNvPr>
@@ -12115,8 +12735,8 @@
         </p:nvSpPr>
         <p:spPr>
           <a:xfrm>
-            <a:off x="571984" y="-20412"/>
-            <a:ext cx="4521842" cy="338554"/>
+            <a:off x="9575119" y="315197"/>
+            <a:ext cx="2535056" cy="338554"/>
           </a:xfrm>
           <a:prstGeom prst="rect">
             <a:avLst/>
@@ -12129,23 +12749,56 @@
           </a:bodyPr>
           <a:lstStyle/>
           <a:p>
-            <a:r>
-              <a:rPr lang="en-US" altLang="ja-JP" sz="1600" b="1" dirty="0">
+            <a:pPr algn="ctr"/>
+            <a:r>
+              <a:rPr kumimoji="1" lang="ja-JP" altLang="en-US" sz="1600" dirty="0">
                 <a:solidFill>
                   <a:schemeClr val="bg1"/>
                 </a:solidFill>
               </a:rPr>
-              <a:t>4. </a:t>
-            </a:r>
-            <a:r>
-              <a:rPr lang="ja-JP" altLang="en-US" sz="1600" b="1" dirty="0">
+              <a:t>単位の</a:t>
+            </a:r>
+            <a:r>
+              <a:rPr kumimoji="1" lang="en-US" altLang="ja-JP" sz="1600" dirty="0">
                 <a:solidFill>
                   <a:schemeClr val="bg1"/>
                 </a:solidFill>
               </a:rPr>
-              <a:t>予測結果</a:t>
-            </a:r>
-            <a:endParaRPr kumimoji="1" lang="ja-JP" altLang="en-US" sz="1600" b="1" dirty="0">
+              <a:t>mu</a:t>
+            </a:r>
+            <a:r>
+              <a:rPr kumimoji="1" lang="ja-JP" altLang="en-US" sz="1600" dirty="0">
+                <a:solidFill>
+                  <a:schemeClr val="bg1"/>
+                </a:solidFill>
+              </a:rPr>
+              <a:t>：接頭辞</a:t>
+            </a:r>
+            <a:r>
+              <a:rPr kumimoji="1" lang="en-US" altLang="ja-JP" sz="1600" dirty="0">
+                <a:solidFill>
+                  <a:schemeClr val="bg1"/>
+                </a:solidFill>
+              </a:rPr>
+              <a:t>μ(10</a:t>
+            </a:r>
+            <a:r>
+              <a:rPr kumimoji="1" lang="en-US" altLang="ja-JP" sz="1600" baseline="30000" dirty="0">
+                <a:solidFill>
+                  <a:schemeClr val="bg1"/>
+                </a:solidFill>
+              </a:rPr>
+              <a:t>-6</a:t>
+            </a:r>
+            <a:r>
+              <a:rPr kumimoji="1" lang="en-US" altLang="ja-JP" sz="1600" dirty="0">
+                <a:solidFill>
+                  <a:schemeClr val="bg1"/>
+                </a:solidFill>
+              </a:rPr>
+              <a:t>)</a:t>
+            </a:r>
+            <a:endParaRPr kumimoji="1" lang="ja-JP" altLang="en-US" sz="1600" dirty="0">
               <a:solidFill>
                 <a:schemeClr val="bg1"/>
               </a:solidFill>
@@ -12153,10 +12806,93 @@
           </a:p>
         </p:txBody>
       </p:sp>
+      <p:sp>
+        <p:nvSpPr>
+          <p:cNvPr id="66" name="テキスト ボックス 65">
+            <a:extLst>
+              <a:ext uri="{FF2B5EF4-FFF2-40B4-BE49-F238E27FC236}">
+                <a16:creationId xmlns:a16="http://schemas.microsoft.com/office/drawing/2014/main" id="{F60C6EA0-FB19-4E36-AFFB-441E6453B53D}"/>
+              </a:ext>
+            </a:extLst>
+          </p:cNvPr>
+          <p:cNvSpPr txBox="1"/>
+          <p:nvPr/>
+        </p:nvSpPr>
+        <p:spPr>
+          <a:xfrm>
+            <a:off x="9255479" y="782600"/>
+            <a:ext cx="2955002" cy="584775"/>
+          </a:xfrm>
+          <a:prstGeom prst="rect">
+            <a:avLst/>
+          </a:prstGeom>
+          <a:noFill/>
+        </p:spPr>
+        <p:txBody>
+          <a:bodyPr wrap="square" rtlCol="0">
+            <a:spAutoFit/>
+          </a:bodyPr>
+          <a:lstStyle/>
+          <a:p>
+            <a:r>
+              <a:rPr kumimoji="1" lang="en-US" altLang="ja-JP" sz="1600" dirty="0"/>
+              <a:t>1day</a:t>
+            </a:r>
+            <a:r>
+              <a:rPr kumimoji="1" lang="ja-JP" altLang="en-US" sz="1600" dirty="0"/>
+              <a:t>窓幅：</a:t>
+            </a:r>
+            <a:r>
+              <a:rPr kumimoji="1" lang="en-US" altLang="ja-JP" sz="1600" dirty="0"/>
+              <a:t>5step</a:t>
+            </a:r>
+            <a:r>
+              <a:rPr kumimoji="1" lang="ja-JP" altLang="en-US" sz="1600" dirty="0"/>
+              <a:t>（</a:t>
+            </a:r>
+            <a:r>
+              <a:rPr kumimoji="1" lang="en-US" altLang="ja-JP" sz="1600" dirty="0"/>
+              <a:t>5</a:t>
+            </a:r>
+            <a:r>
+              <a:rPr kumimoji="1" lang="ja-JP" altLang="en-US" sz="1600" dirty="0"/>
+              <a:t>日間）</a:t>
+            </a:r>
+            <a:endParaRPr kumimoji="1" lang="en-US" altLang="ja-JP" sz="1600" dirty="0"/>
+          </a:p>
+          <a:p>
+            <a:r>
+              <a:rPr kumimoji="1" lang="en-US" altLang="ja-JP" sz="1600" dirty="0"/>
+              <a:t>30min</a:t>
+            </a:r>
+            <a:r>
+              <a:rPr kumimoji="1" lang="ja-JP" altLang="en-US" sz="1600" dirty="0"/>
+              <a:t>窓幅：</a:t>
+            </a:r>
+            <a:r>
+              <a:rPr kumimoji="1" lang="en-US" altLang="ja-JP" sz="1600" dirty="0"/>
+              <a:t> 96step</a:t>
+            </a:r>
+            <a:r>
+              <a:rPr kumimoji="1" lang="ja-JP" altLang="en-US" sz="1600" dirty="0"/>
+              <a:t>（</a:t>
+            </a:r>
+            <a:r>
+              <a:rPr kumimoji="1" lang="en-US" altLang="ja-JP" sz="1600" dirty="0"/>
+              <a:t>2</a:t>
+            </a:r>
+            <a:r>
+              <a:rPr kumimoji="1" lang="ja-JP" altLang="en-US" sz="1600" dirty="0"/>
+              <a:t>日間）</a:t>
+            </a:r>
+            <a:endParaRPr kumimoji="1" lang="en-US" altLang="ja-JP" sz="1600" dirty="0"/>
+          </a:p>
+        </p:txBody>
+      </p:sp>
     </p:spTree>
     <p:extLst>
       <p:ext uri="{BB962C8B-B14F-4D97-AF65-F5344CB8AC3E}">
-        <p14:creationId xmlns:p14="http://schemas.microsoft.com/office/powerpoint/2010/main" val="1526886871"/>
+        <p14:creationId xmlns:p14="http://schemas.microsoft.com/office/powerpoint/2010/main" val="2042304303"/>
       </p:ext>
     </p:extLst>
   </p:cSld>
@@ -12201,19 +12937,17 @@
         </p:nvSpPr>
         <p:spPr>
           <a:xfrm>
-            <a:off x="517055" y="256012"/>
+            <a:off x="517055" y="250825"/>
             <a:ext cx="11400125" cy="518094"/>
           </a:xfrm>
         </p:spPr>
         <p:txBody>
-          <a:bodyPr>
-            <a:normAutofit/>
-          </a:bodyPr>
+          <a:bodyPr/>
           <a:lstStyle/>
           <a:p>
             <a:r>
               <a:rPr lang="ja-JP" altLang="en-US" dirty="0"/>
-              <a:t>導電率：有効なデータ範囲・種類</a:t>
+              <a:t>導電率予測の戦略</a:t>
             </a:r>
             <a:endParaRPr lang="en-US" dirty="0"/>
           </a:p>
@@ -12267,8 +13001,8 @@
         </p:nvSpPr>
         <p:spPr>
           <a:xfrm>
-            <a:off x="517055" y="995167"/>
-            <a:ext cx="11341887" cy="597123"/>
+            <a:off x="517055" y="1071367"/>
+            <a:ext cx="11341887" cy="600165"/>
           </a:xfrm>
         </p:spPr>
         <p:txBody>
@@ -12276,39 +13010,71 @@
           <a:lstStyle/>
           <a:p>
             <a:r>
-              <a:rPr lang="en-US" altLang="ja-JP" sz="2800" dirty="0"/>
-              <a:t>2021</a:t>
-            </a:r>
-            <a:r>
               <a:rPr lang="ja-JP" altLang="en-US" sz="2800" dirty="0"/>
-              <a:t>年</a:t>
-            </a:r>
-            <a:r>
-              <a:rPr lang="en-US" altLang="ja-JP" sz="2800" dirty="0"/>
-              <a:t>7</a:t>
-            </a:r>
-            <a:r>
-              <a:rPr lang="ja-JP" altLang="en-US" sz="2800" dirty="0"/>
-              <a:t>月以降で、外れ値の影響が少ない</a:t>
-            </a:r>
-            <a:r>
-              <a:rPr lang="en-US" altLang="ja-JP" sz="2800" dirty="0"/>
-              <a:t>30min</a:t>
-            </a:r>
-            <a:r>
-              <a:rPr lang="ja-JP" altLang="en-US" sz="2800" dirty="0"/>
-              <a:t>が良さそう。</a:t>
+              <a:t>下記の傾向があると判断し、傾向毎にモデル化の戦略を分けた。</a:t>
             </a:r>
             <a:endParaRPr lang="en-US" altLang="ja-JP" sz="2800" dirty="0"/>
+          </a:p>
+        </p:txBody>
+      </p:sp>
+      <p:sp>
+        <p:nvSpPr>
+          <p:cNvPr id="26" name="テキスト ボックス 25">
+            <a:extLst>
+              <a:ext uri="{FF2B5EF4-FFF2-40B4-BE49-F238E27FC236}">
+                <a16:creationId xmlns:a16="http://schemas.microsoft.com/office/drawing/2014/main" id="{878A06C2-9BE0-4228-8673-300CDCCC55B4}"/>
+              </a:ext>
+            </a:extLst>
+          </p:cNvPr>
+          <p:cNvSpPr txBox="1"/>
+          <p:nvPr/>
+        </p:nvSpPr>
+        <p:spPr>
+          <a:xfrm>
+            <a:off x="571984" y="-20412"/>
+            <a:ext cx="4521842" cy="338554"/>
+          </a:xfrm>
+          <a:prstGeom prst="rect">
+            <a:avLst/>
+          </a:prstGeom>
+          <a:noFill/>
+        </p:spPr>
+        <p:txBody>
+          <a:bodyPr wrap="square" rtlCol="0">
+            <a:spAutoFit/>
+          </a:bodyPr>
+          <a:lstStyle/>
+          <a:p>
+            <a:r>
+              <a:rPr lang="en-US" altLang="ja-JP" sz="1600" b="1" dirty="0">
+                <a:solidFill>
+                  <a:schemeClr val="bg1"/>
+                </a:solidFill>
+              </a:rPr>
+              <a:t>3. </a:t>
+            </a:r>
+            <a:r>
+              <a:rPr lang="ja-JP" altLang="en-US" sz="1600" b="1" dirty="0">
+                <a:solidFill>
+                  <a:schemeClr val="bg1"/>
+                </a:solidFill>
+              </a:rPr>
+              <a:t>モデリング戦略</a:t>
+            </a:r>
+            <a:endParaRPr kumimoji="1" lang="ja-JP" altLang="en-US" sz="1600" b="1" dirty="0">
+              <a:solidFill>
+                <a:schemeClr val="bg1"/>
+              </a:solidFill>
+            </a:endParaRPr>
           </a:p>
         </p:txBody>
       </p:sp>
       <p:pic>
         <p:nvPicPr>
-          <p:cNvPr id="4" name="図 3">
-            <a:extLst>
-              <a:ext uri="{FF2B5EF4-FFF2-40B4-BE49-F238E27FC236}">
-                <a16:creationId xmlns:a16="http://schemas.microsoft.com/office/drawing/2014/main" id="{026DBA9B-DA30-4892-9DA7-7A2ABE45EF59}"/>
+          <p:cNvPr id="7" name="図 6" descr="グラフ, 折れ線グラフ&#10;&#10;自動的に生成された説明">
+            <a:extLst>
+              <a:ext uri="{FF2B5EF4-FFF2-40B4-BE49-F238E27FC236}">
+                <a16:creationId xmlns:a16="http://schemas.microsoft.com/office/drawing/2014/main" id="{67585D53-837A-4A5E-A491-0B15C82DC57E}"/>
               </a:ext>
             </a:extLst>
           </p:cNvPr>
@@ -12318,137 +13084,7 @@
           <p:nvPr/>
         </p:nvPicPr>
         <p:blipFill>
-          <a:blip r:embed="rId2"/>
-          <a:stretch>
-            <a:fillRect/>
-          </a:stretch>
-        </p:blipFill>
-        <p:spPr>
-          <a:xfrm>
-            <a:off x="151007" y="1994584"/>
-            <a:ext cx="6435670" cy="3868249"/>
-          </a:xfrm>
-          <a:prstGeom prst="rect">
-            <a:avLst/>
-          </a:prstGeom>
-        </p:spPr>
-      </p:pic>
-      <p:sp>
-        <p:nvSpPr>
-          <p:cNvPr id="26" name="テキスト ボックス 25">
-            <a:extLst>
-              <a:ext uri="{FF2B5EF4-FFF2-40B4-BE49-F238E27FC236}">
-                <a16:creationId xmlns:a16="http://schemas.microsoft.com/office/drawing/2014/main" id="{F66E5124-3E69-4316-9D4B-2047882BD19D}"/>
-              </a:ext>
-            </a:extLst>
-          </p:cNvPr>
-          <p:cNvSpPr txBox="1"/>
-          <p:nvPr/>
-        </p:nvSpPr>
-        <p:spPr>
-          <a:xfrm>
-            <a:off x="1923825" y="1624160"/>
-            <a:ext cx="2890033" cy="338554"/>
-          </a:xfrm>
-          <a:prstGeom prst="rect">
-            <a:avLst/>
-          </a:prstGeom>
-          <a:noFill/>
-        </p:spPr>
-        <p:txBody>
-          <a:bodyPr wrap="square" rtlCol="0">
-            <a:spAutoFit/>
-          </a:bodyPr>
-          <a:lstStyle/>
-          <a:p>
-            <a:pPr algn="ctr"/>
-            <a:r>
-              <a:rPr kumimoji="1" lang="en-US" altLang="ja-JP" sz="1600" dirty="0"/>
-              <a:t>1</a:t>
-            </a:r>
-            <a:r>
-              <a:rPr kumimoji="1" lang="ja-JP" altLang="en-US" sz="1600" dirty="0"/>
-              <a:t>段目 透過 導電率（</a:t>
-            </a:r>
-            <a:r>
-              <a:rPr kumimoji="1" lang="en-US" altLang="ja-JP" sz="1600" dirty="0"/>
-              <a:t>30min</a:t>
-            </a:r>
-            <a:r>
-              <a:rPr kumimoji="1" lang="ja-JP" altLang="en-US" sz="1600" dirty="0"/>
-              <a:t>）</a:t>
-            </a:r>
-          </a:p>
-        </p:txBody>
-      </p:sp>
-      <p:sp>
-        <p:nvSpPr>
-          <p:cNvPr id="8" name="テキスト ボックス 7">
-            <a:extLst>
-              <a:ext uri="{FF2B5EF4-FFF2-40B4-BE49-F238E27FC236}">
-                <a16:creationId xmlns:a16="http://schemas.microsoft.com/office/drawing/2014/main" id="{F5DFEA49-C58B-4416-A6FD-C36E6B6160FD}"/>
-              </a:ext>
-            </a:extLst>
-          </p:cNvPr>
-          <p:cNvSpPr txBox="1"/>
-          <p:nvPr/>
-        </p:nvSpPr>
-        <p:spPr>
-          <a:xfrm>
-            <a:off x="571984" y="-20412"/>
-            <a:ext cx="4521842" cy="338554"/>
-          </a:xfrm>
-          <a:prstGeom prst="rect">
-            <a:avLst/>
-          </a:prstGeom>
-          <a:noFill/>
-        </p:spPr>
-        <p:txBody>
-          <a:bodyPr wrap="square" rtlCol="0">
-            <a:spAutoFit/>
-          </a:bodyPr>
-          <a:lstStyle/>
-          <a:p>
-            <a:r>
-              <a:rPr lang="en-US" altLang="ja-JP" sz="1600" b="1" dirty="0">
-                <a:solidFill>
-                  <a:schemeClr val="bg1"/>
-                </a:solidFill>
-              </a:rPr>
-              <a:t>1. </a:t>
-            </a:r>
-            <a:r>
-              <a:rPr lang="ja-JP" altLang="en-US" sz="1600" b="1" dirty="0">
-                <a:solidFill>
-                  <a:schemeClr val="bg1"/>
-                </a:solidFill>
-              </a:rPr>
-              <a:t>今後のタスク</a:t>
-            </a:r>
-            <a:endParaRPr kumimoji="1" lang="ja-JP" altLang="en-US" sz="1600" b="1" dirty="0">
-              <a:solidFill>
-                <a:schemeClr val="bg1"/>
-              </a:solidFill>
-            </a:endParaRPr>
-          </a:p>
-        </p:txBody>
-      </p:sp>
-      <p:pic>
-        <p:nvPicPr>
-          <p:cNvPr id="10" name="図 9" descr="グラフ, ヒストグラム&#10;&#10;自動的に生成された説明">
-            <a:extLst>
-              <a:ext uri="{FF2B5EF4-FFF2-40B4-BE49-F238E27FC236}">
-                <a16:creationId xmlns:a16="http://schemas.microsoft.com/office/drawing/2014/main" id="{5A1C92B1-2ECC-4F94-AD87-58F549B0B473}"/>
-              </a:ext>
-            </a:extLst>
-          </p:cNvPr>
-          <p:cNvPicPr>
-            <a:picLocks noChangeAspect="1"/>
-          </p:cNvPicPr>
-          <p:nvPr/>
-        </p:nvPicPr>
-        <p:blipFill>
-          <a:blip r:embed="rId3">
+          <a:blip r:embed="rId2">
             <a:extLst>
               <a:ext uri="{28A0092B-C50C-407E-A947-70E740481C1C}">
                 <a14:useLocalDpi xmlns:a14="http://schemas.microsoft.com/office/drawing/2010/main" val="0"/>
@@ -12461,56 +13097,20 @@
         </p:blipFill>
         <p:spPr>
           <a:xfrm>
-            <a:off x="7851184" y="3998629"/>
-            <a:ext cx="3403778" cy="2276890"/>
+            <a:off x="350596" y="2151113"/>
+            <a:ext cx="4743230" cy="3172890"/>
           </a:xfrm>
           <a:prstGeom prst="rect">
             <a:avLst/>
           </a:prstGeom>
         </p:spPr>
       </p:pic>
-      <p:pic>
-        <p:nvPicPr>
-          <p:cNvPr id="11" name="図 10" descr="グラフ, ヒストグラム&#10;&#10;自動的に生成された説明">
-            <a:extLst>
-              <a:ext uri="{FF2B5EF4-FFF2-40B4-BE49-F238E27FC236}">
-                <a16:creationId xmlns:a16="http://schemas.microsoft.com/office/drawing/2014/main" id="{AD9EFE38-4CF2-4974-929A-4F58BE508C42}"/>
-              </a:ext>
-            </a:extLst>
-          </p:cNvPr>
-          <p:cNvPicPr>
-            <a:picLocks noChangeAspect="1"/>
-          </p:cNvPicPr>
-          <p:nvPr/>
-        </p:nvPicPr>
-        <p:blipFill>
-          <a:blip r:embed="rId4">
-            <a:extLst>
-              <a:ext uri="{28A0092B-C50C-407E-A947-70E740481C1C}">
-                <a14:useLocalDpi xmlns:a14="http://schemas.microsoft.com/office/drawing/2010/main" val="0"/>
-              </a:ext>
-            </a:extLst>
-          </a:blip>
-          <a:stretch>
-            <a:fillRect/>
-          </a:stretch>
-        </p:blipFill>
-        <p:spPr>
-          <a:xfrm>
-            <a:off x="7851184" y="1773222"/>
-            <a:ext cx="3403779" cy="2273032"/>
-          </a:xfrm>
-          <a:prstGeom prst="rect">
-            <a:avLst/>
-          </a:prstGeom>
-        </p:spPr>
-      </p:pic>
-      <p:sp>
-        <p:nvSpPr>
-          <p:cNvPr id="12" name="テキスト ボックス 11">
-            <a:extLst>
-              <a:ext uri="{FF2B5EF4-FFF2-40B4-BE49-F238E27FC236}">
-                <a16:creationId xmlns:a16="http://schemas.microsoft.com/office/drawing/2014/main" id="{8AA33489-567C-4118-8169-405FB9DFDB79}"/>
+      <p:sp>
+        <p:nvSpPr>
+          <p:cNvPr id="8" name="テキスト ボックス 7">
+            <a:extLst>
+              <a:ext uri="{FF2B5EF4-FFF2-40B4-BE49-F238E27FC236}">
+                <a16:creationId xmlns:a16="http://schemas.microsoft.com/office/drawing/2014/main" id="{8EF57145-003B-4BA4-BE5A-BC2ED3678F0B}"/>
               </a:ext>
             </a:extLst>
           </p:cNvPr>
@@ -12519,8 +13119,8 @@
         </p:nvSpPr>
         <p:spPr>
           <a:xfrm>
-            <a:off x="8006103" y="1442476"/>
-            <a:ext cx="3227110" cy="338554"/>
+            <a:off x="1914873" y="1812559"/>
+            <a:ext cx="1836064" cy="338554"/>
           </a:xfrm>
           <a:prstGeom prst="rect">
             <a:avLst/>
@@ -12536,7 +13136,7 @@
             <a:pPr algn="ctr"/>
             <a:r>
               <a:rPr kumimoji="1" lang="en-US" altLang="ja-JP" sz="1600" dirty="0"/>
-              <a:t>1</a:t>
+              <a:t>3</a:t>
             </a:r>
             <a:r>
               <a:rPr kumimoji="1" lang="ja-JP" altLang="en-US" sz="1600" dirty="0"/>
@@ -12545,12 +13145,1051 @@
           </a:p>
         </p:txBody>
       </p:sp>
-      <p:sp>
-        <p:nvSpPr>
-          <p:cNvPr id="13" name="テキスト ボックス 12">
-            <a:extLst>
-              <a:ext uri="{FF2B5EF4-FFF2-40B4-BE49-F238E27FC236}">
-                <a16:creationId xmlns:a16="http://schemas.microsoft.com/office/drawing/2014/main" id="{D810561E-FBBC-4950-8874-F0205FCDFBF8}"/>
+      <p:cxnSp>
+        <p:nvCxnSpPr>
+          <p:cNvPr id="4" name="直線矢印コネクタ 3">
+            <a:extLst>
+              <a:ext uri="{FF2B5EF4-FFF2-40B4-BE49-F238E27FC236}">
+                <a16:creationId xmlns:a16="http://schemas.microsoft.com/office/drawing/2014/main" id="{4CC65C26-8551-41DF-99F3-85D48BCCB3D6}"/>
+              </a:ext>
+            </a:extLst>
+          </p:cNvPr>
+          <p:cNvCxnSpPr/>
+          <p:nvPr/>
+        </p:nvCxnSpPr>
+        <p:spPr>
+          <a:xfrm flipV="1">
+            <a:off x="5219700" y="2762580"/>
+            <a:ext cx="847725" cy="542925"/>
+          </a:xfrm>
+          <a:prstGeom prst="straightConnector1">
+            <a:avLst/>
+          </a:prstGeom>
+          <a:ln>
+            <a:headEnd type="none" w="med" len="med"/>
+            <a:tailEnd type="triangle"/>
+          </a:ln>
+        </p:spPr>
+        <p:style>
+          <a:lnRef idx="1">
+            <a:schemeClr val="accent1"/>
+          </a:lnRef>
+          <a:fillRef idx="0">
+            <a:schemeClr val="accent1"/>
+          </a:fillRef>
+          <a:effectRef idx="0">
+            <a:schemeClr val="accent1"/>
+          </a:effectRef>
+          <a:fontRef idx="minor">
+            <a:schemeClr val="tx1"/>
+          </a:fontRef>
+        </p:style>
+      </p:cxnSp>
+      <p:cxnSp>
+        <p:nvCxnSpPr>
+          <p:cNvPr id="10" name="直線矢印コネクタ 9">
+            <a:extLst>
+              <a:ext uri="{FF2B5EF4-FFF2-40B4-BE49-F238E27FC236}">
+                <a16:creationId xmlns:a16="http://schemas.microsoft.com/office/drawing/2014/main" id="{A04556FB-43DE-4A33-9D9D-7C466DD750FE}"/>
+              </a:ext>
+            </a:extLst>
+          </p:cNvPr>
+          <p:cNvCxnSpPr>
+            <a:cxnSpLocks/>
+          </p:cNvCxnSpPr>
+          <p:nvPr/>
+        </p:nvCxnSpPr>
+        <p:spPr>
+          <a:xfrm>
+            <a:off x="5219700" y="3843773"/>
+            <a:ext cx="778342" cy="542925"/>
+          </a:xfrm>
+          <a:prstGeom prst="straightConnector1">
+            <a:avLst/>
+          </a:prstGeom>
+          <a:ln>
+            <a:headEnd type="none" w="med" len="med"/>
+            <a:tailEnd type="triangle"/>
+          </a:ln>
+        </p:spPr>
+        <p:style>
+          <a:lnRef idx="1">
+            <a:schemeClr val="accent1"/>
+          </a:lnRef>
+          <a:fillRef idx="0">
+            <a:schemeClr val="accent1"/>
+          </a:fillRef>
+          <a:effectRef idx="0">
+            <a:schemeClr val="accent1"/>
+          </a:effectRef>
+          <a:fontRef idx="minor">
+            <a:schemeClr val="tx1"/>
+          </a:fontRef>
+        </p:style>
+      </p:cxnSp>
+      <p:sp>
+        <p:nvSpPr>
+          <p:cNvPr id="13" name="正方形/長方形 12">
+            <a:extLst>
+              <a:ext uri="{FF2B5EF4-FFF2-40B4-BE49-F238E27FC236}">
+                <a16:creationId xmlns:a16="http://schemas.microsoft.com/office/drawing/2014/main" id="{5888366A-120C-4C85-8772-490A9B0AFF84}"/>
+              </a:ext>
+            </a:extLst>
+          </p:cNvPr>
+          <p:cNvSpPr/>
+          <p:nvPr/>
+        </p:nvSpPr>
+        <p:spPr>
+          <a:xfrm>
+            <a:off x="6197719" y="1686056"/>
+            <a:ext cx="1329041" cy="337966"/>
+          </a:xfrm>
+          <a:prstGeom prst="rect">
+            <a:avLst/>
+          </a:prstGeom>
+          <a:solidFill>
+            <a:schemeClr val="bg1"/>
+          </a:solidFill>
+        </p:spPr>
+        <p:style>
+          <a:lnRef idx="2">
+            <a:schemeClr val="accent1">
+              <a:shade val="50000"/>
+            </a:schemeClr>
+          </a:lnRef>
+          <a:fillRef idx="1">
+            <a:schemeClr val="accent1"/>
+          </a:fillRef>
+          <a:effectRef idx="0">
+            <a:schemeClr val="accent1"/>
+          </a:effectRef>
+          <a:fontRef idx="minor">
+            <a:schemeClr val="lt1"/>
+          </a:fontRef>
+        </p:style>
+        <p:txBody>
+          <a:bodyPr rtlCol="0" anchor="ctr"/>
+          <a:lstStyle/>
+          <a:p>
+            <a:pPr algn="ctr"/>
+            <a:r>
+              <a:rPr kumimoji="1" lang="ja-JP" altLang="en-US" dirty="0">
+                <a:solidFill>
+                  <a:schemeClr val="tx1"/>
+                </a:solidFill>
+              </a:rPr>
+              <a:t>傾向</a:t>
+            </a:r>
+            <a:r>
+              <a:rPr kumimoji="1" lang="en-US" altLang="ja-JP" dirty="0">
+                <a:solidFill>
+                  <a:schemeClr val="tx1"/>
+                </a:solidFill>
+              </a:rPr>
+              <a:t>1</a:t>
+            </a:r>
+            <a:endParaRPr kumimoji="1" lang="ja-JP" altLang="en-US" dirty="0">
+              <a:solidFill>
+                <a:schemeClr val="tx1"/>
+              </a:solidFill>
+            </a:endParaRPr>
+          </a:p>
+        </p:txBody>
+      </p:sp>
+      <p:sp>
+        <p:nvSpPr>
+          <p:cNvPr id="14" name="正方形/長方形 13">
+            <a:extLst>
+              <a:ext uri="{FF2B5EF4-FFF2-40B4-BE49-F238E27FC236}">
+                <a16:creationId xmlns:a16="http://schemas.microsoft.com/office/drawing/2014/main" id="{3F55AD89-EE9A-4982-9BFA-55C009E5E026}"/>
+              </a:ext>
+            </a:extLst>
+          </p:cNvPr>
+          <p:cNvSpPr/>
+          <p:nvPr/>
+        </p:nvSpPr>
+        <p:spPr>
+          <a:xfrm>
+            <a:off x="6217117" y="3593791"/>
+            <a:ext cx="1329041" cy="337966"/>
+          </a:xfrm>
+          <a:prstGeom prst="rect">
+            <a:avLst/>
+          </a:prstGeom>
+          <a:solidFill>
+            <a:schemeClr val="bg1"/>
+          </a:solidFill>
+        </p:spPr>
+        <p:style>
+          <a:lnRef idx="2">
+            <a:schemeClr val="accent1">
+              <a:shade val="50000"/>
+            </a:schemeClr>
+          </a:lnRef>
+          <a:fillRef idx="1">
+            <a:schemeClr val="accent1"/>
+          </a:fillRef>
+          <a:effectRef idx="0">
+            <a:schemeClr val="accent1"/>
+          </a:effectRef>
+          <a:fontRef idx="minor">
+            <a:schemeClr val="lt1"/>
+          </a:fontRef>
+        </p:style>
+        <p:txBody>
+          <a:bodyPr rtlCol="0" anchor="ctr"/>
+          <a:lstStyle/>
+          <a:p>
+            <a:pPr algn="ctr"/>
+            <a:r>
+              <a:rPr kumimoji="1" lang="ja-JP" altLang="en-US" dirty="0">
+                <a:solidFill>
+                  <a:schemeClr val="tx1"/>
+                </a:solidFill>
+              </a:rPr>
+              <a:t>傾向</a:t>
+            </a:r>
+            <a:r>
+              <a:rPr kumimoji="1" lang="en-US" altLang="ja-JP" dirty="0">
+                <a:solidFill>
+                  <a:schemeClr val="tx1"/>
+                </a:solidFill>
+              </a:rPr>
+              <a:t>2</a:t>
+            </a:r>
+            <a:endParaRPr kumimoji="1" lang="ja-JP" altLang="en-US" dirty="0">
+              <a:solidFill>
+                <a:schemeClr val="tx1"/>
+              </a:solidFill>
+            </a:endParaRPr>
+          </a:p>
+        </p:txBody>
+      </p:sp>
+      <p:graphicFrame>
+        <p:nvGraphicFramePr>
+          <p:cNvPr id="12" name="表 21">
+            <a:extLst>
+              <a:ext uri="{FF2B5EF4-FFF2-40B4-BE49-F238E27FC236}">
+                <a16:creationId xmlns:a16="http://schemas.microsoft.com/office/drawing/2014/main" id="{619293D7-0ACC-4E2B-B573-A537B402D275}"/>
+              </a:ext>
+            </a:extLst>
+          </p:cNvPr>
+          <p:cNvGraphicFramePr>
+            <a:graphicFrameLocks noGrp="1"/>
+          </p:cNvGraphicFramePr>
+          <p:nvPr>
+            <p:extLst>
+              <p:ext uri="{D42A27DB-BD31-4B8C-83A1-F6EECF244321}">
+                <p14:modId xmlns:p14="http://schemas.microsoft.com/office/powerpoint/2010/main" val="1733808821"/>
+              </p:ext>
+            </p:extLst>
+          </p:nvPr>
+        </p:nvGraphicFramePr>
+        <p:xfrm>
+          <a:off x="6217116" y="2211642"/>
+          <a:ext cx="5098825" cy="1112520"/>
+        </p:xfrm>
+        <a:graphic>
+          <a:graphicData uri="http://schemas.openxmlformats.org/drawingml/2006/table">
+            <a:tbl>
+              <a:tblPr firstRow="1" bandRow="1">
+                <a:tableStyleId>{5C22544A-7EE6-4342-B048-85BDC9FD1C3A}</a:tableStyleId>
+              </a:tblPr>
+              <a:tblGrid>
+                <a:gridCol w="1130459">
+                  <a:extLst>
+                    <a:ext uri="{9D8B030D-6E8A-4147-A177-3AD203B41FA5}">
+                      <a16:colId xmlns:a16="http://schemas.microsoft.com/office/drawing/2014/main" val="3820961721"/>
+                    </a:ext>
+                  </a:extLst>
+                </a:gridCol>
+                <a:gridCol w="3968366">
+                  <a:extLst>
+                    <a:ext uri="{9D8B030D-6E8A-4147-A177-3AD203B41FA5}">
+                      <a16:colId xmlns:a16="http://schemas.microsoft.com/office/drawing/2014/main" val="3443190135"/>
+                    </a:ext>
+                  </a:extLst>
+                </a:gridCol>
+              </a:tblGrid>
+              <a:tr h="370840">
+                <a:tc>
+                  <a:txBody>
+                    <a:bodyPr/>
+                    <a:lstStyle/>
+                    <a:p>
+                      <a:pPr algn="ctr"/>
+                      <a:r>
+                        <a:rPr kumimoji="1" lang="ja-JP" altLang="en-US" b="1" dirty="0">
+                          <a:solidFill>
+                            <a:schemeClr val="bg1"/>
+                          </a:solidFill>
+                        </a:rPr>
+                        <a:t>内容</a:t>
+                      </a:r>
+                    </a:p>
+                  </a:txBody>
+                  <a:tcPr>
+                    <a:lnL w="12700" cap="flat" cmpd="sng" algn="ctr">
+                      <a:solidFill>
+                        <a:schemeClr val="tx1"/>
+                      </a:solidFill>
+                      <a:prstDash val="solid"/>
+                      <a:round/>
+                      <a:headEnd type="none" w="med" len="med"/>
+                      <a:tailEnd type="none" w="med" len="med"/>
+                    </a:lnL>
+                    <a:lnR w="12700" cap="flat" cmpd="sng" algn="ctr">
+                      <a:solidFill>
+                        <a:schemeClr val="tx1"/>
+                      </a:solidFill>
+                      <a:prstDash val="solid"/>
+                      <a:round/>
+                      <a:headEnd type="none" w="med" len="med"/>
+                      <a:tailEnd type="none" w="med" len="med"/>
+                    </a:lnR>
+                    <a:lnT w="12700" cap="flat" cmpd="sng" algn="ctr">
+                      <a:solidFill>
+                        <a:schemeClr val="tx1"/>
+                      </a:solidFill>
+                      <a:prstDash val="solid"/>
+                      <a:round/>
+                      <a:headEnd type="none" w="med" len="med"/>
+                      <a:tailEnd type="none" w="med" len="med"/>
+                    </a:lnT>
+                    <a:lnB w="12700" cap="flat" cmpd="sng" algn="ctr">
+                      <a:solidFill>
+                        <a:schemeClr val="tx1"/>
+                      </a:solidFill>
+                      <a:prstDash val="solid"/>
+                      <a:round/>
+                      <a:headEnd type="none" w="med" len="med"/>
+                      <a:tailEnd type="none" w="med" len="med"/>
+                    </a:lnB>
+                    <a:solidFill>
+                      <a:schemeClr val="accent1"/>
+                    </a:solidFill>
+                  </a:tcPr>
+                </a:tc>
+                <a:tc>
+                  <a:txBody>
+                    <a:bodyPr/>
+                    <a:lstStyle/>
+                    <a:p>
+                      <a:r>
+                        <a:rPr kumimoji="1" lang="ja-JP" altLang="en-US" b="0" dirty="0">
+                          <a:solidFill>
+                            <a:schemeClr val="tx1"/>
+                          </a:solidFill>
+                        </a:rPr>
+                        <a:t>日々の変動傾向</a:t>
+                      </a:r>
+                    </a:p>
+                  </a:txBody>
+                  <a:tcPr>
+                    <a:lnL w="12700" cap="flat" cmpd="sng" algn="ctr">
+                      <a:solidFill>
+                        <a:schemeClr val="tx1"/>
+                      </a:solidFill>
+                      <a:prstDash val="solid"/>
+                      <a:round/>
+                      <a:headEnd type="none" w="med" len="med"/>
+                      <a:tailEnd type="none" w="med" len="med"/>
+                    </a:lnL>
+                    <a:lnR w="12700" cap="flat" cmpd="sng" algn="ctr">
+                      <a:solidFill>
+                        <a:schemeClr val="tx1"/>
+                      </a:solidFill>
+                      <a:prstDash val="solid"/>
+                      <a:round/>
+                      <a:headEnd type="none" w="med" len="med"/>
+                      <a:tailEnd type="none" w="med" len="med"/>
+                    </a:lnR>
+                    <a:lnT w="12700" cap="flat" cmpd="sng" algn="ctr">
+                      <a:solidFill>
+                        <a:schemeClr val="tx1"/>
+                      </a:solidFill>
+                      <a:prstDash val="solid"/>
+                      <a:round/>
+                      <a:headEnd type="none" w="med" len="med"/>
+                      <a:tailEnd type="none" w="med" len="med"/>
+                    </a:lnT>
+                    <a:lnB w="12700" cap="flat" cmpd="sng" algn="ctr">
+                      <a:solidFill>
+                        <a:schemeClr val="tx1"/>
+                      </a:solidFill>
+                      <a:prstDash val="solid"/>
+                      <a:round/>
+                      <a:headEnd type="none" w="med" len="med"/>
+                      <a:tailEnd type="none" w="med" len="med"/>
+                    </a:lnB>
+                    <a:noFill/>
+                  </a:tcPr>
+                </a:tc>
+                <a:extLst>
+                  <a:ext uri="{0D108BD9-81ED-4DB2-BD59-A6C34878D82A}">
+                    <a16:rowId xmlns:a16="http://schemas.microsoft.com/office/drawing/2014/main" val="1821035876"/>
+                  </a:ext>
+                </a:extLst>
+              </a:tr>
+              <a:tr h="370840">
+                <a:tc>
+                  <a:txBody>
+                    <a:bodyPr/>
+                    <a:lstStyle/>
+                    <a:p>
+                      <a:pPr algn="ctr"/>
+                      <a:r>
+                        <a:rPr kumimoji="1" lang="ja-JP" altLang="en-US" b="1" dirty="0">
+                          <a:solidFill>
+                            <a:schemeClr val="bg1"/>
+                          </a:solidFill>
+                        </a:rPr>
+                        <a:t>理由</a:t>
+                      </a:r>
+                    </a:p>
+                  </a:txBody>
+                  <a:tcPr>
+                    <a:lnL w="12700" cap="flat" cmpd="sng" algn="ctr">
+                      <a:solidFill>
+                        <a:schemeClr val="tx1"/>
+                      </a:solidFill>
+                      <a:prstDash val="solid"/>
+                      <a:round/>
+                      <a:headEnd type="none" w="med" len="med"/>
+                      <a:tailEnd type="none" w="med" len="med"/>
+                    </a:lnL>
+                    <a:lnR w="12700" cap="flat" cmpd="sng" algn="ctr">
+                      <a:solidFill>
+                        <a:schemeClr val="tx1"/>
+                      </a:solidFill>
+                      <a:prstDash val="solid"/>
+                      <a:round/>
+                      <a:headEnd type="none" w="med" len="med"/>
+                      <a:tailEnd type="none" w="med" len="med"/>
+                    </a:lnR>
+                    <a:lnT w="12700" cap="flat" cmpd="sng" algn="ctr">
+                      <a:solidFill>
+                        <a:schemeClr val="tx1"/>
+                      </a:solidFill>
+                      <a:prstDash val="solid"/>
+                      <a:round/>
+                      <a:headEnd type="none" w="med" len="med"/>
+                      <a:tailEnd type="none" w="med" len="med"/>
+                    </a:lnT>
+                    <a:lnB w="12700" cap="flat" cmpd="sng" algn="ctr">
+                      <a:solidFill>
+                        <a:schemeClr val="tx1"/>
+                      </a:solidFill>
+                      <a:prstDash val="solid"/>
+                      <a:round/>
+                      <a:headEnd type="none" w="med" len="med"/>
+                      <a:tailEnd type="none" w="med" len="med"/>
+                    </a:lnB>
+                    <a:solidFill>
+                      <a:schemeClr val="accent1"/>
+                    </a:solidFill>
+                  </a:tcPr>
+                </a:tc>
+                <a:tc>
+                  <a:txBody>
+                    <a:bodyPr/>
+                    <a:lstStyle/>
+                    <a:p>
+                      <a:r>
+                        <a:rPr kumimoji="1" lang="ja-JP" altLang="en-US" dirty="0"/>
+                        <a:t>日々の操業や外乱の影響を受けている</a:t>
+                      </a:r>
+                    </a:p>
+                  </a:txBody>
+                  <a:tcPr>
+                    <a:lnL w="12700" cap="flat" cmpd="sng" algn="ctr">
+                      <a:solidFill>
+                        <a:schemeClr val="tx1"/>
+                      </a:solidFill>
+                      <a:prstDash val="solid"/>
+                      <a:round/>
+                      <a:headEnd type="none" w="med" len="med"/>
+                      <a:tailEnd type="none" w="med" len="med"/>
+                    </a:lnL>
+                    <a:lnR w="12700" cap="flat" cmpd="sng" algn="ctr">
+                      <a:solidFill>
+                        <a:schemeClr val="tx1"/>
+                      </a:solidFill>
+                      <a:prstDash val="solid"/>
+                      <a:round/>
+                      <a:headEnd type="none" w="med" len="med"/>
+                      <a:tailEnd type="none" w="med" len="med"/>
+                    </a:lnR>
+                    <a:lnT w="12700" cap="flat" cmpd="sng" algn="ctr">
+                      <a:solidFill>
+                        <a:schemeClr val="tx1"/>
+                      </a:solidFill>
+                      <a:prstDash val="solid"/>
+                      <a:round/>
+                      <a:headEnd type="none" w="med" len="med"/>
+                      <a:tailEnd type="none" w="med" len="med"/>
+                    </a:lnT>
+                    <a:lnB w="12700" cap="flat" cmpd="sng" algn="ctr">
+                      <a:solidFill>
+                        <a:schemeClr val="tx1"/>
+                      </a:solidFill>
+                      <a:prstDash val="solid"/>
+                      <a:round/>
+                      <a:headEnd type="none" w="med" len="med"/>
+                      <a:tailEnd type="none" w="med" len="med"/>
+                    </a:lnB>
+                    <a:noFill/>
+                  </a:tcPr>
+                </a:tc>
+                <a:extLst>
+                  <a:ext uri="{0D108BD9-81ED-4DB2-BD59-A6C34878D82A}">
+                    <a16:rowId xmlns:a16="http://schemas.microsoft.com/office/drawing/2014/main" val="4013493971"/>
+                  </a:ext>
+                </a:extLst>
+              </a:tr>
+              <a:tr h="370840">
+                <a:tc>
+                  <a:txBody>
+                    <a:bodyPr/>
+                    <a:lstStyle/>
+                    <a:p>
+                      <a:pPr algn="ctr"/>
+                      <a:r>
+                        <a:rPr kumimoji="1" lang="ja-JP" altLang="en-US" b="1" dirty="0">
+                          <a:solidFill>
+                            <a:schemeClr val="bg1"/>
+                          </a:solidFill>
+                        </a:rPr>
+                        <a:t>対策</a:t>
+                      </a:r>
+                    </a:p>
+                  </a:txBody>
+                  <a:tcPr>
+                    <a:lnL w="12700" cap="flat" cmpd="sng" algn="ctr">
+                      <a:solidFill>
+                        <a:schemeClr val="tx1"/>
+                      </a:solidFill>
+                      <a:prstDash val="solid"/>
+                      <a:round/>
+                      <a:headEnd type="none" w="med" len="med"/>
+                      <a:tailEnd type="none" w="med" len="med"/>
+                    </a:lnL>
+                    <a:lnR w="12700" cap="flat" cmpd="sng" algn="ctr">
+                      <a:solidFill>
+                        <a:schemeClr val="tx1"/>
+                      </a:solidFill>
+                      <a:prstDash val="solid"/>
+                      <a:round/>
+                      <a:headEnd type="none" w="med" len="med"/>
+                      <a:tailEnd type="none" w="med" len="med"/>
+                    </a:lnR>
+                    <a:lnT w="12700" cap="flat" cmpd="sng" algn="ctr">
+                      <a:solidFill>
+                        <a:schemeClr val="tx1"/>
+                      </a:solidFill>
+                      <a:prstDash val="solid"/>
+                      <a:round/>
+                      <a:headEnd type="none" w="med" len="med"/>
+                      <a:tailEnd type="none" w="med" len="med"/>
+                    </a:lnT>
+                    <a:lnB w="12700" cap="flat" cmpd="sng" algn="ctr">
+                      <a:solidFill>
+                        <a:schemeClr val="tx1"/>
+                      </a:solidFill>
+                      <a:prstDash val="solid"/>
+                      <a:round/>
+                      <a:headEnd type="none" w="med" len="med"/>
+                      <a:tailEnd type="none" w="med" len="med"/>
+                    </a:lnB>
+                    <a:solidFill>
+                      <a:schemeClr val="accent1"/>
+                    </a:solidFill>
+                  </a:tcPr>
+                </a:tc>
+                <a:tc>
+                  <a:txBody>
+                    <a:bodyPr/>
+                    <a:lstStyle/>
+                    <a:p>
+                      <a:r>
+                        <a:rPr kumimoji="1" lang="ja-JP" altLang="en-US" dirty="0"/>
+                        <a:t>他の変数から予測する</a:t>
+                      </a:r>
+                    </a:p>
+                  </a:txBody>
+                  <a:tcPr>
+                    <a:lnL w="12700" cap="flat" cmpd="sng" algn="ctr">
+                      <a:solidFill>
+                        <a:schemeClr val="tx1"/>
+                      </a:solidFill>
+                      <a:prstDash val="solid"/>
+                      <a:round/>
+                      <a:headEnd type="none" w="med" len="med"/>
+                      <a:tailEnd type="none" w="med" len="med"/>
+                    </a:lnL>
+                    <a:lnR w="12700" cap="flat" cmpd="sng" algn="ctr">
+                      <a:solidFill>
+                        <a:schemeClr val="tx1"/>
+                      </a:solidFill>
+                      <a:prstDash val="solid"/>
+                      <a:round/>
+                      <a:headEnd type="none" w="med" len="med"/>
+                      <a:tailEnd type="none" w="med" len="med"/>
+                    </a:lnR>
+                    <a:lnT w="12700" cap="flat" cmpd="sng" algn="ctr">
+                      <a:solidFill>
+                        <a:schemeClr val="tx1"/>
+                      </a:solidFill>
+                      <a:prstDash val="solid"/>
+                      <a:round/>
+                      <a:headEnd type="none" w="med" len="med"/>
+                      <a:tailEnd type="none" w="med" len="med"/>
+                    </a:lnT>
+                    <a:lnB w="12700" cap="flat" cmpd="sng" algn="ctr">
+                      <a:solidFill>
+                        <a:schemeClr val="tx1"/>
+                      </a:solidFill>
+                      <a:prstDash val="solid"/>
+                      <a:round/>
+                      <a:headEnd type="none" w="med" len="med"/>
+                      <a:tailEnd type="none" w="med" len="med"/>
+                    </a:lnB>
+                    <a:noFill/>
+                  </a:tcPr>
+                </a:tc>
+                <a:extLst>
+                  <a:ext uri="{0D108BD9-81ED-4DB2-BD59-A6C34878D82A}">
+                    <a16:rowId xmlns:a16="http://schemas.microsoft.com/office/drawing/2014/main" val="1015218711"/>
+                  </a:ext>
+                </a:extLst>
+              </a:tr>
+            </a:tbl>
+          </a:graphicData>
+        </a:graphic>
+      </p:graphicFrame>
+      <p:graphicFrame>
+        <p:nvGraphicFramePr>
+          <p:cNvPr id="24" name="表 21">
+            <a:extLst>
+              <a:ext uri="{FF2B5EF4-FFF2-40B4-BE49-F238E27FC236}">
+                <a16:creationId xmlns:a16="http://schemas.microsoft.com/office/drawing/2014/main" id="{15FB6834-6015-4E72-B9BC-ED4F9E6E8D12}"/>
+              </a:ext>
+            </a:extLst>
+          </p:cNvPr>
+          <p:cNvGraphicFramePr>
+            <a:graphicFrameLocks noGrp="1"/>
+          </p:cNvGraphicFramePr>
+          <p:nvPr>
+            <p:extLst>
+              <p:ext uri="{D42A27DB-BD31-4B8C-83A1-F6EECF244321}">
+                <p14:modId xmlns:p14="http://schemas.microsoft.com/office/powerpoint/2010/main" val="228724314"/>
+              </p:ext>
+            </p:extLst>
+          </p:nvPr>
+        </p:nvGraphicFramePr>
+        <p:xfrm>
+          <a:off x="6217117" y="4119377"/>
+          <a:ext cx="5098825" cy="1930400"/>
+        </p:xfrm>
+        <a:graphic>
+          <a:graphicData uri="http://schemas.openxmlformats.org/drawingml/2006/table">
+            <a:tbl>
+              <a:tblPr firstRow="1" bandRow="1">
+                <a:tableStyleId>{5C22544A-7EE6-4342-B048-85BDC9FD1C3A}</a:tableStyleId>
+              </a:tblPr>
+              <a:tblGrid>
+                <a:gridCol w="1130459">
+                  <a:extLst>
+                    <a:ext uri="{9D8B030D-6E8A-4147-A177-3AD203B41FA5}">
+                      <a16:colId xmlns:a16="http://schemas.microsoft.com/office/drawing/2014/main" val="3820961721"/>
+                    </a:ext>
+                  </a:extLst>
+                </a:gridCol>
+                <a:gridCol w="3968366">
+                  <a:extLst>
+                    <a:ext uri="{9D8B030D-6E8A-4147-A177-3AD203B41FA5}">
+                      <a16:colId xmlns:a16="http://schemas.microsoft.com/office/drawing/2014/main" val="3443190135"/>
+                    </a:ext>
+                  </a:extLst>
+                </a:gridCol>
+              </a:tblGrid>
+              <a:tr h="370840">
+                <a:tc>
+                  <a:txBody>
+                    <a:bodyPr/>
+                    <a:lstStyle/>
+                    <a:p>
+                      <a:pPr algn="ctr"/>
+                      <a:r>
+                        <a:rPr kumimoji="1" lang="ja-JP" altLang="en-US" b="1" dirty="0">
+                          <a:solidFill>
+                            <a:schemeClr val="bg1"/>
+                          </a:solidFill>
+                        </a:rPr>
+                        <a:t>内容</a:t>
+                      </a:r>
+                    </a:p>
+                  </a:txBody>
+                  <a:tcPr anchor="ctr">
+                    <a:lnL w="12700" cap="flat" cmpd="sng" algn="ctr">
+                      <a:solidFill>
+                        <a:schemeClr val="tx1"/>
+                      </a:solidFill>
+                      <a:prstDash val="solid"/>
+                      <a:round/>
+                      <a:headEnd type="none" w="med" len="med"/>
+                      <a:tailEnd type="none" w="med" len="med"/>
+                    </a:lnL>
+                    <a:lnR w="12700" cap="flat" cmpd="sng" algn="ctr">
+                      <a:solidFill>
+                        <a:schemeClr val="tx1"/>
+                      </a:solidFill>
+                      <a:prstDash val="solid"/>
+                      <a:round/>
+                      <a:headEnd type="none" w="med" len="med"/>
+                      <a:tailEnd type="none" w="med" len="med"/>
+                    </a:lnR>
+                    <a:lnT w="12700" cap="flat" cmpd="sng" algn="ctr">
+                      <a:solidFill>
+                        <a:schemeClr val="tx1"/>
+                      </a:solidFill>
+                      <a:prstDash val="solid"/>
+                      <a:round/>
+                      <a:headEnd type="none" w="med" len="med"/>
+                      <a:tailEnd type="none" w="med" len="med"/>
+                    </a:lnT>
+                    <a:lnB w="12700" cap="flat" cmpd="sng" algn="ctr">
+                      <a:solidFill>
+                        <a:schemeClr val="tx1"/>
+                      </a:solidFill>
+                      <a:prstDash val="solid"/>
+                      <a:round/>
+                      <a:headEnd type="none" w="med" len="med"/>
+                      <a:tailEnd type="none" w="med" len="med"/>
+                    </a:lnB>
+                    <a:solidFill>
+                      <a:schemeClr val="accent1"/>
+                    </a:solidFill>
+                  </a:tcPr>
+                </a:tc>
+                <a:tc>
+                  <a:txBody>
+                    <a:bodyPr/>
+                    <a:lstStyle/>
+                    <a:p>
+                      <a:r>
+                        <a:rPr kumimoji="1" lang="ja-JP" altLang="en-US" b="0" dirty="0">
+                          <a:solidFill>
+                            <a:schemeClr val="tx1"/>
+                          </a:solidFill>
+                        </a:rPr>
+                        <a:t>数か月単位での上昇傾向</a:t>
+                      </a:r>
+                    </a:p>
+                  </a:txBody>
+                  <a:tcPr>
+                    <a:lnL w="12700" cap="flat" cmpd="sng" algn="ctr">
+                      <a:solidFill>
+                        <a:schemeClr val="tx1"/>
+                      </a:solidFill>
+                      <a:prstDash val="solid"/>
+                      <a:round/>
+                      <a:headEnd type="none" w="med" len="med"/>
+                      <a:tailEnd type="none" w="med" len="med"/>
+                    </a:lnL>
+                    <a:lnR w="12700" cap="flat" cmpd="sng" algn="ctr">
+                      <a:solidFill>
+                        <a:schemeClr val="tx1"/>
+                      </a:solidFill>
+                      <a:prstDash val="solid"/>
+                      <a:round/>
+                      <a:headEnd type="none" w="med" len="med"/>
+                      <a:tailEnd type="none" w="med" len="med"/>
+                    </a:lnR>
+                    <a:lnT w="12700" cap="flat" cmpd="sng" algn="ctr">
+                      <a:solidFill>
+                        <a:schemeClr val="tx1"/>
+                      </a:solidFill>
+                      <a:prstDash val="solid"/>
+                      <a:round/>
+                      <a:headEnd type="none" w="med" len="med"/>
+                      <a:tailEnd type="none" w="med" len="med"/>
+                    </a:lnT>
+                    <a:lnB w="12700" cap="flat" cmpd="sng" algn="ctr">
+                      <a:solidFill>
+                        <a:schemeClr val="tx1"/>
+                      </a:solidFill>
+                      <a:prstDash val="solid"/>
+                      <a:round/>
+                      <a:headEnd type="none" w="med" len="med"/>
+                      <a:tailEnd type="none" w="med" len="med"/>
+                    </a:lnB>
+                    <a:noFill/>
+                  </a:tcPr>
+                </a:tc>
+                <a:extLst>
+                  <a:ext uri="{0D108BD9-81ED-4DB2-BD59-A6C34878D82A}">
+                    <a16:rowId xmlns:a16="http://schemas.microsoft.com/office/drawing/2014/main" val="1821035876"/>
+                  </a:ext>
+                </a:extLst>
+              </a:tr>
+              <a:tr h="370840">
+                <a:tc>
+                  <a:txBody>
+                    <a:bodyPr/>
+                    <a:lstStyle/>
+                    <a:p>
+                      <a:pPr algn="ctr"/>
+                      <a:r>
+                        <a:rPr kumimoji="1" lang="ja-JP" altLang="en-US" b="1" dirty="0">
+                          <a:solidFill>
+                            <a:schemeClr val="bg1"/>
+                          </a:solidFill>
+                        </a:rPr>
+                        <a:t>理由</a:t>
+                      </a:r>
+                    </a:p>
+                  </a:txBody>
+                  <a:tcPr anchor="ctr">
+                    <a:lnL w="12700" cap="flat" cmpd="sng" algn="ctr">
+                      <a:solidFill>
+                        <a:schemeClr val="tx1"/>
+                      </a:solidFill>
+                      <a:prstDash val="solid"/>
+                      <a:round/>
+                      <a:headEnd type="none" w="med" len="med"/>
+                      <a:tailEnd type="none" w="med" len="med"/>
+                    </a:lnL>
+                    <a:lnR w="12700" cap="flat" cmpd="sng" algn="ctr">
+                      <a:solidFill>
+                        <a:schemeClr val="tx1"/>
+                      </a:solidFill>
+                      <a:prstDash val="solid"/>
+                      <a:round/>
+                      <a:headEnd type="none" w="med" len="med"/>
+                      <a:tailEnd type="none" w="med" len="med"/>
+                    </a:lnR>
+                    <a:lnT w="12700" cap="flat" cmpd="sng" algn="ctr">
+                      <a:solidFill>
+                        <a:schemeClr val="tx1"/>
+                      </a:solidFill>
+                      <a:prstDash val="solid"/>
+                      <a:round/>
+                      <a:headEnd type="none" w="med" len="med"/>
+                      <a:tailEnd type="none" w="med" len="med"/>
+                    </a:lnT>
+                    <a:lnB w="12700" cap="flat" cmpd="sng" algn="ctr">
+                      <a:solidFill>
+                        <a:schemeClr val="tx1"/>
+                      </a:solidFill>
+                      <a:prstDash val="solid"/>
+                      <a:round/>
+                      <a:headEnd type="none" w="med" len="med"/>
+                      <a:tailEnd type="none" w="med" len="med"/>
+                    </a:lnB>
+                    <a:solidFill>
+                      <a:schemeClr val="accent1"/>
+                    </a:solidFill>
+                  </a:tcPr>
+                </a:tc>
+                <a:tc>
+                  <a:txBody>
+                    <a:bodyPr/>
+                    <a:lstStyle/>
+                    <a:p>
+                      <a:r>
+                        <a:rPr kumimoji="1" lang="ja-JP" altLang="en-US" dirty="0"/>
+                        <a:t>膜詰まり／劣化による除去性能の悪化</a:t>
+                      </a:r>
+                    </a:p>
+                  </a:txBody>
+                  <a:tcPr>
+                    <a:lnL w="12700" cap="flat" cmpd="sng" algn="ctr">
+                      <a:solidFill>
+                        <a:schemeClr val="tx1"/>
+                      </a:solidFill>
+                      <a:prstDash val="solid"/>
+                      <a:round/>
+                      <a:headEnd type="none" w="med" len="med"/>
+                      <a:tailEnd type="none" w="med" len="med"/>
+                    </a:lnL>
+                    <a:lnR w="12700" cap="flat" cmpd="sng" algn="ctr">
+                      <a:solidFill>
+                        <a:schemeClr val="tx1"/>
+                      </a:solidFill>
+                      <a:prstDash val="solid"/>
+                      <a:round/>
+                      <a:headEnd type="none" w="med" len="med"/>
+                      <a:tailEnd type="none" w="med" len="med"/>
+                    </a:lnR>
+                    <a:lnT w="12700" cap="flat" cmpd="sng" algn="ctr">
+                      <a:solidFill>
+                        <a:schemeClr val="tx1"/>
+                      </a:solidFill>
+                      <a:prstDash val="solid"/>
+                      <a:round/>
+                      <a:headEnd type="none" w="med" len="med"/>
+                      <a:tailEnd type="none" w="med" len="med"/>
+                    </a:lnT>
+                    <a:lnB w="12700" cap="flat" cmpd="sng" algn="ctr">
+                      <a:solidFill>
+                        <a:schemeClr val="tx1"/>
+                      </a:solidFill>
+                      <a:prstDash val="solid"/>
+                      <a:round/>
+                      <a:headEnd type="none" w="med" len="med"/>
+                      <a:tailEnd type="none" w="med" len="med"/>
+                    </a:lnB>
+                    <a:noFill/>
+                  </a:tcPr>
+                </a:tc>
+                <a:extLst>
+                  <a:ext uri="{0D108BD9-81ED-4DB2-BD59-A6C34878D82A}">
+                    <a16:rowId xmlns:a16="http://schemas.microsoft.com/office/drawing/2014/main" val="4013493971"/>
+                  </a:ext>
+                </a:extLst>
+              </a:tr>
+              <a:tr h="370840">
+                <a:tc>
+                  <a:txBody>
+                    <a:bodyPr/>
+                    <a:lstStyle/>
+                    <a:p>
+                      <a:pPr algn="ctr"/>
+                      <a:r>
+                        <a:rPr kumimoji="1" lang="ja-JP" altLang="en-US" b="1" dirty="0">
+                          <a:solidFill>
+                            <a:schemeClr val="bg1"/>
+                          </a:solidFill>
+                        </a:rPr>
+                        <a:t>対策</a:t>
+                      </a:r>
+                    </a:p>
+                  </a:txBody>
+                  <a:tcPr anchor="ctr">
+                    <a:lnL w="12700" cap="flat" cmpd="sng" algn="ctr">
+                      <a:solidFill>
+                        <a:schemeClr val="tx1"/>
+                      </a:solidFill>
+                      <a:prstDash val="solid"/>
+                      <a:round/>
+                      <a:headEnd type="none" w="med" len="med"/>
+                      <a:tailEnd type="none" w="med" len="med"/>
+                    </a:lnL>
+                    <a:lnR w="12700" cap="flat" cmpd="sng" algn="ctr">
+                      <a:solidFill>
+                        <a:schemeClr val="tx1"/>
+                      </a:solidFill>
+                      <a:prstDash val="solid"/>
+                      <a:round/>
+                      <a:headEnd type="none" w="med" len="med"/>
+                      <a:tailEnd type="none" w="med" len="med"/>
+                    </a:lnR>
+                    <a:lnT w="12700" cap="flat" cmpd="sng" algn="ctr">
+                      <a:solidFill>
+                        <a:schemeClr val="tx1"/>
+                      </a:solidFill>
+                      <a:prstDash val="solid"/>
+                      <a:round/>
+                      <a:headEnd type="none" w="med" len="med"/>
+                      <a:tailEnd type="none" w="med" len="med"/>
+                    </a:lnT>
+                    <a:lnB w="12700" cap="flat" cmpd="sng" algn="ctr">
+                      <a:solidFill>
+                        <a:schemeClr val="tx1"/>
+                      </a:solidFill>
+                      <a:prstDash val="solid"/>
+                      <a:round/>
+                      <a:headEnd type="none" w="med" len="med"/>
+                      <a:tailEnd type="none" w="med" len="med"/>
+                    </a:lnB>
+                    <a:solidFill>
+                      <a:schemeClr val="accent1"/>
+                    </a:solidFill>
+                  </a:tcPr>
+                </a:tc>
+                <a:tc>
+                  <a:txBody>
+                    <a:bodyPr/>
+                    <a:lstStyle/>
+                    <a:p>
+                      <a:r>
+                        <a:rPr kumimoji="1" lang="ja-JP" altLang="en-US" dirty="0"/>
+                        <a:t>時系列の変化</a:t>
+                      </a:r>
+                      <a:r>
+                        <a:rPr kumimoji="1" lang="ja-JP" altLang="en-US" sz="1600" dirty="0"/>
+                        <a:t>（自己回帰成分など）</a:t>
+                      </a:r>
+                      <a:r>
+                        <a:rPr kumimoji="1" lang="ja-JP" altLang="en-US" dirty="0"/>
+                        <a:t>から予測する</a:t>
+                      </a:r>
+                      <a:endParaRPr kumimoji="1" lang="en-US" altLang="ja-JP" dirty="0"/>
+                    </a:p>
+                    <a:p>
+                      <a:r>
+                        <a:rPr kumimoji="1" lang="ja-JP" altLang="en-US" dirty="0"/>
+                        <a:t>ただし、予測できない差分は、物理モデルなどでの知見で改善する可能性がある</a:t>
+                      </a:r>
+                    </a:p>
+                  </a:txBody>
+                  <a:tcPr>
+                    <a:lnL w="12700" cap="flat" cmpd="sng" algn="ctr">
+                      <a:solidFill>
+                        <a:schemeClr val="tx1"/>
+                      </a:solidFill>
+                      <a:prstDash val="solid"/>
+                      <a:round/>
+                      <a:headEnd type="none" w="med" len="med"/>
+                      <a:tailEnd type="none" w="med" len="med"/>
+                    </a:lnL>
+                    <a:lnR w="12700" cap="flat" cmpd="sng" algn="ctr">
+                      <a:solidFill>
+                        <a:schemeClr val="tx1"/>
+                      </a:solidFill>
+                      <a:prstDash val="solid"/>
+                      <a:round/>
+                      <a:headEnd type="none" w="med" len="med"/>
+                      <a:tailEnd type="none" w="med" len="med"/>
+                    </a:lnR>
+                    <a:lnT w="12700" cap="flat" cmpd="sng" algn="ctr">
+                      <a:solidFill>
+                        <a:schemeClr val="tx1"/>
+                      </a:solidFill>
+                      <a:prstDash val="solid"/>
+                      <a:round/>
+                      <a:headEnd type="none" w="med" len="med"/>
+                      <a:tailEnd type="none" w="med" len="med"/>
+                    </a:lnT>
+                    <a:lnB w="12700" cap="flat" cmpd="sng" algn="ctr">
+                      <a:solidFill>
+                        <a:schemeClr val="tx1"/>
+                      </a:solidFill>
+                      <a:prstDash val="solid"/>
+                      <a:round/>
+                      <a:headEnd type="none" w="med" len="med"/>
+                      <a:tailEnd type="none" w="med" len="med"/>
+                    </a:lnB>
+                    <a:noFill/>
+                  </a:tcPr>
+                </a:tc>
+                <a:extLst>
+                  <a:ext uri="{0D108BD9-81ED-4DB2-BD59-A6C34878D82A}">
+                    <a16:rowId xmlns:a16="http://schemas.microsoft.com/office/drawing/2014/main" val="1015218711"/>
+                  </a:ext>
+                </a:extLst>
+              </a:tr>
+            </a:tbl>
+          </a:graphicData>
+        </a:graphic>
+      </p:graphicFrame>
+      <p:sp>
+        <p:nvSpPr>
+          <p:cNvPr id="25" name="テキスト ボックス 24">
+            <a:extLst>
+              <a:ext uri="{FF2B5EF4-FFF2-40B4-BE49-F238E27FC236}">
+                <a16:creationId xmlns:a16="http://schemas.microsoft.com/office/drawing/2014/main" id="{0D2AD973-111D-477E-96EE-60225D6D81EA}"/>
               </a:ext>
             </a:extLst>
           </p:cNvPr>
@@ -12559,8 +14198,8 @@
         </p:nvSpPr>
         <p:spPr>
           <a:xfrm>
-            <a:off x="6964370" y="2489884"/>
-            <a:ext cx="832094" cy="338554"/>
+            <a:off x="7868117" y="1685468"/>
+            <a:ext cx="1140051" cy="338554"/>
           </a:xfrm>
           <a:prstGeom prst="rect">
             <a:avLst/>
@@ -12575,19 +14214,18 @@
           <a:p>
             <a:pPr algn="ctr"/>
             <a:r>
-              <a:rPr kumimoji="1" lang="en-US" altLang="ja-JP" sz="1600" dirty="0"/>
-              <a:t>1day</a:t>
-            </a:r>
-            <a:endParaRPr kumimoji="1" lang="ja-JP" altLang="en-US" sz="1600" dirty="0"/>
-          </a:p>
-        </p:txBody>
-      </p:sp>
-      <p:sp>
-        <p:nvSpPr>
-          <p:cNvPr id="14" name="テキスト ボックス 13">
-            <a:extLst>
-              <a:ext uri="{FF2B5EF4-FFF2-40B4-BE49-F238E27FC236}">
-                <a16:creationId xmlns:a16="http://schemas.microsoft.com/office/drawing/2014/main" id="{24A76E90-46B0-4AA6-9395-AFE43718DE5C}"/>
+              <a:rPr kumimoji="1" lang="ja-JP" altLang="en-US" sz="1600" dirty="0"/>
+              <a:t>井本さん</a:t>
+            </a:r>
+          </a:p>
+        </p:txBody>
+      </p:sp>
+      <p:sp>
+        <p:nvSpPr>
+          <p:cNvPr id="27" name="テキスト ボックス 26">
+            <a:extLst>
+              <a:ext uri="{FF2B5EF4-FFF2-40B4-BE49-F238E27FC236}">
+                <a16:creationId xmlns:a16="http://schemas.microsoft.com/office/drawing/2014/main" id="{0E4AB121-5B50-4709-95AD-C2001F946759}"/>
               </a:ext>
             </a:extLst>
           </p:cNvPr>
@@ -12596,8 +14234,8 @@
         </p:nvSpPr>
         <p:spPr>
           <a:xfrm>
-            <a:off x="6868123" y="4794831"/>
-            <a:ext cx="1024589" cy="338554"/>
+            <a:off x="7868117" y="3593791"/>
+            <a:ext cx="1140051" cy="338554"/>
           </a:xfrm>
           <a:prstGeom prst="rect">
             <a:avLst/>
@@ -12612,17 +14250,16 @@
           <a:p>
             <a:pPr algn="ctr"/>
             <a:r>
-              <a:rPr kumimoji="1" lang="en-US" altLang="ja-JP" sz="1600" dirty="0"/>
-              <a:t>30min</a:t>
-            </a:r>
-            <a:endParaRPr kumimoji="1" lang="ja-JP" altLang="en-US" sz="1600" dirty="0"/>
+              <a:rPr kumimoji="1" lang="ja-JP" altLang="en-US" sz="1600" dirty="0"/>
+              <a:t>熊谷</a:t>
+            </a:r>
           </a:p>
         </p:txBody>
       </p:sp>
     </p:spTree>
     <p:extLst>
       <p:ext uri="{BB962C8B-B14F-4D97-AF65-F5344CB8AC3E}">
-        <p14:creationId xmlns:p14="http://schemas.microsoft.com/office/powerpoint/2010/main" val="4243559826"/>
+        <p14:creationId xmlns:p14="http://schemas.microsoft.com/office/powerpoint/2010/main" val="261946302"/>
       </p:ext>
     </p:extLst>
   </p:cSld>
@@ -12667,19 +14304,17 @@
         </p:nvSpPr>
         <p:spPr>
           <a:xfrm>
-            <a:off x="517055" y="256012"/>
+            <a:off x="517055" y="250825"/>
             <a:ext cx="11400125" cy="518094"/>
           </a:xfrm>
         </p:spPr>
         <p:txBody>
-          <a:bodyPr>
-            <a:normAutofit/>
-          </a:bodyPr>
+          <a:bodyPr/>
           <a:lstStyle/>
           <a:p>
             <a:r>
               <a:rPr lang="ja-JP" altLang="en-US" dirty="0"/>
-              <a:t>導電率：外れ値除去⇒移動平均</a:t>
+              <a:t>時系列モデルによる導電率予測の方針</a:t>
             </a:r>
             <a:endParaRPr lang="en-US" dirty="0"/>
           </a:p>
@@ -12717,235 +14352,10 @@
       </p:sp>
       <p:sp>
         <p:nvSpPr>
-          <p:cNvPr id="26" name="テキスト ボックス 25">
-            <a:extLst>
-              <a:ext uri="{FF2B5EF4-FFF2-40B4-BE49-F238E27FC236}">
-                <a16:creationId xmlns:a16="http://schemas.microsoft.com/office/drawing/2014/main" id="{F66E5124-3E69-4316-9D4B-2047882BD19D}"/>
-              </a:ext>
-            </a:extLst>
-          </p:cNvPr>
-          <p:cNvSpPr txBox="1"/>
-          <p:nvPr/>
-        </p:nvSpPr>
-        <p:spPr>
-          <a:xfrm>
-            <a:off x="3797162" y="1541317"/>
-            <a:ext cx="1836064" cy="338554"/>
-          </a:xfrm>
-          <a:prstGeom prst="rect">
-            <a:avLst/>
-          </a:prstGeom>
-          <a:noFill/>
-        </p:spPr>
-        <p:txBody>
-          <a:bodyPr wrap="square" rtlCol="0">
-            <a:spAutoFit/>
-          </a:bodyPr>
-          <a:lstStyle/>
-          <a:p>
-            <a:pPr algn="ctr"/>
-            <a:r>
-              <a:rPr kumimoji="1" lang="en-US" altLang="ja-JP" sz="1600" dirty="0"/>
-              <a:t>1</a:t>
-            </a:r>
-            <a:r>
-              <a:rPr kumimoji="1" lang="ja-JP" altLang="en-US" sz="1600" dirty="0"/>
-              <a:t>段 透過 導電率</a:t>
-            </a:r>
-          </a:p>
-        </p:txBody>
-      </p:sp>
-      <p:pic>
-        <p:nvPicPr>
-          <p:cNvPr id="8" name="図 7" descr="グラフ, ヒストグラム&#10;&#10;自動的に生成された説明">
-            <a:extLst>
-              <a:ext uri="{FF2B5EF4-FFF2-40B4-BE49-F238E27FC236}">
-                <a16:creationId xmlns:a16="http://schemas.microsoft.com/office/drawing/2014/main" id="{0B5803B6-9F27-45AE-9939-DA2850F1661E}"/>
-              </a:ext>
-            </a:extLst>
-          </p:cNvPr>
-          <p:cNvPicPr>
-            <a:picLocks noChangeAspect="1"/>
-          </p:cNvPicPr>
-          <p:nvPr/>
-        </p:nvPicPr>
-        <p:blipFill>
-          <a:blip r:embed="rId2">
-            <a:extLst>
-              <a:ext uri="{28A0092B-C50C-407E-A947-70E740481C1C}">
-                <a14:useLocalDpi xmlns:a14="http://schemas.microsoft.com/office/drawing/2010/main" val="0"/>
-              </a:ext>
-            </a:extLst>
-          </a:blip>
-          <a:stretch>
-            <a:fillRect/>
-          </a:stretch>
-        </p:blipFill>
-        <p:spPr>
-          <a:xfrm>
-            <a:off x="3287987" y="4231591"/>
-            <a:ext cx="2854414" cy="1906167"/>
-          </a:xfrm>
-          <a:prstGeom prst="rect">
-            <a:avLst/>
-          </a:prstGeom>
-        </p:spPr>
-      </p:pic>
-      <p:pic>
-        <p:nvPicPr>
-          <p:cNvPr id="10" name="図 9" descr="グラフ, ヒストグラム&#10;&#10;自動的に生成された説明">
-            <a:extLst>
-              <a:ext uri="{FF2B5EF4-FFF2-40B4-BE49-F238E27FC236}">
-                <a16:creationId xmlns:a16="http://schemas.microsoft.com/office/drawing/2014/main" id="{985DEEEB-886C-4410-B5C9-28C4A3B91AA2}"/>
-              </a:ext>
-            </a:extLst>
-          </p:cNvPr>
-          <p:cNvPicPr>
-            <a:picLocks noChangeAspect="1"/>
-          </p:cNvPicPr>
-          <p:nvPr/>
-        </p:nvPicPr>
-        <p:blipFill>
-          <a:blip r:embed="rId3">
-            <a:extLst>
-              <a:ext uri="{28A0092B-C50C-407E-A947-70E740481C1C}">
-                <a14:useLocalDpi xmlns:a14="http://schemas.microsoft.com/office/drawing/2010/main" val="0"/>
-              </a:ext>
-            </a:extLst>
-          </a:blip>
-          <a:stretch>
-            <a:fillRect/>
-          </a:stretch>
-        </p:blipFill>
-        <p:spPr>
-          <a:xfrm>
-            <a:off x="3287987" y="1942993"/>
-            <a:ext cx="2854414" cy="1909404"/>
-          </a:xfrm>
-          <a:prstGeom prst="rect">
-            <a:avLst/>
-          </a:prstGeom>
-        </p:spPr>
-      </p:pic>
-      <p:sp>
-        <p:nvSpPr>
-          <p:cNvPr id="13" name="テキスト ボックス 12">
-            <a:extLst>
-              <a:ext uri="{FF2B5EF4-FFF2-40B4-BE49-F238E27FC236}">
-                <a16:creationId xmlns:a16="http://schemas.microsoft.com/office/drawing/2014/main" id="{36C5A231-FBD4-4D2E-A9AF-5895099A5E1D}"/>
-              </a:ext>
-            </a:extLst>
-          </p:cNvPr>
-          <p:cNvSpPr txBox="1"/>
-          <p:nvPr/>
-        </p:nvSpPr>
-        <p:spPr>
-          <a:xfrm>
-            <a:off x="571984" y="-20412"/>
-            <a:ext cx="4521842" cy="338554"/>
-          </a:xfrm>
-          <a:prstGeom prst="rect">
-            <a:avLst/>
-          </a:prstGeom>
-          <a:noFill/>
-        </p:spPr>
-        <p:txBody>
-          <a:bodyPr wrap="square" rtlCol="0">
-            <a:spAutoFit/>
-          </a:bodyPr>
-          <a:lstStyle/>
-          <a:p>
-            <a:r>
-              <a:rPr lang="en-US" altLang="ja-JP" sz="1600" b="1" dirty="0">
-                <a:solidFill>
-                  <a:schemeClr val="bg1"/>
-                </a:solidFill>
-              </a:rPr>
-              <a:t>1. </a:t>
-            </a:r>
-            <a:r>
-              <a:rPr lang="ja-JP" altLang="en-US" sz="1600" b="1" dirty="0">
-                <a:solidFill>
-                  <a:schemeClr val="bg1"/>
-                </a:solidFill>
-              </a:rPr>
-              <a:t>今後のタスク</a:t>
-            </a:r>
-            <a:endParaRPr kumimoji="1" lang="ja-JP" altLang="en-US" sz="1600" b="1" dirty="0">
-              <a:solidFill>
-                <a:schemeClr val="bg1"/>
-              </a:solidFill>
-            </a:endParaRPr>
-          </a:p>
-        </p:txBody>
-      </p:sp>
-      <p:sp>
-        <p:nvSpPr>
-          <p:cNvPr id="15" name="テキスト ボックス 14">
-            <a:extLst>
-              <a:ext uri="{FF2B5EF4-FFF2-40B4-BE49-F238E27FC236}">
-                <a16:creationId xmlns:a16="http://schemas.microsoft.com/office/drawing/2014/main" id="{F99ECC29-76C0-4D75-8678-F68A58C98036}"/>
-              </a:ext>
-            </a:extLst>
-          </p:cNvPr>
-          <p:cNvSpPr txBox="1"/>
-          <p:nvPr/>
-        </p:nvSpPr>
-        <p:spPr>
-          <a:xfrm>
-            <a:off x="9494028" y="34754"/>
-            <a:ext cx="2535055" cy="338554"/>
-          </a:xfrm>
-          <a:prstGeom prst="rect">
-            <a:avLst/>
-          </a:prstGeom>
-          <a:noFill/>
-        </p:spPr>
-        <p:txBody>
-          <a:bodyPr wrap="square" rtlCol="0">
-            <a:spAutoFit/>
-          </a:bodyPr>
-          <a:lstStyle/>
-          <a:p>
-            <a:pPr algn="ctr"/>
-            <a:r>
-              <a:rPr kumimoji="1" lang="en-US" altLang="ja-JP" sz="1600" dirty="0">
-                <a:solidFill>
-                  <a:schemeClr val="bg1"/>
-                </a:solidFill>
-              </a:rPr>
-              <a:t>30min</a:t>
-            </a:r>
-            <a:r>
-              <a:rPr kumimoji="1" lang="ja-JP" altLang="en-US" sz="1600" dirty="0">
-                <a:solidFill>
-                  <a:schemeClr val="bg1"/>
-                </a:solidFill>
-              </a:rPr>
-              <a:t>、</a:t>
-            </a:r>
-            <a:r>
-              <a:rPr kumimoji="1" lang="en-US" altLang="ja-JP" sz="1600" dirty="0">
-                <a:solidFill>
-                  <a:schemeClr val="bg1"/>
-                </a:solidFill>
-              </a:rPr>
-              <a:t>2021-07~2022-09</a:t>
-            </a:r>
-            <a:endParaRPr kumimoji="1" lang="ja-JP" altLang="en-US" sz="1600" dirty="0">
-              <a:solidFill>
-                <a:schemeClr val="bg1"/>
-              </a:solidFill>
-            </a:endParaRPr>
-          </a:p>
-        </p:txBody>
-      </p:sp>
-      <p:sp>
-        <p:nvSpPr>
-          <p:cNvPr id="4" name="テキスト プレースホルダー 3">
-            <a:extLst>
-              <a:ext uri="{FF2B5EF4-FFF2-40B4-BE49-F238E27FC236}">
-                <a16:creationId xmlns:a16="http://schemas.microsoft.com/office/drawing/2014/main" id="{D5F61EF3-7656-4575-A7E3-217A751CEB32}"/>
+          <p:cNvPr id="6" name="テキスト プレースホルダー 5">
+            <a:extLst>
+              <a:ext uri="{FF2B5EF4-FFF2-40B4-BE49-F238E27FC236}">
+                <a16:creationId xmlns:a16="http://schemas.microsoft.com/office/drawing/2014/main" id="{1F609DF4-3152-4D3E-9CA5-170D4BE14906}"/>
               </a:ext>
             </a:extLst>
           </p:cNvPr>
@@ -12958,8 +14368,8 @@
         </p:nvSpPr>
         <p:spPr>
           <a:xfrm>
-            <a:off x="517055" y="948425"/>
-            <a:ext cx="11341887" cy="518094"/>
+            <a:off x="517055" y="1071367"/>
+            <a:ext cx="11341887" cy="600165"/>
           </a:xfrm>
         </p:spPr>
         <p:txBody>
@@ -12968,17 +14378,26 @@
           <a:p>
             <a:r>
               <a:rPr lang="ja-JP" altLang="en-US" sz="2800" dirty="0"/>
-              <a:t>データ数を極端に減らさずに、挙動が見えやすくなった。</a:t>
-            </a:r>
-          </a:p>
-        </p:txBody>
-      </p:sp>
-      <p:sp>
-        <p:nvSpPr>
-          <p:cNvPr id="17" name="テキスト ボックス 16">
-            <a:extLst>
-              <a:ext uri="{FF2B5EF4-FFF2-40B4-BE49-F238E27FC236}">
-                <a16:creationId xmlns:a16="http://schemas.microsoft.com/office/drawing/2014/main" id="{C496F779-C2C1-4A0A-A143-1F87AA167EA6}"/>
+              <a:t>「時系列モデルが導電率の数か月の上昇傾向を追えるのか？」の可能性を調べたい。</a:t>
+            </a:r>
+            <a:endParaRPr lang="en-US" altLang="ja-JP" sz="2800" dirty="0"/>
+          </a:p>
+          <a:p>
+            <a:pPr lvl="1"/>
+            <a:r>
+              <a:rPr lang="ja-JP" altLang="en-US" sz="2400" dirty="0"/>
+              <a:t>今回は、敢えて複雑なモデルを用いた。</a:t>
+            </a:r>
+            <a:endParaRPr lang="en-US" altLang="ja-JP" sz="2400" dirty="0"/>
+          </a:p>
+        </p:txBody>
+      </p:sp>
+      <p:sp>
+        <p:nvSpPr>
+          <p:cNvPr id="26" name="テキスト ボックス 25">
+            <a:extLst>
+              <a:ext uri="{FF2B5EF4-FFF2-40B4-BE49-F238E27FC236}">
+                <a16:creationId xmlns:a16="http://schemas.microsoft.com/office/drawing/2014/main" id="{878A06C2-9BE0-4228-8673-300CDCCC55B4}"/>
               </a:ext>
             </a:extLst>
           </p:cNvPr>
@@ -12987,116 +14406,8 @@
         </p:nvSpPr>
         <p:spPr>
           <a:xfrm>
-            <a:off x="-5758" y="2728418"/>
-            <a:ext cx="430887" cy="338554"/>
-          </a:xfrm>
-          <a:prstGeom prst="rect">
-            <a:avLst/>
-          </a:prstGeom>
-          <a:noFill/>
-        </p:spPr>
-        <p:txBody>
-          <a:bodyPr vert="vert270" wrap="square" rtlCol="0">
-            <a:spAutoFit/>
-          </a:bodyPr>
-          <a:lstStyle/>
-          <a:p>
-            <a:pPr algn="ctr"/>
-            <a:r>
-              <a:rPr kumimoji="1" lang="ja-JP" altLang="en-US" sz="1600" dirty="0"/>
-              <a:t>生</a:t>
-            </a:r>
-          </a:p>
-        </p:txBody>
-      </p:sp>
-      <p:sp>
-        <p:nvSpPr>
-          <p:cNvPr id="18" name="テキスト ボックス 17">
-            <a:extLst>
-              <a:ext uri="{FF2B5EF4-FFF2-40B4-BE49-F238E27FC236}">
-                <a16:creationId xmlns:a16="http://schemas.microsoft.com/office/drawing/2014/main" id="{29FE02A7-63EA-41AA-9BB9-9B558794D954}"/>
-              </a:ext>
-            </a:extLst>
-          </p:cNvPr>
-          <p:cNvSpPr txBox="1"/>
-          <p:nvPr/>
-        </p:nvSpPr>
-        <p:spPr>
-          <a:xfrm>
-            <a:off x="-5758" y="4882195"/>
-            <a:ext cx="430887" cy="604958"/>
-          </a:xfrm>
-          <a:prstGeom prst="rect">
-            <a:avLst/>
-          </a:prstGeom>
-          <a:noFill/>
-        </p:spPr>
-        <p:txBody>
-          <a:bodyPr vert="vert270" wrap="square" rtlCol="0">
-            <a:spAutoFit/>
-          </a:bodyPr>
-          <a:lstStyle/>
-          <a:p>
-            <a:pPr algn="ctr"/>
-            <a:r>
-              <a:rPr kumimoji="1" lang="ja-JP" altLang="en-US" sz="1600" dirty="0"/>
-              <a:t>加工</a:t>
-            </a:r>
-          </a:p>
-        </p:txBody>
-      </p:sp>
-      <p:pic>
-        <p:nvPicPr>
-          <p:cNvPr id="11" name="図 10" descr="グラフ, ヒストグラム&#10;&#10;自動的に生成された説明">
-            <a:extLst>
-              <a:ext uri="{FF2B5EF4-FFF2-40B4-BE49-F238E27FC236}">
-                <a16:creationId xmlns:a16="http://schemas.microsoft.com/office/drawing/2014/main" id="{D1AFDF14-3369-4623-9403-0105C0C676FA}"/>
-              </a:ext>
-            </a:extLst>
-          </p:cNvPr>
-          <p:cNvPicPr>
-            <a:picLocks noChangeAspect="1"/>
-          </p:cNvPicPr>
-          <p:nvPr/>
-        </p:nvPicPr>
-        <p:blipFill>
-          <a:blip r:embed="rId4">
-            <a:extLst>
-              <a:ext uri="{28A0092B-C50C-407E-A947-70E740481C1C}">
-                <a14:useLocalDpi xmlns:a14="http://schemas.microsoft.com/office/drawing/2010/main" val="0"/>
-              </a:ext>
-            </a:extLst>
-          </a:blip>
-          <a:stretch>
-            <a:fillRect/>
-          </a:stretch>
-        </p:blipFill>
-        <p:spPr>
-          <a:xfrm>
-            <a:off x="364144" y="1947580"/>
-            <a:ext cx="2867504" cy="1898687"/>
-          </a:xfrm>
-          <a:prstGeom prst="rect">
-            <a:avLst/>
-          </a:prstGeom>
-        </p:spPr>
-      </p:pic>
-      <p:sp>
-        <p:nvSpPr>
-          <p:cNvPr id="20" name="テキスト ボックス 19">
-            <a:extLst>
-              <a:ext uri="{FF2B5EF4-FFF2-40B4-BE49-F238E27FC236}">
-                <a16:creationId xmlns:a16="http://schemas.microsoft.com/office/drawing/2014/main" id="{5A682083-4F9F-45C9-8D31-ACC3D0E05CB9}"/>
-              </a:ext>
-            </a:extLst>
-          </p:cNvPr>
-          <p:cNvSpPr txBox="1"/>
-          <p:nvPr/>
-        </p:nvSpPr>
-        <p:spPr>
-          <a:xfrm>
-            <a:off x="9656944" y="771412"/>
-            <a:ext cx="2535056" cy="338554"/>
+            <a:off x="571984" y="-20412"/>
+            <a:ext cx="4521842" cy="338554"/>
           </a:xfrm>
           <a:prstGeom prst="rect">
             <a:avLst/>
@@ -13109,41 +14420,36 @@
           </a:bodyPr>
           <a:lstStyle/>
           <a:p>
-            <a:pPr algn="ctr"/>
-            <a:r>
-              <a:rPr kumimoji="1" lang="ja-JP" altLang="en-US" sz="1600" dirty="0"/>
-              <a:t>単位の</a:t>
-            </a:r>
-            <a:r>
-              <a:rPr kumimoji="1" lang="en-US" altLang="ja-JP" sz="1600" dirty="0"/>
-              <a:t>mu</a:t>
-            </a:r>
-            <a:r>
-              <a:rPr kumimoji="1" lang="ja-JP" altLang="en-US" sz="1600" dirty="0"/>
-              <a:t>：接頭辞</a:t>
-            </a:r>
-            <a:r>
-              <a:rPr kumimoji="1" lang="en-US" altLang="ja-JP" sz="1600" dirty="0"/>
-              <a:t>μ(10</a:t>
-            </a:r>
-            <a:r>
-              <a:rPr kumimoji="1" lang="en-US" altLang="ja-JP" sz="1600" baseline="30000" dirty="0"/>
-              <a:t>-6</a:t>
-            </a:r>
-            <a:r>
-              <a:rPr kumimoji="1" lang="en-US" altLang="ja-JP" sz="1600" dirty="0"/>
-              <a:t>)</a:t>
-            </a:r>
-            <a:endParaRPr kumimoji="1" lang="ja-JP" altLang="en-US" sz="1600" dirty="0"/>
-          </a:p>
-        </p:txBody>
-      </p:sp>
-      <p:sp>
-        <p:nvSpPr>
-          <p:cNvPr id="21" name="テキスト ボックス 20">
-            <a:extLst>
-              <a:ext uri="{FF2B5EF4-FFF2-40B4-BE49-F238E27FC236}">
-                <a16:creationId xmlns:a16="http://schemas.microsoft.com/office/drawing/2014/main" id="{D1388DBD-A6FD-45FB-B338-2604ACC17FB1}"/>
+            <a:r>
+              <a:rPr lang="en-US" altLang="ja-JP" sz="1600" b="1" dirty="0">
+                <a:solidFill>
+                  <a:schemeClr val="bg1"/>
+                </a:solidFill>
+              </a:rPr>
+              <a:t>3. </a:t>
+            </a:r>
+            <a:r>
+              <a:rPr lang="ja-JP" altLang="en-US" sz="1600" b="1" dirty="0">
+                <a:solidFill>
+                  <a:schemeClr val="bg1"/>
+                </a:solidFill>
+              </a:rPr>
+              <a:t>モデリング戦略</a:t>
+            </a:r>
+            <a:endParaRPr kumimoji="1" lang="ja-JP" altLang="en-US" sz="1600" b="1" dirty="0">
+              <a:solidFill>
+                <a:schemeClr val="bg1"/>
+              </a:solidFill>
+            </a:endParaRPr>
+          </a:p>
+        </p:txBody>
+      </p:sp>
+      <p:sp>
+        <p:nvSpPr>
+          <p:cNvPr id="8" name="テキスト ボックス 7">
+            <a:extLst>
+              <a:ext uri="{FF2B5EF4-FFF2-40B4-BE49-F238E27FC236}">
+                <a16:creationId xmlns:a16="http://schemas.microsoft.com/office/drawing/2014/main" id="{8EF57145-003B-4BA4-BE5A-BC2ED3678F0B}"/>
               </a:ext>
             </a:extLst>
           </p:cNvPr>
@@ -13152,8 +14458,8 @@
         </p:nvSpPr>
         <p:spPr>
           <a:xfrm>
-            <a:off x="1006326" y="1541317"/>
-            <a:ext cx="1583141" cy="338554"/>
+            <a:off x="1215916" y="2581289"/>
+            <a:ext cx="1836064" cy="369332"/>
           </a:xfrm>
           <a:prstGeom prst="rect">
             <a:avLst/>
@@ -13168,202 +14474,74 @@
           <a:p>
             <a:pPr algn="ctr"/>
             <a:r>
-              <a:rPr kumimoji="1" lang="en-US" altLang="ja-JP" sz="1600" dirty="0"/>
-              <a:t>RO</a:t>
-            </a:r>
-            <a:r>
-              <a:rPr kumimoji="1" lang="ja-JP" altLang="en-US" sz="1600" dirty="0"/>
-              <a:t>流入 導電率</a:t>
-            </a:r>
-          </a:p>
-        </p:txBody>
-      </p:sp>
-      <p:pic>
-        <p:nvPicPr>
-          <p:cNvPr id="22" name="図 21" descr="グラフ, 折れ線グラフ&#10;&#10;自動的に生成された説明">
-            <a:extLst>
-              <a:ext uri="{FF2B5EF4-FFF2-40B4-BE49-F238E27FC236}">
-                <a16:creationId xmlns:a16="http://schemas.microsoft.com/office/drawing/2014/main" id="{817F3284-72D1-4004-A048-851E1E8565F7}"/>
-              </a:ext>
-            </a:extLst>
-          </p:cNvPr>
-          <p:cNvPicPr>
-            <a:picLocks noChangeAspect="1"/>
-          </p:cNvPicPr>
+              <a:rPr kumimoji="1" lang="ja-JP" altLang="en-US" dirty="0"/>
+              <a:t>最初のアイディア</a:t>
+            </a:r>
+          </a:p>
+        </p:txBody>
+      </p:sp>
+      <p:sp>
+        <p:nvSpPr>
+          <p:cNvPr id="13" name="正方形/長方形 12">
+            <a:extLst>
+              <a:ext uri="{FF2B5EF4-FFF2-40B4-BE49-F238E27FC236}">
+                <a16:creationId xmlns:a16="http://schemas.microsoft.com/office/drawing/2014/main" id="{5888366A-120C-4C85-8772-490A9B0AFF84}"/>
+              </a:ext>
+            </a:extLst>
+          </p:cNvPr>
+          <p:cNvSpPr/>
           <p:nvPr/>
-        </p:nvPicPr>
-        <p:blipFill>
-          <a:blip r:embed="rId5">
-            <a:extLst>
-              <a:ext uri="{28A0092B-C50C-407E-A947-70E740481C1C}">
-                <a14:useLocalDpi xmlns:a14="http://schemas.microsoft.com/office/drawing/2010/main" val="0"/>
-              </a:ext>
-            </a:extLst>
-          </a:blip>
-          <a:stretch>
-            <a:fillRect/>
-          </a:stretch>
-        </p:blipFill>
-        <p:spPr>
-          <a:xfrm>
-            <a:off x="364144" y="4236940"/>
-            <a:ext cx="2867504" cy="1895469"/>
+        </p:nvSpPr>
+        <p:spPr>
+          <a:xfrm>
+            <a:off x="4664194" y="2851182"/>
+            <a:ext cx="2403356" cy="371344"/>
           </a:xfrm>
           <a:prstGeom prst="rect">
             <a:avLst/>
           </a:prstGeom>
-        </p:spPr>
-      </p:pic>
-      <p:pic>
-        <p:nvPicPr>
-          <p:cNvPr id="24" name="図 23" descr="グラフ, ヒストグラム&#10;&#10;自動的に生成された説明">
-            <a:extLst>
-              <a:ext uri="{FF2B5EF4-FFF2-40B4-BE49-F238E27FC236}">
-                <a16:creationId xmlns:a16="http://schemas.microsoft.com/office/drawing/2014/main" id="{029DEAEA-3D5F-48E2-B091-AD024724421F}"/>
-              </a:ext>
-            </a:extLst>
-          </p:cNvPr>
-          <p:cNvPicPr>
-            <a:picLocks noChangeAspect="1"/>
-          </p:cNvPicPr>
-          <p:nvPr/>
-        </p:nvPicPr>
-        <p:blipFill>
-          <a:blip r:embed="rId6">
-            <a:extLst>
-              <a:ext uri="{28A0092B-C50C-407E-A947-70E740481C1C}">
-                <a14:useLocalDpi xmlns:a14="http://schemas.microsoft.com/office/drawing/2010/main" val="0"/>
-              </a:ext>
-            </a:extLst>
-          </a:blip>
-          <a:stretch>
-            <a:fillRect/>
-          </a:stretch>
-        </p:blipFill>
-        <p:spPr>
-          <a:xfrm>
-            <a:off x="6200138" y="4231591"/>
-            <a:ext cx="2854413" cy="1906167"/>
-          </a:xfrm>
-          <a:prstGeom prst="rect">
-            <a:avLst/>
-          </a:prstGeom>
-        </p:spPr>
-      </p:pic>
-      <p:pic>
-        <p:nvPicPr>
-          <p:cNvPr id="27" name="図 26" descr="グラフ&#10;&#10;自動的に生成された説明">
-            <a:extLst>
-              <a:ext uri="{FF2B5EF4-FFF2-40B4-BE49-F238E27FC236}">
-                <a16:creationId xmlns:a16="http://schemas.microsoft.com/office/drawing/2014/main" id="{C33E5510-6374-4A55-B1EC-36C5BECFCD52}"/>
-              </a:ext>
-            </a:extLst>
-          </p:cNvPr>
-          <p:cNvPicPr>
-            <a:picLocks noChangeAspect="1"/>
-          </p:cNvPicPr>
-          <p:nvPr/>
-        </p:nvPicPr>
-        <p:blipFill>
-          <a:blip r:embed="rId7">
-            <a:extLst>
-              <a:ext uri="{28A0092B-C50C-407E-A947-70E740481C1C}">
-                <a14:useLocalDpi xmlns:a14="http://schemas.microsoft.com/office/drawing/2010/main" val="0"/>
-              </a:ext>
-            </a:extLst>
-          </a:blip>
-          <a:stretch>
-            <a:fillRect/>
-          </a:stretch>
-        </p:blipFill>
-        <p:spPr>
-          <a:xfrm>
-            <a:off x="6202557" y="1944612"/>
-            <a:ext cx="2849574" cy="1906167"/>
-          </a:xfrm>
-          <a:prstGeom prst="rect">
-            <a:avLst/>
-          </a:prstGeom>
-        </p:spPr>
-      </p:pic>
-      <p:pic>
-        <p:nvPicPr>
-          <p:cNvPr id="29" name="図 28" descr="グラフ&#10;&#10;自動的に生成された説明">
-            <a:extLst>
-              <a:ext uri="{FF2B5EF4-FFF2-40B4-BE49-F238E27FC236}">
-                <a16:creationId xmlns:a16="http://schemas.microsoft.com/office/drawing/2014/main" id="{57C18197-C6D3-4BE5-AE48-F0AD0FC77115}"/>
-              </a:ext>
-            </a:extLst>
-          </p:cNvPr>
-          <p:cNvPicPr>
-            <a:picLocks noChangeAspect="1"/>
-          </p:cNvPicPr>
-          <p:nvPr/>
-        </p:nvPicPr>
-        <p:blipFill>
-          <a:blip r:embed="rId8">
-            <a:extLst>
-              <a:ext uri="{28A0092B-C50C-407E-A947-70E740481C1C}">
-                <a14:useLocalDpi xmlns:a14="http://schemas.microsoft.com/office/drawing/2010/main" val="0"/>
-              </a:ext>
-            </a:extLst>
-          </a:blip>
-          <a:stretch>
-            <a:fillRect/>
-          </a:stretch>
-        </p:blipFill>
-        <p:spPr>
-          <a:xfrm>
-            <a:off x="9192999" y="1949124"/>
-            <a:ext cx="2836084" cy="1897143"/>
-          </a:xfrm>
-          <a:prstGeom prst="rect">
-            <a:avLst/>
-          </a:prstGeom>
-        </p:spPr>
-      </p:pic>
-      <p:pic>
-        <p:nvPicPr>
-          <p:cNvPr id="31" name="図 30" descr="グラフ, 折れ線グラフ&#10;&#10;自動的に生成された説明">
-            <a:extLst>
-              <a:ext uri="{FF2B5EF4-FFF2-40B4-BE49-F238E27FC236}">
-                <a16:creationId xmlns:a16="http://schemas.microsoft.com/office/drawing/2014/main" id="{EBC8F815-2E5A-4678-9987-1FA4F1768515}"/>
-              </a:ext>
-            </a:extLst>
-          </p:cNvPr>
-          <p:cNvPicPr>
-            <a:picLocks noChangeAspect="1"/>
-          </p:cNvPicPr>
-          <p:nvPr/>
-        </p:nvPicPr>
-        <p:blipFill>
-          <a:blip r:embed="rId9">
-            <a:extLst>
-              <a:ext uri="{28A0092B-C50C-407E-A947-70E740481C1C}">
-                <a14:useLocalDpi xmlns:a14="http://schemas.microsoft.com/office/drawing/2010/main" val="0"/>
-              </a:ext>
-            </a:extLst>
-          </a:blip>
-          <a:stretch>
-            <a:fillRect/>
-          </a:stretch>
-        </p:blipFill>
-        <p:spPr>
-          <a:xfrm>
-            <a:off x="9191845" y="4235331"/>
-            <a:ext cx="2838393" cy="1898687"/>
-          </a:xfrm>
-          <a:prstGeom prst="rect">
-            <a:avLst/>
-          </a:prstGeom>
-        </p:spPr>
-      </p:pic>
-      <p:sp>
-        <p:nvSpPr>
-          <p:cNvPr id="32" name="テキスト ボックス 31">
-            <a:extLst>
-              <a:ext uri="{FF2B5EF4-FFF2-40B4-BE49-F238E27FC236}">
-                <a16:creationId xmlns:a16="http://schemas.microsoft.com/office/drawing/2014/main" id="{3655E96F-994B-47D5-A30E-5765A4F0FC4D}"/>
+          <a:solidFill>
+            <a:schemeClr val="bg1"/>
+          </a:solidFill>
+        </p:spPr>
+        <p:style>
+          <a:lnRef idx="2">
+            <a:schemeClr val="accent1">
+              <a:shade val="50000"/>
+            </a:schemeClr>
+          </a:lnRef>
+          <a:fillRef idx="1">
+            <a:schemeClr val="accent1"/>
+          </a:fillRef>
+          <a:effectRef idx="0">
+            <a:schemeClr val="accent1"/>
+          </a:effectRef>
+          <a:fontRef idx="minor">
+            <a:schemeClr val="lt1"/>
+          </a:fontRef>
+        </p:style>
+        <p:txBody>
+          <a:bodyPr rtlCol="0" anchor="ctr"/>
+          <a:lstStyle/>
+          <a:p>
+            <a:pPr algn="ctr"/>
+            <a:r>
+              <a:rPr kumimoji="1" lang="ja-JP" altLang="en-US" dirty="0">
+                <a:solidFill>
+                  <a:schemeClr val="tx1"/>
+                </a:solidFill>
+              </a:rPr>
+              <a:t>簡単なモデル</a:t>
+            </a:r>
+          </a:p>
+        </p:txBody>
+      </p:sp>
+      <p:sp>
+        <p:nvSpPr>
+          <p:cNvPr id="16" name="テキスト ボックス 15">
+            <a:extLst>
+              <a:ext uri="{FF2B5EF4-FFF2-40B4-BE49-F238E27FC236}">
+                <a16:creationId xmlns:a16="http://schemas.microsoft.com/office/drawing/2014/main" id="{74A342BD-3149-470B-B057-B601AA410042}"/>
               </a:ext>
             </a:extLst>
           </p:cNvPr>
@@ -13372,8 +14550,8 @@
         </p:nvSpPr>
         <p:spPr>
           <a:xfrm>
-            <a:off x="6709312" y="1541317"/>
-            <a:ext cx="1836064" cy="338554"/>
+            <a:off x="8793488" y="2534048"/>
+            <a:ext cx="1836064" cy="369332"/>
           </a:xfrm>
           <a:prstGeom prst="rect">
             <a:avLst/>
@@ -13388,22 +14566,236 @@
           <a:p>
             <a:pPr algn="ctr"/>
             <a:r>
-              <a:rPr kumimoji="1" lang="en-US" altLang="ja-JP" sz="1600" dirty="0"/>
-              <a:t>2</a:t>
-            </a:r>
-            <a:r>
-              <a:rPr kumimoji="1" lang="ja-JP" altLang="en-US" sz="1600" dirty="0"/>
-              <a:t>段 透過 導電率</a:t>
-            </a:r>
-          </a:p>
-        </p:txBody>
-      </p:sp>
-      <p:sp>
-        <p:nvSpPr>
-          <p:cNvPr id="33" name="テキスト ボックス 32">
-            <a:extLst>
-              <a:ext uri="{FF2B5EF4-FFF2-40B4-BE49-F238E27FC236}">
-                <a16:creationId xmlns:a16="http://schemas.microsoft.com/office/drawing/2014/main" id="{7E220613-5D9C-47A0-9762-C17E08CAB55A}"/>
+              <a:rPr kumimoji="1" lang="ja-JP" altLang="en-US" dirty="0"/>
+              <a:t>今回のアイディア</a:t>
+            </a:r>
+          </a:p>
+        </p:txBody>
+      </p:sp>
+      <p:sp>
+        <p:nvSpPr>
+          <p:cNvPr id="17" name="正方形/長方形 16">
+            <a:extLst>
+              <a:ext uri="{FF2B5EF4-FFF2-40B4-BE49-F238E27FC236}">
+                <a16:creationId xmlns:a16="http://schemas.microsoft.com/office/drawing/2014/main" id="{759E86B6-FAC9-4DAD-B139-48574BF067D2}"/>
+              </a:ext>
+            </a:extLst>
+          </p:cNvPr>
+          <p:cNvSpPr/>
+          <p:nvPr/>
+        </p:nvSpPr>
+        <p:spPr>
+          <a:xfrm>
+            <a:off x="4664194" y="5289582"/>
+            <a:ext cx="2403356" cy="371344"/>
+          </a:xfrm>
+          <a:prstGeom prst="rect">
+            <a:avLst/>
+          </a:prstGeom>
+          <a:solidFill>
+            <a:schemeClr val="bg1"/>
+          </a:solidFill>
+        </p:spPr>
+        <p:style>
+          <a:lnRef idx="2">
+            <a:schemeClr val="accent1">
+              <a:shade val="50000"/>
+            </a:schemeClr>
+          </a:lnRef>
+          <a:fillRef idx="1">
+            <a:schemeClr val="accent1"/>
+          </a:fillRef>
+          <a:effectRef idx="0">
+            <a:schemeClr val="accent1"/>
+          </a:effectRef>
+          <a:fontRef idx="minor">
+            <a:schemeClr val="lt1"/>
+          </a:fontRef>
+        </p:style>
+        <p:txBody>
+          <a:bodyPr rtlCol="0" anchor="ctr"/>
+          <a:lstStyle/>
+          <a:p>
+            <a:pPr algn="ctr"/>
+            <a:r>
+              <a:rPr kumimoji="1" lang="ja-JP" altLang="en-US" dirty="0">
+                <a:solidFill>
+                  <a:schemeClr val="tx1"/>
+                </a:solidFill>
+              </a:rPr>
+              <a:t>複雑なモデル</a:t>
+            </a:r>
+          </a:p>
+        </p:txBody>
+      </p:sp>
+      <p:sp>
+        <p:nvSpPr>
+          <p:cNvPr id="18" name="正方形/長方形 17">
+            <a:extLst>
+              <a:ext uri="{FF2B5EF4-FFF2-40B4-BE49-F238E27FC236}">
+                <a16:creationId xmlns:a16="http://schemas.microsoft.com/office/drawing/2014/main" id="{35DF5A6F-4B2C-4300-B6F7-E83EA60B9D7B}"/>
+              </a:ext>
+            </a:extLst>
+          </p:cNvPr>
+          <p:cNvSpPr/>
+          <p:nvPr/>
+        </p:nvSpPr>
+        <p:spPr>
+          <a:xfrm>
+            <a:off x="4664194" y="3981632"/>
+            <a:ext cx="2403356" cy="371344"/>
+          </a:xfrm>
+          <a:prstGeom prst="rect">
+            <a:avLst/>
+          </a:prstGeom>
+          <a:solidFill>
+            <a:schemeClr val="bg1"/>
+          </a:solidFill>
+        </p:spPr>
+        <p:style>
+          <a:lnRef idx="2">
+            <a:schemeClr val="accent1">
+              <a:shade val="50000"/>
+            </a:schemeClr>
+          </a:lnRef>
+          <a:fillRef idx="1">
+            <a:schemeClr val="accent1"/>
+          </a:fillRef>
+          <a:effectRef idx="0">
+            <a:schemeClr val="accent1"/>
+          </a:effectRef>
+          <a:fontRef idx="minor">
+            <a:schemeClr val="lt1"/>
+          </a:fontRef>
+        </p:style>
+        <p:txBody>
+          <a:bodyPr rtlCol="0" anchor="ctr"/>
+          <a:lstStyle/>
+          <a:p>
+            <a:pPr algn="ctr"/>
+            <a:r>
+              <a:rPr kumimoji="1" lang="ja-JP" altLang="en-US" dirty="0">
+                <a:solidFill>
+                  <a:schemeClr val="tx1"/>
+                </a:solidFill>
+              </a:rPr>
+              <a:t>・・・</a:t>
+            </a:r>
+          </a:p>
+        </p:txBody>
+      </p:sp>
+      <p:sp>
+        <p:nvSpPr>
+          <p:cNvPr id="2" name="矢印: 下 1">
+            <a:extLst>
+              <a:ext uri="{FF2B5EF4-FFF2-40B4-BE49-F238E27FC236}">
+                <a16:creationId xmlns:a16="http://schemas.microsoft.com/office/drawing/2014/main" id="{F4794BFB-51DA-4FC6-AABD-9FF122BEDC0B}"/>
+              </a:ext>
+            </a:extLst>
+          </p:cNvPr>
+          <p:cNvSpPr/>
+          <p:nvPr/>
+        </p:nvSpPr>
+        <p:spPr>
+          <a:xfrm>
+            <a:off x="3938381" y="2619759"/>
+            <a:ext cx="266700" cy="3218784"/>
+          </a:xfrm>
+          <a:prstGeom prst="downArrow">
+            <a:avLst/>
+          </a:prstGeom>
+          <a:solidFill>
+            <a:schemeClr val="bg1"/>
+          </a:solidFill>
+        </p:spPr>
+        <p:style>
+          <a:lnRef idx="2">
+            <a:schemeClr val="accent1">
+              <a:shade val="50000"/>
+            </a:schemeClr>
+          </a:lnRef>
+          <a:fillRef idx="1">
+            <a:schemeClr val="accent1"/>
+          </a:fillRef>
+          <a:effectRef idx="0">
+            <a:schemeClr val="accent1"/>
+          </a:effectRef>
+          <a:fontRef idx="minor">
+            <a:schemeClr val="lt1"/>
+          </a:fontRef>
+        </p:style>
+        <p:txBody>
+          <a:bodyPr rtlCol="0" anchor="ctr"/>
+          <a:lstStyle/>
+          <a:p>
+            <a:pPr algn="ctr"/>
+            <a:endParaRPr kumimoji="1" lang="ja-JP" altLang="en-US">
+              <a:solidFill>
+                <a:schemeClr val="tx1"/>
+              </a:solidFill>
+            </a:endParaRPr>
+          </a:p>
+        </p:txBody>
+      </p:sp>
+      <p:sp>
+        <p:nvSpPr>
+          <p:cNvPr id="20" name="矢印: 下 19">
+            <a:extLst>
+              <a:ext uri="{FF2B5EF4-FFF2-40B4-BE49-F238E27FC236}">
+                <a16:creationId xmlns:a16="http://schemas.microsoft.com/office/drawing/2014/main" id="{766BB64C-0D4F-4905-9B16-A44CEBC05524}"/>
+              </a:ext>
+            </a:extLst>
+          </p:cNvPr>
+          <p:cNvSpPr/>
+          <p:nvPr/>
+        </p:nvSpPr>
+        <p:spPr>
+          <a:xfrm rot="10800000">
+            <a:off x="7496175" y="2619759"/>
+            <a:ext cx="266700" cy="3218784"/>
+          </a:xfrm>
+          <a:prstGeom prst="downArrow">
+            <a:avLst/>
+          </a:prstGeom>
+          <a:solidFill>
+            <a:schemeClr val="bg1"/>
+          </a:solidFill>
+        </p:spPr>
+        <p:style>
+          <a:lnRef idx="2">
+            <a:schemeClr val="accent1">
+              <a:shade val="50000"/>
+            </a:schemeClr>
+          </a:lnRef>
+          <a:fillRef idx="1">
+            <a:schemeClr val="accent1"/>
+          </a:fillRef>
+          <a:effectRef idx="0">
+            <a:schemeClr val="accent1"/>
+          </a:effectRef>
+          <a:fontRef idx="minor">
+            <a:schemeClr val="lt1"/>
+          </a:fontRef>
+        </p:style>
+        <p:txBody>
+          <a:bodyPr rtlCol="0" anchor="ctr"/>
+          <a:lstStyle/>
+          <a:p>
+            <a:pPr algn="ctr"/>
+            <a:endParaRPr kumimoji="1" lang="ja-JP" altLang="en-US">
+              <a:solidFill>
+                <a:schemeClr val="tx1"/>
+              </a:solidFill>
+            </a:endParaRPr>
+          </a:p>
+        </p:txBody>
+      </p:sp>
+      <p:sp>
+        <p:nvSpPr>
+          <p:cNvPr id="21" name="テキスト ボックス 20">
+            <a:extLst>
+              <a:ext uri="{FF2B5EF4-FFF2-40B4-BE49-F238E27FC236}">
+                <a16:creationId xmlns:a16="http://schemas.microsoft.com/office/drawing/2014/main" id="{491DA672-ADC5-48EC-8D06-F9EFF70C24C6}"/>
               </a:ext>
             </a:extLst>
           </p:cNvPr>
@@ -13412,8 +14804,8 @@
         </p:nvSpPr>
         <p:spPr>
           <a:xfrm>
-            <a:off x="9693009" y="1541317"/>
-            <a:ext cx="1836064" cy="338554"/>
+            <a:off x="400050" y="3240213"/>
+            <a:ext cx="3314700" cy="923330"/>
           </a:xfrm>
           <a:prstGeom prst="rect">
             <a:avLst/>
@@ -13426,24 +14818,39 @@
           </a:bodyPr>
           <a:lstStyle/>
           <a:p>
-            <a:pPr algn="ctr"/>
-            <a:r>
-              <a:rPr kumimoji="1" lang="en-US" altLang="ja-JP" sz="1600" dirty="0"/>
-              <a:t>3</a:t>
-            </a:r>
-            <a:r>
-              <a:rPr kumimoji="1" lang="ja-JP" altLang="en-US" sz="1600" dirty="0"/>
-              <a:t>段 透過 導電率</a:t>
-            </a:r>
-          </a:p>
-        </p:txBody>
-      </p:sp>
-      <p:sp>
-        <p:nvSpPr>
-          <p:cNvPr id="34" name="テキスト ボックス 33">
-            <a:extLst>
-              <a:ext uri="{FF2B5EF4-FFF2-40B4-BE49-F238E27FC236}">
-                <a16:creationId xmlns:a16="http://schemas.microsoft.com/office/drawing/2014/main" id="{1AA89146-EFA6-4FBB-9C23-F50A20E1DE83}"/>
+            <a:pPr marL="285750" indent="-285750">
+              <a:buFont typeface="Wingdings" panose="05000000000000000000" pitchFamily="2" charset="2"/>
+              <a:buChar char="Ø"/>
+            </a:pPr>
+            <a:r>
+              <a:rPr kumimoji="1" lang="ja-JP" altLang="en-US" dirty="0"/>
+              <a:t>自己相関係数や簡単なモデル（</a:t>
+            </a:r>
+            <a:r>
+              <a:rPr kumimoji="1" lang="en-US" altLang="ja-JP" dirty="0"/>
+              <a:t>AR</a:t>
+            </a:r>
+            <a:r>
+              <a:rPr kumimoji="1" lang="ja-JP" altLang="en-US" dirty="0"/>
+              <a:t>や</a:t>
+            </a:r>
+            <a:r>
+              <a:rPr kumimoji="1" lang="en-US" altLang="ja-JP" dirty="0"/>
+              <a:t>MA</a:t>
+            </a:r>
+            <a:r>
+              <a:rPr kumimoji="1" lang="ja-JP" altLang="en-US" dirty="0"/>
+              <a:t>など）から検証していき、徐々に複雑にしていく</a:t>
+            </a:r>
+          </a:p>
+        </p:txBody>
+      </p:sp>
+      <p:sp>
+        <p:nvSpPr>
+          <p:cNvPr id="22" name="テキスト ボックス 21">
+            <a:extLst>
+              <a:ext uri="{FF2B5EF4-FFF2-40B4-BE49-F238E27FC236}">
+                <a16:creationId xmlns:a16="http://schemas.microsoft.com/office/drawing/2014/main" id="{DED05FBD-C4B0-42AF-9E0D-CFAC848BFFAD}"/>
               </a:ext>
             </a:extLst>
           </p:cNvPr>
@@ -13452,8 +14859,8 @@
         </p:nvSpPr>
         <p:spPr>
           <a:xfrm>
-            <a:off x="9494028" y="349539"/>
-            <a:ext cx="2535055" cy="338554"/>
+            <a:off x="513938" y="4678825"/>
+            <a:ext cx="3200812" cy="923330"/>
           </a:xfrm>
           <a:prstGeom prst="rect">
             <a:avLst/>
@@ -13466,56 +14873,30 @@
           </a:bodyPr>
           <a:lstStyle/>
           <a:p>
-            <a:pPr algn="ctr"/>
-            <a:r>
-              <a:rPr kumimoji="1" lang="ja-JP" altLang="en-US" sz="1600" dirty="0">
-                <a:solidFill>
-                  <a:schemeClr val="bg1"/>
-                </a:solidFill>
-              </a:rPr>
-              <a:t>窓幅：</a:t>
-            </a:r>
-            <a:r>
-              <a:rPr kumimoji="1" lang="en-US" altLang="ja-JP" sz="1600" dirty="0">
-                <a:solidFill>
-                  <a:schemeClr val="bg1"/>
-                </a:solidFill>
-              </a:rPr>
-              <a:t>96step</a:t>
-            </a:r>
-            <a:r>
-              <a:rPr kumimoji="1" lang="ja-JP" altLang="en-US" sz="1600" dirty="0">
-                <a:solidFill>
-                  <a:schemeClr val="bg1"/>
-                </a:solidFill>
-              </a:rPr>
-              <a:t>（</a:t>
-            </a:r>
-            <a:r>
-              <a:rPr kumimoji="1" lang="en-US" altLang="ja-JP" sz="1600" dirty="0">
-                <a:solidFill>
-                  <a:schemeClr val="bg1"/>
-                </a:solidFill>
-              </a:rPr>
-              <a:t>2</a:t>
-            </a:r>
-            <a:r>
-              <a:rPr kumimoji="1" lang="ja-JP" altLang="en-US" sz="1600" dirty="0">
-                <a:solidFill>
-                  <a:schemeClr val="bg1"/>
-                </a:solidFill>
-              </a:rPr>
-              <a:t>日間）</a:t>
-            </a:r>
-          </a:p>
-        </p:txBody>
-      </p:sp>
-      <p:sp>
-        <p:nvSpPr>
-          <p:cNvPr id="39" name="テキスト ボックス 38">
-            <a:extLst>
-              <a:ext uri="{FF2B5EF4-FFF2-40B4-BE49-F238E27FC236}">
-                <a16:creationId xmlns:a16="http://schemas.microsoft.com/office/drawing/2014/main" id="{D4F546BA-2ED0-4173-9E8C-B2E77E072D56}"/>
+            <a:pPr marL="285750" indent="-285750">
+              <a:buFont typeface="Wingdings" panose="05000000000000000000" pitchFamily="2" charset="2"/>
+              <a:buChar char="Ø"/>
+            </a:pPr>
+            <a:r>
+              <a:rPr kumimoji="1" lang="ja-JP" altLang="en-US" dirty="0"/>
+              <a:t>複雑化の過程に労力がかかり、</a:t>
+            </a:r>
+            <a:endParaRPr kumimoji="1" lang="en-US" altLang="ja-JP" dirty="0"/>
+          </a:p>
+          <a:p>
+            <a:r>
+              <a:rPr kumimoji="1" lang="ja-JP" altLang="en-US" dirty="0"/>
+              <a:t>そもそも時系列モデルが効果的なのか判断するのに時間がかかる</a:t>
+            </a:r>
+          </a:p>
+        </p:txBody>
+      </p:sp>
+      <p:sp>
+        <p:nvSpPr>
+          <p:cNvPr id="23" name="テキスト ボックス 22">
+            <a:extLst>
+              <a:ext uri="{FF2B5EF4-FFF2-40B4-BE49-F238E27FC236}">
+                <a16:creationId xmlns:a16="http://schemas.microsoft.com/office/drawing/2014/main" id="{573903F2-D5EF-4E37-A94A-81A116EF0135}"/>
               </a:ext>
             </a:extLst>
           </p:cNvPr>
@@ -13524,8 +14905,8 @@
         </p:nvSpPr>
         <p:spPr>
           <a:xfrm>
-            <a:off x="736358" y="3796809"/>
-            <a:ext cx="2123076" cy="307777"/>
+            <a:off x="8054170" y="3222526"/>
+            <a:ext cx="3314700" cy="923330"/>
           </a:xfrm>
           <a:prstGeom prst="rect">
             <a:avLst/>
@@ -13538,33 +14919,23 @@
           </a:bodyPr>
           <a:lstStyle/>
           <a:p>
-            <a:pPr algn="ctr"/>
-            <a:r>
-              <a:rPr kumimoji="1" lang="ja-JP" altLang="en-US" sz="1400" dirty="0"/>
-              <a:t>下限：</a:t>
-            </a:r>
-            <a:r>
-              <a:rPr kumimoji="1" lang="en-US" altLang="ja-JP" sz="1400" dirty="0"/>
-              <a:t>250</a:t>
-            </a:r>
-            <a:r>
-              <a:rPr kumimoji="1" lang="ja-JP" altLang="en-US" sz="1400" dirty="0"/>
-              <a:t>、上限：</a:t>
-            </a:r>
-            <a:r>
-              <a:rPr kumimoji="1" lang="en-US" altLang="ja-JP" sz="1400" dirty="0"/>
-              <a:t>2000</a:t>
-            </a:r>
-            <a:endParaRPr kumimoji="1" lang="ja-JP" altLang="en-US" sz="1400" dirty="0"/>
-          </a:p>
-        </p:txBody>
-      </p:sp>
-      <p:sp>
-        <p:nvSpPr>
-          <p:cNvPr id="40" name="テキスト ボックス 39">
-            <a:extLst>
-              <a:ext uri="{FF2B5EF4-FFF2-40B4-BE49-F238E27FC236}">
-                <a16:creationId xmlns:a16="http://schemas.microsoft.com/office/drawing/2014/main" id="{72361A94-2DE3-4FBA-8F2A-4304519690E2}"/>
+            <a:pPr marL="285750" indent="-285750">
+              <a:buFont typeface="Wingdings" panose="05000000000000000000" pitchFamily="2" charset="2"/>
+              <a:buChar char="Ø"/>
+            </a:pPr>
+            <a:r>
+              <a:rPr kumimoji="1" lang="ja-JP" altLang="en-US" dirty="0"/>
+              <a:t>時系列モデルの最大ポテンシャルを判断することを優先して、敢えて複雑なモデルを試す</a:t>
+            </a:r>
+          </a:p>
+        </p:txBody>
+      </p:sp>
+      <p:sp>
+        <p:nvSpPr>
+          <p:cNvPr id="28" name="テキスト ボックス 27">
+            <a:extLst>
+              <a:ext uri="{FF2B5EF4-FFF2-40B4-BE49-F238E27FC236}">
+                <a16:creationId xmlns:a16="http://schemas.microsoft.com/office/drawing/2014/main" id="{9E037FD2-1740-4AEB-8A2B-407D43DF92DC}"/>
               </a:ext>
             </a:extLst>
           </p:cNvPr>
@@ -13573,8 +14944,8 @@
         </p:nvSpPr>
         <p:spPr>
           <a:xfrm>
-            <a:off x="3750159" y="3796808"/>
-            <a:ext cx="1930069" cy="307777"/>
+            <a:off x="8054170" y="4551924"/>
+            <a:ext cx="3314700" cy="1200329"/>
           </a:xfrm>
           <a:prstGeom prst="rect">
             <a:avLst/>
@@ -13587,129 +14958,21 @@
           </a:bodyPr>
           <a:lstStyle/>
           <a:p>
-            <a:pPr algn="ctr"/>
-            <a:r>
-              <a:rPr kumimoji="1" lang="ja-JP" altLang="en-US" sz="1400" dirty="0"/>
-              <a:t>下限：</a:t>
-            </a:r>
-            <a:r>
-              <a:rPr kumimoji="1" lang="en-US" altLang="ja-JP" sz="1400" dirty="0"/>
-              <a:t>7</a:t>
-            </a:r>
-            <a:r>
-              <a:rPr kumimoji="1" lang="ja-JP" altLang="en-US" sz="1400" dirty="0"/>
-              <a:t>、上限：</a:t>
-            </a:r>
-            <a:r>
-              <a:rPr kumimoji="1" lang="en-US" altLang="ja-JP" sz="1400" dirty="0"/>
-              <a:t>40</a:t>
-            </a:r>
-            <a:endParaRPr kumimoji="1" lang="ja-JP" altLang="en-US" sz="1400" dirty="0"/>
-          </a:p>
-        </p:txBody>
-      </p:sp>
-      <p:sp>
-        <p:nvSpPr>
-          <p:cNvPr id="41" name="テキスト ボックス 40">
-            <a:extLst>
-              <a:ext uri="{FF2B5EF4-FFF2-40B4-BE49-F238E27FC236}">
-                <a16:creationId xmlns:a16="http://schemas.microsoft.com/office/drawing/2014/main" id="{E4F0B507-84C6-4219-A51C-DE2284B38A85}"/>
-              </a:ext>
-            </a:extLst>
-          </p:cNvPr>
-          <p:cNvSpPr txBox="1"/>
-          <p:nvPr/>
-        </p:nvSpPr>
-        <p:spPr>
-          <a:xfrm>
-            <a:off x="6660912" y="3796808"/>
-            <a:ext cx="1930069" cy="307777"/>
-          </a:xfrm>
-          <a:prstGeom prst="rect">
-            <a:avLst/>
-          </a:prstGeom>
-          <a:noFill/>
-        </p:spPr>
-        <p:txBody>
-          <a:bodyPr wrap="square" rtlCol="0">
-            <a:spAutoFit/>
-          </a:bodyPr>
-          <a:lstStyle/>
-          <a:p>
-            <a:pPr algn="ctr"/>
-            <a:r>
-              <a:rPr kumimoji="1" lang="ja-JP" altLang="en-US" sz="1400" dirty="0"/>
-              <a:t>下限：</a:t>
-            </a:r>
-            <a:r>
-              <a:rPr kumimoji="1" lang="en-US" altLang="ja-JP" sz="1400" dirty="0"/>
-              <a:t>5</a:t>
-            </a:r>
-            <a:r>
-              <a:rPr kumimoji="1" lang="ja-JP" altLang="en-US" sz="1400" dirty="0"/>
-              <a:t>、上限：</a:t>
-            </a:r>
-            <a:r>
-              <a:rPr kumimoji="1" lang="en-US" altLang="ja-JP" sz="1400" dirty="0"/>
-              <a:t>45</a:t>
-            </a:r>
-            <a:endParaRPr kumimoji="1" lang="ja-JP" altLang="en-US" sz="1400" dirty="0"/>
-          </a:p>
-        </p:txBody>
-      </p:sp>
-      <p:sp>
-        <p:nvSpPr>
-          <p:cNvPr id="42" name="テキスト ボックス 41">
-            <a:extLst>
-              <a:ext uri="{FF2B5EF4-FFF2-40B4-BE49-F238E27FC236}">
-                <a16:creationId xmlns:a16="http://schemas.microsoft.com/office/drawing/2014/main" id="{6AFA900D-E25C-4513-BC9B-15050916E19D}"/>
-              </a:ext>
-            </a:extLst>
-          </p:cNvPr>
-          <p:cNvSpPr txBox="1"/>
-          <p:nvPr/>
-        </p:nvSpPr>
-        <p:spPr>
-          <a:xfrm>
-            <a:off x="9646006" y="3796808"/>
-            <a:ext cx="1930069" cy="307777"/>
-          </a:xfrm>
-          <a:prstGeom prst="rect">
-            <a:avLst/>
-          </a:prstGeom>
-          <a:noFill/>
-        </p:spPr>
-        <p:txBody>
-          <a:bodyPr wrap="square" rtlCol="0">
-            <a:spAutoFit/>
-          </a:bodyPr>
-          <a:lstStyle/>
-          <a:p>
-            <a:pPr algn="ctr"/>
-            <a:r>
-              <a:rPr kumimoji="1" lang="ja-JP" altLang="en-US" sz="1400" dirty="0"/>
-              <a:t>下限：</a:t>
-            </a:r>
-            <a:r>
-              <a:rPr kumimoji="1" lang="en-US" altLang="ja-JP" sz="1400" dirty="0"/>
-              <a:t>10</a:t>
-            </a:r>
-            <a:r>
-              <a:rPr kumimoji="1" lang="ja-JP" altLang="en-US" sz="1400" dirty="0"/>
-              <a:t>、上限：</a:t>
-            </a:r>
-            <a:r>
-              <a:rPr kumimoji="1" lang="en-US" altLang="ja-JP" sz="1400" dirty="0"/>
-              <a:t>50</a:t>
-            </a:r>
-            <a:endParaRPr kumimoji="1" lang="ja-JP" altLang="en-US" sz="1400" dirty="0"/>
+            <a:pPr marL="285750" indent="-285750">
+              <a:buFont typeface="Wingdings" panose="05000000000000000000" pitchFamily="2" charset="2"/>
+              <a:buChar char="Ø"/>
+            </a:pPr>
+            <a:r>
+              <a:rPr kumimoji="1" lang="ja-JP" altLang="en-US" dirty="0"/>
+              <a:t>可能性がありそうなら、そこからどの部分が本質的なのかを徐々に試していき、実運用でも可能なモデルに狭めていく</a:t>
+            </a:r>
           </a:p>
         </p:txBody>
       </p:sp>
     </p:spTree>
     <p:extLst>
       <p:ext uri="{BB962C8B-B14F-4D97-AF65-F5344CB8AC3E}">
-        <p14:creationId xmlns:p14="http://schemas.microsoft.com/office/powerpoint/2010/main" val="342317265"/>
+        <p14:creationId xmlns:p14="http://schemas.microsoft.com/office/powerpoint/2010/main" val="4171777512"/>
       </p:ext>
     </p:extLst>
   </p:cSld>
@@ -13754,27 +15017,17 @@
         </p:nvSpPr>
         <p:spPr>
           <a:xfrm>
-            <a:off x="517055" y="256012"/>
+            <a:off x="517055" y="250825"/>
             <a:ext cx="11400125" cy="518094"/>
           </a:xfrm>
         </p:spPr>
         <p:txBody>
-          <a:bodyPr>
-            <a:normAutofit/>
-          </a:bodyPr>
+          <a:bodyPr/>
           <a:lstStyle/>
           <a:p>
             <a:r>
               <a:rPr lang="ja-JP" altLang="en-US" dirty="0"/>
-              <a:t>導電率</a:t>
-            </a:r>
-            <a:r>
-              <a:rPr lang="en-US" altLang="ja-JP" dirty="0"/>
-              <a:t>(1day/30min)</a:t>
-            </a:r>
-            <a:r>
-              <a:rPr lang="ja-JP" altLang="en-US" dirty="0"/>
-              <a:t>：外れ値除去⇒移動平均</a:t>
+              <a:t>時系列モデル</a:t>
             </a:r>
             <a:endParaRPr lang="en-US" dirty="0"/>
           </a:p>
@@ -13812,183 +15065,10 @@
       </p:sp>
       <p:sp>
         <p:nvSpPr>
-          <p:cNvPr id="26" name="テキスト ボックス 25">
-            <a:extLst>
-              <a:ext uri="{FF2B5EF4-FFF2-40B4-BE49-F238E27FC236}">
-                <a16:creationId xmlns:a16="http://schemas.microsoft.com/office/drawing/2014/main" id="{F66E5124-3E69-4316-9D4B-2047882BD19D}"/>
-              </a:ext>
-            </a:extLst>
-          </p:cNvPr>
-          <p:cNvSpPr txBox="1"/>
-          <p:nvPr/>
-        </p:nvSpPr>
-        <p:spPr>
-          <a:xfrm>
-            <a:off x="3797162" y="1760392"/>
-            <a:ext cx="1836064" cy="338554"/>
-          </a:xfrm>
-          <a:prstGeom prst="rect">
-            <a:avLst/>
-          </a:prstGeom>
-          <a:noFill/>
-        </p:spPr>
-        <p:txBody>
-          <a:bodyPr wrap="square" rtlCol="0">
-            <a:spAutoFit/>
-          </a:bodyPr>
-          <a:lstStyle/>
-          <a:p>
-            <a:pPr algn="ctr"/>
-            <a:r>
-              <a:rPr kumimoji="1" lang="en-US" altLang="ja-JP" sz="1600" dirty="0"/>
-              <a:t>1</a:t>
-            </a:r>
-            <a:r>
-              <a:rPr kumimoji="1" lang="ja-JP" altLang="en-US" sz="1600" dirty="0"/>
-              <a:t>段 透過 導電率</a:t>
-            </a:r>
-          </a:p>
-        </p:txBody>
-      </p:sp>
-      <p:pic>
-        <p:nvPicPr>
-          <p:cNvPr id="8" name="図 7" descr="グラフ, ヒストグラム&#10;&#10;自動的に生成された説明">
-            <a:extLst>
-              <a:ext uri="{FF2B5EF4-FFF2-40B4-BE49-F238E27FC236}">
-                <a16:creationId xmlns:a16="http://schemas.microsoft.com/office/drawing/2014/main" id="{0B5803B6-9F27-45AE-9939-DA2850F1661E}"/>
-              </a:ext>
-            </a:extLst>
-          </p:cNvPr>
-          <p:cNvPicPr>
-            <a:picLocks noChangeAspect="1"/>
-          </p:cNvPicPr>
-          <p:nvPr/>
-        </p:nvPicPr>
-        <p:blipFill>
-          <a:blip r:embed="rId2">
-            <a:extLst>
-              <a:ext uri="{28A0092B-C50C-407E-A947-70E740481C1C}">
-                <a14:useLocalDpi xmlns:a14="http://schemas.microsoft.com/office/drawing/2010/main" val="0"/>
-              </a:ext>
-            </a:extLst>
-          </a:blip>
-          <a:stretch>
-            <a:fillRect/>
-          </a:stretch>
-        </p:blipFill>
-        <p:spPr>
-          <a:xfrm>
-            <a:off x="3287987" y="4231591"/>
-            <a:ext cx="2854414" cy="1906167"/>
-          </a:xfrm>
-          <a:prstGeom prst="rect">
-            <a:avLst/>
-          </a:prstGeom>
-        </p:spPr>
-      </p:pic>
-      <p:sp>
-        <p:nvSpPr>
-          <p:cNvPr id="13" name="テキスト ボックス 12">
-            <a:extLst>
-              <a:ext uri="{FF2B5EF4-FFF2-40B4-BE49-F238E27FC236}">
-                <a16:creationId xmlns:a16="http://schemas.microsoft.com/office/drawing/2014/main" id="{36C5A231-FBD4-4D2E-A9AF-5895099A5E1D}"/>
-              </a:ext>
-            </a:extLst>
-          </p:cNvPr>
-          <p:cNvSpPr txBox="1"/>
-          <p:nvPr/>
-        </p:nvSpPr>
-        <p:spPr>
-          <a:xfrm>
-            <a:off x="571984" y="-20412"/>
-            <a:ext cx="4521842" cy="338554"/>
-          </a:xfrm>
-          <a:prstGeom prst="rect">
-            <a:avLst/>
-          </a:prstGeom>
-          <a:noFill/>
-        </p:spPr>
-        <p:txBody>
-          <a:bodyPr wrap="square" rtlCol="0">
-            <a:spAutoFit/>
-          </a:bodyPr>
-          <a:lstStyle/>
-          <a:p>
-            <a:r>
-              <a:rPr lang="en-US" altLang="ja-JP" sz="1600" b="1" dirty="0">
-                <a:solidFill>
-                  <a:schemeClr val="bg1"/>
-                </a:solidFill>
-              </a:rPr>
-              <a:t>1. </a:t>
-            </a:r>
-            <a:r>
-              <a:rPr lang="ja-JP" altLang="en-US" sz="1600" b="1" dirty="0">
-                <a:solidFill>
-                  <a:schemeClr val="bg1"/>
-                </a:solidFill>
-              </a:rPr>
-              <a:t>今後のタスク</a:t>
-            </a:r>
-            <a:endParaRPr kumimoji="1" lang="ja-JP" altLang="en-US" sz="1600" b="1" dirty="0">
-              <a:solidFill>
-                <a:schemeClr val="bg1"/>
-              </a:solidFill>
-            </a:endParaRPr>
-          </a:p>
-        </p:txBody>
-      </p:sp>
-      <p:sp>
-        <p:nvSpPr>
-          <p:cNvPr id="15" name="テキスト ボックス 14">
-            <a:extLst>
-              <a:ext uri="{FF2B5EF4-FFF2-40B4-BE49-F238E27FC236}">
-                <a16:creationId xmlns:a16="http://schemas.microsoft.com/office/drawing/2014/main" id="{F99ECC29-76C0-4D75-8678-F68A58C98036}"/>
-              </a:ext>
-            </a:extLst>
-          </p:cNvPr>
-          <p:cNvSpPr txBox="1"/>
-          <p:nvPr/>
-        </p:nvSpPr>
-        <p:spPr>
-          <a:xfrm>
-            <a:off x="9494028" y="34754"/>
-            <a:ext cx="2535055" cy="338554"/>
-          </a:xfrm>
-          <a:prstGeom prst="rect">
-            <a:avLst/>
-          </a:prstGeom>
-          <a:noFill/>
-        </p:spPr>
-        <p:txBody>
-          <a:bodyPr wrap="square" rtlCol="0">
-            <a:spAutoFit/>
-          </a:bodyPr>
-          <a:lstStyle/>
-          <a:p>
-            <a:pPr algn="ctr"/>
-            <a:r>
-              <a:rPr kumimoji="1" lang="en-US" altLang="ja-JP" sz="1600" dirty="0">
-                <a:solidFill>
-                  <a:schemeClr val="bg1"/>
-                </a:solidFill>
-              </a:rPr>
-              <a:t>2021-07~2022-09</a:t>
-            </a:r>
-            <a:endParaRPr kumimoji="1" lang="ja-JP" altLang="en-US" sz="1600" dirty="0">
-              <a:solidFill>
-                <a:schemeClr val="bg1"/>
-              </a:solidFill>
-            </a:endParaRPr>
-          </a:p>
-        </p:txBody>
-      </p:sp>
-      <p:sp>
-        <p:nvSpPr>
-          <p:cNvPr id="4" name="テキスト プレースホルダー 3">
-            <a:extLst>
-              <a:ext uri="{FF2B5EF4-FFF2-40B4-BE49-F238E27FC236}">
-                <a16:creationId xmlns:a16="http://schemas.microsoft.com/office/drawing/2014/main" id="{D5F61EF3-7656-4575-A7E3-217A751CEB32}"/>
+          <p:cNvPr id="6" name="テキスト プレースホルダー 5">
+            <a:extLst>
+              <a:ext uri="{FF2B5EF4-FFF2-40B4-BE49-F238E27FC236}">
+                <a16:creationId xmlns:a16="http://schemas.microsoft.com/office/drawing/2014/main" id="{1F609DF4-3152-4D3E-9CA5-170D4BE14906}"/>
               </a:ext>
             </a:extLst>
           </p:cNvPr>
@@ -14001,8 +15081,8 @@
         </p:nvSpPr>
         <p:spPr>
           <a:xfrm>
-            <a:off x="517055" y="948425"/>
-            <a:ext cx="11341887" cy="518094"/>
+            <a:off x="517055" y="1072091"/>
+            <a:ext cx="11341887" cy="600165"/>
           </a:xfrm>
         </p:spPr>
         <p:txBody>
@@ -14010,22 +15090,27 @@
           <a:lstStyle/>
           <a:p>
             <a:r>
+              <a:rPr lang="ja-JP" altLang="en-US" sz="2800" dirty="0"/>
+              <a:t>今回は、</a:t>
+            </a:r>
+            <a:r>
               <a:rPr lang="en-US" altLang="ja-JP" sz="2800" dirty="0"/>
-              <a:t>1day</a:t>
+              <a:t>Prophet</a:t>
             </a:r>
             <a:r>
               <a:rPr lang="ja-JP" altLang="en-US" sz="2800" dirty="0"/>
-              <a:t>は外れ値に影響を受け、挙動が異なる期間がある。</a:t>
-            </a:r>
-          </a:p>
-        </p:txBody>
-      </p:sp>
-      <p:sp>
-        <p:nvSpPr>
-          <p:cNvPr id="17" name="テキスト ボックス 16">
-            <a:extLst>
-              <a:ext uri="{FF2B5EF4-FFF2-40B4-BE49-F238E27FC236}">
-                <a16:creationId xmlns:a16="http://schemas.microsoft.com/office/drawing/2014/main" id="{C496F779-C2C1-4A0A-A143-1F87AA167EA6}"/>
+              <a:t>を用いた。</a:t>
+            </a:r>
+            <a:endParaRPr lang="en-US" altLang="ja-JP" sz="2800" dirty="0"/>
+          </a:p>
+        </p:txBody>
+      </p:sp>
+      <p:sp>
+        <p:nvSpPr>
+          <p:cNvPr id="26" name="テキスト ボックス 25">
+            <a:extLst>
+              <a:ext uri="{FF2B5EF4-FFF2-40B4-BE49-F238E27FC236}">
+                <a16:creationId xmlns:a16="http://schemas.microsoft.com/office/drawing/2014/main" id="{878A06C2-9BE0-4228-8673-300CDCCC55B4}"/>
               </a:ext>
             </a:extLst>
           </p:cNvPr>
@@ -14034,82 +15119,8 @@
         </p:nvSpPr>
         <p:spPr>
           <a:xfrm>
-            <a:off x="-5758" y="2760616"/>
-            <a:ext cx="430887" cy="604958"/>
-          </a:xfrm>
-          <a:prstGeom prst="rect">
-            <a:avLst/>
-          </a:prstGeom>
-          <a:noFill/>
-        </p:spPr>
-        <p:txBody>
-          <a:bodyPr vert="vert270" wrap="square" rtlCol="0">
-            <a:spAutoFit/>
-          </a:bodyPr>
-          <a:lstStyle/>
-          <a:p>
-            <a:pPr algn="ctr"/>
-            <a:r>
-              <a:rPr kumimoji="1" lang="en-US" altLang="ja-JP" sz="1600" dirty="0"/>
-              <a:t>1day</a:t>
-            </a:r>
-            <a:endParaRPr kumimoji="1" lang="ja-JP" altLang="en-US" sz="1600" dirty="0"/>
-          </a:p>
-        </p:txBody>
-      </p:sp>
-      <p:sp>
-        <p:nvSpPr>
-          <p:cNvPr id="18" name="テキスト ボックス 17">
-            <a:extLst>
-              <a:ext uri="{FF2B5EF4-FFF2-40B4-BE49-F238E27FC236}">
-                <a16:creationId xmlns:a16="http://schemas.microsoft.com/office/drawing/2014/main" id="{29FE02A7-63EA-41AA-9BB9-9B558794D954}"/>
-              </a:ext>
-            </a:extLst>
-          </p:cNvPr>
-          <p:cNvSpPr txBox="1"/>
-          <p:nvPr/>
-        </p:nvSpPr>
-        <p:spPr>
-          <a:xfrm>
-            <a:off x="-5758" y="4762500"/>
-            <a:ext cx="430887" cy="724653"/>
-          </a:xfrm>
-          <a:prstGeom prst="rect">
-            <a:avLst/>
-          </a:prstGeom>
-          <a:noFill/>
-        </p:spPr>
-        <p:txBody>
-          <a:bodyPr vert="vert270" wrap="square" rtlCol="0">
-            <a:spAutoFit/>
-          </a:bodyPr>
-          <a:lstStyle/>
-          <a:p>
-            <a:pPr algn="ctr"/>
-            <a:r>
-              <a:rPr kumimoji="1" lang="en-US" altLang="ja-JP" sz="1600" dirty="0"/>
-              <a:t>30min</a:t>
-            </a:r>
-            <a:endParaRPr kumimoji="1" lang="ja-JP" altLang="en-US" sz="1600" dirty="0"/>
-          </a:p>
-        </p:txBody>
-      </p:sp>
-      <p:sp>
-        <p:nvSpPr>
-          <p:cNvPr id="20" name="テキスト ボックス 19">
-            <a:extLst>
-              <a:ext uri="{FF2B5EF4-FFF2-40B4-BE49-F238E27FC236}">
-                <a16:creationId xmlns:a16="http://schemas.microsoft.com/office/drawing/2014/main" id="{5A682083-4F9F-45C9-8D31-ACC3D0E05CB9}"/>
-              </a:ext>
-            </a:extLst>
-          </p:cNvPr>
-          <p:cNvSpPr txBox="1"/>
-          <p:nvPr/>
-        </p:nvSpPr>
-        <p:spPr>
-          <a:xfrm>
-            <a:off x="9575119" y="315197"/>
-            <a:ext cx="2535056" cy="338554"/>
+            <a:off x="571984" y="-20412"/>
+            <a:ext cx="4521842" cy="338554"/>
           </a:xfrm>
           <a:prstGeom prst="rect">
             <a:avLst/>
@@ -14122,56 +15133,23 @@
           </a:bodyPr>
           <a:lstStyle/>
           <a:p>
-            <a:pPr algn="ctr"/>
-            <a:r>
-              <a:rPr kumimoji="1" lang="ja-JP" altLang="en-US" sz="1600" dirty="0">
+            <a:r>
+              <a:rPr lang="en-US" altLang="ja-JP" sz="1600" b="1" dirty="0">
                 <a:solidFill>
                   <a:schemeClr val="bg1"/>
                 </a:solidFill>
               </a:rPr>
-              <a:t>単位の</a:t>
-            </a:r>
-            <a:r>
-              <a:rPr kumimoji="1" lang="en-US" altLang="ja-JP" sz="1600" dirty="0">
+              <a:t>3. </a:t>
+            </a:r>
+            <a:r>
+              <a:rPr lang="ja-JP" altLang="en-US" sz="1600" b="1" dirty="0">
                 <a:solidFill>
                   <a:schemeClr val="bg1"/>
                 </a:solidFill>
               </a:rPr>
-              <a:t>mu</a:t>
-            </a:r>
-            <a:r>
-              <a:rPr kumimoji="1" lang="ja-JP" altLang="en-US" sz="1600" dirty="0">
-                <a:solidFill>
-                  <a:schemeClr val="bg1"/>
-                </a:solidFill>
-              </a:rPr>
-              <a:t>：接頭辞</a:t>
-            </a:r>
-            <a:r>
-              <a:rPr kumimoji="1" lang="en-US" altLang="ja-JP" sz="1600" dirty="0">
-                <a:solidFill>
-                  <a:schemeClr val="bg1"/>
-                </a:solidFill>
-              </a:rPr>
-              <a:t>μ(10</a:t>
-            </a:r>
-            <a:r>
-              <a:rPr kumimoji="1" lang="en-US" altLang="ja-JP" sz="1600" baseline="30000" dirty="0">
-                <a:solidFill>
-                  <a:schemeClr val="bg1"/>
-                </a:solidFill>
-              </a:rPr>
-              <a:t>-6</a:t>
-            </a:r>
-            <a:r>
-              <a:rPr kumimoji="1" lang="en-US" altLang="ja-JP" sz="1600" dirty="0">
-                <a:solidFill>
-                  <a:schemeClr val="bg1"/>
-                </a:solidFill>
-              </a:rPr>
-              <a:t>)</a:t>
-            </a:r>
-            <a:endParaRPr kumimoji="1" lang="ja-JP" altLang="en-US" sz="1600" dirty="0">
+              <a:t>モデリング戦略</a:t>
+            </a:r>
+            <a:endParaRPr kumimoji="1" lang="ja-JP" altLang="en-US" sz="1600" b="1" dirty="0">
               <a:solidFill>
                 <a:schemeClr val="bg1"/>
               </a:solidFill>
@@ -14181,10 +15159,10 @@
       </p:sp>
       <p:sp>
         <p:nvSpPr>
-          <p:cNvPr id="21" name="テキスト ボックス 20">
-            <a:extLst>
-              <a:ext uri="{FF2B5EF4-FFF2-40B4-BE49-F238E27FC236}">
-                <a16:creationId xmlns:a16="http://schemas.microsoft.com/office/drawing/2014/main" id="{D1388DBD-A6FD-45FB-B338-2604ACC17FB1}"/>
+          <p:cNvPr id="24" name="テキスト ボックス 23">
+            <a:extLst>
+              <a:ext uri="{FF2B5EF4-FFF2-40B4-BE49-F238E27FC236}">
+                <a16:creationId xmlns:a16="http://schemas.microsoft.com/office/drawing/2014/main" id="{3D67B1F1-49EB-4181-A81B-BB1E40E582EA}"/>
               </a:ext>
             </a:extLst>
           </p:cNvPr>
@@ -14193,8 +15171,8 @@
         </p:nvSpPr>
         <p:spPr>
           <a:xfrm>
-            <a:off x="1006326" y="1760392"/>
-            <a:ext cx="1583141" cy="338554"/>
+            <a:off x="6741020" y="2449293"/>
+            <a:ext cx="3164505" cy="369332"/>
           </a:xfrm>
           <a:prstGeom prst="rect">
             <a:avLst/>
@@ -14209,130 +15187,377 @@
           <a:p>
             <a:pPr algn="ctr"/>
             <a:r>
-              <a:rPr kumimoji="1" lang="en-US" altLang="ja-JP" sz="1600" dirty="0"/>
-              <a:t>RO</a:t>
-            </a:r>
-            <a:r>
-              <a:rPr kumimoji="1" lang="ja-JP" altLang="en-US" sz="1600" dirty="0"/>
-              <a:t>流入 導電率</a:t>
-            </a:r>
-          </a:p>
-        </p:txBody>
-      </p:sp>
-      <p:pic>
-        <p:nvPicPr>
-          <p:cNvPr id="22" name="図 21" descr="グラフ, 折れ線グラフ&#10;&#10;自動的に生成された説明">
-            <a:extLst>
-              <a:ext uri="{FF2B5EF4-FFF2-40B4-BE49-F238E27FC236}">
-                <a16:creationId xmlns:a16="http://schemas.microsoft.com/office/drawing/2014/main" id="{817F3284-72D1-4004-A048-851E1E8565F7}"/>
-              </a:ext>
-            </a:extLst>
-          </p:cNvPr>
-          <p:cNvPicPr>
-            <a:picLocks noChangeAspect="1"/>
-          </p:cNvPicPr>
-          <p:nvPr/>
-        </p:nvPicPr>
-        <p:blipFill>
-          <a:blip r:embed="rId3">
-            <a:extLst>
-              <a:ext uri="{28A0092B-C50C-407E-A947-70E740481C1C}">
-                <a14:useLocalDpi xmlns:a14="http://schemas.microsoft.com/office/drawing/2010/main" val="0"/>
-              </a:ext>
-            </a:extLst>
-          </a:blip>
-          <a:stretch>
-            <a:fillRect/>
-          </a:stretch>
-        </p:blipFill>
-        <p:spPr>
-          <a:xfrm>
-            <a:off x="364144" y="4236940"/>
-            <a:ext cx="2867504" cy="1895469"/>
-          </a:xfrm>
-          <a:prstGeom prst="rect">
-            <a:avLst/>
-          </a:prstGeom>
-        </p:spPr>
-      </p:pic>
-      <p:pic>
-        <p:nvPicPr>
-          <p:cNvPr id="24" name="図 23" descr="グラフ, ヒストグラム&#10;&#10;自動的に生成された説明">
-            <a:extLst>
-              <a:ext uri="{FF2B5EF4-FFF2-40B4-BE49-F238E27FC236}">
-                <a16:creationId xmlns:a16="http://schemas.microsoft.com/office/drawing/2014/main" id="{029DEAEA-3D5F-48E2-B091-AD024724421F}"/>
-              </a:ext>
-            </a:extLst>
-          </p:cNvPr>
-          <p:cNvPicPr>
-            <a:picLocks noChangeAspect="1"/>
-          </p:cNvPicPr>
-          <p:nvPr/>
-        </p:nvPicPr>
-        <p:blipFill>
-          <a:blip r:embed="rId4">
-            <a:extLst>
-              <a:ext uri="{28A0092B-C50C-407E-A947-70E740481C1C}">
-                <a14:useLocalDpi xmlns:a14="http://schemas.microsoft.com/office/drawing/2010/main" val="0"/>
-              </a:ext>
-            </a:extLst>
-          </a:blip>
-          <a:stretch>
-            <a:fillRect/>
-          </a:stretch>
-        </p:blipFill>
-        <p:spPr>
-          <a:xfrm>
-            <a:off x="6200138" y="4231591"/>
-            <a:ext cx="2854413" cy="1906167"/>
-          </a:xfrm>
-          <a:prstGeom prst="rect">
-            <a:avLst/>
-          </a:prstGeom>
-        </p:spPr>
-      </p:pic>
-      <p:pic>
-        <p:nvPicPr>
-          <p:cNvPr id="31" name="図 30" descr="グラフ, 折れ線グラフ&#10;&#10;自動的に生成された説明">
-            <a:extLst>
-              <a:ext uri="{FF2B5EF4-FFF2-40B4-BE49-F238E27FC236}">
-                <a16:creationId xmlns:a16="http://schemas.microsoft.com/office/drawing/2014/main" id="{EBC8F815-2E5A-4678-9987-1FA4F1768515}"/>
-              </a:ext>
-            </a:extLst>
-          </p:cNvPr>
-          <p:cNvPicPr>
-            <a:picLocks noChangeAspect="1"/>
-          </p:cNvPicPr>
-          <p:nvPr/>
-        </p:nvPicPr>
-        <p:blipFill>
-          <a:blip r:embed="rId5">
-            <a:extLst>
-              <a:ext uri="{28A0092B-C50C-407E-A947-70E740481C1C}">
-                <a14:useLocalDpi xmlns:a14="http://schemas.microsoft.com/office/drawing/2010/main" val="0"/>
-              </a:ext>
-            </a:extLst>
-          </a:blip>
-          <a:stretch>
-            <a:fillRect/>
-          </a:stretch>
-        </p:blipFill>
-        <p:spPr>
-          <a:xfrm>
-            <a:off x="9191845" y="4235331"/>
-            <a:ext cx="2838393" cy="1898687"/>
-          </a:xfrm>
-          <a:prstGeom prst="rect">
-            <a:avLst/>
-          </a:prstGeom>
-        </p:spPr>
-      </p:pic>
-      <p:sp>
-        <p:nvSpPr>
-          <p:cNvPr id="32" name="テキスト ボックス 31">
-            <a:extLst>
-              <a:ext uri="{FF2B5EF4-FFF2-40B4-BE49-F238E27FC236}">
-                <a16:creationId xmlns:a16="http://schemas.microsoft.com/office/drawing/2014/main" id="{3655E96F-994B-47D5-A30E-5765A4F0FC4D}"/>
+              <a:rPr kumimoji="1" lang="en-US" altLang="ja-JP" b="1" dirty="0"/>
+              <a:t>Prophet</a:t>
+            </a:r>
+            <a:r>
+              <a:rPr kumimoji="1" lang="ja-JP" altLang="en-US" dirty="0"/>
+              <a:t>（</a:t>
+            </a:r>
+            <a:r>
+              <a:rPr kumimoji="1" lang="en-US" altLang="ja-JP" dirty="0"/>
+              <a:t>2017, Facebook</a:t>
+            </a:r>
+            <a:r>
+              <a:rPr kumimoji="1" lang="ja-JP" altLang="en-US" dirty="0"/>
+              <a:t>）</a:t>
+            </a:r>
+          </a:p>
+        </p:txBody>
+      </p:sp>
+      <mc:AlternateContent xmlns:mc="http://schemas.openxmlformats.org/markup-compatibility/2006">
+        <mc:Choice xmlns:a14="http://schemas.microsoft.com/office/drawing/2010/main" Requires="a14">
+          <p:sp>
+            <p:nvSpPr>
+              <p:cNvPr id="27" name="テキスト ボックス 26">
+                <a:extLst>
+                  <a:ext uri="{FF2B5EF4-FFF2-40B4-BE49-F238E27FC236}">
+                    <a16:creationId xmlns:a16="http://schemas.microsoft.com/office/drawing/2014/main" id="{44DEA204-6BDA-44FF-921B-197C7ED8BE40}"/>
+                  </a:ext>
+                </a:extLst>
+              </p:cNvPr>
+              <p:cNvSpPr txBox="1"/>
+              <p:nvPr/>
+            </p:nvSpPr>
+            <p:spPr>
+              <a:xfrm>
+                <a:off x="622512" y="2924747"/>
+                <a:ext cx="4833311" cy="756169"/>
+              </a:xfrm>
+              <a:prstGeom prst="rect">
+                <a:avLst/>
+              </a:prstGeom>
+              <a:noFill/>
+            </p:spPr>
+            <p:txBody>
+              <a:bodyPr wrap="none" lIns="0" tIns="0" rIns="0" bIns="0" rtlCol="0">
+                <a:spAutoFit/>
+              </a:bodyPr>
+              <a:lstStyle/>
+              <a:p>
+                <a14:m>
+                  <m:oMathPara xmlns:m="http://schemas.openxmlformats.org/officeDocument/2006/math">
+                    <m:oMathParaPr>
+                      <m:jc m:val="centerGroup"/>
+                    </m:oMathParaPr>
+                    <m:oMath xmlns:m="http://schemas.openxmlformats.org/officeDocument/2006/math">
+                      <m:r>
+                        <a:rPr kumimoji="1" lang="en-US" altLang="ja-JP" b="0" i="1" smtClean="0">
+                          <a:latin typeface="Cambria Math" panose="02040503050406030204" pitchFamily="18" charset="0"/>
+                        </a:rPr>
+                        <m:t>𝑦</m:t>
+                      </m:r>
+                      <m:d>
+                        <m:dPr>
+                          <m:begChr m:val="["/>
+                          <m:endChr m:val="]"/>
+                          <m:ctrlPr>
+                            <a:rPr kumimoji="1" lang="en-US" altLang="ja-JP" b="0" i="1" smtClean="0">
+                              <a:latin typeface="Cambria Math" panose="02040503050406030204" pitchFamily="18" charset="0"/>
+                            </a:rPr>
+                          </m:ctrlPr>
+                        </m:dPr>
+                        <m:e>
+                          <m:r>
+                            <a:rPr kumimoji="1" lang="en-US" altLang="ja-JP" b="0" i="1" smtClean="0">
+                              <a:latin typeface="Cambria Math" panose="02040503050406030204" pitchFamily="18" charset="0"/>
+                            </a:rPr>
+                            <m:t>𝑡</m:t>
+                          </m:r>
+                        </m:e>
+                      </m:d>
+                      <m:r>
+                        <a:rPr kumimoji="1" lang="en-US" altLang="ja-JP" i="1" smtClean="0">
+                          <a:latin typeface="Cambria Math" panose="02040503050406030204" pitchFamily="18" charset="0"/>
+                        </a:rPr>
+                        <m:t>=</m:t>
+                      </m:r>
+                      <m:nary>
+                        <m:naryPr>
+                          <m:chr m:val="∑"/>
+                          <m:ctrlPr>
+                            <a:rPr kumimoji="1" lang="en-US" altLang="ja-JP" i="1">
+                              <a:latin typeface="Cambria Math" panose="02040503050406030204" pitchFamily="18" charset="0"/>
+                            </a:rPr>
+                          </m:ctrlPr>
+                        </m:naryPr>
+                        <m:sub>
+                          <m:r>
+                            <a:rPr kumimoji="1" lang="en-US" altLang="ja-JP" i="1">
+                              <a:latin typeface="Cambria Math" panose="02040503050406030204" pitchFamily="18" charset="0"/>
+                            </a:rPr>
+                            <m:t>𝜅</m:t>
+                          </m:r>
+                          <m:r>
+                            <a:rPr kumimoji="1" lang="en-US" altLang="ja-JP" i="1">
+                              <a:latin typeface="Cambria Math" panose="02040503050406030204" pitchFamily="18" charset="0"/>
+                            </a:rPr>
+                            <m:t>=1</m:t>
+                          </m:r>
+                        </m:sub>
+                        <m:sup>
+                          <m:r>
+                            <a:rPr kumimoji="1" lang="en-US" altLang="ja-JP" i="1">
+                              <a:latin typeface="Cambria Math" panose="02040503050406030204" pitchFamily="18" charset="0"/>
+                            </a:rPr>
+                            <m:t>𝑝</m:t>
+                          </m:r>
+                        </m:sup>
+                        <m:e>
+                          <m:r>
+                            <a:rPr kumimoji="1" lang="en-US" altLang="ja-JP" i="1">
+                              <a:latin typeface="Cambria Math" panose="02040503050406030204" pitchFamily="18" charset="0"/>
+                            </a:rPr>
+                            <m:t>𝑎</m:t>
+                          </m:r>
+                          <m:r>
+                            <a:rPr kumimoji="1" lang="en-US" altLang="ja-JP" i="1">
+                              <a:latin typeface="Cambria Math" panose="02040503050406030204" pitchFamily="18" charset="0"/>
+                            </a:rPr>
+                            <m:t>[</m:t>
+                          </m:r>
+                          <m:r>
+                            <a:rPr kumimoji="1" lang="en-US" altLang="ja-JP" i="1">
+                              <a:latin typeface="Cambria Math" panose="02040503050406030204" pitchFamily="18" charset="0"/>
+                            </a:rPr>
+                            <m:t>𝜅</m:t>
+                          </m:r>
+                          <m:r>
+                            <a:rPr kumimoji="1" lang="en-US" altLang="ja-JP" i="1">
+                              <a:latin typeface="Cambria Math" panose="02040503050406030204" pitchFamily="18" charset="0"/>
+                            </a:rPr>
+                            <m:t>]</m:t>
+                          </m:r>
+                          <m:r>
+                            <a:rPr kumimoji="1" lang="en-US" altLang="ja-JP" i="1">
+                              <a:latin typeface="Cambria Math" panose="02040503050406030204" pitchFamily="18" charset="0"/>
+                            </a:rPr>
+                            <m:t>𝑦</m:t>
+                          </m:r>
+                          <m:d>
+                            <m:dPr>
+                              <m:begChr m:val="["/>
+                              <m:endChr m:val="]"/>
+                              <m:ctrlPr>
+                                <a:rPr kumimoji="1" lang="en-US" altLang="ja-JP" i="1">
+                                  <a:latin typeface="Cambria Math" panose="02040503050406030204" pitchFamily="18" charset="0"/>
+                                </a:rPr>
+                              </m:ctrlPr>
+                            </m:dPr>
+                            <m:e>
+                              <m:r>
+                                <a:rPr kumimoji="1" lang="en-US" altLang="ja-JP" i="1">
+                                  <a:latin typeface="Cambria Math" panose="02040503050406030204" pitchFamily="18" charset="0"/>
+                                </a:rPr>
+                                <m:t>𝑡</m:t>
+                              </m:r>
+                              <m:r>
+                                <a:rPr kumimoji="1" lang="en-US" altLang="ja-JP" i="1">
+                                  <a:latin typeface="Cambria Math" panose="02040503050406030204" pitchFamily="18" charset="0"/>
+                                </a:rPr>
+                                <m:t>−</m:t>
+                              </m:r>
+                              <m:r>
+                                <a:rPr kumimoji="1" lang="en-US" altLang="ja-JP" i="1">
+                                  <a:latin typeface="Cambria Math" panose="02040503050406030204" pitchFamily="18" charset="0"/>
+                                </a:rPr>
+                                <m:t>𝜅</m:t>
+                              </m:r>
+                            </m:e>
+                          </m:d>
+                        </m:e>
+                      </m:nary>
+                      <m:r>
+                        <a:rPr kumimoji="1" lang="en-US" altLang="ja-JP" b="0" i="1" smtClean="0">
+                          <a:latin typeface="Cambria Math" panose="02040503050406030204" pitchFamily="18" charset="0"/>
+                        </a:rPr>
+                        <m:t>−</m:t>
+                      </m:r>
+                      <m:nary>
+                        <m:naryPr>
+                          <m:chr m:val="∑"/>
+                          <m:ctrlPr>
+                            <a:rPr kumimoji="1" lang="en-US" altLang="ja-JP" i="1" smtClean="0">
+                              <a:latin typeface="Cambria Math" panose="02040503050406030204" pitchFamily="18" charset="0"/>
+                            </a:rPr>
+                          </m:ctrlPr>
+                        </m:naryPr>
+                        <m:sub>
+                          <m:r>
+                            <a:rPr kumimoji="1" lang="en-US" altLang="ja-JP" i="1">
+                              <a:latin typeface="Cambria Math" panose="02040503050406030204" pitchFamily="18" charset="0"/>
+                            </a:rPr>
+                            <m:t>𝜅</m:t>
+                          </m:r>
+                          <m:r>
+                            <a:rPr kumimoji="1" lang="en-US" altLang="ja-JP" b="0" i="1" smtClean="0">
+                              <a:latin typeface="Cambria Math" panose="02040503050406030204" pitchFamily="18" charset="0"/>
+                            </a:rPr>
+                            <m:t>=1</m:t>
+                          </m:r>
+                        </m:sub>
+                        <m:sup>
+                          <m:r>
+                            <a:rPr kumimoji="1" lang="en-US" altLang="ja-JP" b="0" i="1" smtClean="0">
+                              <a:latin typeface="Cambria Math" panose="02040503050406030204" pitchFamily="18" charset="0"/>
+                            </a:rPr>
+                            <m:t>𝑞</m:t>
+                          </m:r>
+                        </m:sup>
+                        <m:e>
+                          <m:r>
+                            <a:rPr kumimoji="1" lang="en-US" altLang="ja-JP" b="0" i="1" smtClean="0">
+                              <a:latin typeface="Cambria Math" panose="02040503050406030204" pitchFamily="18" charset="0"/>
+                            </a:rPr>
+                            <m:t>𝑏</m:t>
+                          </m:r>
+                          <m:r>
+                            <a:rPr kumimoji="1" lang="en-US" altLang="ja-JP" b="0" i="1" smtClean="0">
+                              <a:latin typeface="Cambria Math" panose="02040503050406030204" pitchFamily="18" charset="0"/>
+                            </a:rPr>
+                            <m:t>[</m:t>
+                          </m:r>
+                          <m:r>
+                            <a:rPr kumimoji="1" lang="en-US" altLang="ja-JP" i="1">
+                              <a:latin typeface="Cambria Math" panose="02040503050406030204" pitchFamily="18" charset="0"/>
+                            </a:rPr>
+                            <m:t>𝜅</m:t>
+                          </m:r>
+                          <m:r>
+                            <a:rPr kumimoji="1" lang="en-US" altLang="ja-JP" b="0" i="1" smtClean="0">
+                              <a:latin typeface="Cambria Math" panose="02040503050406030204" pitchFamily="18" charset="0"/>
+                            </a:rPr>
+                            <m:t>]</m:t>
+                          </m:r>
+                          <m:r>
+                            <a:rPr kumimoji="1" lang="en-US" altLang="ja-JP" i="1">
+                              <a:latin typeface="Cambria Math" panose="02040503050406030204" pitchFamily="18" charset="0"/>
+                            </a:rPr>
+                            <m:t>𝜀</m:t>
+                          </m:r>
+                          <m:d>
+                            <m:dPr>
+                              <m:begChr m:val="["/>
+                              <m:endChr m:val="]"/>
+                              <m:ctrlPr>
+                                <a:rPr kumimoji="1" lang="en-US" altLang="ja-JP" b="0" i="1" smtClean="0">
+                                  <a:latin typeface="Cambria Math" panose="02040503050406030204" pitchFamily="18" charset="0"/>
+                                </a:rPr>
+                              </m:ctrlPr>
+                            </m:dPr>
+                            <m:e>
+                              <m:r>
+                                <a:rPr kumimoji="1" lang="en-US" altLang="ja-JP" b="0" i="1" smtClean="0">
+                                  <a:latin typeface="Cambria Math" panose="02040503050406030204" pitchFamily="18" charset="0"/>
+                                </a:rPr>
+                                <m:t>𝑡</m:t>
+                              </m:r>
+                              <m:r>
+                                <a:rPr kumimoji="1" lang="en-US" altLang="ja-JP" b="0" i="1" smtClean="0">
+                                  <a:latin typeface="Cambria Math" panose="02040503050406030204" pitchFamily="18" charset="0"/>
+                                </a:rPr>
+                                <m:t>−</m:t>
+                              </m:r>
+                              <m:r>
+                                <a:rPr kumimoji="1" lang="en-US" altLang="ja-JP" i="1">
+                                  <a:latin typeface="Cambria Math" panose="02040503050406030204" pitchFamily="18" charset="0"/>
+                                </a:rPr>
+                                <m:t>𝜅</m:t>
+                              </m:r>
+                            </m:e>
+                          </m:d>
+                        </m:e>
+                      </m:nary>
+                      <m:r>
+                        <a:rPr kumimoji="1" lang="en-US" altLang="ja-JP" i="1">
+                          <a:latin typeface="Cambria Math" panose="02040503050406030204" pitchFamily="18" charset="0"/>
+                        </a:rPr>
+                        <m:t>+</m:t>
+                      </m:r>
+                      <m:r>
+                        <a:rPr kumimoji="1" lang="en-US" altLang="ja-JP" i="1">
+                          <a:latin typeface="Cambria Math" panose="02040503050406030204" pitchFamily="18" charset="0"/>
+                        </a:rPr>
+                        <m:t>𝜀</m:t>
+                      </m:r>
+                      <m:d>
+                        <m:dPr>
+                          <m:begChr m:val="["/>
+                          <m:endChr m:val="]"/>
+                          <m:ctrlPr>
+                            <a:rPr kumimoji="1" lang="en-US" altLang="ja-JP" i="1">
+                              <a:latin typeface="Cambria Math" panose="02040503050406030204" pitchFamily="18" charset="0"/>
+                            </a:rPr>
+                          </m:ctrlPr>
+                        </m:dPr>
+                        <m:e>
+                          <m:r>
+                            <a:rPr kumimoji="1" lang="en-US" altLang="ja-JP" i="1">
+                              <a:latin typeface="Cambria Math" panose="02040503050406030204" pitchFamily="18" charset="0"/>
+                            </a:rPr>
+                            <m:t>𝑡</m:t>
+                          </m:r>
+                        </m:e>
+                      </m:d>
+                    </m:oMath>
+                  </m:oMathPara>
+                </a14:m>
+                <a:endParaRPr kumimoji="1" lang="ja-JP" altLang="en-US" dirty="0"/>
+              </a:p>
+            </p:txBody>
+          </p:sp>
+        </mc:Choice>
+        <mc:Fallback>
+          <p:sp>
+            <p:nvSpPr>
+              <p:cNvPr id="27" name="テキスト ボックス 26">
+                <a:extLst>
+                  <a:ext uri="{FF2B5EF4-FFF2-40B4-BE49-F238E27FC236}">
+                    <a16:creationId xmlns:a16="http://schemas.microsoft.com/office/drawing/2014/main" id="{44DEA204-6BDA-44FF-921B-197C7ED8BE40}"/>
+                  </a:ext>
+                </a:extLst>
+              </p:cNvPr>
+              <p:cNvSpPr txBox="1">
+                <a:spLocks noRot="1" noChangeAspect="1" noMove="1" noResize="1" noEditPoints="1" noAdjustHandles="1" noChangeArrowheads="1" noChangeShapeType="1" noTextEdit="1"/>
+              </p:cNvSpPr>
+              <p:nvPr/>
+            </p:nvSpPr>
+            <p:spPr>
+              <a:xfrm>
+                <a:off x="622512" y="2924747"/>
+                <a:ext cx="4833311" cy="756169"/>
+              </a:xfrm>
+              <a:prstGeom prst="rect">
+                <a:avLst/>
+              </a:prstGeom>
+              <a:blipFill>
+                <a:blip r:embed="rId2"/>
+                <a:stretch>
+                  <a:fillRect/>
+                </a:stretch>
+              </a:blipFill>
+            </p:spPr>
+            <p:txBody>
+              <a:bodyPr/>
+              <a:lstStyle/>
+              <a:p>
+                <a:r>
+                  <a:rPr lang="ja-JP" altLang="en-US">
+                    <a:noFill/>
+                  </a:rPr>
+                  <a:t> </a:t>
+                </a:r>
+              </a:p>
+            </p:txBody>
+          </p:sp>
+        </mc:Fallback>
+      </mc:AlternateContent>
+      <p:sp>
+        <p:nvSpPr>
+          <p:cNvPr id="31" name="テキスト ボックス 30">
+            <a:extLst>
+              <a:ext uri="{FF2B5EF4-FFF2-40B4-BE49-F238E27FC236}">
+                <a16:creationId xmlns:a16="http://schemas.microsoft.com/office/drawing/2014/main" id="{89ED40F9-4CE6-4EAE-B872-BF0527A6CC34}"/>
               </a:ext>
             </a:extLst>
           </p:cNvPr>
@@ -14341,8 +15566,8 @@
         </p:nvSpPr>
         <p:spPr>
           <a:xfrm>
-            <a:off x="6709312" y="1760392"/>
-            <a:ext cx="1836064" cy="338554"/>
+            <a:off x="482831" y="2459507"/>
+            <a:ext cx="1685363" cy="369332"/>
           </a:xfrm>
           <a:prstGeom prst="rect">
             <a:avLst/>
@@ -14357,22 +15582,22 @@
           <a:p>
             <a:pPr algn="ctr"/>
             <a:r>
-              <a:rPr kumimoji="1" lang="en-US" altLang="ja-JP" sz="1600" dirty="0"/>
-              <a:t>2</a:t>
-            </a:r>
-            <a:r>
-              <a:rPr kumimoji="1" lang="ja-JP" altLang="en-US" sz="1600" dirty="0"/>
-              <a:t>段 透過 導電率</a:t>
-            </a:r>
-          </a:p>
-        </p:txBody>
-      </p:sp>
-      <p:sp>
-        <p:nvSpPr>
-          <p:cNvPr id="33" name="テキスト ボックス 32">
-            <a:extLst>
-              <a:ext uri="{FF2B5EF4-FFF2-40B4-BE49-F238E27FC236}">
-                <a16:creationId xmlns:a16="http://schemas.microsoft.com/office/drawing/2014/main" id="{7E220613-5D9C-47A0-9762-C17E08CAB55A}"/>
+              <a:rPr kumimoji="1" lang="en-US" altLang="ja-JP" b="1" dirty="0"/>
+              <a:t>ARMA</a:t>
+            </a:r>
+            <a:r>
+              <a:rPr kumimoji="1" lang="ja-JP" altLang="en-US" b="1" dirty="0"/>
+              <a:t>モデル</a:t>
+            </a:r>
+          </a:p>
+        </p:txBody>
+      </p:sp>
+      <p:sp>
+        <p:nvSpPr>
+          <p:cNvPr id="32" name="テキスト ボックス 31">
+            <a:extLst>
+              <a:ext uri="{FF2B5EF4-FFF2-40B4-BE49-F238E27FC236}">
+                <a16:creationId xmlns:a16="http://schemas.microsoft.com/office/drawing/2014/main" id="{F4FB753C-858E-4F69-A0B7-5C6BF0768A3F}"/>
               </a:ext>
             </a:extLst>
           </p:cNvPr>
@@ -14381,8 +15606,8 @@
         </p:nvSpPr>
         <p:spPr>
           <a:xfrm>
-            <a:off x="9693009" y="1760392"/>
-            <a:ext cx="1836064" cy="338554"/>
+            <a:off x="3136438" y="3829945"/>
+            <a:ext cx="3057525" cy="369332"/>
           </a:xfrm>
           <a:prstGeom prst="rect">
             <a:avLst/>
@@ -14397,22 +15622,27 @@
           <a:p>
             <a:pPr algn="ctr"/>
             <a:r>
-              <a:rPr kumimoji="1" lang="en-US" altLang="ja-JP" sz="1600" dirty="0"/>
-              <a:t>3</a:t>
+              <a:rPr kumimoji="1" lang="en-US" altLang="ja-JP" dirty="0"/>
+              <a:t>MA</a:t>
+            </a:r>
+            <a:r>
+              <a:rPr kumimoji="1" lang="ja-JP" altLang="en-US" sz="1800" dirty="0"/>
+              <a:t> </a:t>
             </a:r>
             <a:r>
               <a:rPr kumimoji="1" lang="ja-JP" altLang="en-US" sz="1600" dirty="0"/>
-              <a:t>段 透過 導電率</a:t>
-            </a:r>
-          </a:p>
-        </p:txBody>
-      </p:sp>
-      <p:sp>
-        <p:nvSpPr>
-          <p:cNvPr id="34" name="テキスト ボックス 33">
-            <a:extLst>
-              <a:ext uri="{FF2B5EF4-FFF2-40B4-BE49-F238E27FC236}">
-                <a16:creationId xmlns:a16="http://schemas.microsoft.com/office/drawing/2014/main" id="{1AA89146-EFA6-4FBB-9C23-F50A20E1DE83}"/>
+              <a:t>（直近の誤差をモデル化）</a:t>
+            </a:r>
+            <a:endParaRPr kumimoji="1" lang="ja-JP" altLang="en-US" dirty="0"/>
+          </a:p>
+        </p:txBody>
+      </p:sp>
+      <p:sp>
+        <p:nvSpPr>
+          <p:cNvPr id="33" name="テキスト ボックス 32">
+            <a:extLst>
+              <a:ext uri="{FF2B5EF4-FFF2-40B4-BE49-F238E27FC236}">
+                <a16:creationId xmlns:a16="http://schemas.microsoft.com/office/drawing/2014/main" id="{D5198866-C0F4-4222-84B2-795E1F1F1D1B}"/>
               </a:ext>
             </a:extLst>
           </p:cNvPr>
@@ -14421,8 +15651,8 @@
         </p:nvSpPr>
         <p:spPr>
           <a:xfrm>
-            <a:off x="9255479" y="782600"/>
-            <a:ext cx="2955002" cy="584775"/>
+            <a:off x="429098" y="3860723"/>
+            <a:ext cx="2781301" cy="338554"/>
           </a:xfrm>
           <a:prstGeom prst="rect">
             <a:avLst/>
@@ -14435,209 +15665,1330 @@
           </a:bodyPr>
           <a:lstStyle/>
           <a:p>
+            <a:pPr algn="ctr"/>
             <a:r>
               <a:rPr kumimoji="1" lang="en-US" altLang="ja-JP" sz="1600" dirty="0"/>
-              <a:t>1day</a:t>
+              <a:t>AR</a:t>
             </a:r>
             <a:r>
               <a:rPr kumimoji="1" lang="ja-JP" altLang="en-US" sz="1600" dirty="0"/>
-              <a:t>窓幅：</a:t>
+              <a:t>（直近のデータをモデル化）</a:t>
+            </a:r>
+          </a:p>
+        </p:txBody>
+      </p:sp>
+      <p:cxnSp>
+        <p:nvCxnSpPr>
+          <p:cNvPr id="9" name="直線コネクタ 8">
+            <a:extLst>
+              <a:ext uri="{FF2B5EF4-FFF2-40B4-BE49-F238E27FC236}">
+                <a16:creationId xmlns:a16="http://schemas.microsoft.com/office/drawing/2014/main" id="{AB5799E3-A446-4453-9C4A-3DBFAC831378}"/>
+              </a:ext>
+            </a:extLst>
+          </p:cNvPr>
+          <p:cNvCxnSpPr/>
+          <p:nvPr/>
+        </p:nvCxnSpPr>
+        <p:spPr>
+          <a:xfrm>
+            <a:off x="1281586" y="3723596"/>
+            <a:ext cx="1666875" cy="0"/>
+          </a:xfrm>
+          <a:prstGeom prst="line">
+            <a:avLst/>
+          </a:prstGeom>
+          <a:ln>
+            <a:headEnd type="none" w="med" len="med"/>
+            <a:tailEnd type="none" w="med" len="med"/>
+          </a:ln>
+        </p:spPr>
+        <p:style>
+          <a:lnRef idx="1">
+            <a:schemeClr val="accent1"/>
+          </a:lnRef>
+          <a:fillRef idx="0">
+            <a:schemeClr val="accent1"/>
+          </a:fillRef>
+          <a:effectRef idx="0">
+            <a:schemeClr val="accent1"/>
+          </a:effectRef>
+          <a:fontRef idx="minor">
+            <a:schemeClr val="tx1"/>
+          </a:fontRef>
+        </p:style>
+      </p:cxnSp>
+      <p:cxnSp>
+        <p:nvCxnSpPr>
+          <p:cNvPr id="34" name="直線コネクタ 33">
+            <a:extLst>
+              <a:ext uri="{FF2B5EF4-FFF2-40B4-BE49-F238E27FC236}">
+                <a16:creationId xmlns:a16="http://schemas.microsoft.com/office/drawing/2014/main" id="{96E7016A-A6A1-44C2-B4A5-EC61DC37CB2A}"/>
+              </a:ext>
+            </a:extLst>
+          </p:cNvPr>
+          <p:cNvCxnSpPr/>
+          <p:nvPr/>
+        </p:nvCxnSpPr>
+        <p:spPr>
+          <a:xfrm>
+            <a:off x="3136438" y="3714071"/>
+            <a:ext cx="1666875" cy="0"/>
+          </a:xfrm>
+          <a:prstGeom prst="line">
+            <a:avLst/>
+          </a:prstGeom>
+          <a:ln>
+            <a:headEnd type="none" w="med" len="med"/>
+            <a:tailEnd type="none" w="med" len="med"/>
+          </a:ln>
+        </p:spPr>
+        <p:style>
+          <a:lnRef idx="1">
+            <a:schemeClr val="accent1"/>
+          </a:lnRef>
+          <a:fillRef idx="0">
+            <a:schemeClr val="accent1"/>
+          </a:fillRef>
+          <a:effectRef idx="0">
+            <a:schemeClr val="accent1"/>
+          </a:effectRef>
+          <a:fontRef idx="minor">
+            <a:schemeClr val="tx1"/>
+          </a:fontRef>
+        </p:style>
+      </p:cxnSp>
+      <p:sp>
+        <p:nvSpPr>
+          <p:cNvPr id="35" name="テキスト ボックス 34">
+            <a:extLst>
+              <a:ext uri="{FF2B5EF4-FFF2-40B4-BE49-F238E27FC236}">
+                <a16:creationId xmlns:a16="http://schemas.microsoft.com/office/drawing/2014/main" id="{E0A940D1-FEA8-4B79-B813-5AB041AEDF94}"/>
+              </a:ext>
+            </a:extLst>
+          </p:cNvPr>
+          <p:cNvSpPr txBox="1"/>
+          <p:nvPr/>
+        </p:nvSpPr>
+        <p:spPr>
+          <a:xfrm>
+            <a:off x="2132321" y="2449293"/>
+            <a:ext cx="3473559" cy="369332"/>
+          </a:xfrm>
+          <a:prstGeom prst="rect">
+            <a:avLst/>
+          </a:prstGeom>
+          <a:noFill/>
+        </p:spPr>
+        <p:txBody>
+          <a:bodyPr wrap="square" rtlCol="0">
+            <a:spAutoFit/>
+          </a:bodyPr>
+          <a:lstStyle/>
+          <a:p>
+            <a:pPr algn="ctr"/>
+            <a:r>
+              <a:rPr kumimoji="1" lang="ja-JP" altLang="en-US" dirty="0"/>
+              <a:t>定常性</a:t>
+            </a:r>
+            <a:r>
+              <a:rPr kumimoji="1" lang="en-US" altLang="ja-JP" sz="1400" dirty="0"/>
+              <a:t>(</a:t>
+            </a:r>
+            <a:r>
+              <a:rPr kumimoji="1" lang="ja-JP" altLang="en-US" sz="1400" dirty="0"/>
+              <a:t>周期性など</a:t>
+            </a:r>
+            <a:r>
+              <a:rPr kumimoji="1" lang="en-US" altLang="ja-JP" sz="1400" dirty="0"/>
+              <a:t>)</a:t>
+            </a:r>
+            <a:r>
+              <a:rPr kumimoji="1" lang="ja-JP" altLang="en-US" dirty="0"/>
+              <a:t>のモデル化を想定</a:t>
+            </a:r>
+          </a:p>
+        </p:txBody>
+      </p:sp>
+      <p:sp>
+        <p:nvSpPr>
+          <p:cNvPr id="36" name="テキスト ボックス 35">
+            <a:extLst>
+              <a:ext uri="{FF2B5EF4-FFF2-40B4-BE49-F238E27FC236}">
+                <a16:creationId xmlns:a16="http://schemas.microsoft.com/office/drawing/2014/main" id="{1F9E53C3-98CD-4836-92F0-80B82AD9DDE7}"/>
+              </a:ext>
+            </a:extLst>
+          </p:cNvPr>
+          <p:cNvSpPr txBox="1"/>
+          <p:nvPr/>
+        </p:nvSpPr>
+        <p:spPr>
+          <a:xfrm>
+            <a:off x="2122431" y="4647687"/>
+            <a:ext cx="4201916" cy="369332"/>
+          </a:xfrm>
+          <a:prstGeom prst="rect">
+            <a:avLst/>
+          </a:prstGeom>
+          <a:noFill/>
+        </p:spPr>
+        <p:txBody>
+          <a:bodyPr wrap="square" rtlCol="0">
+            <a:spAutoFit/>
+          </a:bodyPr>
+          <a:lstStyle/>
+          <a:p>
+            <a:pPr algn="ctr"/>
+            <a:r>
+              <a:rPr kumimoji="1" lang="ja-JP" altLang="en-US" dirty="0"/>
+              <a:t>非定常性</a:t>
+            </a:r>
+            <a:r>
+              <a:rPr kumimoji="1" lang="ja-JP" altLang="en-US" sz="1400" dirty="0"/>
+              <a:t>（長期的な変動）</a:t>
+            </a:r>
+            <a:r>
+              <a:rPr kumimoji="1" lang="ja-JP" altLang="en-US" dirty="0"/>
+              <a:t>のモデル化も想定</a:t>
+            </a:r>
+          </a:p>
+        </p:txBody>
+      </p:sp>
+      <p:sp>
+        <p:nvSpPr>
+          <p:cNvPr id="37" name="テキスト ボックス 36">
+            <a:extLst>
+              <a:ext uri="{FF2B5EF4-FFF2-40B4-BE49-F238E27FC236}">
+                <a16:creationId xmlns:a16="http://schemas.microsoft.com/office/drawing/2014/main" id="{D807B365-C97B-4C5C-B1CE-BA4E84A7B895}"/>
+              </a:ext>
+            </a:extLst>
+          </p:cNvPr>
+          <p:cNvSpPr txBox="1"/>
+          <p:nvPr/>
+        </p:nvSpPr>
+        <p:spPr>
+          <a:xfrm>
+            <a:off x="482830" y="4635840"/>
+            <a:ext cx="1685363" cy="369332"/>
+          </a:xfrm>
+          <a:prstGeom prst="rect">
+            <a:avLst/>
+          </a:prstGeom>
+          <a:noFill/>
+        </p:spPr>
+        <p:txBody>
+          <a:bodyPr wrap="square" rtlCol="0">
+            <a:spAutoFit/>
+          </a:bodyPr>
+          <a:lstStyle/>
+          <a:p>
+            <a:pPr algn="ctr"/>
+            <a:r>
+              <a:rPr kumimoji="1" lang="en-US" altLang="ja-JP" b="1" dirty="0"/>
+              <a:t>ARIMA</a:t>
+            </a:r>
+            <a:r>
+              <a:rPr kumimoji="1" lang="ja-JP" altLang="en-US" b="1" dirty="0"/>
+              <a:t>モデル</a:t>
+            </a:r>
+          </a:p>
+        </p:txBody>
+      </p:sp>
+      <mc:AlternateContent xmlns:mc="http://schemas.openxmlformats.org/markup-compatibility/2006">
+        <mc:Choice xmlns:a14="http://schemas.microsoft.com/office/drawing/2010/main" Requires="a14">
+          <p:sp>
+            <p:nvSpPr>
+              <p:cNvPr id="38" name="テキスト ボックス 37">
+                <a:extLst>
+                  <a:ext uri="{FF2B5EF4-FFF2-40B4-BE49-F238E27FC236}">
+                    <a16:creationId xmlns:a16="http://schemas.microsoft.com/office/drawing/2014/main" id="{70B37138-4288-4371-9B9F-5BEC2842C8CF}"/>
+                  </a:ext>
+                </a:extLst>
+              </p:cNvPr>
+              <p:cNvSpPr txBox="1"/>
+              <p:nvPr/>
+            </p:nvSpPr>
+            <p:spPr>
+              <a:xfrm>
+                <a:off x="622512" y="5140073"/>
+                <a:ext cx="3668889" cy="276999"/>
+              </a:xfrm>
+              <a:prstGeom prst="rect">
+                <a:avLst/>
+              </a:prstGeom>
+              <a:noFill/>
+            </p:spPr>
+            <p:txBody>
+              <a:bodyPr wrap="none" lIns="0" tIns="0" rIns="0" bIns="0" rtlCol="0">
+                <a:spAutoFit/>
+              </a:bodyPr>
+              <a:lstStyle/>
+              <a:p>
+                <a14:m>
+                  <m:oMathPara xmlns:m="http://schemas.openxmlformats.org/officeDocument/2006/math">
+                    <m:oMathParaPr>
+                      <m:jc m:val="centerGroup"/>
+                    </m:oMathParaPr>
+                    <m:oMath xmlns:m="http://schemas.openxmlformats.org/officeDocument/2006/math">
+                      <m:r>
+                        <a:rPr kumimoji="1" lang="en-US" altLang="ja-JP" b="0" i="1" smtClean="0">
+                          <a:latin typeface="Cambria Math" panose="02040503050406030204" pitchFamily="18" charset="0"/>
+                        </a:rPr>
+                        <m:t>𝑦</m:t>
+                      </m:r>
+                      <m:d>
+                        <m:dPr>
+                          <m:begChr m:val="["/>
+                          <m:endChr m:val="]"/>
+                          <m:ctrlPr>
+                            <a:rPr kumimoji="1" lang="en-US" altLang="ja-JP" b="0" i="1" smtClean="0">
+                              <a:latin typeface="Cambria Math" panose="02040503050406030204" pitchFamily="18" charset="0"/>
+                            </a:rPr>
+                          </m:ctrlPr>
+                        </m:dPr>
+                        <m:e>
+                          <m:r>
+                            <a:rPr kumimoji="1" lang="en-US" altLang="ja-JP" b="0" i="1" smtClean="0">
+                              <a:latin typeface="Cambria Math" panose="02040503050406030204" pitchFamily="18" charset="0"/>
+                            </a:rPr>
+                            <m:t>𝑡</m:t>
+                          </m:r>
+                        </m:e>
+                      </m:d>
+                      <m:r>
+                        <a:rPr kumimoji="1" lang="en-US" altLang="ja-JP" b="0" i="1" smtClean="0">
+                          <a:latin typeface="Cambria Math" panose="02040503050406030204" pitchFamily="18" charset="0"/>
+                        </a:rPr>
+                        <m:t>−</m:t>
+                      </m:r>
+                      <m:r>
+                        <a:rPr kumimoji="1" lang="en-US" altLang="ja-JP" i="1">
+                          <a:latin typeface="Cambria Math" panose="02040503050406030204" pitchFamily="18" charset="0"/>
+                        </a:rPr>
+                        <m:t>𝑦</m:t>
+                      </m:r>
+                      <m:r>
+                        <a:rPr kumimoji="1" lang="en-US" altLang="ja-JP" i="1">
+                          <a:latin typeface="Cambria Math" panose="02040503050406030204" pitchFamily="18" charset="0"/>
+                        </a:rPr>
+                        <m:t>[</m:t>
+                      </m:r>
+                      <m:r>
+                        <a:rPr kumimoji="1" lang="en-US" altLang="ja-JP" i="1">
+                          <a:latin typeface="Cambria Math" panose="02040503050406030204" pitchFamily="18" charset="0"/>
+                        </a:rPr>
+                        <m:t>𝑡</m:t>
+                      </m:r>
+                      <m:r>
+                        <a:rPr kumimoji="1" lang="en-US" altLang="ja-JP" i="1">
+                          <a:latin typeface="Cambria Math" panose="02040503050406030204" pitchFamily="18" charset="0"/>
+                        </a:rPr>
+                        <m:t>−</m:t>
+                      </m:r>
+                      <m:r>
+                        <a:rPr kumimoji="1" lang="en-US" altLang="ja-JP" i="1">
+                          <a:latin typeface="Cambria Math" panose="02040503050406030204" pitchFamily="18" charset="0"/>
+                        </a:rPr>
+                        <m:t>𝑑</m:t>
+                      </m:r>
+                      <m:r>
+                        <a:rPr kumimoji="1" lang="en-US" altLang="ja-JP" i="1">
+                          <a:latin typeface="Cambria Math" panose="02040503050406030204" pitchFamily="18" charset="0"/>
+                        </a:rPr>
+                        <m:t>]=</m:t>
+                      </m:r>
+                      <m:r>
+                        <a:rPr kumimoji="1" lang="en-US" altLang="ja-JP" i="1" smtClean="0">
+                          <a:latin typeface="Cambria Math" panose="02040503050406030204" pitchFamily="18" charset="0"/>
+                        </a:rPr>
+                        <m:t>𝜀</m:t>
+                      </m:r>
+                      <m:d>
+                        <m:dPr>
+                          <m:begChr m:val="["/>
+                          <m:endChr m:val="]"/>
+                          <m:ctrlPr>
+                            <a:rPr kumimoji="1" lang="en-US" altLang="ja-JP" i="1">
+                              <a:latin typeface="Cambria Math" panose="02040503050406030204" pitchFamily="18" charset="0"/>
+                            </a:rPr>
+                          </m:ctrlPr>
+                        </m:dPr>
+                        <m:e>
+                          <m:r>
+                            <a:rPr kumimoji="1" lang="en-US" altLang="ja-JP" i="1">
+                              <a:latin typeface="Cambria Math" panose="02040503050406030204" pitchFamily="18" charset="0"/>
+                            </a:rPr>
+                            <m:t>𝑡</m:t>
+                          </m:r>
+                        </m:e>
+                      </m:d>
+                      <m:r>
+                        <a:rPr kumimoji="1" lang="en-US" altLang="ja-JP" b="0" i="1" smtClean="0">
+                          <a:latin typeface="Cambria Math" panose="02040503050406030204" pitchFamily="18" charset="0"/>
+                        </a:rPr>
+                        <m:t>+</m:t>
+                      </m:r>
+                      <m:r>
+                        <a:rPr kumimoji="1" lang="en-US" altLang="ja-JP" b="0" i="1" smtClean="0">
+                          <a:latin typeface="Cambria Math" panose="02040503050406030204" pitchFamily="18" charset="0"/>
+                        </a:rPr>
+                        <m:t>𝐴𝑅𝑀𝐴</m:t>
+                      </m:r>
+                      <m:r>
+                        <a:rPr kumimoji="1" lang="en-US" altLang="ja-JP" b="0" i="1" smtClean="0">
+                          <a:latin typeface="Cambria Math" panose="02040503050406030204" pitchFamily="18" charset="0"/>
+                        </a:rPr>
+                        <m:t>(</m:t>
+                      </m:r>
+                      <m:r>
+                        <a:rPr kumimoji="1" lang="en-US" altLang="ja-JP" b="0" i="1" smtClean="0">
+                          <a:latin typeface="Cambria Math" panose="02040503050406030204" pitchFamily="18" charset="0"/>
+                        </a:rPr>
+                        <m:t>𝑝</m:t>
+                      </m:r>
+                      <m:r>
+                        <a:rPr kumimoji="1" lang="en-US" altLang="ja-JP" b="0" i="1" smtClean="0">
+                          <a:latin typeface="Cambria Math" panose="02040503050406030204" pitchFamily="18" charset="0"/>
+                        </a:rPr>
+                        <m:t>,</m:t>
+                      </m:r>
+                      <m:r>
+                        <a:rPr kumimoji="1" lang="en-US" altLang="ja-JP" b="0" i="1" smtClean="0">
+                          <a:latin typeface="Cambria Math" panose="02040503050406030204" pitchFamily="18" charset="0"/>
+                        </a:rPr>
+                        <m:t>𝑞</m:t>
+                      </m:r>
+                      <m:r>
+                        <a:rPr kumimoji="1" lang="en-US" altLang="ja-JP" b="0" i="1" smtClean="0">
+                          <a:latin typeface="Cambria Math" panose="02040503050406030204" pitchFamily="18" charset="0"/>
+                        </a:rPr>
+                        <m:t>)</m:t>
+                      </m:r>
+                    </m:oMath>
+                  </m:oMathPara>
+                </a14:m>
+                <a:endParaRPr kumimoji="1" lang="ja-JP" altLang="en-US" dirty="0"/>
+              </a:p>
+            </p:txBody>
+          </p:sp>
+        </mc:Choice>
+        <mc:Fallback>
+          <p:sp>
+            <p:nvSpPr>
+              <p:cNvPr id="38" name="テキスト ボックス 37">
+                <a:extLst>
+                  <a:ext uri="{FF2B5EF4-FFF2-40B4-BE49-F238E27FC236}">
+                    <a16:creationId xmlns:a16="http://schemas.microsoft.com/office/drawing/2014/main" id="{70B37138-4288-4371-9B9F-5BEC2842C8CF}"/>
+                  </a:ext>
+                </a:extLst>
+              </p:cNvPr>
+              <p:cNvSpPr txBox="1">
+                <a:spLocks noRot="1" noChangeAspect="1" noMove="1" noResize="1" noEditPoints="1" noAdjustHandles="1" noChangeArrowheads="1" noChangeShapeType="1" noTextEdit="1"/>
+              </p:cNvSpPr>
+              <p:nvPr/>
+            </p:nvSpPr>
+            <p:spPr>
+              <a:xfrm>
+                <a:off x="622512" y="5140073"/>
+                <a:ext cx="3668889" cy="276999"/>
+              </a:xfrm>
+              <a:prstGeom prst="rect">
+                <a:avLst/>
+              </a:prstGeom>
+              <a:blipFill>
+                <a:blip r:embed="rId3"/>
+                <a:stretch>
+                  <a:fillRect l="-997" r="-1661" b="-39130"/>
+                </a:stretch>
+              </a:blipFill>
+            </p:spPr>
+            <p:txBody>
+              <a:bodyPr/>
+              <a:lstStyle/>
+              <a:p>
+                <a:r>
+                  <a:rPr lang="ja-JP" altLang="en-US">
+                    <a:noFill/>
+                  </a:rPr>
+                  <a:t> </a:t>
+                </a:r>
+              </a:p>
+            </p:txBody>
+          </p:sp>
+        </mc:Fallback>
+      </mc:AlternateContent>
+      <p:cxnSp>
+        <p:nvCxnSpPr>
+          <p:cNvPr id="41" name="直線コネクタ 40">
+            <a:extLst>
+              <a:ext uri="{FF2B5EF4-FFF2-40B4-BE49-F238E27FC236}">
+                <a16:creationId xmlns:a16="http://schemas.microsoft.com/office/drawing/2014/main" id="{97B6DEA3-F254-4702-A708-042D4AE20C5F}"/>
+              </a:ext>
+            </a:extLst>
+          </p:cNvPr>
+          <p:cNvCxnSpPr/>
+          <p:nvPr/>
+        </p:nvCxnSpPr>
+        <p:spPr>
+          <a:xfrm>
+            <a:off x="652852" y="5514296"/>
+            <a:ext cx="1515341" cy="0"/>
+          </a:xfrm>
+          <a:prstGeom prst="line">
+            <a:avLst/>
+          </a:prstGeom>
+          <a:ln>
+            <a:headEnd type="none" w="med" len="med"/>
+            <a:tailEnd type="none" w="med" len="med"/>
+          </a:ln>
+        </p:spPr>
+        <p:style>
+          <a:lnRef idx="1">
+            <a:schemeClr val="accent1"/>
+          </a:lnRef>
+          <a:fillRef idx="0">
+            <a:schemeClr val="accent1"/>
+          </a:fillRef>
+          <a:effectRef idx="0">
+            <a:schemeClr val="accent1"/>
+          </a:effectRef>
+          <a:fontRef idx="minor">
+            <a:schemeClr val="tx1"/>
+          </a:fontRef>
+        </p:style>
+      </p:cxnSp>
+      <p:sp>
+        <p:nvSpPr>
+          <p:cNvPr id="42" name="テキスト ボックス 41">
+            <a:extLst>
+              <a:ext uri="{FF2B5EF4-FFF2-40B4-BE49-F238E27FC236}">
+                <a16:creationId xmlns:a16="http://schemas.microsoft.com/office/drawing/2014/main" id="{F21A3BC5-7C35-49CA-9FBD-CB74E393F496}"/>
+              </a:ext>
+            </a:extLst>
+          </p:cNvPr>
+          <p:cNvSpPr txBox="1"/>
+          <p:nvPr/>
+        </p:nvSpPr>
+        <p:spPr>
+          <a:xfrm>
+            <a:off x="555155" y="5596879"/>
+            <a:ext cx="1768945" cy="338554"/>
+          </a:xfrm>
+          <a:prstGeom prst="rect">
+            <a:avLst/>
+          </a:prstGeom>
+          <a:noFill/>
+        </p:spPr>
+        <p:txBody>
+          <a:bodyPr wrap="square" rtlCol="0">
+            <a:spAutoFit/>
+          </a:bodyPr>
+          <a:lstStyle/>
+          <a:p>
+            <a:pPr algn="ctr"/>
+            <a:r>
+              <a:rPr kumimoji="1" lang="ja-JP" altLang="en-US" sz="1600" dirty="0"/>
+              <a:t>階差をモデル化</a:t>
+            </a:r>
+          </a:p>
+        </p:txBody>
+      </p:sp>
+      <mc:AlternateContent xmlns:mc="http://schemas.openxmlformats.org/markup-compatibility/2006">
+        <mc:Choice xmlns:a14="http://schemas.microsoft.com/office/drawing/2010/main" Requires="a14">
+          <p:sp>
+            <p:nvSpPr>
+              <p:cNvPr id="43" name="テキスト ボックス 42">
+                <a:extLst>
+                  <a:ext uri="{FF2B5EF4-FFF2-40B4-BE49-F238E27FC236}">
+                    <a16:creationId xmlns:a16="http://schemas.microsoft.com/office/drawing/2014/main" id="{23DFDA16-D595-45EC-9118-ACBB4459CEFC}"/>
+                  </a:ext>
+                </a:extLst>
+              </p:cNvPr>
+              <p:cNvSpPr txBox="1"/>
+              <p:nvPr/>
+            </p:nvSpPr>
+            <p:spPr>
+              <a:xfrm>
+                <a:off x="7274420" y="2983356"/>
+                <a:ext cx="3100592" cy="276999"/>
+              </a:xfrm>
+              <a:prstGeom prst="rect">
+                <a:avLst/>
+              </a:prstGeom>
+              <a:noFill/>
+            </p:spPr>
+            <p:txBody>
+              <a:bodyPr wrap="none" lIns="0" tIns="0" rIns="0" bIns="0" rtlCol="0">
+                <a:spAutoFit/>
+              </a:bodyPr>
+              <a:lstStyle/>
+              <a:p>
+                <a14:m>
+                  <m:oMathPara xmlns:m="http://schemas.openxmlformats.org/officeDocument/2006/math">
+                    <m:oMathParaPr>
+                      <m:jc m:val="centerGroup"/>
+                    </m:oMathParaPr>
+                    <m:oMath xmlns:m="http://schemas.openxmlformats.org/officeDocument/2006/math">
+                      <m:r>
+                        <a:rPr kumimoji="1" lang="en-US" altLang="ja-JP" b="0" i="1" smtClean="0">
+                          <a:latin typeface="Cambria Math" panose="02040503050406030204" pitchFamily="18" charset="0"/>
+                        </a:rPr>
+                        <m:t>𝑦</m:t>
+                      </m:r>
+                      <m:d>
+                        <m:dPr>
+                          <m:begChr m:val="["/>
+                          <m:endChr m:val="]"/>
+                          <m:ctrlPr>
+                            <a:rPr kumimoji="1" lang="en-US" altLang="ja-JP" b="0" i="1" smtClean="0">
+                              <a:latin typeface="Cambria Math" panose="02040503050406030204" pitchFamily="18" charset="0"/>
+                            </a:rPr>
+                          </m:ctrlPr>
+                        </m:dPr>
+                        <m:e>
+                          <m:r>
+                            <a:rPr kumimoji="1" lang="en-US" altLang="ja-JP" b="0" i="1" smtClean="0">
+                              <a:latin typeface="Cambria Math" panose="02040503050406030204" pitchFamily="18" charset="0"/>
+                            </a:rPr>
+                            <m:t>𝑡</m:t>
+                          </m:r>
+                        </m:e>
+                      </m:d>
+                      <m:r>
+                        <a:rPr kumimoji="1" lang="en-US" altLang="ja-JP" i="1" smtClean="0">
+                          <a:latin typeface="Cambria Math" panose="02040503050406030204" pitchFamily="18" charset="0"/>
+                        </a:rPr>
+                        <m:t>=</m:t>
+                      </m:r>
+                      <m:r>
+                        <a:rPr kumimoji="1" lang="en-US" altLang="ja-JP" b="0" i="1" smtClean="0">
+                          <a:latin typeface="Cambria Math" panose="02040503050406030204" pitchFamily="18" charset="0"/>
+                        </a:rPr>
+                        <m:t>𝑔</m:t>
+                      </m:r>
+                      <m:d>
+                        <m:dPr>
+                          <m:begChr m:val="["/>
+                          <m:endChr m:val="]"/>
+                          <m:ctrlPr>
+                            <a:rPr kumimoji="1" lang="en-US" altLang="ja-JP" b="0" i="1" smtClean="0">
+                              <a:latin typeface="Cambria Math" panose="02040503050406030204" pitchFamily="18" charset="0"/>
+                            </a:rPr>
+                          </m:ctrlPr>
+                        </m:dPr>
+                        <m:e>
+                          <m:r>
+                            <a:rPr kumimoji="1" lang="en-US" altLang="ja-JP" b="0" i="1" smtClean="0">
+                              <a:latin typeface="Cambria Math" panose="02040503050406030204" pitchFamily="18" charset="0"/>
+                            </a:rPr>
+                            <m:t>𝑡</m:t>
+                          </m:r>
+                        </m:e>
+                      </m:d>
+                      <m:r>
+                        <a:rPr kumimoji="1" lang="en-US" altLang="ja-JP" b="0" i="1" smtClean="0">
+                          <a:latin typeface="Cambria Math" panose="02040503050406030204" pitchFamily="18" charset="0"/>
+                        </a:rPr>
+                        <m:t>+</m:t>
+                      </m:r>
+                      <m:r>
+                        <a:rPr kumimoji="1" lang="en-US" altLang="ja-JP" i="1" smtClean="0">
+                          <a:latin typeface="Cambria Math" panose="02040503050406030204" pitchFamily="18" charset="0"/>
+                        </a:rPr>
+                        <m:t>𝑠</m:t>
+                      </m:r>
+                      <m:d>
+                        <m:dPr>
+                          <m:begChr m:val="["/>
+                          <m:endChr m:val="]"/>
+                          <m:ctrlPr>
+                            <a:rPr kumimoji="1" lang="en-US" altLang="ja-JP" b="0" i="1" smtClean="0">
+                              <a:latin typeface="Cambria Math" panose="02040503050406030204" pitchFamily="18" charset="0"/>
+                            </a:rPr>
+                          </m:ctrlPr>
+                        </m:dPr>
+                        <m:e>
+                          <m:r>
+                            <a:rPr kumimoji="1" lang="en-US" altLang="ja-JP" b="0" i="1" smtClean="0">
+                              <a:latin typeface="Cambria Math" panose="02040503050406030204" pitchFamily="18" charset="0"/>
+                            </a:rPr>
+                            <m:t>𝑡</m:t>
+                          </m:r>
+                        </m:e>
+                      </m:d>
+                      <m:r>
+                        <a:rPr kumimoji="1" lang="en-US" altLang="ja-JP" b="0" i="1" smtClean="0">
+                          <a:latin typeface="Cambria Math" panose="02040503050406030204" pitchFamily="18" charset="0"/>
+                        </a:rPr>
+                        <m:t>+</m:t>
+                      </m:r>
+                      <m:r>
+                        <a:rPr kumimoji="1" lang="en-US" altLang="ja-JP" b="0" i="1" smtClean="0">
+                          <a:latin typeface="Cambria Math" panose="02040503050406030204" pitchFamily="18" charset="0"/>
+                        </a:rPr>
+                        <m:t>h</m:t>
+                      </m:r>
+                      <m:r>
+                        <a:rPr kumimoji="1" lang="en-US" altLang="ja-JP" i="1">
+                          <a:latin typeface="Cambria Math" panose="02040503050406030204" pitchFamily="18" charset="0"/>
+                        </a:rPr>
+                        <m:t>[</m:t>
+                      </m:r>
+                      <m:r>
+                        <a:rPr kumimoji="1" lang="en-US" altLang="ja-JP" i="1">
+                          <a:latin typeface="Cambria Math" panose="02040503050406030204" pitchFamily="18" charset="0"/>
+                        </a:rPr>
+                        <m:t>𝑡</m:t>
+                      </m:r>
+                      <m:r>
+                        <a:rPr kumimoji="1" lang="en-US" altLang="ja-JP" i="1">
+                          <a:latin typeface="Cambria Math" panose="02040503050406030204" pitchFamily="18" charset="0"/>
+                        </a:rPr>
+                        <m:t>]+</m:t>
+                      </m:r>
+                      <m:r>
+                        <a:rPr kumimoji="1" lang="en-US" altLang="ja-JP" i="1" smtClean="0">
+                          <a:latin typeface="Cambria Math" panose="02040503050406030204" pitchFamily="18" charset="0"/>
+                        </a:rPr>
+                        <m:t>𝜀</m:t>
+                      </m:r>
+                      <m:d>
+                        <m:dPr>
+                          <m:begChr m:val="["/>
+                          <m:endChr m:val="]"/>
+                          <m:ctrlPr>
+                            <a:rPr kumimoji="1" lang="en-US" altLang="ja-JP" i="1">
+                              <a:latin typeface="Cambria Math" panose="02040503050406030204" pitchFamily="18" charset="0"/>
+                            </a:rPr>
+                          </m:ctrlPr>
+                        </m:dPr>
+                        <m:e>
+                          <m:r>
+                            <a:rPr kumimoji="1" lang="en-US" altLang="ja-JP" i="1">
+                              <a:latin typeface="Cambria Math" panose="02040503050406030204" pitchFamily="18" charset="0"/>
+                            </a:rPr>
+                            <m:t>𝑡</m:t>
+                          </m:r>
+                        </m:e>
+                      </m:d>
+                    </m:oMath>
+                  </m:oMathPara>
+                </a14:m>
+                <a:endParaRPr kumimoji="1" lang="ja-JP" altLang="en-US" dirty="0"/>
+              </a:p>
+            </p:txBody>
+          </p:sp>
+        </mc:Choice>
+        <mc:Fallback>
+          <p:sp>
+            <p:nvSpPr>
+              <p:cNvPr id="43" name="テキスト ボックス 42">
+                <a:extLst>
+                  <a:ext uri="{FF2B5EF4-FFF2-40B4-BE49-F238E27FC236}">
+                    <a16:creationId xmlns:a16="http://schemas.microsoft.com/office/drawing/2014/main" id="{23DFDA16-D595-45EC-9118-ACBB4459CEFC}"/>
+                  </a:ext>
+                </a:extLst>
+              </p:cNvPr>
+              <p:cNvSpPr txBox="1">
+                <a:spLocks noRot="1" noChangeAspect="1" noMove="1" noResize="1" noEditPoints="1" noAdjustHandles="1" noChangeArrowheads="1" noChangeShapeType="1" noTextEdit="1"/>
+              </p:cNvSpPr>
+              <p:nvPr/>
+            </p:nvSpPr>
+            <p:spPr>
+              <a:xfrm>
+                <a:off x="7274420" y="2983356"/>
+                <a:ext cx="3100592" cy="276999"/>
+              </a:xfrm>
+              <a:prstGeom prst="rect">
+                <a:avLst/>
+              </a:prstGeom>
+              <a:blipFill>
+                <a:blip r:embed="rId4"/>
+                <a:stretch>
+                  <a:fillRect l="-1572" b="-39130"/>
+                </a:stretch>
+              </a:blipFill>
+            </p:spPr>
+            <p:txBody>
+              <a:bodyPr/>
+              <a:lstStyle/>
+              <a:p>
+                <a:r>
+                  <a:rPr lang="ja-JP" altLang="en-US">
+                    <a:noFill/>
+                  </a:rPr>
+                  <a:t> </a:t>
+                </a:r>
+              </a:p>
+            </p:txBody>
+          </p:sp>
+        </mc:Fallback>
+      </mc:AlternateContent>
+      <p:sp>
+        <p:nvSpPr>
+          <p:cNvPr id="44" name="テキスト ボックス 43">
+            <a:extLst>
+              <a:ext uri="{FF2B5EF4-FFF2-40B4-BE49-F238E27FC236}">
+                <a16:creationId xmlns:a16="http://schemas.microsoft.com/office/drawing/2014/main" id="{3783762F-0E5B-4203-8B32-E8D9B3FBDB66}"/>
+              </a:ext>
+            </a:extLst>
+          </p:cNvPr>
+          <p:cNvSpPr txBox="1"/>
+          <p:nvPr/>
+        </p:nvSpPr>
+        <p:spPr>
+          <a:xfrm>
+            <a:off x="4831888" y="2917332"/>
+            <a:ext cx="715485" cy="276999"/>
+          </a:xfrm>
+          <a:prstGeom prst="rect">
+            <a:avLst/>
+          </a:prstGeom>
+          <a:noFill/>
+        </p:spPr>
+        <p:txBody>
+          <a:bodyPr wrap="square" rtlCol="0">
+            <a:spAutoFit/>
+          </a:bodyPr>
+          <a:lstStyle/>
+          <a:p>
+            <a:pPr algn="ctr"/>
+            <a:r>
+              <a:rPr kumimoji="1" lang="ja-JP" altLang="en-US" sz="1200" dirty="0"/>
+              <a:t>誤差</a:t>
+            </a:r>
+            <a:endParaRPr kumimoji="1" lang="ja-JP" altLang="en-US" sz="1400" dirty="0"/>
+          </a:p>
+        </p:txBody>
+      </p:sp>
+      <mc:AlternateContent xmlns:mc="http://schemas.openxmlformats.org/markup-compatibility/2006">
+        <mc:Choice xmlns:a14="http://schemas.microsoft.com/office/drawing/2010/main" Requires="a14">
+          <p:sp>
+            <p:nvSpPr>
+              <p:cNvPr id="45" name="テキスト ボックス 44">
+                <a:extLst>
+                  <a:ext uri="{FF2B5EF4-FFF2-40B4-BE49-F238E27FC236}">
+                    <a16:creationId xmlns:a16="http://schemas.microsoft.com/office/drawing/2014/main" id="{DA0EC39C-8DAB-46A4-9376-B85FFA9839C4}"/>
+                  </a:ext>
+                </a:extLst>
+              </p:cNvPr>
+              <p:cNvSpPr txBox="1"/>
+              <p:nvPr/>
+            </p:nvSpPr>
+            <p:spPr>
+              <a:xfrm>
+                <a:off x="7657624" y="3415411"/>
+                <a:ext cx="2781301" cy="830997"/>
+              </a:xfrm>
+              <a:prstGeom prst="rect">
+                <a:avLst/>
+              </a:prstGeom>
+              <a:noFill/>
+            </p:spPr>
+            <p:txBody>
+              <a:bodyPr wrap="square" rtlCol="0">
+                <a:spAutoFit/>
+              </a:bodyPr>
+              <a:lstStyle/>
+              <a:p>
+                <a14:m>
+                  <m:oMath xmlns:m="http://schemas.openxmlformats.org/officeDocument/2006/math">
+                    <m:r>
+                      <a:rPr kumimoji="1" lang="en-US" altLang="ja-JP" sz="1600" b="0" i="1" smtClean="0">
+                        <a:latin typeface="Cambria Math" panose="02040503050406030204" pitchFamily="18" charset="0"/>
+                      </a:rPr>
+                      <m:t>𝑔</m:t>
+                    </m:r>
+                    <m:d>
+                      <m:dPr>
+                        <m:begChr m:val="["/>
+                        <m:endChr m:val="]"/>
+                        <m:ctrlPr>
+                          <a:rPr kumimoji="1" lang="en-US" altLang="ja-JP" sz="1600" b="0" i="1" smtClean="0">
+                            <a:latin typeface="Cambria Math" panose="02040503050406030204" pitchFamily="18" charset="0"/>
+                          </a:rPr>
+                        </m:ctrlPr>
+                      </m:dPr>
+                      <m:e>
+                        <m:r>
+                          <a:rPr kumimoji="1" lang="en-US" altLang="ja-JP" sz="1600" b="0" i="1" smtClean="0">
+                            <a:latin typeface="Cambria Math" panose="02040503050406030204" pitchFamily="18" charset="0"/>
+                          </a:rPr>
+                          <m:t>𝑡</m:t>
+                        </m:r>
+                      </m:e>
+                    </m:d>
+                  </m:oMath>
+                </a14:m>
+                <a:r>
+                  <a:rPr kumimoji="1" lang="ja-JP" altLang="en-US" sz="1600" dirty="0"/>
+                  <a:t>：時系列の非周期性</a:t>
+                </a:r>
+                <a:endParaRPr kumimoji="1" lang="en-US" altLang="ja-JP" sz="1600" dirty="0"/>
+              </a:p>
+              <a:p>
+                <a14:m>
+                  <m:oMath xmlns:m="http://schemas.openxmlformats.org/officeDocument/2006/math">
+                    <m:r>
+                      <a:rPr kumimoji="1" lang="en-US" altLang="ja-JP" sz="1600" i="1" smtClean="0">
+                        <a:latin typeface="Cambria Math" panose="02040503050406030204" pitchFamily="18" charset="0"/>
+                      </a:rPr>
+                      <m:t>𝑠</m:t>
+                    </m:r>
+                    <m:d>
+                      <m:dPr>
+                        <m:begChr m:val="["/>
+                        <m:endChr m:val="]"/>
+                        <m:ctrlPr>
+                          <a:rPr kumimoji="1" lang="en-US" altLang="ja-JP" sz="1600" b="0" i="1" smtClean="0">
+                            <a:latin typeface="Cambria Math" panose="02040503050406030204" pitchFamily="18" charset="0"/>
+                          </a:rPr>
+                        </m:ctrlPr>
+                      </m:dPr>
+                      <m:e>
+                        <m:r>
+                          <a:rPr kumimoji="1" lang="en-US" altLang="ja-JP" sz="1600" b="0" i="1" smtClean="0">
+                            <a:latin typeface="Cambria Math" panose="02040503050406030204" pitchFamily="18" charset="0"/>
+                          </a:rPr>
+                          <m:t>𝑡</m:t>
+                        </m:r>
+                      </m:e>
+                    </m:d>
+                  </m:oMath>
+                </a14:m>
+                <a:r>
+                  <a:rPr kumimoji="1" lang="ja-JP" altLang="en-US" sz="1600" dirty="0"/>
+                  <a:t>：季節性などの周期性</a:t>
+                </a:r>
+                <a:endParaRPr kumimoji="1" lang="en-US" altLang="ja-JP" sz="1600" dirty="0"/>
+              </a:p>
+              <a:p>
+                <a14:m>
+                  <m:oMath xmlns:m="http://schemas.openxmlformats.org/officeDocument/2006/math">
+                    <m:r>
+                      <a:rPr kumimoji="1" lang="en-US" altLang="ja-JP" sz="1600" b="0" i="1" smtClean="0">
+                        <a:latin typeface="Cambria Math" panose="02040503050406030204" pitchFamily="18" charset="0"/>
+                      </a:rPr>
+                      <m:t>h</m:t>
+                    </m:r>
+                    <m:r>
+                      <a:rPr kumimoji="1" lang="en-US" altLang="ja-JP" sz="1600" i="1">
+                        <a:latin typeface="Cambria Math" panose="02040503050406030204" pitchFamily="18" charset="0"/>
+                      </a:rPr>
+                      <m:t>[</m:t>
+                    </m:r>
+                    <m:r>
+                      <a:rPr kumimoji="1" lang="en-US" altLang="ja-JP" sz="1600" i="1">
+                        <a:latin typeface="Cambria Math" panose="02040503050406030204" pitchFamily="18" charset="0"/>
+                      </a:rPr>
+                      <m:t>𝑡</m:t>
+                    </m:r>
+                    <m:r>
+                      <a:rPr kumimoji="1" lang="en-US" altLang="ja-JP" sz="1600" i="1">
+                        <a:latin typeface="Cambria Math" panose="02040503050406030204" pitchFamily="18" charset="0"/>
+                      </a:rPr>
+                      <m:t>]</m:t>
+                    </m:r>
+                  </m:oMath>
+                </a14:m>
+                <a:r>
+                  <a:rPr kumimoji="1" lang="ja-JP" altLang="en-US" sz="1600" dirty="0"/>
+                  <a:t>：祝日休日の影響</a:t>
+                </a:r>
+              </a:p>
+            </p:txBody>
+          </p:sp>
+        </mc:Choice>
+        <mc:Fallback>
+          <p:sp>
+            <p:nvSpPr>
+              <p:cNvPr id="45" name="テキスト ボックス 44">
+                <a:extLst>
+                  <a:ext uri="{FF2B5EF4-FFF2-40B4-BE49-F238E27FC236}">
+                    <a16:creationId xmlns:a16="http://schemas.microsoft.com/office/drawing/2014/main" id="{DA0EC39C-8DAB-46A4-9376-B85FFA9839C4}"/>
+                  </a:ext>
+                </a:extLst>
+              </p:cNvPr>
+              <p:cNvSpPr txBox="1">
+                <a:spLocks noRot="1" noChangeAspect="1" noMove="1" noResize="1" noEditPoints="1" noAdjustHandles="1" noChangeArrowheads="1" noChangeShapeType="1" noTextEdit="1"/>
+              </p:cNvSpPr>
+              <p:nvPr/>
+            </p:nvSpPr>
+            <p:spPr>
+              <a:xfrm>
+                <a:off x="7657624" y="3415411"/>
+                <a:ext cx="2781301" cy="830997"/>
+              </a:xfrm>
+              <a:prstGeom prst="rect">
+                <a:avLst/>
+              </a:prstGeom>
+              <a:blipFill>
+                <a:blip r:embed="rId5"/>
+                <a:stretch>
+                  <a:fillRect t="-2190" b="-8029"/>
+                </a:stretch>
+              </a:blipFill>
+            </p:spPr>
+            <p:txBody>
+              <a:bodyPr/>
+              <a:lstStyle/>
+              <a:p>
+                <a:r>
+                  <a:rPr lang="ja-JP" altLang="en-US">
+                    <a:noFill/>
+                  </a:rPr>
+                  <a:t> </a:t>
+                </a:r>
+              </a:p>
+            </p:txBody>
+          </p:sp>
+        </mc:Fallback>
+      </mc:AlternateContent>
+      <mc:AlternateContent xmlns:mc="http://schemas.openxmlformats.org/markup-compatibility/2006">
+        <mc:Choice xmlns:a14="http://schemas.microsoft.com/office/drawing/2010/main" Requires="a14">
+          <p:sp>
+            <p:nvSpPr>
+              <p:cNvPr id="46" name="テキスト ボックス 45">
+                <a:extLst>
+                  <a:ext uri="{FF2B5EF4-FFF2-40B4-BE49-F238E27FC236}">
+                    <a16:creationId xmlns:a16="http://schemas.microsoft.com/office/drawing/2014/main" id="{CFF797F5-2223-476A-9CE8-3CA1B4B0803D}"/>
+                  </a:ext>
+                </a:extLst>
+              </p:cNvPr>
+              <p:cNvSpPr txBox="1"/>
+              <p:nvPr/>
+            </p:nvSpPr>
+            <p:spPr>
+              <a:xfrm>
+                <a:off x="388260" y="1838278"/>
+                <a:ext cx="5496356" cy="369332"/>
+              </a:xfrm>
+              <a:prstGeom prst="rect">
+                <a:avLst/>
+              </a:prstGeom>
+              <a:noFill/>
+            </p:spPr>
+            <p:txBody>
+              <a:bodyPr wrap="square" rtlCol="0">
+                <a:spAutoFit/>
+              </a:bodyPr>
+              <a:lstStyle/>
+              <a:p>
+                <a:pPr algn="ctr"/>
+                <a:r>
+                  <a:rPr kumimoji="1" lang="ja-JP" altLang="en-US" dirty="0">
+                    <a:solidFill>
+                      <a:schemeClr val="accent1"/>
+                    </a:solidFill>
+                  </a:rPr>
+                  <a:t>一般的な時系列モデルは、次数</a:t>
+                </a:r>
+                <a14:m>
+                  <m:oMath xmlns:m="http://schemas.openxmlformats.org/officeDocument/2006/math">
+                    <m:r>
+                      <a:rPr kumimoji="1" lang="en-US" altLang="ja-JP" b="0" i="0" smtClean="0">
+                        <a:solidFill>
+                          <a:schemeClr val="accent1"/>
+                        </a:solidFill>
+                        <a:latin typeface="Cambria Math" panose="02040503050406030204" pitchFamily="18" charset="0"/>
+                      </a:rPr>
+                      <m:t>(</m:t>
+                    </m:r>
+                    <m:r>
+                      <a:rPr kumimoji="1" lang="en-US" altLang="ja-JP" b="0" i="1" smtClean="0">
+                        <a:solidFill>
+                          <a:schemeClr val="accent1"/>
+                        </a:solidFill>
+                        <a:latin typeface="Cambria Math" panose="02040503050406030204" pitchFamily="18" charset="0"/>
+                      </a:rPr>
+                      <m:t>𝑝</m:t>
+                    </m:r>
+                    <m:r>
+                      <a:rPr kumimoji="1" lang="en-US" altLang="ja-JP" b="0" i="1" smtClean="0">
+                        <a:solidFill>
+                          <a:schemeClr val="accent1"/>
+                        </a:solidFill>
+                        <a:latin typeface="Cambria Math" panose="02040503050406030204" pitchFamily="18" charset="0"/>
+                      </a:rPr>
+                      <m:t>,</m:t>
+                    </m:r>
+                    <m:r>
+                      <a:rPr kumimoji="1" lang="en-US" altLang="ja-JP" b="0" i="1" smtClean="0">
+                        <a:solidFill>
+                          <a:schemeClr val="accent1"/>
+                        </a:solidFill>
+                        <a:latin typeface="Cambria Math" panose="02040503050406030204" pitchFamily="18" charset="0"/>
+                      </a:rPr>
+                      <m:t>𝑞</m:t>
+                    </m:r>
+                    <m:r>
+                      <a:rPr kumimoji="1" lang="en-US" altLang="ja-JP" b="0" i="1" smtClean="0">
+                        <a:solidFill>
+                          <a:schemeClr val="accent1"/>
+                        </a:solidFill>
+                        <a:latin typeface="Cambria Math" panose="02040503050406030204" pitchFamily="18" charset="0"/>
+                      </a:rPr>
+                      <m:t>,</m:t>
+                    </m:r>
+                    <m:r>
+                      <a:rPr kumimoji="1" lang="en-US" altLang="ja-JP" b="0" i="1" smtClean="0">
+                        <a:solidFill>
+                          <a:schemeClr val="accent1"/>
+                        </a:solidFill>
+                        <a:latin typeface="Cambria Math" panose="02040503050406030204" pitchFamily="18" charset="0"/>
+                      </a:rPr>
+                      <m:t>𝑑</m:t>
+                    </m:r>
+                    <m:r>
+                      <a:rPr kumimoji="1" lang="en-US" altLang="ja-JP" b="0" i="1" smtClean="0">
+                        <a:solidFill>
+                          <a:schemeClr val="accent1"/>
+                        </a:solidFill>
+                        <a:latin typeface="Cambria Math" panose="02040503050406030204" pitchFamily="18" charset="0"/>
+                      </a:rPr>
+                      <m:t>)</m:t>
+                    </m:r>
+                  </m:oMath>
+                </a14:m>
+                <a:r>
+                  <a:rPr kumimoji="1" lang="ja-JP" altLang="en-US" dirty="0">
+                    <a:solidFill>
+                      <a:schemeClr val="accent1"/>
+                    </a:solidFill>
+                  </a:rPr>
+                  <a:t>に強く影響する</a:t>
+                </a:r>
+              </a:p>
+            </p:txBody>
+          </p:sp>
+        </mc:Choice>
+        <mc:Fallback>
+          <p:sp>
+            <p:nvSpPr>
+              <p:cNvPr id="46" name="テキスト ボックス 45">
+                <a:extLst>
+                  <a:ext uri="{FF2B5EF4-FFF2-40B4-BE49-F238E27FC236}">
+                    <a16:creationId xmlns:a16="http://schemas.microsoft.com/office/drawing/2014/main" id="{CFF797F5-2223-476A-9CE8-3CA1B4B0803D}"/>
+                  </a:ext>
+                </a:extLst>
+              </p:cNvPr>
+              <p:cNvSpPr txBox="1">
+                <a:spLocks noRot="1" noChangeAspect="1" noMove="1" noResize="1" noEditPoints="1" noAdjustHandles="1" noChangeArrowheads="1" noChangeShapeType="1" noTextEdit="1"/>
+              </p:cNvSpPr>
+              <p:nvPr/>
+            </p:nvSpPr>
+            <p:spPr>
+              <a:xfrm>
+                <a:off x="388260" y="1838278"/>
+                <a:ext cx="5496356" cy="369332"/>
+              </a:xfrm>
+              <a:prstGeom prst="rect">
+                <a:avLst/>
+              </a:prstGeom>
+              <a:blipFill>
+                <a:blip r:embed="rId6"/>
+                <a:stretch>
+                  <a:fillRect t="-10000" b="-26667"/>
+                </a:stretch>
+              </a:blipFill>
+            </p:spPr>
+            <p:txBody>
+              <a:bodyPr/>
+              <a:lstStyle/>
+              <a:p>
+                <a:r>
+                  <a:rPr lang="ja-JP" altLang="en-US">
+                    <a:noFill/>
+                  </a:rPr>
+                  <a:t> </a:t>
+                </a:r>
+              </a:p>
+            </p:txBody>
+          </p:sp>
+        </mc:Fallback>
+      </mc:AlternateContent>
+      <p:sp>
+        <p:nvSpPr>
+          <p:cNvPr id="47" name="テキスト ボックス 46">
+            <a:extLst>
+              <a:ext uri="{FF2B5EF4-FFF2-40B4-BE49-F238E27FC236}">
+                <a16:creationId xmlns:a16="http://schemas.microsoft.com/office/drawing/2014/main" id="{645DA8F6-54CF-43B2-9652-6307816F4F65}"/>
+              </a:ext>
+            </a:extLst>
+          </p:cNvPr>
+          <p:cNvSpPr txBox="1"/>
+          <p:nvPr/>
+        </p:nvSpPr>
+        <p:spPr>
+          <a:xfrm>
+            <a:off x="6213013" y="1839884"/>
+            <a:ext cx="5496356" cy="369332"/>
+          </a:xfrm>
+          <a:prstGeom prst="rect">
+            <a:avLst/>
+          </a:prstGeom>
+          <a:noFill/>
+        </p:spPr>
+        <p:txBody>
+          <a:bodyPr wrap="square" rtlCol="0">
+            <a:spAutoFit/>
+          </a:bodyPr>
+          <a:lstStyle/>
+          <a:p>
+            <a:pPr algn="ctr"/>
+            <a:r>
+              <a:rPr kumimoji="1" lang="ja-JP" altLang="en-US" dirty="0">
+                <a:solidFill>
+                  <a:schemeClr val="accent1"/>
+                </a:solidFill>
+              </a:rPr>
+              <a:t>比較的わかりやすいパラメータで定常性を制御可能</a:t>
+            </a:r>
+          </a:p>
+        </p:txBody>
+      </p:sp>
+      <p:sp>
+        <p:nvSpPr>
+          <p:cNvPr id="48" name="テキスト ボックス 47">
+            <a:extLst>
+              <a:ext uri="{FF2B5EF4-FFF2-40B4-BE49-F238E27FC236}">
+                <a16:creationId xmlns:a16="http://schemas.microsoft.com/office/drawing/2014/main" id="{3497AE68-C8DA-4C12-BDED-E9CCEBD37A15}"/>
+              </a:ext>
+            </a:extLst>
+          </p:cNvPr>
+          <p:cNvSpPr txBox="1"/>
+          <p:nvPr/>
+        </p:nvSpPr>
+        <p:spPr>
+          <a:xfrm>
+            <a:off x="6847999" y="4355299"/>
+            <a:ext cx="4400550" cy="584775"/>
+          </a:xfrm>
+          <a:prstGeom prst="rect">
+            <a:avLst/>
+          </a:prstGeom>
+          <a:noFill/>
+        </p:spPr>
+        <p:txBody>
+          <a:bodyPr wrap="square" rtlCol="0">
+            <a:spAutoFit/>
+          </a:bodyPr>
+          <a:lstStyle/>
+          <a:p>
+            <a:r>
+              <a:rPr kumimoji="1" lang="ja-JP" altLang="en-US" sz="1600" dirty="0"/>
+              <a:t>年／週／日の定常性をモデル化するか、フラグで設定できる</a:t>
+            </a:r>
+            <a:endParaRPr kumimoji="1" lang="en-US" altLang="ja-JP" sz="1600" dirty="0"/>
+          </a:p>
+        </p:txBody>
+      </p:sp>
+      <p:sp>
+        <p:nvSpPr>
+          <p:cNvPr id="49" name="テキスト ボックス 48">
+            <a:extLst>
+              <a:ext uri="{FF2B5EF4-FFF2-40B4-BE49-F238E27FC236}">
+                <a16:creationId xmlns:a16="http://schemas.microsoft.com/office/drawing/2014/main" id="{6EEFE087-CCE1-41B6-875A-F215AF1E9538}"/>
+              </a:ext>
+            </a:extLst>
+          </p:cNvPr>
+          <p:cNvSpPr txBox="1"/>
+          <p:nvPr/>
+        </p:nvSpPr>
+        <p:spPr>
+          <a:xfrm>
+            <a:off x="6424841" y="5204021"/>
+            <a:ext cx="5246865" cy="830997"/>
+          </a:xfrm>
+          <a:prstGeom prst="rect">
+            <a:avLst/>
+          </a:prstGeom>
+          <a:noFill/>
+        </p:spPr>
+        <p:txBody>
+          <a:bodyPr wrap="square" rtlCol="0">
+            <a:spAutoFit/>
+          </a:bodyPr>
+          <a:lstStyle/>
+          <a:p>
+            <a:r>
+              <a:rPr kumimoji="1" lang="ja-JP" altLang="en-US" sz="1600" dirty="0"/>
+              <a:t>当然これもハイパーパラメータを持ち、</a:t>
+            </a:r>
+            <a:r>
+              <a:rPr kumimoji="1" lang="en-US" altLang="ja-JP" sz="1600" dirty="0" err="1"/>
+              <a:t>optuna</a:t>
+            </a:r>
+            <a:r>
+              <a:rPr kumimoji="1" lang="ja-JP" altLang="en-US" sz="1600" dirty="0"/>
+              <a:t>などでチューニングを併用する例が見られるが、今回は使わずにモデル化した。</a:t>
+            </a:r>
+            <a:endParaRPr kumimoji="1" lang="en-US" altLang="ja-JP" sz="1600" dirty="0"/>
+          </a:p>
+          <a:p>
+            <a:r>
+              <a:rPr kumimoji="1" lang="ja-JP" altLang="en-US" sz="1600" dirty="0"/>
+              <a:t>（年は</a:t>
             </a:r>
             <a:r>
               <a:rPr kumimoji="1" lang="en-US" altLang="ja-JP" sz="1600" dirty="0"/>
-              <a:t>5step</a:t>
+              <a:t>OFF</a:t>
             </a:r>
             <a:r>
               <a:rPr kumimoji="1" lang="ja-JP" altLang="en-US" sz="1600" dirty="0"/>
-              <a:t>（</a:t>
+              <a:t>、週／日は</a:t>
             </a:r>
             <a:r>
               <a:rPr kumimoji="1" lang="en-US" altLang="ja-JP" sz="1600" dirty="0"/>
-              <a:t>5</a:t>
+              <a:t>ON</a:t>
             </a:r>
             <a:r>
               <a:rPr kumimoji="1" lang="ja-JP" altLang="en-US" sz="1600" dirty="0"/>
-              <a:t>日間）</a:t>
+              <a:t>にした）</a:t>
             </a:r>
             <a:endParaRPr kumimoji="1" lang="en-US" altLang="ja-JP" sz="1600" dirty="0"/>
           </a:p>
-          <a:p>
-            <a:r>
-              <a:rPr kumimoji="1" lang="en-US" altLang="ja-JP" sz="1600" dirty="0"/>
-              <a:t>30min</a:t>
-            </a:r>
+        </p:txBody>
+      </p:sp>
+      <p:sp>
+        <p:nvSpPr>
+          <p:cNvPr id="50" name="テキスト ボックス 49">
+            <a:extLst>
+              <a:ext uri="{FF2B5EF4-FFF2-40B4-BE49-F238E27FC236}">
+                <a16:creationId xmlns:a16="http://schemas.microsoft.com/office/drawing/2014/main" id="{6FB4043A-2772-4DD6-88A6-9FABC2873D95}"/>
+              </a:ext>
+            </a:extLst>
+          </p:cNvPr>
+          <p:cNvSpPr txBox="1"/>
+          <p:nvPr/>
+        </p:nvSpPr>
+        <p:spPr>
+          <a:xfrm>
+            <a:off x="5455824" y="1149703"/>
+            <a:ext cx="6461356" cy="338554"/>
+          </a:xfrm>
+          <a:prstGeom prst="rect">
+            <a:avLst/>
+          </a:prstGeom>
+          <a:noFill/>
+        </p:spPr>
+        <p:txBody>
+          <a:bodyPr wrap="square" rtlCol="0">
+            <a:spAutoFit/>
+          </a:bodyPr>
+          <a:lstStyle/>
+          <a:p>
             <a:r>
               <a:rPr kumimoji="1" lang="ja-JP" altLang="en-US" sz="1600" dirty="0"/>
-              <a:t>窓幅：</a:t>
-            </a:r>
-            <a:r>
-              <a:rPr kumimoji="1" lang="en-US" altLang="ja-JP" sz="1600" dirty="0"/>
-              <a:t> 96step</a:t>
-            </a:r>
-            <a:r>
-              <a:rPr kumimoji="1" lang="ja-JP" altLang="en-US" sz="1600" dirty="0"/>
-              <a:t>（</a:t>
-            </a:r>
-            <a:r>
-              <a:rPr kumimoji="1" lang="en-US" altLang="ja-JP" sz="1600" dirty="0"/>
-              <a:t>2</a:t>
-            </a:r>
-            <a:r>
-              <a:rPr kumimoji="1" lang="ja-JP" altLang="en-US" sz="1600" dirty="0"/>
-              <a:t>日間）</a:t>
+              <a:t>定常性を強く仮定しないように制御でき、非定常性を想定するのが望ましい</a:t>
             </a:r>
             <a:endParaRPr kumimoji="1" lang="en-US" altLang="ja-JP" sz="1600" dirty="0"/>
           </a:p>
         </p:txBody>
       </p:sp>
-      <p:pic>
-        <p:nvPicPr>
-          <p:cNvPr id="6" name="図 5" descr="グラフ&#10;&#10;自動的に生成された説明">
-            <a:extLst>
-              <a:ext uri="{FF2B5EF4-FFF2-40B4-BE49-F238E27FC236}">
-                <a16:creationId xmlns:a16="http://schemas.microsoft.com/office/drawing/2014/main" id="{7B81658F-5F38-44CA-92AB-66EDFE205E28}"/>
-              </a:ext>
-            </a:extLst>
-          </p:cNvPr>
-          <p:cNvPicPr>
-            <a:picLocks noChangeAspect="1"/>
-          </p:cNvPicPr>
-          <p:nvPr/>
-        </p:nvPicPr>
-        <p:blipFill>
-          <a:blip r:embed="rId6">
-            <a:extLst>
-              <a:ext uri="{28A0092B-C50C-407E-A947-70E740481C1C}">
-                <a14:useLocalDpi xmlns:a14="http://schemas.microsoft.com/office/drawing/2010/main" val="0"/>
-              </a:ext>
-            </a:extLst>
-          </a:blip>
-          <a:stretch>
-            <a:fillRect/>
-          </a:stretch>
-        </p:blipFill>
-        <p:spPr>
-          <a:xfrm>
-            <a:off x="370080" y="2114524"/>
-            <a:ext cx="2870037" cy="1897143"/>
-          </a:xfrm>
-          <a:prstGeom prst="rect">
-            <a:avLst/>
-          </a:prstGeom>
-        </p:spPr>
-      </p:pic>
-      <p:pic>
-        <p:nvPicPr>
-          <p:cNvPr id="9" name="図 8" descr="グラフ&#10;&#10;自動的に生成された説明">
-            <a:extLst>
-              <a:ext uri="{FF2B5EF4-FFF2-40B4-BE49-F238E27FC236}">
-                <a16:creationId xmlns:a16="http://schemas.microsoft.com/office/drawing/2014/main" id="{C6CB87D1-6A22-4300-9C17-2AC89FD513CC}"/>
-              </a:ext>
-            </a:extLst>
-          </p:cNvPr>
-          <p:cNvPicPr>
-            <a:picLocks noChangeAspect="1"/>
-          </p:cNvPicPr>
-          <p:nvPr/>
-        </p:nvPicPr>
-        <p:blipFill>
-          <a:blip r:embed="rId7">
-            <a:extLst>
-              <a:ext uri="{28A0092B-C50C-407E-A947-70E740481C1C}">
-                <a14:useLocalDpi xmlns:a14="http://schemas.microsoft.com/office/drawing/2010/main" val="0"/>
-              </a:ext>
-            </a:extLst>
-          </a:blip>
-          <a:stretch>
-            <a:fillRect/>
-          </a:stretch>
-        </p:blipFill>
-        <p:spPr>
-          <a:xfrm>
-            <a:off x="3287987" y="2111628"/>
-            <a:ext cx="2849573" cy="1902935"/>
-          </a:xfrm>
-          <a:prstGeom prst="rect">
-            <a:avLst/>
-          </a:prstGeom>
-        </p:spPr>
-      </p:pic>
-      <p:pic>
-        <p:nvPicPr>
-          <p:cNvPr id="14" name="図 13" descr="グラフ&#10;&#10;自動的に生成された説明">
-            <a:extLst>
-              <a:ext uri="{FF2B5EF4-FFF2-40B4-BE49-F238E27FC236}">
-                <a16:creationId xmlns:a16="http://schemas.microsoft.com/office/drawing/2014/main" id="{01E6E207-88AF-426C-8C8F-699288F2FB59}"/>
-              </a:ext>
-            </a:extLst>
-          </p:cNvPr>
-          <p:cNvPicPr>
-            <a:picLocks noChangeAspect="1"/>
-          </p:cNvPicPr>
-          <p:nvPr/>
-        </p:nvPicPr>
-        <p:blipFill>
-          <a:blip r:embed="rId8">
-            <a:extLst>
-              <a:ext uri="{28A0092B-C50C-407E-A947-70E740481C1C}">
-                <a14:useLocalDpi xmlns:a14="http://schemas.microsoft.com/office/drawing/2010/main" val="0"/>
-              </a:ext>
-            </a:extLst>
-          </a:blip>
-          <a:stretch>
-            <a:fillRect/>
-          </a:stretch>
-        </p:blipFill>
-        <p:spPr>
-          <a:xfrm>
-            <a:off x="6197718" y="2110011"/>
-            <a:ext cx="2851994" cy="1904552"/>
-          </a:xfrm>
-          <a:prstGeom prst="rect">
-            <a:avLst/>
-          </a:prstGeom>
-        </p:spPr>
-      </p:pic>
-      <p:pic>
-        <p:nvPicPr>
-          <p:cNvPr id="19" name="図 18" descr="グラフ&#10;&#10;自動的に生成された説明">
-            <a:extLst>
-              <a:ext uri="{FF2B5EF4-FFF2-40B4-BE49-F238E27FC236}">
-                <a16:creationId xmlns:a16="http://schemas.microsoft.com/office/drawing/2014/main" id="{D40D0D1B-525B-45B4-AF16-0301B87D6EFB}"/>
-              </a:ext>
-            </a:extLst>
-          </p:cNvPr>
-          <p:cNvPicPr>
-            <a:picLocks noChangeAspect="1"/>
-          </p:cNvPicPr>
-          <p:nvPr/>
-        </p:nvPicPr>
-        <p:blipFill>
-          <a:blip r:embed="rId9">
-            <a:extLst>
-              <a:ext uri="{28A0092B-C50C-407E-A947-70E740481C1C}">
-                <a14:useLocalDpi xmlns:a14="http://schemas.microsoft.com/office/drawing/2010/main" val="0"/>
-              </a:ext>
-            </a:extLst>
-          </a:blip>
-          <a:stretch>
-            <a:fillRect/>
-          </a:stretch>
-        </p:blipFill>
-        <p:spPr>
-          <a:xfrm>
-            <a:off x="9165257" y="2113751"/>
-            <a:ext cx="2842057" cy="1897916"/>
-          </a:xfrm>
-          <a:prstGeom prst="rect">
-            <a:avLst/>
-          </a:prstGeom>
-        </p:spPr>
-      </p:pic>
     </p:spTree>
     <p:extLst>
       <p:ext uri="{BB962C8B-B14F-4D97-AF65-F5344CB8AC3E}">
-        <p14:creationId xmlns:p14="http://schemas.microsoft.com/office/powerpoint/2010/main" val="3493236237"/>
+        <p14:creationId xmlns:p14="http://schemas.microsoft.com/office/powerpoint/2010/main" val="1068318321"/>
       </p:ext>
     </p:extLst>
   </p:cSld>
@@ -14682,7 +17033,7 @@
         </p:nvSpPr>
         <p:spPr>
           <a:xfrm>
-            <a:off x="517055" y="221174"/>
+            <a:off x="517055" y="250825"/>
             <a:ext cx="11400125" cy="518094"/>
           </a:xfrm>
         </p:spPr>
@@ -14692,11 +17043,7 @@
           <a:p>
             <a:r>
               <a:rPr lang="en-US" altLang="ja-JP" dirty="0"/>
-              <a:t>2</a:t>
-            </a:r>
-            <a:r>
-              <a:rPr lang="ja-JP" altLang="en-US" dirty="0"/>
-              <a:t>月上旬までの解析方針</a:t>
+              <a:t>LVMWD</a:t>
             </a:r>
             <a:endParaRPr lang="en-US" dirty="0"/>
           </a:p>
@@ -14751,7 +17098,7 @@
         <p:spPr>
           <a:xfrm>
             <a:off x="517055" y="1071367"/>
-            <a:ext cx="11341887" cy="3559628"/>
+            <a:ext cx="11341887" cy="600165"/>
           </a:xfrm>
         </p:spPr>
         <p:txBody>
@@ -14759,115 +17106,30 @@
           <a:lstStyle/>
           <a:p>
             <a:r>
+              <a:rPr lang="ja-JP" altLang="en-US" sz="2800" dirty="0"/>
+              <a:t>目的を細分化すると、下記の</a:t>
+            </a:r>
+            <a:r>
               <a:rPr lang="en-US" altLang="ja-JP" sz="2800" dirty="0"/>
-              <a:t>2</a:t>
+              <a:t>3</a:t>
             </a:r>
             <a:r>
               <a:rPr lang="ja-JP" altLang="en-US" sz="2800" dirty="0"/>
-              <a:t>月上旬までは下記の方針で解析を進める</a:t>
+              <a:t>段階に分けられる。</a:t>
             </a:r>
             <a:endParaRPr lang="en-US" altLang="ja-JP" sz="2800" dirty="0"/>
           </a:p>
           <a:p>
-            <a:endParaRPr lang="en-US" altLang="ja-JP" sz="2800" dirty="0"/>
-          </a:p>
-          <a:p>
-            <a:r>
-              <a:rPr lang="ja-JP" altLang="en-US" sz="2800" dirty="0"/>
-              <a:t>目的</a:t>
-            </a:r>
-            <a:r>
-              <a:rPr lang="en-US" altLang="ja-JP" sz="2800" dirty="0"/>
-              <a:t>1</a:t>
-            </a:r>
-            <a:r>
-              <a:rPr lang="ja-JP" altLang="en-US" sz="2800" dirty="0"/>
-              <a:t>：</a:t>
-            </a:r>
-            <a:r>
-              <a:rPr lang="en-US" altLang="ja-JP" sz="2800" dirty="0"/>
-              <a:t>30min</a:t>
-            </a:r>
-            <a:r>
-              <a:rPr lang="ja-JP" altLang="en-US" sz="2800" dirty="0"/>
-              <a:t>データで、日々の導電率変動をモデル化する</a:t>
-            </a:r>
-            <a:endParaRPr lang="en-US" altLang="ja-JP" sz="2800" dirty="0"/>
-          </a:p>
-          <a:p>
-            <a:pPr lvl="1"/>
-            <a:r>
-              <a:rPr lang="ja-JP" altLang="en-US" sz="2400" dirty="0"/>
-              <a:t>変数間の関係を見る</a:t>
-            </a:r>
-            <a:endParaRPr lang="en-US" altLang="ja-JP" sz="2400" dirty="0"/>
-          </a:p>
-          <a:p>
-            <a:pPr lvl="1"/>
-            <a:r>
-              <a:rPr lang="ja-JP" altLang="en-US" sz="2400" dirty="0"/>
-              <a:t>井本さん</a:t>
-            </a:r>
-            <a:endParaRPr lang="en-US" altLang="ja-JP" sz="2400" dirty="0"/>
-          </a:p>
-          <a:p>
-            <a:r>
-              <a:rPr lang="ja-JP" altLang="en-US" sz="2800" dirty="0"/>
-              <a:t>目的</a:t>
-            </a:r>
-            <a:r>
-              <a:rPr lang="en-US" altLang="ja-JP" sz="2800" dirty="0"/>
-              <a:t>2</a:t>
-            </a:r>
-            <a:r>
-              <a:rPr lang="ja-JP" altLang="en-US" sz="2800" dirty="0"/>
-              <a:t>：</a:t>
-            </a:r>
-            <a:r>
-              <a:rPr lang="en-US" altLang="ja-JP" sz="2800" dirty="0"/>
-              <a:t>30min</a:t>
-            </a:r>
-            <a:r>
-              <a:rPr lang="ja-JP" altLang="en-US" sz="2800" dirty="0"/>
-              <a:t>データで、数か月単位の導電率悪化をモデル化する</a:t>
-            </a:r>
-            <a:endParaRPr lang="en-US" altLang="ja-JP" sz="2800" dirty="0"/>
-          </a:p>
-          <a:p>
-            <a:pPr lvl="1"/>
-            <a:r>
-              <a:rPr lang="ja-JP" altLang="en-US" sz="2400" dirty="0"/>
-              <a:t>自己回帰成分との関係を見る</a:t>
-            </a:r>
-            <a:endParaRPr lang="en-US" altLang="ja-JP" sz="2400" dirty="0"/>
-          </a:p>
-          <a:p>
-            <a:pPr lvl="1"/>
-            <a:r>
-              <a:rPr lang="ja-JP" altLang="en-US" sz="2400" dirty="0"/>
-              <a:t>膜の詰まりが要因なので、予測できない差分は物理モデルの知見で改善していくが、ファーストステップとして実施</a:t>
-            </a:r>
-            <a:endParaRPr lang="en-US" altLang="ja-JP" sz="2400" dirty="0"/>
-          </a:p>
-          <a:p>
-            <a:pPr lvl="1"/>
-            <a:r>
-              <a:rPr lang="ja-JP" altLang="en-US" sz="2400" dirty="0"/>
-              <a:t>熊谷</a:t>
-            </a:r>
-            <a:endParaRPr lang="en-US" altLang="ja-JP" sz="2400" dirty="0"/>
-          </a:p>
-          <a:p>
-            <a:endParaRPr lang="en-US" altLang="ja-JP" sz="2800" dirty="0"/>
-          </a:p>
-        </p:txBody>
-      </p:sp>
-      <p:sp>
-        <p:nvSpPr>
-          <p:cNvPr id="7" name="テキスト ボックス 6">
-            <a:extLst>
-              <a:ext uri="{FF2B5EF4-FFF2-40B4-BE49-F238E27FC236}">
-                <a16:creationId xmlns:a16="http://schemas.microsoft.com/office/drawing/2014/main" id="{BACF69BC-79A6-4522-AB55-9063EB4985DF}"/>
+            <a:endParaRPr lang="en-US" altLang="ja-JP" sz="3200" dirty="0"/>
+          </a:p>
+        </p:txBody>
+      </p:sp>
+      <p:sp>
+        <p:nvSpPr>
+          <p:cNvPr id="26" name="テキスト ボックス 25">
+            <a:extLst>
+              <a:ext uri="{FF2B5EF4-FFF2-40B4-BE49-F238E27FC236}">
+                <a16:creationId xmlns:a16="http://schemas.microsoft.com/office/drawing/2014/main" id="{878A06C2-9BE0-4228-8673-300CDCCC55B4}"/>
               </a:ext>
             </a:extLst>
           </p:cNvPr>
@@ -14896,7 +17158,7 @@
                   <a:schemeClr val="bg1"/>
                 </a:solidFill>
               </a:rPr>
-              <a:t>1. </a:t>
+              <a:t>4. </a:t>
             </a:r>
             <a:r>
               <a:rPr lang="ja-JP" altLang="en-US" sz="1600" b="1" dirty="0">
@@ -14904,7 +17166,7 @@
                   <a:schemeClr val="bg1"/>
                 </a:solidFill>
               </a:rPr>
-              <a:t>今後のタスク</a:t>
+              <a:t>予測結果</a:t>
             </a:r>
             <a:endParaRPr kumimoji="1" lang="ja-JP" altLang="en-US" sz="1600" b="1" dirty="0">
               <a:solidFill>
@@ -14917,7 +17179,7 @@
     </p:spTree>
     <p:extLst>
       <p:ext uri="{BB962C8B-B14F-4D97-AF65-F5344CB8AC3E}">
-        <p14:creationId xmlns:p14="http://schemas.microsoft.com/office/powerpoint/2010/main" val="2617899821"/>
+        <p14:creationId xmlns:p14="http://schemas.microsoft.com/office/powerpoint/2010/main" val="1526886871"/>
       </p:ext>
     </p:extLst>
   </p:cSld>
@@ -14946,10 +17208,10 @@
       </p:grpSpPr>
       <p:sp>
         <p:nvSpPr>
-          <p:cNvPr id="2" name="スライド番号プレースホルダー 1">
-            <a:extLst>
-              <a:ext uri="{FF2B5EF4-FFF2-40B4-BE49-F238E27FC236}">
-                <a16:creationId xmlns:a16="http://schemas.microsoft.com/office/drawing/2014/main" id="{F2B2B343-CF0D-4CE9-8049-5FF23009C315}"/>
+          <p:cNvPr id="5" name="タイトル 4">
+            <a:extLst>
+              <a:ext uri="{FF2B5EF4-FFF2-40B4-BE49-F238E27FC236}">
+                <a16:creationId xmlns:a16="http://schemas.microsoft.com/office/drawing/2014/main" id="{560C5BD5-1532-4087-ACF7-85710DC69FAA}"/>
               </a:ext>
             </a:extLst>
           </p:cNvPr>
@@ -14957,29 +17219,37 @@
             <a:spLocks noGrp="1"/>
           </p:cNvSpPr>
           <p:nvPr>
-            <p:ph type="sldNum" sz="quarter" idx="11"/>
+            <p:ph type="title"/>
           </p:nvPr>
         </p:nvSpPr>
-        <p:spPr/>
+        <p:spPr>
+          <a:xfrm>
+            <a:off x="517055" y="221174"/>
+            <a:ext cx="11400125" cy="518094"/>
+          </a:xfrm>
+        </p:spPr>
         <p:txBody>
           <a:bodyPr/>
           <a:lstStyle/>
           <a:p>
-            <a:fld id="{B3001740-FA51-4383-A84C-3DA006D12C29}" type="slidenum">
-              <a:rPr lang="ja-JP" altLang="en-US" smtClean="0"/>
-              <a:pPr/>
-              <a:t>15</a:t>
-            </a:fld>
-            <a:endParaRPr lang="ja-JP" altLang="en-US" dirty="0"/>
-          </a:p>
-        </p:txBody>
-      </p:sp>
-      <p:sp>
-        <p:nvSpPr>
-          <p:cNvPr id="3" name="テキスト プレースホルダー 2">
-            <a:extLst>
-              <a:ext uri="{FF2B5EF4-FFF2-40B4-BE49-F238E27FC236}">
-                <a16:creationId xmlns:a16="http://schemas.microsoft.com/office/drawing/2014/main" id="{EC73A151-6AE6-45B0-B969-B764FDC1ADAE}"/>
+            <a:r>
+              <a:rPr lang="en-US" altLang="ja-JP" dirty="0"/>
+              <a:t>2</a:t>
+            </a:r>
+            <a:r>
+              <a:rPr lang="ja-JP" altLang="en-US" dirty="0"/>
+              <a:t>月上旬までの解析方針</a:t>
+            </a:r>
+            <a:endParaRPr lang="en-US" dirty="0"/>
+          </a:p>
+        </p:txBody>
+      </p:sp>
+      <p:sp>
+        <p:nvSpPr>
+          <p:cNvPr id="3" name="スライド番号プレースホルダー 2">
+            <a:extLst>
+              <a:ext uri="{FF2B5EF4-FFF2-40B4-BE49-F238E27FC236}">
+                <a16:creationId xmlns:a16="http://schemas.microsoft.com/office/drawing/2014/main" id="{ED23190D-575C-49DE-8293-87C3C1C8D779}"/>
               </a:ext>
             </a:extLst>
           </p:cNvPr>
@@ -14987,7 +17257,7 @@
             <a:spLocks noGrp="1"/>
           </p:cNvSpPr>
           <p:nvPr>
-            <p:ph type="body" sz="quarter" idx="12"/>
+            <p:ph type="sldNum" sz="quarter" idx="10"/>
           </p:nvPr>
         </p:nvSpPr>
         <p:spPr/>
@@ -14995,14 +17265,201 @@
           <a:bodyPr/>
           <a:lstStyle/>
           <a:p>
+            <a:fld id="{584EAAFE-CFE5-40AD-8E95-5BFF290DC5CF}" type="slidenum">
+              <a:rPr kumimoji="1" lang="ja-JP" altLang="en-US" smtClean="0"/>
+              <a:pPr/>
+              <a:t>15</a:t>
+            </a:fld>
             <a:endParaRPr kumimoji="1" lang="ja-JP" altLang="en-US"/>
+          </a:p>
+        </p:txBody>
+      </p:sp>
+      <p:sp>
+        <p:nvSpPr>
+          <p:cNvPr id="6" name="テキスト プレースホルダー 5">
+            <a:extLst>
+              <a:ext uri="{FF2B5EF4-FFF2-40B4-BE49-F238E27FC236}">
+                <a16:creationId xmlns:a16="http://schemas.microsoft.com/office/drawing/2014/main" id="{1F609DF4-3152-4D3E-9CA5-170D4BE14906}"/>
+              </a:ext>
+            </a:extLst>
+          </p:cNvPr>
+          <p:cNvSpPr>
+            <a:spLocks noGrp="1"/>
+          </p:cNvSpPr>
+          <p:nvPr>
+            <p:ph type="body" sz="quarter" idx="11"/>
+          </p:nvPr>
+        </p:nvSpPr>
+        <p:spPr>
+          <a:xfrm>
+            <a:off x="517055" y="1071367"/>
+            <a:ext cx="11341887" cy="3559628"/>
+          </a:xfrm>
+        </p:spPr>
+        <p:txBody>
+          <a:bodyPr/>
+          <a:lstStyle/>
+          <a:p>
+            <a:r>
+              <a:rPr lang="en-US" altLang="ja-JP" sz="2800" dirty="0"/>
+              <a:t>2</a:t>
+            </a:r>
+            <a:r>
+              <a:rPr lang="ja-JP" altLang="en-US" sz="2800" dirty="0"/>
+              <a:t>月上旬までは下記の方針で解析を進める</a:t>
+            </a:r>
+            <a:endParaRPr lang="en-US" altLang="ja-JP" sz="2800" dirty="0"/>
+          </a:p>
+          <a:p>
+            <a:endParaRPr lang="en-US" altLang="ja-JP" sz="2800" dirty="0"/>
+          </a:p>
+          <a:p>
+            <a:r>
+              <a:rPr lang="ja-JP" altLang="en-US" sz="2800" dirty="0"/>
+              <a:t>目的</a:t>
+            </a:r>
+            <a:r>
+              <a:rPr lang="en-US" altLang="ja-JP" sz="2800" dirty="0"/>
+              <a:t>1</a:t>
+            </a:r>
+            <a:r>
+              <a:rPr lang="ja-JP" altLang="en-US" sz="2800" dirty="0"/>
+              <a:t>：</a:t>
+            </a:r>
+            <a:r>
+              <a:rPr lang="en-US" altLang="ja-JP" sz="2800" dirty="0"/>
+              <a:t>30min</a:t>
+            </a:r>
+            <a:r>
+              <a:rPr lang="ja-JP" altLang="en-US" sz="2800" dirty="0"/>
+              <a:t>データで、日々の導電率変動をモデル化する</a:t>
+            </a:r>
+            <a:endParaRPr lang="en-US" altLang="ja-JP" sz="2800" dirty="0"/>
+          </a:p>
+          <a:p>
+            <a:pPr lvl="1"/>
+            <a:r>
+              <a:rPr lang="ja-JP" altLang="en-US" sz="2400" dirty="0"/>
+              <a:t>変数間の関係を見る</a:t>
+            </a:r>
+            <a:endParaRPr lang="en-US" altLang="ja-JP" sz="2400" dirty="0"/>
+          </a:p>
+          <a:p>
+            <a:pPr lvl="1"/>
+            <a:r>
+              <a:rPr lang="ja-JP" altLang="en-US" sz="2400" dirty="0"/>
+              <a:t>井本さん</a:t>
+            </a:r>
+            <a:endParaRPr lang="en-US" altLang="ja-JP" sz="2400" dirty="0"/>
+          </a:p>
+          <a:p>
+            <a:r>
+              <a:rPr lang="ja-JP" altLang="en-US" sz="2800" dirty="0"/>
+              <a:t>目的</a:t>
+            </a:r>
+            <a:r>
+              <a:rPr lang="en-US" altLang="ja-JP" sz="2800" dirty="0"/>
+              <a:t>2</a:t>
+            </a:r>
+            <a:r>
+              <a:rPr lang="ja-JP" altLang="en-US" sz="2800" dirty="0"/>
+              <a:t>：</a:t>
+            </a:r>
+            <a:r>
+              <a:rPr lang="en-US" altLang="ja-JP" sz="2800" dirty="0"/>
+              <a:t>30min</a:t>
+            </a:r>
+            <a:r>
+              <a:rPr lang="ja-JP" altLang="en-US" sz="2800" dirty="0"/>
+              <a:t>データで、数か月単位の導電率悪化をモデル化する</a:t>
+            </a:r>
+            <a:endParaRPr lang="en-US" altLang="ja-JP" sz="2800" dirty="0"/>
+          </a:p>
+          <a:p>
+            <a:pPr lvl="1"/>
+            <a:r>
+              <a:rPr lang="ja-JP" altLang="en-US" sz="2400" dirty="0"/>
+              <a:t>自己回帰成分との関係を見る</a:t>
+            </a:r>
+            <a:endParaRPr lang="en-US" altLang="ja-JP" sz="2400" dirty="0"/>
+          </a:p>
+          <a:p>
+            <a:pPr lvl="1"/>
+            <a:r>
+              <a:rPr lang="ja-JP" altLang="en-US" sz="2400" dirty="0"/>
+              <a:t>膜の詰まりが要因なので、予測できない差分は物理モデルの知見で改善していくが、ファーストステップとして実施</a:t>
+            </a:r>
+            <a:endParaRPr lang="en-US" altLang="ja-JP" sz="2400" dirty="0"/>
+          </a:p>
+          <a:p>
+            <a:pPr lvl="1"/>
+            <a:r>
+              <a:rPr lang="ja-JP" altLang="en-US" sz="2400" dirty="0"/>
+              <a:t>熊谷</a:t>
+            </a:r>
+            <a:endParaRPr lang="en-US" altLang="ja-JP" sz="2400" dirty="0"/>
+          </a:p>
+          <a:p>
+            <a:endParaRPr lang="en-US" altLang="ja-JP" sz="2800" dirty="0"/>
+          </a:p>
+        </p:txBody>
+      </p:sp>
+      <p:sp>
+        <p:nvSpPr>
+          <p:cNvPr id="7" name="テキスト ボックス 6">
+            <a:extLst>
+              <a:ext uri="{FF2B5EF4-FFF2-40B4-BE49-F238E27FC236}">
+                <a16:creationId xmlns:a16="http://schemas.microsoft.com/office/drawing/2014/main" id="{BACF69BC-79A6-4522-AB55-9063EB4985DF}"/>
+              </a:ext>
+            </a:extLst>
+          </p:cNvPr>
+          <p:cNvSpPr txBox="1"/>
+          <p:nvPr/>
+        </p:nvSpPr>
+        <p:spPr>
+          <a:xfrm>
+            <a:off x="571984" y="-20412"/>
+            <a:ext cx="4521842" cy="338554"/>
+          </a:xfrm>
+          <a:prstGeom prst="rect">
+            <a:avLst/>
+          </a:prstGeom>
+          <a:noFill/>
+        </p:spPr>
+        <p:txBody>
+          <a:bodyPr wrap="square" rtlCol="0">
+            <a:spAutoFit/>
+          </a:bodyPr>
+          <a:lstStyle/>
+          <a:p>
+            <a:r>
+              <a:rPr lang="en-US" altLang="ja-JP" sz="1600" b="1" dirty="0">
+                <a:solidFill>
+                  <a:schemeClr val="bg1"/>
+                </a:solidFill>
+              </a:rPr>
+              <a:t>1. </a:t>
+            </a:r>
+            <a:r>
+              <a:rPr lang="ja-JP" altLang="en-US" sz="1600" b="1" dirty="0">
+                <a:solidFill>
+                  <a:schemeClr val="bg1"/>
+                </a:solidFill>
+              </a:rPr>
+              <a:t>今後のタスク</a:t>
+            </a:r>
+            <a:endParaRPr kumimoji="1" lang="ja-JP" altLang="en-US" sz="1600" b="1" dirty="0">
+              <a:solidFill>
+                <a:schemeClr val="bg1"/>
+              </a:solidFill>
+            </a:endParaRPr>
           </a:p>
         </p:txBody>
       </p:sp>
     </p:spTree>
     <p:extLst>
       <p:ext uri="{BB962C8B-B14F-4D97-AF65-F5344CB8AC3E}">
-        <p14:creationId xmlns:p14="http://schemas.microsoft.com/office/powerpoint/2010/main" val="2744913531"/>
+        <p14:creationId xmlns:p14="http://schemas.microsoft.com/office/powerpoint/2010/main" val="2617899821"/>
       </p:ext>
     </p:extLst>
   </p:cSld>
@@ -15031,6 +17488,91 @@
       </p:grpSpPr>
       <p:sp>
         <p:nvSpPr>
+          <p:cNvPr id="2" name="スライド番号プレースホルダー 1">
+            <a:extLst>
+              <a:ext uri="{FF2B5EF4-FFF2-40B4-BE49-F238E27FC236}">
+                <a16:creationId xmlns:a16="http://schemas.microsoft.com/office/drawing/2014/main" id="{F2B2B343-CF0D-4CE9-8049-5FF23009C315}"/>
+              </a:ext>
+            </a:extLst>
+          </p:cNvPr>
+          <p:cNvSpPr>
+            <a:spLocks noGrp="1"/>
+          </p:cNvSpPr>
+          <p:nvPr>
+            <p:ph type="sldNum" sz="quarter" idx="11"/>
+          </p:nvPr>
+        </p:nvSpPr>
+        <p:spPr/>
+        <p:txBody>
+          <a:bodyPr/>
+          <a:lstStyle/>
+          <a:p>
+            <a:fld id="{B3001740-FA51-4383-A84C-3DA006D12C29}" type="slidenum">
+              <a:rPr lang="ja-JP" altLang="en-US" smtClean="0"/>
+              <a:pPr/>
+              <a:t>16</a:t>
+            </a:fld>
+            <a:endParaRPr lang="ja-JP" altLang="en-US" dirty="0"/>
+          </a:p>
+        </p:txBody>
+      </p:sp>
+      <p:sp>
+        <p:nvSpPr>
+          <p:cNvPr id="3" name="テキスト プレースホルダー 2">
+            <a:extLst>
+              <a:ext uri="{FF2B5EF4-FFF2-40B4-BE49-F238E27FC236}">
+                <a16:creationId xmlns:a16="http://schemas.microsoft.com/office/drawing/2014/main" id="{EC73A151-6AE6-45B0-B969-B764FDC1ADAE}"/>
+              </a:ext>
+            </a:extLst>
+          </p:cNvPr>
+          <p:cNvSpPr>
+            <a:spLocks noGrp="1"/>
+          </p:cNvSpPr>
+          <p:nvPr>
+            <p:ph type="body" sz="quarter" idx="12"/>
+          </p:nvPr>
+        </p:nvSpPr>
+        <p:spPr/>
+        <p:txBody>
+          <a:bodyPr/>
+          <a:lstStyle/>
+          <a:p>
+            <a:endParaRPr kumimoji="1" lang="ja-JP" altLang="en-US"/>
+          </a:p>
+        </p:txBody>
+      </p:sp>
+    </p:spTree>
+    <p:extLst>
+      <p:ext uri="{BB962C8B-B14F-4D97-AF65-F5344CB8AC3E}">
+        <p14:creationId xmlns:p14="http://schemas.microsoft.com/office/powerpoint/2010/main" val="2744913531"/>
+      </p:ext>
+    </p:extLst>
+  </p:cSld>
+  <p:clrMapOvr>
+    <a:masterClrMapping/>
+  </p:clrMapOvr>
+</p:sld>
+</file>
+
+<file path=ppt/slides/slide17.xml><?xml version="1.0" encoding="utf-8"?>
+<p:sld xmlns:a="http://schemas.openxmlformats.org/drawingml/2006/main" xmlns:r="http://schemas.openxmlformats.org/officeDocument/2006/relationships" xmlns:p="http://schemas.openxmlformats.org/presentationml/2006/main">
+  <p:cSld>
+    <p:spTree>
+      <p:nvGrpSpPr>
+        <p:cNvPr id="1" name=""/>
+        <p:cNvGrpSpPr/>
+        <p:nvPr/>
+      </p:nvGrpSpPr>
+      <p:grpSpPr>
+        <a:xfrm>
+          <a:off x="0" y="0"/>
+          <a:ext cx="0" cy="0"/>
+          <a:chOff x="0" y="0"/>
+          <a:chExt cx="0" cy="0"/>
+        </a:xfrm>
+      </p:grpSpPr>
+      <p:sp>
+        <p:nvSpPr>
           <p:cNvPr id="5" name="タイトル 4">
             <a:extLst>
               <a:ext uri="{FF2B5EF4-FFF2-40B4-BE49-F238E27FC236}">
@@ -15109,7 +17651,7 @@
                   <a:spcPts val="600"/>
                 </a:spcAft>
               </a:pPr>
-              <a:t>16</a:t>
+              <a:t>17</a:t>
             </a:fld>
             <a:endParaRPr kumimoji="1" lang="ja-JP" altLang="en-US"/>
           </a:p>
@@ -17253,7 +19795,7 @@
 </p:sld>
 </file>
 
-<file path=ppt/slides/slide17.xml><?xml version="1.0" encoding="utf-8"?>
+<file path=ppt/slides/slide18.xml><?xml version="1.0" encoding="utf-8"?>
 <p:sld xmlns:a="http://schemas.openxmlformats.org/drawingml/2006/main" xmlns:r="http://schemas.openxmlformats.org/officeDocument/2006/relationships" xmlns:p="http://schemas.openxmlformats.org/presentationml/2006/main">
   <p:cSld>
     <p:spTree>
@@ -17328,7 +19870,7 @@
             <a:fld id="{584EAAFE-CFE5-40AD-8E95-5BFF290DC5CF}" type="slidenum">
               <a:rPr kumimoji="1" lang="ja-JP" altLang="en-US" smtClean="0"/>
               <a:pPr/>
-              <a:t>17</a:t>
+              <a:t>18</a:t>
             </a:fld>
             <a:endParaRPr kumimoji="1" lang="ja-JP" altLang="en-US"/>
           </a:p>
@@ -24768,7 +27310,7 @@
             </a:r>
             <a:r>
               <a:rPr lang="en-US" altLang="ja-JP" sz="2800" dirty="0"/>
-              <a:t>configuration and Toray’s TM720-370 is deployed</a:t>
+              <a:t>configuration.</a:t>
             </a:r>
           </a:p>
           <a:p>
@@ -24919,7 +27461,7 @@
         <p:spPr>
           <a:xfrm>
             <a:off x="6028183" y="2867766"/>
-            <a:ext cx="3765174" cy="4597"/>
+            <a:ext cx="2536449" cy="4597"/>
           </a:xfrm>
           <a:prstGeom prst="straightConnector1">
             <a:avLst/>
@@ -25027,7 +27569,7 @@
         </p:nvSpPr>
         <p:spPr>
           <a:xfrm>
-            <a:off x="11274984" y="2579974"/>
+            <a:off x="10722534" y="2579974"/>
             <a:ext cx="874425" cy="584775"/>
           </a:xfrm>
           <a:prstGeom prst="rect">
@@ -25072,7 +27614,7 @@
         </p:nvSpPr>
         <p:spPr>
           <a:xfrm>
-            <a:off x="9793357" y="2708929"/>
+            <a:off x="8564632" y="2708929"/>
             <a:ext cx="1237722" cy="326867"/>
           </a:xfrm>
           <a:prstGeom prst="rect">
@@ -25158,8 +27700,8 @@
         </p:nvCxnSpPr>
         <p:spPr>
           <a:xfrm flipV="1">
-            <a:off x="11031079" y="2872362"/>
-            <a:ext cx="243905" cy="1"/>
+            <a:off x="9802354" y="2872362"/>
+            <a:ext cx="920180" cy="1"/>
           </a:xfrm>
           <a:prstGeom prst="straightConnector1">
             <a:avLst/>
@@ -25907,8 +28449,8 @@
         </p:blipFill>
         <p:spPr>
           <a:xfrm>
-            <a:off x="5191754" y="1861119"/>
-            <a:ext cx="2890034" cy="1933231"/>
+            <a:off x="5205715" y="1872273"/>
+            <a:ext cx="2977212" cy="1991547"/>
           </a:xfrm>
           <a:prstGeom prst="rect">
             <a:avLst/>
@@ -25997,7 +28539,7 @@
         </p:nvSpPr>
         <p:spPr>
           <a:xfrm>
-            <a:off x="517055" y="1071367"/>
+            <a:off x="517055" y="987815"/>
             <a:ext cx="11341887" cy="600165"/>
           </a:xfrm>
         </p:spPr>
@@ -26023,7 +28565,7 @@
             </a:r>
             <a:r>
               <a:rPr lang="ja-JP" altLang="en-US" sz="2800" dirty="0"/>
-              <a:t>は外れ値を多く含んでおり、</a:t>
+              <a:t>は外れ値を多く含む、</a:t>
             </a:r>
             <a:r>
               <a:rPr lang="en-US" altLang="ja-JP" sz="2800" dirty="0"/>
@@ -26039,7 +28581,7 @@
             </a:r>
             <a:r>
               <a:rPr lang="ja-JP" altLang="en-US" sz="2800" dirty="0"/>
-              <a:t>月以降に限定するしか無さそう。</a:t>
+              <a:t>月以降に限定する。</a:t>
             </a:r>
             <a:endParaRPr lang="en-US" altLang="ja-JP" sz="2800" dirty="0"/>
           </a:p>
@@ -26111,8 +28653,8 @@
         </p:nvSpPr>
         <p:spPr>
           <a:xfrm>
-            <a:off x="9411017" y="250825"/>
-            <a:ext cx="2447925" cy="611905"/>
+            <a:off x="9649142" y="155955"/>
+            <a:ext cx="2447925" cy="365865"/>
           </a:xfrm>
           <a:prstGeom prst="wedgeRoundRectCallout">
             <a:avLst/>
@@ -26181,8 +28723,8 @@
         </p:blipFill>
         <p:spPr>
           <a:xfrm>
-            <a:off x="8612313" y="4098619"/>
-            <a:ext cx="3154824" cy="2163920"/>
+            <a:off x="8685648" y="4123660"/>
+            <a:ext cx="2922854" cy="2004810"/>
           </a:xfrm>
           <a:prstGeom prst="rect">
             <a:avLst/>
@@ -26334,8 +28876,8 @@
         </p:nvSpPr>
         <p:spPr>
           <a:xfrm>
-            <a:off x="1315760" y="5246571"/>
-            <a:ext cx="2447925" cy="611905"/>
+            <a:off x="1315760" y="5022329"/>
+            <a:ext cx="2289132" cy="377796"/>
           </a:xfrm>
           <a:prstGeom prst="wedgeRoundRectCallout">
             <a:avLst>
@@ -26483,7 +29025,7 @@
         </p:nvSpPr>
         <p:spPr>
           <a:xfrm>
-            <a:off x="8718790" y="1541615"/>
+            <a:off x="8729239" y="1549880"/>
             <a:ext cx="2890033" cy="338554"/>
           </a:xfrm>
           <a:prstGeom prst="rect">
@@ -26531,7 +29073,7 @@
         </p:nvSpPr>
         <p:spPr>
           <a:xfrm>
-            <a:off x="5292895" y="3772401"/>
+            <a:off x="5292895" y="3811790"/>
             <a:ext cx="2890033" cy="338554"/>
           </a:xfrm>
           <a:prstGeom prst="rect">
@@ -26579,7 +29121,7 @@
         </p:nvSpPr>
         <p:spPr>
           <a:xfrm>
-            <a:off x="8612313" y="3772401"/>
+            <a:off x="8612313" y="3810196"/>
             <a:ext cx="3246629" cy="338554"/>
           </a:xfrm>
           <a:prstGeom prst="rect">
@@ -26641,7 +29183,7 @@
         </p:blipFill>
         <p:spPr>
           <a:xfrm>
-            <a:off x="8685969" y="1865092"/>
+            <a:off x="8685648" y="1890453"/>
             <a:ext cx="2922854" cy="1955186"/>
           </a:xfrm>
           <a:prstGeom prst="rect">
@@ -26677,14 +29219,145 @@
         </p:blipFill>
         <p:spPr>
           <a:xfrm>
-            <a:off x="5205716" y="4161961"/>
-            <a:ext cx="3064389" cy="2049863"/>
+            <a:off x="5205715" y="4130291"/>
+            <a:ext cx="2977212" cy="1991548"/>
           </a:xfrm>
           <a:prstGeom prst="rect">
             <a:avLst/>
           </a:prstGeom>
         </p:spPr>
       </p:pic>
+      <p:sp>
+        <p:nvSpPr>
+          <p:cNvPr id="20" name="テキスト ボックス 19">
+            <a:extLst>
+              <a:ext uri="{FF2B5EF4-FFF2-40B4-BE49-F238E27FC236}">
+                <a16:creationId xmlns:a16="http://schemas.microsoft.com/office/drawing/2014/main" id="{F46B47B1-C605-42AF-A1EB-DB46B3D3DAF9}"/>
+              </a:ext>
+            </a:extLst>
+          </p:cNvPr>
+          <p:cNvSpPr txBox="1"/>
+          <p:nvPr/>
+        </p:nvSpPr>
+        <p:spPr>
+          <a:xfrm>
+            <a:off x="163616" y="4646899"/>
+            <a:ext cx="1102486" cy="338554"/>
+          </a:xfrm>
+          <a:prstGeom prst="rect">
+            <a:avLst/>
+          </a:prstGeom>
+          <a:noFill/>
+        </p:spPr>
+        <p:txBody>
+          <a:bodyPr wrap="square" rtlCol="0">
+            <a:spAutoFit/>
+          </a:bodyPr>
+          <a:lstStyle/>
+          <a:p>
+            <a:pPr algn="ctr"/>
+            <a:r>
+              <a:rPr kumimoji="1" lang="en-US" altLang="ja-JP" sz="1600" dirty="0"/>
+              <a:t>2020/05</a:t>
+            </a:r>
+            <a:endParaRPr kumimoji="1" lang="ja-JP" altLang="en-US" sz="1600" dirty="0"/>
+          </a:p>
+        </p:txBody>
+      </p:sp>
+      <p:sp>
+        <p:nvSpPr>
+          <p:cNvPr id="22" name="テキスト ボックス 21">
+            <a:extLst>
+              <a:ext uri="{FF2B5EF4-FFF2-40B4-BE49-F238E27FC236}">
+                <a16:creationId xmlns:a16="http://schemas.microsoft.com/office/drawing/2014/main" id="{58020F7D-1933-44DF-AAC2-EB063E0788BE}"/>
+              </a:ext>
+            </a:extLst>
+          </p:cNvPr>
+          <p:cNvSpPr txBox="1"/>
+          <p:nvPr/>
+        </p:nvSpPr>
+        <p:spPr>
+          <a:xfrm>
+            <a:off x="2905025" y="4645284"/>
+            <a:ext cx="1102486" cy="338554"/>
+          </a:xfrm>
+          <a:prstGeom prst="rect">
+            <a:avLst/>
+          </a:prstGeom>
+          <a:noFill/>
+        </p:spPr>
+        <p:txBody>
+          <a:bodyPr wrap="square" rtlCol="0">
+            <a:spAutoFit/>
+          </a:bodyPr>
+          <a:lstStyle/>
+          <a:p>
+            <a:pPr algn="ctr"/>
+            <a:r>
+              <a:rPr kumimoji="1" lang="en-US" altLang="ja-JP" sz="1600" dirty="0"/>
+              <a:t>2022/10</a:t>
+            </a:r>
+            <a:endParaRPr kumimoji="1" lang="ja-JP" altLang="en-US" sz="1600" dirty="0"/>
+          </a:p>
+        </p:txBody>
+      </p:sp>
+      <p:sp>
+        <p:nvSpPr>
+          <p:cNvPr id="25" name="テキスト ボックス 24">
+            <a:extLst>
+              <a:ext uri="{FF2B5EF4-FFF2-40B4-BE49-F238E27FC236}">
+                <a16:creationId xmlns:a16="http://schemas.microsoft.com/office/drawing/2014/main" id="{EF59991D-DAA9-48DB-B2B1-6E3B7FC483C0}"/>
+              </a:ext>
+            </a:extLst>
+          </p:cNvPr>
+          <p:cNvSpPr txBox="1"/>
+          <p:nvPr/>
+        </p:nvSpPr>
+        <p:spPr>
+          <a:xfrm>
+            <a:off x="9656944" y="740344"/>
+            <a:ext cx="2535056" cy="338554"/>
+          </a:xfrm>
+          <a:prstGeom prst="rect">
+            <a:avLst/>
+          </a:prstGeom>
+          <a:noFill/>
+        </p:spPr>
+        <p:txBody>
+          <a:bodyPr wrap="square" rtlCol="0">
+            <a:spAutoFit/>
+          </a:bodyPr>
+          <a:lstStyle/>
+          <a:p>
+            <a:pPr algn="ctr"/>
+            <a:r>
+              <a:rPr kumimoji="1" lang="ja-JP" altLang="en-US" sz="1600" dirty="0"/>
+              <a:t>単位の</a:t>
+            </a:r>
+            <a:r>
+              <a:rPr kumimoji="1" lang="en-US" altLang="ja-JP" sz="1600" dirty="0"/>
+              <a:t>mu</a:t>
+            </a:r>
+            <a:r>
+              <a:rPr kumimoji="1" lang="ja-JP" altLang="en-US" sz="1600" dirty="0"/>
+              <a:t>：接頭辞</a:t>
+            </a:r>
+            <a:r>
+              <a:rPr kumimoji="1" lang="en-US" altLang="ja-JP" sz="1600" dirty="0"/>
+              <a:t>μ(10</a:t>
+            </a:r>
+            <a:r>
+              <a:rPr kumimoji="1" lang="en-US" altLang="ja-JP" sz="1600" baseline="30000" dirty="0"/>
+              <a:t>-6</a:t>
+            </a:r>
+            <a:r>
+              <a:rPr kumimoji="1" lang="en-US" altLang="ja-JP" sz="1600" dirty="0"/>
+              <a:t>)</a:t>
+            </a:r>
+            <a:endParaRPr kumimoji="1" lang="ja-JP" altLang="en-US" sz="1600" dirty="0"/>
+          </a:p>
+        </p:txBody>
+      </p:sp>
     </p:spTree>
     <p:extLst>
       <p:ext uri="{BB962C8B-B14F-4D97-AF65-F5344CB8AC3E}">
@@ -26743,7 +29416,7 @@
           <a:p>
             <a:r>
               <a:rPr lang="ja-JP" altLang="en-US" dirty="0"/>
-              <a:t>データの加工</a:t>
+              <a:t>データの加工方法</a:t>
             </a:r>
             <a:endParaRPr lang="en-US" dirty="0"/>
           </a:p>
@@ -26845,11 +29518,15 @@
         </p:nvSpPr>
         <p:spPr>
           <a:xfrm>
-            <a:off x="9411017" y="250825"/>
-            <a:ext cx="2447925" cy="611905"/>
+            <a:off x="4686314" y="1954031"/>
+            <a:ext cx="6743684" cy="4044295"/>
           </a:xfrm>
           <a:prstGeom prst="wedgeRoundRectCallout">
-            <a:avLst/>
+            <a:avLst>
+              <a:gd name="adj1" fmla="val -59199"/>
+              <a:gd name="adj2" fmla="val 6282"/>
+              <a:gd name="adj3" fmla="val 16667"/>
+            </a:avLst>
           </a:prstGeom>
           <a:solidFill>
             <a:schemeClr val="bg1"/>
@@ -26876,14 +29553,11 @@
           <a:lstStyle/>
           <a:p>
             <a:pPr algn="ctr"/>
-            <a:r>
-              <a:rPr kumimoji="1" lang="ja-JP" altLang="en-US" dirty="0">
-                <a:solidFill>
-                  <a:schemeClr val="tx1"/>
-                </a:solidFill>
-              </a:rPr>
-              <a:t>日付の形式をやり直す</a:t>
-            </a:r>
+            <a:endParaRPr kumimoji="1" lang="ja-JP" altLang="en-US" dirty="0">
+              <a:solidFill>
+                <a:schemeClr val="tx1"/>
+              </a:solidFill>
+            </a:endParaRPr>
           </a:p>
         </p:txBody>
       </p:sp>
@@ -26915,7 +29589,7 @@
           <a:p>
             <a:r>
               <a:rPr lang="ja-JP" altLang="en-US" sz="2800" dirty="0"/>
-              <a:t>下記の手順で、データを加工した。上下限で外れ値を除去してから、ダウンサンプリングすると、外れ値の影響。</a:t>
+              <a:t>下記の手順で、データを加工した。</a:t>
             </a:r>
             <a:endParaRPr lang="en-US" altLang="ja-JP" sz="2800" dirty="0"/>
           </a:p>
@@ -26923,10 +29597,10 @@
       </p:sp>
       <p:sp>
         <p:nvSpPr>
-          <p:cNvPr id="31" name="テキスト ボックス 30">
-            <a:extLst>
-              <a:ext uri="{FF2B5EF4-FFF2-40B4-BE49-F238E27FC236}">
-                <a16:creationId xmlns:a16="http://schemas.microsoft.com/office/drawing/2014/main" id="{DAE6AE09-E3BA-4B41-A638-85998EE5D009}"/>
+          <p:cNvPr id="35" name="テキスト ボックス 34">
+            <a:extLst>
+              <a:ext uri="{FF2B5EF4-FFF2-40B4-BE49-F238E27FC236}">
+                <a16:creationId xmlns:a16="http://schemas.microsoft.com/office/drawing/2014/main" id="{FCC571B8-0356-40D7-8954-5E247BF55A09}"/>
               </a:ext>
             </a:extLst>
           </p:cNvPr>
@@ -26935,8 +29609,8 @@
         </p:nvSpPr>
         <p:spPr>
           <a:xfrm>
-            <a:off x="5867010" y="2456905"/>
-            <a:ext cx="2890033" cy="338554"/>
+            <a:off x="6729330" y="3835999"/>
+            <a:ext cx="1173563" cy="338554"/>
           </a:xfrm>
           <a:prstGeom prst="rect">
             <a:avLst/>
@@ -26952,29 +29626,64 @@
             <a:pPr algn="ctr"/>
             <a:r>
               <a:rPr kumimoji="1" lang="en-US" altLang="ja-JP" sz="1600" dirty="0"/>
-              <a:t>1</a:t>
+              <a:t>30min</a:t>
             </a:r>
             <a:r>
               <a:rPr kumimoji="1" lang="ja-JP" altLang="en-US" sz="1600" dirty="0"/>
-              <a:t>段目 透過 導電率（</a:t>
-            </a:r>
+              <a:t>間隔</a:t>
+            </a:r>
+          </a:p>
+        </p:txBody>
+      </p:sp>
+      <p:sp>
+        <p:nvSpPr>
+          <p:cNvPr id="37" name="テキスト ボックス 36">
+            <a:extLst>
+              <a:ext uri="{FF2B5EF4-FFF2-40B4-BE49-F238E27FC236}">
+                <a16:creationId xmlns:a16="http://schemas.microsoft.com/office/drawing/2014/main" id="{15E833BE-E77B-41B2-82F7-3EF620BC169D}"/>
+              </a:ext>
+            </a:extLst>
+          </p:cNvPr>
+          <p:cNvSpPr txBox="1"/>
+          <p:nvPr/>
+        </p:nvSpPr>
+        <p:spPr>
+          <a:xfrm>
+            <a:off x="225541" y="2770620"/>
+            <a:ext cx="1224863" cy="553998"/>
+          </a:xfrm>
+          <a:prstGeom prst="rect">
+            <a:avLst/>
+          </a:prstGeom>
+          <a:noFill/>
+        </p:spPr>
+        <p:txBody>
+          <a:bodyPr wrap="square" rtlCol="0">
+            <a:spAutoFit/>
+          </a:bodyPr>
+          <a:lstStyle/>
+          <a:p>
+            <a:pPr algn="ctr"/>
             <a:r>
               <a:rPr kumimoji="1" lang="en-US" altLang="ja-JP" sz="1600" dirty="0"/>
-              <a:t>30min</a:t>
-            </a:r>
-            <a:r>
-              <a:rPr kumimoji="1" lang="ja-JP" altLang="en-US" sz="1600" dirty="0"/>
-              <a:t>）</a:t>
+              <a:t>1min</a:t>
+            </a:r>
+          </a:p>
+          <a:p>
+            <a:pPr algn="ctr"/>
+            <a:r>
+              <a:rPr kumimoji="1" lang="ja-JP" altLang="en-US" sz="1400" dirty="0"/>
+              <a:t>（生データ）</a:t>
             </a:r>
           </a:p>
         </p:txBody>
       </p:sp>
       <p:pic>
         <p:nvPicPr>
-          <p:cNvPr id="32" name="図 31" descr="グラフ, ヒストグラム&#10;&#10;自動的に生成された説明">
-            <a:extLst>
-              <a:ext uri="{FF2B5EF4-FFF2-40B4-BE49-F238E27FC236}">
-                <a16:creationId xmlns:a16="http://schemas.microsoft.com/office/drawing/2014/main" id="{66EC71C2-4C66-4576-ABCC-ED9FBA562E77}"/>
+          <p:cNvPr id="15" name="図 14" descr="グラフ, 棒グラフ&#10;&#10;自動的に生成された説明">
+            <a:extLst>
+              <a:ext uri="{FF2B5EF4-FFF2-40B4-BE49-F238E27FC236}">
+                <a16:creationId xmlns:a16="http://schemas.microsoft.com/office/drawing/2014/main" id="{9784E0A4-7348-4555-8A95-FE2636F7748E}"/>
               </a:ext>
             </a:extLst>
           </p:cNvPr>
@@ -26997,20 +29706,364 @@
         </p:blipFill>
         <p:spPr>
           <a:xfrm>
-            <a:off x="7851184" y="3998629"/>
-            <a:ext cx="3403778" cy="2276890"/>
+            <a:off x="1828855" y="2347960"/>
+            <a:ext cx="2279208" cy="1524631"/>
           </a:xfrm>
           <a:prstGeom prst="rect">
             <a:avLst/>
           </a:prstGeom>
         </p:spPr>
       </p:pic>
+      <p:sp>
+        <p:nvSpPr>
+          <p:cNvPr id="16" name="テキスト ボックス 15">
+            <a:extLst>
+              <a:ext uri="{FF2B5EF4-FFF2-40B4-BE49-F238E27FC236}">
+                <a16:creationId xmlns:a16="http://schemas.microsoft.com/office/drawing/2014/main" id="{3D5D4648-44D0-4AE6-9AB9-7712D1A3ECD8}"/>
+              </a:ext>
+            </a:extLst>
+          </p:cNvPr>
+          <p:cNvSpPr txBox="1"/>
+          <p:nvPr/>
+        </p:nvSpPr>
+        <p:spPr>
+          <a:xfrm>
+            <a:off x="1963813" y="1911769"/>
+            <a:ext cx="2009291" cy="338554"/>
+          </a:xfrm>
+          <a:prstGeom prst="rect">
+            <a:avLst/>
+          </a:prstGeom>
+          <a:noFill/>
+        </p:spPr>
+        <p:txBody>
+          <a:bodyPr wrap="square" rtlCol="0">
+            <a:spAutoFit/>
+          </a:bodyPr>
+          <a:lstStyle/>
+          <a:p>
+            <a:pPr algn="ctr"/>
+            <a:r>
+              <a:rPr kumimoji="1" lang="en-US" altLang="ja-JP" sz="1600" dirty="0"/>
+              <a:t>1</a:t>
+            </a:r>
+            <a:r>
+              <a:rPr kumimoji="1" lang="ja-JP" altLang="en-US" sz="1600" dirty="0"/>
+              <a:t>段目 透過 導電率</a:t>
+            </a:r>
+          </a:p>
+        </p:txBody>
+      </p:sp>
+      <p:cxnSp>
+        <p:nvCxnSpPr>
+          <p:cNvPr id="6" name="直線矢印コネクタ 5">
+            <a:extLst>
+              <a:ext uri="{FF2B5EF4-FFF2-40B4-BE49-F238E27FC236}">
+                <a16:creationId xmlns:a16="http://schemas.microsoft.com/office/drawing/2014/main" id="{33EEDBEB-7C04-4E33-8AEA-980B937290FA}"/>
+              </a:ext>
+            </a:extLst>
+          </p:cNvPr>
+          <p:cNvCxnSpPr>
+            <a:cxnSpLocks/>
+            <a:endCxn id="9" idx="0"/>
+          </p:cNvCxnSpPr>
+          <p:nvPr/>
+        </p:nvCxnSpPr>
+        <p:spPr>
+          <a:xfrm>
+            <a:off x="6169525" y="2034086"/>
+            <a:ext cx="0" cy="354308"/>
+          </a:xfrm>
+          <a:prstGeom prst="straightConnector1">
+            <a:avLst/>
+          </a:prstGeom>
+          <a:ln w="19050">
+            <a:headEnd type="none" w="med" len="med"/>
+            <a:tailEnd type="triangle"/>
+          </a:ln>
+        </p:spPr>
+        <p:style>
+          <a:lnRef idx="1">
+            <a:schemeClr val="accent1"/>
+          </a:lnRef>
+          <a:fillRef idx="0">
+            <a:schemeClr val="accent1"/>
+          </a:fillRef>
+          <a:effectRef idx="0">
+            <a:schemeClr val="accent1"/>
+          </a:effectRef>
+          <a:fontRef idx="minor">
+            <a:schemeClr val="tx1"/>
+          </a:fontRef>
+        </p:style>
+      </p:cxnSp>
+      <p:sp>
+        <p:nvSpPr>
+          <p:cNvPr id="9" name="正方形/長方形 8">
+            <a:extLst>
+              <a:ext uri="{FF2B5EF4-FFF2-40B4-BE49-F238E27FC236}">
+                <a16:creationId xmlns:a16="http://schemas.microsoft.com/office/drawing/2014/main" id="{9011A315-9BC7-463B-8893-8B56AEAF3B8D}"/>
+              </a:ext>
+            </a:extLst>
+          </p:cNvPr>
+          <p:cNvSpPr/>
+          <p:nvPr/>
+        </p:nvSpPr>
+        <p:spPr>
+          <a:xfrm>
+            <a:off x="5405134" y="2388394"/>
+            <a:ext cx="1528782" cy="597122"/>
+          </a:xfrm>
+          <a:prstGeom prst="rect">
+            <a:avLst/>
+          </a:prstGeom>
+          <a:solidFill>
+            <a:schemeClr val="bg1"/>
+          </a:solidFill>
+        </p:spPr>
+        <p:style>
+          <a:lnRef idx="2">
+            <a:schemeClr val="accent1">
+              <a:shade val="50000"/>
+            </a:schemeClr>
+          </a:lnRef>
+          <a:fillRef idx="1">
+            <a:schemeClr val="accent1"/>
+          </a:fillRef>
+          <a:effectRef idx="0">
+            <a:schemeClr val="accent1"/>
+          </a:effectRef>
+          <a:fontRef idx="minor">
+            <a:schemeClr val="lt1"/>
+          </a:fontRef>
+        </p:style>
+        <p:txBody>
+          <a:bodyPr rtlCol="0" anchor="ctr"/>
+          <a:lstStyle/>
+          <a:p>
+            <a:pPr algn="ctr"/>
+            <a:r>
+              <a:rPr kumimoji="1" lang="ja-JP" altLang="en-US" dirty="0">
+                <a:solidFill>
+                  <a:schemeClr val="tx1"/>
+                </a:solidFill>
+              </a:rPr>
+              <a:t>外れ値除去</a:t>
+            </a:r>
+          </a:p>
+        </p:txBody>
+      </p:sp>
+      <p:sp>
+        <p:nvSpPr>
+          <p:cNvPr id="24" name="正方形/長方形 23">
+            <a:extLst>
+              <a:ext uri="{FF2B5EF4-FFF2-40B4-BE49-F238E27FC236}">
+                <a16:creationId xmlns:a16="http://schemas.microsoft.com/office/drawing/2014/main" id="{271F500E-0408-48A9-960A-437445A9A4BD}"/>
+              </a:ext>
+            </a:extLst>
+          </p:cNvPr>
+          <p:cNvSpPr/>
+          <p:nvPr/>
+        </p:nvSpPr>
+        <p:spPr>
+          <a:xfrm>
+            <a:off x="5405134" y="3256606"/>
+            <a:ext cx="1528782" cy="597122"/>
+          </a:xfrm>
+          <a:prstGeom prst="rect">
+            <a:avLst/>
+          </a:prstGeom>
+          <a:solidFill>
+            <a:schemeClr val="bg1"/>
+          </a:solidFill>
+        </p:spPr>
+        <p:style>
+          <a:lnRef idx="2">
+            <a:schemeClr val="accent1">
+              <a:shade val="50000"/>
+            </a:schemeClr>
+          </a:lnRef>
+          <a:fillRef idx="1">
+            <a:schemeClr val="accent1"/>
+          </a:fillRef>
+          <a:effectRef idx="0">
+            <a:schemeClr val="accent1"/>
+          </a:effectRef>
+          <a:fontRef idx="minor">
+            <a:schemeClr val="lt1"/>
+          </a:fontRef>
+        </p:style>
+        <p:txBody>
+          <a:bodyPr rtlCol="0" anchor="ctr"/>
+          <a:lstStyle/>
+          <a:p>
+            <a:pPr algn="ctr"/>
+            <a:r>
+              <a:rPr kumimoji="1" lang="en-US" altLang="ja-JP" sz="1400" dirty="0">
+                <a:solidFill>
+                  <a:schemeClr val="tx1"/>
+                </a:solidFill>
+              </a:rPr>
+              <a:t>Down-Sampling</a:t>
+            </a:r>
+            <a:endParaRPr kumimoji="1" lang="ja-JP" altLang="en-US" sz="1400" dirty="0">
+              <a:solidFill>
+                <a:schemeClr val="tx1"/>
+              </a:solidFill>
+            </a:endParaRPr>
+          </a:p>
+        </p:txBody>
+      </p:sp>
+      <p:cxnSp>
+        <p:nvCxnSpPr>
+          <p:cNvPr id="27" name="直線矢印コネクタ 26">
+            <a:extLst>
+              <a:ext uri="{FF2B5EF4-FFF2-40B4-BE49-F238E27FC236}">
+                <a16:creationId xmlns:a16="http://schemas.microsoft.com/office/drawing/2014/main" id="{3B8A5AB7-0C60-4570-85DC-99AFE5F2234F}"/>
+              </a:ext>
+            </a:extLst>
+          </p:cNvPr>
+          <p:cNvCxnSpPr>
+            <a:cxnSpLocks/>
+            <a:stCxn id="9" idx="2"/>
+            <a:endCxn id="24" idx="0"/>
+          </p:cNvCxnSpPr>
+          <p:nvPr/>
+        </p:nvCxnSpPr>
+        <p:spPr>
+          <a:xfrm>
+            <a:off x="6169525" y="2985516"/>
+            <a:ext cx="0" cy="271090"/>
+          </a:xfrm>
+          <a:prstGeom prst="straightConnector1">
+            <a:avLst/>
+          </a:prstGeom>
+          <a:ln w="19050">
+            <a:headEnd type="none" w="med" len="med"/>
+            <a:tailEnd type="triangle"/>
+          </a:ln>
+        </p:spPr>
+        <p:style>
+          <a:lnRef idx="1">
+            <a:schemeClr val="accent1"/>
+          </a:lnRef>
+          <a:fillRef idx="0">
+            <a:schemeClr val="accent1"/>
+          </a:fillRef>
+          <a:effectRef idx="0">
+            <a:schemeClr val="accent1"/>
+          </a:effectRef>
+          <a:fontRef idx="minor">
+            <a:schemeClr val="tx1"/>
+          </a:fontRef>
+        </p:style>
+      </p:cxnSp>
+      <p:sp>
+        <p:nvSpPr>
+          <p:cNvPr id="30" name="正方形/長方形 29">
+            <a:extLst>
+              <a:ext uri="{FF2B5EF4-FFF2-40B4-BE49-F238E27FC236}">
+                <a16:creationId xmlns:a16="http://schemas.microsoft.com/office/drawing/2014/main" id="{B5F40A67-68B5-42B3-AA5E-15F3F1995DE5}"/>
+              </a:ext>
+            </a:extLst>
+          </p:cNvPr>
+          <p:cNvSpPr/>
+          <p:nvPr/>
+        </p:nvSpPr>
+        <p:spPr>
+          <a:xfrm>
+            <a:off x="5405134" y="4133645"/>
+            <a:ext cx="1528782" cy="597122"/>
+          </a:xfrm>
+          <a:prstGeom prst="rect">
+            <a:avLst/>
+          </a:prstGeom>
+          <a:solidFill>
+            <a:schemeClr val="bg1"/>
+          </a:solidFill>
+        </p:spPr>
+        <p:style>
+          <a:lnRef idx="2">
+            <a:schemeClr val="accent1">
+              <a:shade val="50000"/>
+            </a:schemeClr>
+          </a:lnRef>
+          <a:fillRef idx="1">
+            <a:schemeClr val="accent1"/>
+          </a:fillRef>
+          <a:effectRef idx="0">
+            <a:schemeClr val="accent1"/>
+          </a:effectRef>
+          <a:fontRef idx="minor">
+            <a:schemeClr val="lt1"/>
+          </a:fontRef>
+        </p:style>
+        <p:txBody>
+          <a:bodyPr rtlCol="0" anchor="ctr"/>
+          <a:lstStyle/>
+          <a:p>
+            <a:pPr algn="ctr"/>
+            <a:r>
+              <a:rPr kumimoji="1" lang="ja-JP" altLang="en-US" dirty="0">
+                <a:solidFill>
+                  <a:schemeClr val="tx1"/>
+                </a:solidFill>
+              </a:rPr>
+              <a:t>平滑化</a:t>
+            </a:r>
+          </a:p>
+        </p:txBody>
+      </p:sp>
+      <p:cxnSp>
+        <p:nvCxnSpPr>
+          <p:cNvPr id="38" name="直線矢印コネクタ 37">
+            <a:extLst>
+              <a:ext uri="{FF2B5EF4-FFF2-40B4-BE49-F238E27FC236}">
+                <a16:creationId xmlns:a16="http://schemas.microsoft.com/office/drawing/2014/main" id="{99F36F1E-BD0E-458B-BC60-EF7F63DE5B71}"/>
+              </a:ext>
+            </a:extLst>
+          </p:cNvPr>
+          <p:cNvCxnSpPr>
+            <a:cxnSpLocks/>
+            <a:stCxn id="24" idx="2"/>
+            <a:endCxn id="30" idx="0"/>
+          </p:cNvCxnSpPr>
+          <p:nvPr/>
+        </p:nvCxnSpPr>
+        <p:spPr>
+          <a:xfrm>
+            <a:off x="6169525" y="3853728"/>
+            <a:ext cx="0" cy="279917"/>
+          </a:xfrm>
+          <a:prstGeom prst="straightConnector1">
+            <a:avLst/>
+          </a:prstGeom>
+          <a:ln w="19050">
+            <a:headEnd type="none" w="med" len="med"/>
+            <a:tailEnd type="triangle"/>
+          </a:ln>
+        </p:spPr>
+        <p:style>
+          <a:lnRef idx="1">
+            <a:schemeClr val="accent1"/>
+          </a:lnRef>
+          <a:fillRef idx="0">
+            <a:schemeClr val="accent1"/>
+          </a:fillRef>
+          <a:effectRef idx="0">
+            <a:schemeClr val="accent1"/>
+          </a:effectRef>
+          <a:fontRef idx="minor">
+            <a:schemeClr val="tx1"/>
+          </a:fontRef>
+        </p:style>
+      </p:cxnSp>
       <p:pic>
         <p:nvPicPr>
-          <p:cNvPr id="33" name="図 32" descr="グラフ, ヒストグラム&#10;&#10;自動的に生成された説明">
-            <a:extLst>
-              <a:ext uri="{FF2B5EF4-FFF2-40B4-BE49-F238E27FC236}">
-                <a16:creationId xmlns:a16="http://schemas.microsoft.com/office/drawing/2014/main" id="{7CA03D28-ED80-4B3B-954C-A5612BAB4D44}"/>
+          <p:cNvPr id="40" name="図 39" descr="グラフ, ヒストグラム&#10;&#10;自動的に生成された説明">
+            <a:extLst>
+              <a:ext uri="{FF2B5EF4-FFF2-40B4-BE49-F238E27FC236}">
+                <a16:creationId xmlns:a16="http://schemas.microsoft.com/office/drawing/2014/main" id="{E310C289-3101-41FD-BAEC-AECE819171BD}"/>
               </a:ext>
             </a:extLst>
           </p:cNvPr>
@@ -27033,20 +30086,64 @@
         </p:blipFill>
         <p:spPr>
           <a:xfrm>
-            <a:off x="7851184" y="1773222"/>
-            <a:ext cx="3403779" cy="2273032"/>
+            <a:off x="1828855" y="4403484"/>
+            <a:ext cx="2279208" cy="1522047"/>
           </a:xfrm>
           <a:prstGeom prst="rect">
             <a:avLst/>
           </a:prstGeom>
         </p:spPr>
       </p:pic>
-      <p:sp>
-        <p:nvSpPr>
-          <p:cNvPr id="34" name="テキスト ボックス 33">
-            <a:extLst>
-              <a:ext uri="{FF2B5EF4-FFF2-40B4-BE49-F238E27FC236}">
-                <a16:creationId xmlns:a16="http://schemas.microsoft.com/office/drawing/2014/main" id="{DC5AE655-1411-4FE5-947A-88F8138B07CE}"/>
+      <p:cxnSp>
+        <p:nvCxnSpPr>
+          <p:cNvPr id="41" name="直線矢印コネクタ 40">
+            <a:extLst>
+              <a:ext uri="{FF2B5EF4-FFF2-40B4-BE49-F238E27FC236}">
+                <a16:creationId xmlns:a16="http://schemas.microsoft.com/office/drawing/2014/main" id="{F2E8AC43-0C30-4DE7-ACCE-E8971BC3F123}"/>
+              </a:ext>
+            </a:extLst>
+          </p:cNvPr>
+          <p:cNvCxnSpPr>
+            <a:cxnSpLocks/>
+            <a:stCxn id="15" idx="2"/>
+            <a:endCxn id="40" idx="0"/>
+          </p:cNvCxnSpPr>
+          <p:nvPr/>
+        </p:nvCxnSpPr>
+        <p:spPr>
+          <a:xfrm>
+            <a:off x="2968459" y="3872591"/>
+            <a:ext cx="0" cy="530893"/>
+          </a:xfrm>
+          <a:prstGeom prst="straightConnector1">
+            <a:avLst/>
+          </a:prstGeom>
+          <a:ln w="19050">
+            <a:headEnd type="none" w="med" len="med"/>
+            <a:tailEnd type="triangle"/>
+          </a:ln>
+        </p:spPr>
+        <p:style>
+          <a:lnRef idx="1">
+            <a:schemeClr val="accent1"/>
+          </a:lnRef>
+          <a:fillRef idx="0">
+            <a:schemeClr val="accent1"/>
+          </a:fillRef>
+          <a:effectRef idx="0">
+            <a:schemeClr val="accent1"/>
+          </a:effectRef>
+          <a:fontRef idx="minor">
+            <a:schemeClr val="tx1"/>
+          </a:fontRef>
+        </p:style>
+      </p:cxnSp>
+      <p:sp>
+        <p:nvSpPr>
+          <p:cNvPr id="44" name="テキスト ボックス 43">
+            <a:extLst>
+              <a:ext uri="{FF2B5EF4-FFF2-40B4-BE49-F238E27FC236}">
+                <a16:creationId xmlns:a16="http://schemas.microsoft.com/office/drawing/2014/main" id="{EDCAEE73-0963-4FC7-BE68-ABBD6533453D}"/>
               </a:ext>
             </a:extLst>
           </p:cNvPr>
@@ -27055,8 +30152,8 @@
         </p:nvSpPr>
         <p:spPr>
           <a:xfrm>
-            <a:off x="8006103" y="1442476"/>
-            <a:ext cx="3227110" cy="338554"/>
+            <a:off x="0" y="4839329"/>
+            <a:ext cx="1675550" cy="553998"/>
           </a:xfrm>
           <a:prstGeom prst="rect">
             <a:avLst/>
@@ -27072,21 +30169,168 @@
             <a:pPr algn="ctr"/>
             <a:r>
               <a:rPr kumimoji="1" lang="en-US" altLang="ja-JP" sz="1600" dirty="0"/>
-              <a:t>1</a:t>
-            </a:r>
-            <a:r>
-              <a:rPr kumimoji="1" lang="ja-JP" altLang="en-US" sz="1600" dirty="0"/>
-              <a:t>段目 透過 導電率</a:t>
-            </a:r>
-          </a:p>
-        </p:txBody>
-      </p:sp>
-      <p:sp>
-        <p:nvSpPr>
-          <p:cNvPr id="35" name="テキスト ボックス 34">
-            <a:extLst>
-              <a:ext uri="{FF2B5EF4-FFF2-40B4-BE49-F238E27FC236}">
-                <a16:creationId xmlns:a16="http://schemas.microsoft.com/office/drawing/2014/main" id="{FCC571B8-0356-40D7-8954-5E247BF55A09}"/>
+              <a:t>30min</a:t>
+            </a:r>
+          </a:p>
+          <a:p>
+            <a:pPr algn="ctr"/>
+            <a:r>
+              <a:rPr kumimoji="1" lang="ja-JP" altLang="en-US" sz="1400" dirty="0"/>
+              <a:t>（加工データ）</a:t>
+            </a:r>
+            <a:endParaRPr kumimoji="1" lang="ja-JP" altLang="en-US" sz="1600" dirty="0"/>
+          </a:p>
+        </p:txBody>
+      </p:sp>
+      <p:cxnSp>
+        <p:nvCxnSpPr>
+          <p:cNvPr id="59" name="直線矢印コネクタ 58">
+            <a:extLst>
+              <a:ext uri="{FF2B5EF4-FFF2-40B4-BE49-F238E27FC236}">
+                <a16:creationId xmlns:a16="http://schemas.microsoft.com/office/drawing/2014/main" id="{BAD58588-170D-4546-91B2-C827AE1ECCF3}"/>
+              </a:ext>
+            </a:extLst>
+          </p:cNvPr>
+          <p:cNvCxnSpPr>
+            <a:cxnSpLocks/>
+            <a:stCxn id="65" idx="2"/>
+          </p:cNvCxnSpPr>
+          <p:nvPr/>
+        </p:nvCxnSpPr>
+        <p:spPr>
+          <a:xfrm flipH="1">
+            <a:off x="6160001" y="5605728"/>
+            <a:ext cx="9524" cy="319803"/>
+          </a:xfrm>
+          <a:prstGeom prst="straightConnector1">
+            <a:avLst/>
+          </a:prstGeom>
+          <a:ln w="19050">
+            <a:headEnd type="none" w="med" len="med"/>
+            <a:tailEnd type="triangle"/>
+          </a:ln>
+        </p:spPr>
+        <p:style>
+          <a:lnRef idx="1">
+            <a:schemeClr val="accent1"/>
+          </a:lnRef>
+          <a:fillRef idx="0">
+            <a:schemeClr val="accent1"/>
+          </a:fillRef>
+          <a:effectRef idx="0">
+            <a:schemeClr val="accent1"/>
+          </a:effectRef>
+          <a:fontRef idx="minor">
+            <a:schemeClr val="tx1"/>
+          </a:fontRef>
+        </p:style>
+      </p:cxnSp>
+      <p:sp>
+        <p:nvSpPr>
+          <p:cNvPr id="65" name="正方形/長方形 64">
+            <a:extLst>
+              <a:ext uri="{FF2B5EF4-FFF2-40B4-BE49-F238E27FC236}">
+                <a16:creationId xmlns:a16="http://schemas.microsoft.com/office/drawing/2014/main" id="{89B44ACB-E57B-46F5-AE94-7D7752054884}"/>
+              </a:ext>
+            </a:extLst>
+          </p:cNvPr>
+          <p:cNvSpPr/>
+          <p:nvPr/>
+        </p:nvSpPr>
+        <p:spPr>
+          <a:xfrm>
+            <a:off x="5405134" y="5008606"/>
+            <a:ext cx="1528782" cy="597122"/>
+          </a:xfrm>
+          <a:prstGeom prst="rect">
+            <a:avLst/>
+          </a:prstGeom>
+          <a:solidFill>
+            <a:schemeClr val="bg1"/>
+          </a:solidFill>
+        </p:spPr>
+        <p:style>
+          <a:lnRef idx="2">
+            <a:schemeClr val="accent1">
+              <a:shade val="50000"/>
+            </a:schemeClr>
+          </a:lnRef>
+          <a:fillRef idx="1">
+            <a:schemeClr val="accent1"/>
+          </a:fillRef>
+          <a:effectRef idx="0">
+            <a:schemeClr val="accent1"/>
+          </a:effectRef>
+          <a:fontRef idx="minor">
+            <a:schemeClr val="lt1"/>
+          </a:fontRef>
+        </p:style>
+        <p:txBody>
+          <a:bodyPr rtlCol="0" anchor="ctr"/>
+          <a:lstStyle/>
+          <a:p>
+            <a:pPr algn="ctr"/>
+            <a:r>
+              <a:rPr kumimoji="1" lang="ja-JP" altLang="en-US" dirty="0">
+                <a:solidFill>
+                  <a:schemeClr val="tx1"/>
+                </a:solidFill>
+              </a:rPr>
+              <a:t>欠損補完</a:t>
+            </a:r>
+          </a:p>
+        </p:txBody>
+      </p:sp>
+      <p:cxnSp>
+        <p:nvCxnSpPr>
+          <p:cNvPr id="66" name="直線矢印コネクタ 65">
+            <a:extLst>
+              <a:ext uri="{FF2B5EF4-FFF2-40B4-BE49-F238E27FC236}">
+                <a16:creationId xmlns:a16="http://schemas.microsoft.com/office/drawing/2014/main" id="{BD90893C-1B10-4182-B233-2EEC8B96FB5F}"/>
+              </a:ext>
+            </a:extLst>
+          </p:cNvPr>
+          <p:cNvCxnSpPr>
+            <a:cxnSpLocks/>
+            <a:stCxn id="30" idx="2"/>
+            <a:endCxn id="65" idx="0"/>
+          </p:cNvCxnSpPr>
+          <p:nvPr/>
+        </p:nvCxnSpPr>
+        <p:spPr>
+          <a:xfrm>
+            <a:off x="6169525" y="4730767"/>
+            <a:ext cx="0" cy="277839"/>
+          </a:xfrm>
+          <a:prstGeom prst="straightConnector1">
+            <a:avLst/>
+          </a:prstGeom>
+          <a:ln w="19050">
+            <a:headEnd type="none" w="med" len="med"/>
+            <a:tailEnd type="triangle"/>
+          </a:ln>
+        </p:spPr>
+        <p:style>
+          <a:lnRef idx="1">
+            <a:schemeClr val="accent1"/>
+          </a:lnRef>
+          <a:fillRef idx="0">
+            <a:schemeClr val="accent1"/>
+          </a:fillRef>
+          <a:effectRef idx="0">
+            <a:schemeClr val="accent1"/>
+          </a:effectRef>
+          <a:fontRef idx="minor">
+            <a:schemeClr val="tx1"/>
+          </a:fontRef>
+        </p:style>
+      </p:cxnSp>
+      <p:sp>
+        <p:nvSpPr>
+          <p:cNvPr id="72" name="テキスト ボックス 71">
+            <a:extLst>
+              <a:ext uri="{FF2B5EF4-FFF2-40B4-BE49-F238E27FC236}">
+                <a16:creationId xmlns:a16="http://schemas.microsoft.com/office/drawing/2014/main" id="{21520E50-C32F-4678-A9C6-020444160641}"/>
               </a:ext>
             </a:extLst>
           </p:cNvPr>
@@ -27095,7 +30339,7 @@
         </p:nvSpPr>
         <p:spPr>
           <a:xfrm>
-            <a:off x="6964370" y="2489884"/>
+            <a:off x="6868320" y="4712106"/>
             <a:ext cx="832094" cy="338554"/>
           </a:xfrm>
           <a:prstGeom prst="rect">
@@ -27111,19 +30355,18 @@
           <a:p>
             <a:pPr algn="ctr"/>
             <a:r>
-              <a:rPr kumimoji="1" lang="en-US" altLang="ja-JP" sz="1600" dirty="0"/>
-              <a:t>1day</a:t>
-            </a:r>
-            <a:endParaRPr kumimoji="1" lang="ja-JP" altLang="en-US" sz="1600" dirty="0"/>
-          </a:p>
-        </p:txBody>
-      </p:sp>
-      <p:sp>
-        <p:nvSpPr>
-          <p:cNvPr id="36" name="テキスト ボックス 35">
-            <a:extLst>
-              <a:ext uri="{FF2B5EF4-FFF2-40B4-BE49-F238E27FC236}">
-                <a16:creationId xmlns:a16="http://schemas.microsoft.com/office/drawing/2014/main" id="{72584901-2B6D-47D9-9446-EBC574474D14}"/>
+              <a:rPr kumimoji="1" lang="ja-JP" altLang="en-US" sz="1600" dirty="0"/>
+              <a:t>滑らか</a:t>
+            </a:r>
+          </a:p>
+        </p:txBody>
+      </p:sp>
+      <p:sp>
+        <p:nvSpPr>
+          <p:cNvPr id="73" name="テキスト ボックス 72">
+            <a:extLst>
+              <a:ext uri="{FF2B5EF4-FFF2-40B4-BE49-F238E27FC236}">
+                <a16:creationId xmlns:a16="http://schemas.microsoft.com/office/drawing/2014/main" id="{39AFC868-6634-4B28-9102-82318A174ADD}"/>
               </a:ext>
             </a:extLst>
           </p:cNvPr>
@@ -27132,8 +30375,8 @@
         </p:nvSpPr>
         <p:spPr>
           <a:xfrm>
-            <a:off x="6868123" y="4794831"/>
-            <a:ext cx="1024589" cy="338554"/>
+            <a:off x="6689780" y="2947660"/>
+            <a:ext cx="1235018" cy="338554"/>
           </a:xfrm>
           <a:prstGeom prst="rect">
             <a:avLst/>
@@ -27148,19 +30391,18 @@
           <a:p>
             <a:pPr algn="ctr"/>
             <a:r>
-              <a:rPr kumimoji="1" lang="en-US" altLang="ja-JP" sz="1600" dirty="0"/>
-              <a:t>30min</a:t>
-            </a:r>
-            <a:endParaRPr kumimoji="1" lang="ja-JP" altLang="en-US" sz="1600" dirty="0"/>
-          </a:p>
-        </p:txBody>
-      </p:sp>
-      <p:sp>
-        <p:nvSpPr>
-          <p:cNvPr id="37" name="テキスト ボックス 36">
-            <a:extLst>
-              <a:ext uri="{FF2B5EF4-FFF2-40B4-BE49-F238E27FC236}">
-                <a16:creationId xmlns:a16="http://schemas.microsoft.com/office/drawing/2014/main" id="{15E833BE-E77B-41B2-82F7-3EF620BC169D}"/>
+              <a:rPr kumimoji="1" lang="ja-JP" altLang="en-US" sz="1600" dirty="0"/>
+              <a:t>外れ値少</a:t>
+            </a:r>
+          </a:p>
+        </p:txBody>
+      </p:sp>
+      <p:sp>
+        <p:nvSpPr>
+          <p:cNvPr id="74" name="テキスト ボックス 73">
+            <a:extLst>
+              <a:ext uri="{FF2B5EF4-FFF2-40B4-BE49-F238E27FC236}">
+                <a16:creationId xmlns:a16="http://schemas.microsoft.com/office/drawing/2014/main" id="{E9C845B0-7A14-4D6C-94A2-A5321958E779}"/>
               </a:ext>
             </a:extLst>
           </p:cNvPr>
@@ -27169,8 +30411,8 @@
         </p:nvSpPr>
         <p:spPr>
           <a:xfrm>
-            <a:off x="571984" y="2041087"/>
-            <a:ext cx="2890033" cy="338554"/>
+            <a:off x="6732314" y="5663347"/>
+            <a:ext cx="1104105" cy="338554"/>
           </a:xfrm>
           <a:prstGeom prst="rect">
             <a:avLst/>
@@ -27185,20 +30427,276 @@
           <a:p>
             <a:pPr algn="ctr"/>
             <a:r>
+              <a:rPr kumimoji="1" lang="ja-JP" altLang="en-US" sz="1600" dirty="0"/>
+              <a:t>欠損無し</a:t>
+            </a:r>
+          </a:p>
+        </p:txBody>
+      </p:sp>
+      <p:sp>
+        <p:nvSpPr>
+          <p:cNvPr id="75" name="テキスト ボックス 74">
+            <a:extLst>
+              <a:ext uri="{FF2B5EF4-FFF2-40B4-BE49-F238E27FC236}">
+                <a16:creationId xmlns:a16="http://schemas.microsoft.com/office/drawing/2014/main" id="{8BF932A8-7BC6-4F98-BD1E-AC0D7CC132AE}"/>
+              </a:ext>
+            </a:extLst>
+          </p:cNvPr>
+          <p:cNvSpPr txBox="1"/>
+          <p:nvPr/>
+        </p:nvSpPr>
+        <p:spPr>
+          <a:xfrm>
+            <a:off x="7799526" y="2556461"/>
+            <a:ext cx="3167611" cy="338554"/>
+          </a:xfrm>
+          <a:prstGeom prst="rect">
+            <a:avLst/>
+          </a:prstGeom>
+          <a:noFill/>
+        </p:spPr>
+        <p:txBody>
+          <a:bodyPr wrap="square" rtlCol="0">
+            <a:spAutoFit/>
+          </a:bodyPr>
+          <a:lstStyle/>
+          <a:p>
+            <a:pPr algn="ctr"/>
+            <a:r>
+              <a:rPr kumimoji="1" lang="ja-JP" altLang="en-US" sz="1600" dirty="0"/>
+              <a:t>上下限で外れ値を判定し、除去</a:t>
+            </a:r>
+          </a:p>
+        </p:txBody>
+      </p:sp>
+      <p:sp>
+        <p:nvSpPr>
+          <p:cNvPr id="76" name="テキスト ボックス 75">
+            <a:extLst>
+              <a:ext uri="{FF2B5EF4-FFF2-40B4-BE49-F238E27FC236}">
+                <a16:creationId xmlns:a16="http://schemas.microsoft.com/office/drawing/2014/main" id="{ABD0BC0E-0F5A-4229-941A-79AE5F7F6BA1}"/>
+              </a:ext>
+            </a:extLst>
+          </p:cNvPr>
+          <p:cNvSpPr txBox="1"/>
+          <p:nvPr/>
+        </p:nvSpPr>
+        <p:spPr>
+          <a:xfrm>
+            <a:off x="7799526" y="3308350"/>
+            <a:ext cx="3167611" cy="584775"/>
+          </a:xfrm>
+          <a:prstGeom prst="rect">
+            <a:avLst/>
+          </a:prstGeom>
+          <a:noFill/>
+        </p:spPr>
+        <p:txBody>
+          <a:bodyPr wrap="square" rtlCol="0">
+            <a:spAutoFit/>
+          </a:bodyPr>
+          <a:lstStyle/>
+          <a:p>
+            <a:pPr algn="ctr"/>
+            <a:r>
+              <a:rPr kumimoji="1" lang="ja-JP" altLang="en-US" sz="1600" dirty="0"/>
+              <a:t>サンプリング周波数を下げる</a:t>
+            </a:r>
+            <a:endParaRPr kumimoji="1" lang="en-US" altLang="ja-JP" sz="1600" dirty="0"/>
+          </a:p>
+          <a:p>
+            <a:pPr algn="ctr"/>
+            <a:r>
+              <a:rPr kumimoji="1" lang="ja-JP" altLang="en-US" sz="1600" dirty="0"/>
+              <a:t>（その間のデータで平均）</a:t>
+            </a:r>
+          </a:p>
+        </p:txBody>
+      </p:sp>
+      <p:sp>
+        <p:nvSpPr>
+          <p:cNvPr id="77" name="テキスト ボックス 76">
+            <a:extLst>
+              <a:ext uri="{FF2B5EF4-FFF2-40B4-BE49-F238E27FC236}">
+                <a16:creationId xmlns:a16="http://schemas.microsoft.com/office/drawing/2014/main" id="{D25F34F0-FE69-48A1-989F-B9E6AE396ADF}"/>
+              </a:ext>
+            </a:extLst>
+          </p:cNvPr>
+          <p:cNvSpPr txBox="1"/>
+          <p:nvPr/>
+        </p:nvSpPr>
+        <p:spPr>
+          <a:xfrm>
+            <a:off x="7836419" y="4145992"/>
+            <a:ext cx="3167611" cy="584775"/>
+          </a:xfrm>
+          <a:prstGeom prst="rect">
+            <a:avLst/>
+          </a:prstGeom>
+          <a:noFill/>
+        </p:spPr>
+        <p:txBody>
+          <a:bodyPr wrap="square" rtlCol="0">
+            <a:spAutoFit/>
+          </a:bodyPr>
+          <a:lstStyle/>
+          <a:p>
+            <a:pPr algn="ctr"/>
+            <a:r>
+              <a:rPr kumimoji="1" lang="ja-JP" altLang="en-US" sz="1600" dirty="0"/>
+              <a:t>窓幅で移動平均を適用</a:t>
+            </a:r>
+            <a:endParaRPr kumimoji="1" lang="en-US" altLang="ja-JP" sz="1600" dirty="0"/>
+          </a:p>
+          <a:p>
+            <a:pPr algn="ctr"/>
+            <a:r>
+              <a:rPr kumimoji="1" lang="ja-JP" altLang="en-US" sz="1600" dirty="0"/>
+              <a:t>（窓幅</a:t>
+            </a:r>
+            <a:r>
               <a:rPr kumimoji="1" lang="en-US" altLang="ja-JP" sz="1600" dirty="0"/>
-              <a:t>1</a:t>
+              <a:t>=96</a:t>
             </a:r>
             <a:r>
               <a:rPr kumimoji="1" lang="ja-JP" altLang="en-US" sz="1600" dirty="0"/>
-              <a:t>段目 透過 導電率（</a:t>
+              <a:t>、</a:t>
             </a:r>
             <a:r>
               <a:rPr kumimoji="1" lang="en-US" altLang="ja-JP" sz="1600" dirty="0"/>
-              <a:t>30min</a:t>
+              <a:t>2</a:t>
             </a:r>
             <a:r>
               <a:rPr kumimoji="1" lang="ja-JP" altLang="en-US" sz="1600" dirty="0"/>
-              <a:t>）</a:t>
+              <a:t>日間）</a:t>
+            </a:r>
+          </a:p>
+        </p:txBody>
+      </p:sp>
+      <p:sp>
+        <p:nvSpPr>
+          <p:cNvPr id="78" name="テキスト ボックス 77">
+            <a:extLst>
+              <a:ext uri="{FF2B5EF4-FFF2-40B4-BE49-F238E27FC236}">
+                <a16:creationId xmlns:a16="http://schemas.microsoft.com/office/drawing/2014/main" id="{C7F0C66C-BDCD-46BB-8A6D-B66F82A2CB2C}"/>
+              </a:ext>
+            </a:extLst>
+          </p:cNvPr>
+          <p:cNvSpPr txBox="1"/>
+          <p:nvPr/>
+        </p:nvSpPr>
+        <p:spPr>
+          <a:xfrm>
+            <a:off x="7700414" y="5050660"/>
+            <a:ext cx="3460231" cy="553998"/>
+          </a:xfrm>
+          <a:prstGeom prst="rect">
+            <a:avLst/>
+          </a:prstGeom>
+          <a:noFill/>
+        </p:spPr>
+        <p:txBody>
+          <a:bodyPr wrap="square" rtlCol="0">
+            <a:spAutoFit/>
+          </a:bodyPr>
+          <a:lstStyle/>
+          <a:p>
+            <a:pPr algn="ctr"/>
+            <a:r>
+              <a:rPr kumimoji="1" lang="en-US" altLang="ja-JP" sz="1600" dirty="0"/>
+              <a:t>backward </a:t>
+            </a:r>
+            <a:r>
+              <a:rPr kumimoji="1" lang="en-US" altLang="ja-JP" sz="1600" dirty="0" err="1"/>
+              <a:t>fillna</a:t>
+            </a:r>
+            <a:r>
+              <a:rPr kumimoji="1" lang="en-US" altLang="ja-JP" sz="1600" dirty="0"/>
+              <a:t> </a:t>
+            </a:r>
+            <a:r>
+              <a:rPr kumimoji="1" lang="ja-JP" altLang="en-US" sz="1600" dirty="0"/>
+              <a:t>⇒</a:t>
+            </a:r>
+            <a:r>
+              <a:rPr kumimoji="1" lang="en-US" altLang="ja-JP" sz="1600" dirty="0"/>
+              <a:t> forward </a:t>
+            </a:r>
+            <a:r>
+              <a:rPr kumimoji="1" lang="en-US" altLang="ja-JP" sz="1600" dirty="0" err="1"/>
+              <a:t>fillna</a:t>
+            </a:r>
+            <a:endParaRPr kumimoji="1" lang="en-US" altLang="ja-JP" sz="1600" dirty="0"/>
+          </a:p>
+          <a:p>
+            <a:pPr algn="ctr"/>
+            <a:r>
+              <a:rPr kumimoji="1" lang="ja-JP" altLang="en-US" sz="1400" dirty="0"/>
+              <a:t>（直前の値で埋めた後、直後の値で埋める）</a:t>
+            </a:r>
+          </a:p>
+        </p:txBody>
+      </p:sp>
+      <p:sp>
+        <p:nvSpPr>
+          <p:cNvPr id="79" name="テキスト ボックス 78">
+            <a:extLst>
+              <a:ext uri="{FF2B5EF4-FFF2-40B4-BE49-F238E27FC236}">
+                <a16:creationId xmlns:a16="http://schemas.microsoft.com/office/drawing/2014/main" id="{DEBB3728-1227-4080-9B20-79A903B72005}"/>
+              </a:ext>
+            </a:extLst>
+          </p:cNvPr>
+          <p:cNvSpPr txBox="1"/>
+          <p:nvPr/>
+        </p:nvSpPr>
+        <p:spPr>
+          <a:xfrm>
+            <a:off x="7284366" y="1301690"/>
+            <a:ext cx="4113887" cy="584775"/>
+          </a:xfrm>
+          <a:prstGeom prst="rect">
+            <a:avLst/>
+          </a:prstGeom>
+          <a:noFill/>
+        </p:spPr>
+        <p:txBody>
+          <a:bodyPr wrap="square" rtlCol="0">
+            <a:spAutoFit/>
+          </a:bodyPr>
+          <a:lstStyle/>
+          <a:p>
+            <a:pPr algn="ctr"/>
+            <a:r>
+              <a:rPr kumimoji="1" lang="ja-JP" altLang="en-US" sz="1600" dirty="0">
+                <a:solidFill>
+                  <a:srgbClr val="FF0000"/>
+                </a:solidFill>
+              </a:rPr>
+              <a:t>最初に外れ値を除去しないと、</a:t>
+            </a:r>
+            <a:endParaRPr kumimoji="1" lang="en-US" altLang="ja-JP" sz="1600" dirty="0">
+              <a:solidFill>
+                <a:srgbClr val="FF0000"/>
+              </a:solidFill>
+            </a:endParaRPr>
+          </a:p>
+          <a:p>
+            <a:pPr algn="ctr"/>
+            <a:r>
+              <a:rPr kumimoji="1" lang="en-US" altLang="ja-JP" sz="1600" dirty="0">
+                <a:solidFill>
+                  <a:srgbClr val="FF0000"/>
+                </a:solidFill>
+              </a:rPr>
+              <a:t>Down-Sampling</a:t>
+            </a:r>
+            <a:r>
+              <a:rPr kumimoji="1" lang="ja-JP" altLang="en-US" sz="1600" dirty="0">
+                <a:solidFill>
+                  <a:srgbClr val="FF0000"/>
+                </a:solidFill>
+              </a:rPr>
+              <a:t>と平滑化に大きく影響する</a:t>
             </a:r>
           </a:p>
         </p:txBody>
@@ -27260,8 +30758,8 @@
           <a:lstStyle/>
           <a:p>
             <a:r>
-              <a:rPr lang="en-US" altLang="ja-JP" dirty="0"/>
-              <a:t>LVMWD</a:t>
+              <a:rPr lang="ja-JP" altLang="en-US" dirty="0"/>
+              <a:t>データの加工結果</a:t>
             </a:r>
             <a:endParaRPr lang="en-US" dirty="0"/>
           </a:p>
@@ -27299,10 +30797,235 @@
       </p:sp>
       <p:sp>
         <p:nvSpPr>
-          <p:cNvPr id="6" name="テキスト プレースホルダー 5">
-            <a:extLst>
-              <a:ext uri="{FF2B5EF4-FFF2-40B4-BE49-F238E27FC236}">
-                <a16:creationId xmlns:a16="http://schemas.microsoft.com/office/drawing/2014/main" id="{1F609DF4-3152-4D3E-9CA5-170D4BE14906}"/>
+          <p:cNvPr id="26" name="テキスト ボックス 25">
+            <a:extLst>
+              <a:ext uri="{FF2B5EF4-FFF2-40B4-BE49-F238E27FC236}">
+                <a16:creationId xmlns:a16="http://schemas.microsoft.com/office/drawing/2014/main" id="{878A06C2-9BE0-4228-8673-300CDCCC55B4}"/>
+              </a:ext>
+            </a:extLst>
+          </p:cNvPr>
+          <p:cNvSpPr txBox="1"/>
+          <p:nvPr/>
+        </p:nvSpPr>
+        <p:spPr>
+          <a:xfrm>
+            <a:off x="571984" y="-20412"/>
+            <a:ext cx="4521842" cy="338554"/>
+          </a:xfrm>
+          <a:prstGeom prst="rect">
+            <a:avLst/>
+          </a:prstGeom>
+          <a:noFill/>
+        </p:spPr>
+        <p:txBody>
+          <a:bodyPr wrap="square" rtlCol="0">
+            <a:spAutoFit/>
+          </a:bodyPr>
+          <a:lstStyle/>
+          <a:p>
+            <a:r>
+              <a:rPr lang="en-US" altLang="ja-JP" sz="1600" b="1" dirty="0">
+                <a:solidFill>
+                  <a:schemeClr val="bg1"/>
+                </a:solidFill>
+              </a:rPr>
+              <a:t>2. LVMWD</a:t>
+            </a:r>
+            <a:r>
+              <a:rPr lang="ja-JP" altLang="en-US" sz="1600" b="1" dirty="0">
+                <a:solidFill>
+                  <a:schemeClr val="bg1"/>
+                </a:solidFill>
+              </a:rPr>
+              <a:t>データ</a:t>
+            </a:r>
+            <a:endParaRPr kumimoji="1" lang="ja-JP" altLang="en-US" sz="1600" b="1" dirty="0">
+              <a:solidFill>
+                <a:schemeClr val="bg1"/>
+              </a:solidFill>
+            </a:endParaRPr>
+          </a:p>
+        </p:txBody>
+      </p:sp>
+      <p:sp>
+        <p:nvSpPr>
+          <p:cNvPr id="33" name="テキスト ボックス 32">
+            <a:extLst>
+              <a:ext uri="{FF2B5EF4-FFF2-40B4-BE49-F238E27FC236}">
+                <a16:creationId xmlns:a16="http://schemas.microsoft.com/office/drawing/2014/main" id="{AA01A1CF-E55C-49AE-A96B-9D7D448BC167}"/>
+              </a:ext>
+            </a:extLst>
+          </p:cNvPr>
+          <p:cNvSpPr txBox="1"/>
+          <p:nvPr/>
+        </p:nvSpPr>
+        <p:spPr>
+          <a:xfrm>
+            <a:off x="3797162" y="1541317"/>
+            <a:ext cx="1836064" cy="338554"/>
+          </a:xfrm>
+          <a:prstGeom prst="rect">
+            <a:avLst/>
+          </a:prstGeom>
+          <a:noFill/>
+        </p:spPr>
+        <p:txBody>
+          <a:bodyPr wrap="square" rtlCol="0">
+            <a:spAutoFit/>
+          </a:bodyPr>
+          <a:lstStyle/>
+          <a:p>
+            <a:pPr algn="ctr"/>
+            <a:r>
+              <a:rPr kumimoji="1" lang="en-US" altLang="ja-JP" sz="1600" dirty="0"/>
+              <a:t>1</a:t>
+            </a:r>
+            <a:r>
+              <a:rPr kumimoji="1" lang="ja-JP" altLang="en-US" sz="1600" dirty="0"/>
+              <a:t>段目 透過 導電率</a:t>
+            </a:r>
+          </a:p>
+        </p:txBody>
+      </p:sp>
+      <p:pic>
+        <p:nvPicPr>
+          <p:cNvPr id="34" name="図 33" descr="グラフ, ヒストグラム&#10;&#10;自動的に生成された説明">
+            <a:extLst>
+              <a:ext uri="{FF2B5EF4-FFF2-40B4-BE49-F238E27FC236}">
+                <a16:creationId xmlns:a16="http://schemas.microsoft.com/office/drawing/2014/main" id="{D54E7760-27E3-463C-8B92-50ED53136404}"/>
+              </a:ext>
+            </a:extLst>
+          </p:cNvPr>
+          <p:cNvPicPr>
+            <a:picLocks noChangeAspect="1"/>
+          </p:cNvPicPr>
+          <p:nvPr/>
+        </p:nvPicPr>
+        <p:blipFill>
+          <a:blip r:embed="rId2">
+            <a:extLst>
+              <a:ext uri="{28A0092B-C50C-407E-A947-70E740481C1C}">
+                <a14:useLocalDpi xmlns:a14="http://schemas.microsoft.com/office/drawing/2010/main" val="0"/>
+              </a:ext>
+            </a:extLst>
+          </a:blip>
+          <a:stretch>
+            <a:fillRect/>
+          </a:stretch>
+        </p:blipFill>
+        <p:spPr>
+          <a:xfrm>
+            <a:off x="3287987" y="4231591"/>
+            <a:ext cx="2854414" cy="1906167"/>
+          </a:xfrm>
+          <a:prstGeom prst="rect">
+            <a:avLst/>
+          </a:prstGeom>
+        </p:spPr>
+      </p:pic>
+      <p:pic>
+        <p:nvPicPr>
+          <p:cNvPr id="36" name="図 35" descr="グラフ, ヒストグラム&#10;&#10;自動的に生成された説明">
+            <a:extLst>
+              <a:ext uri="{FF2B5EF4-FFF2-40B4-BE49-F238E27FC236}">
+                <a16:creationId xmlns:a16="http://schemas.microsoft.com/office/drawing/2014/main" id="{DF2A5407-B2DA-487C-A9FE-7591D96FFF43}"/>
+              </a:ext>
+            </a:extLst>
+          </p:cNvPr>
+          <p:cNvPicPr>
+            <a:picLocks noChangeAspect="1"/>
+          </p:cNvPicPr>
+          <p:nvPr/>
+        </p:nvPicPr>
+        <p:blipFill>
+          <a:blip r:embed="rId3">
+            <a:extLst>
+              <a:ext uri="{28A0092B-C50C-407E-A947-70E740481C1C}">
+                <a14:useLocalDpi xmlns:a14="http://schemas.microsoft.com/office/drawing/2010/main" val="0"/>
+              </a:ext>
+            </a:extLst>
+          </a:blip>
+          <a:stretch>
+            <a:fillRect/>
+          </a:stretch>
+        </p:blipFill>
+        <p:spPr>
+          <a:xfrm>
+            <a:off x="3287987" y="1942993"/>
+            <a:ext cx="2854414" cy="1909404"/>
+          </a:xfrm>
+          <a:prstGeom prst="rect">
+            <a:avLst/>
+          </a:prstGeom>
+        </p:spPr>
+      </p:pic>
+      <p:sp>
+        <p:nvSpPr>
+          <p:cNvPr id="39" name="テキスト ボックス 38">
+            <a:extLst>
+              <a:ext uri="{FF2B5EF4-FFF2-40B4-BE49-F238E27FC236}">
+                <a16:creationId xmlns:a16="http://schemas.microsoft.com/office/drawing/2014/main" id="{F46CAB6C-D94A-412C-BAB4-269212BD8590}"/>
+              </a:ext>
+            </a:extLst>
+          </p:cNvPr>
+          <p:cNvSpPr txBox="1"/>
+          <p:nvPr/>
+        </p:nvSpPr>
+        <p:spPr>
+          <a:xfrm>
+            <a:off x="9494028" y="34754"/>
+            <a:ext cx="2535055" cy="338554"/>
+          </a:xfrm>
+          <a:prstGeom prst="rect">
+            <a:avLst/>
+          </a:prstGeom>
+          <a:noFill/>
+        </p:spPr>
+        <p:txBody>
+          <a:bodyPr wrap="square" rtlCol="0">
+            <a:spAutoFit/>
+          </a:bodyPr>
+          <a:lstStyle/>
+          <a:p>
+            <a:pPr algn="ctr"/>
+            <a:r>
+              <a:rPr kumimoji="1" lang="en-US" altLang="ja-JP" sz="1600" dirty="0">
+                <a:solidFill>
+                  <a:schemeClr val="bg1"/>
+                </a:solidFill>
+              </a:rPr>
+              <a:t>30min</a:t>
+            </a:r>
+            <a:r>
+              <a:rPr kumimoji="1" lang="ja-JP" altLang="en-US" sz="1600" dirty="0">
+                <a:solidFill>
+                  <a:schemeClr val="bg1"/>
+                </a:solidFill>
+              </a:rPr>
+              <a:t>、</a:t>
+            </a:r>
+            <a:r>
+              <a:rPr kumimoji="1" lang="en-US" altLang="ja-JP" sz="1600" dirty="0">
+                <a:solidFill>
+                  <a:schemeClr val="bg1"/>
+                </a:solidFill>
+              </a:rPr>
+              <a:t>2021-07~2022-09</a:t>
+            </a:r>
+            <a:endParaRPr kumimoji="1" lang="ja-JP" altLang="en-US" sz="1600" dirty="0">
+              <a:solidFill>
+                <a:schemeClr val="bg1"/>
+              </a:solidFill>
+            </a:endParaRPr>
+          </a:p>
+        </p:txBody>
+      </p:sp>
+      <p:sp>
+        <p:nvSpPr>
+          <p:cNvPr id="42" name="テキスト プレースホルダー 3">
+            <a:extLst>
+              <a:ext uri="{FF2B5EF4-FFF2-40B4-BE49-F238E27FC236}">
+                <a16:creationId xmlns:a16="http://schemas.microsoft.com/office/drawing/2014/main" id="{31DF59F1-FE40-485B-8AB1-F1F4EABAD3EF}"/>
               </a:ext>
             </a:extLst>
           </p:cNvPr>
@@ -27315,8 +31038,8 @@
         </p:nvSpPr>
         <p:spPr>
           <a:xfrm>
-            <a:off x="517055" y="1071367"/>
-            <a:ext cx="11341887" cy="600165"/>
+            <a:off x="517055" y="948425"/>
+            <a:ext cx="11341887" cy="518094"/>
           </a:xfrm>
         </p:spPr>
         <p:txBody>
@@ -27325,29 +31048,17 @@
           <a:p>
             <a:r>
               <a:rPr lang="ja-JP" altLang="en-US" sz="2800" dirty="0"/>
-              <a:t>目的を細分化すると、下記の</a:t>
-            </a:r>
-            <a:r>
-              <a:rPr lang="en-US" altLang="ja-JP" sz="2800" dirty="0"/>
-              <a:t>3</a:t>
-            </a:r>
-            <a:r>
-              <a:rPr lang="ja-JP" altLang="en-US" sz="2800" dirty="0"/>
-              <a:t>段階に分けられる。</a:t>
-            </a:r>
-            <a:endParaRPr lang="en-US" altLang="ja-JP" sz="2800" dirty="0"/>
-          </a:p>
-          <a:p>
-            <a:endParaRPr lang="en-US" altLang="ja-JP" sz="3200" dirty="0"/>
-          </a:p>
-        </p:txBody>
-      </p:sp>
-      <p:sp>
-        <p:nvSpPr>
-          <p:cNvPr id="26" name="テキスト ボックス 25">
-            <a:extLst>
-              <a:ext uri="{FF2B5EF4-FFF2-40B4-BE49-F238E27FC236}">
-                <a16:creationId xmlns:a16="http://schemas.microsoft.com/office/drawing/2014/main" id="{878A06C2-9BE0-4228-8673-300CDCCC55B4}"/>
+              <a:t>データ数を極端に減らさずに、挙動が見えやすくなった。</a:t>
+            </a:r>
+          </a:p>
+        </p:txBody>
+      </p:sp>
+      <p:sp>
+        <p:nvSpPr>
+          <p:cNvPr id="43" name="テキスト ボックス 42">
+            <a:extLst>
+              <a:ext uri="{FF2B5EF4-FFF2-40B4-BE49-F238E27FC236}">
+                <a16:creationId xmlns:a16="http://schemas.microsoft.com/office/drawing/2014/main" id="{89787233-E813-4BAE-A10D-25AD8131C2CD}"/>
               </a:ext>
             </a:extLst>
           </p:cNvPr>
@@ -27356,8 +31067,116 @@
         </p:nvSpPr>
         <p:spPr>
           <a:xfrm>
-            <a:off x="571984" y="-20412"/>
-            <a:ext cx="4521842" cy="338554"/>
+            <a:off x="-5758" y="2728418"/>
+            <a:ext cx="430887" cy="338554"/>
+          </a:xfrm>
+          <a:prstGeom prst="rect">
+            <a:avLst/>
+          </a:prstGeom>
+          <a:noFill/>
+        </p:spPr>
+        <p:txBody>
+          <a:bodyPr vert="vert270" wrap="square" rtlCol="0">
+            <a:spAutoFit/>
+          </a:bodyPr>
+          <a:lstStyle/>
+          <a:p>
+            <a:pPr algn="ctr"/>
+            <a:r>
+              <a:rPr kumimoji="1" lang="ja-JP" altLang="en-US" sz="1600" dirty="0"/>
+              <a:t>生</a:t>
+            </a:r>
+          </a:p>
+        </p:txBody>
+      </p:sp>
+      <p:sp>
+        <p:nvSpPr>
+          <p:cNvPr id="45" name="テキスト ボックス 44">
+            <a:extLst>
+              <a:ext uri="{FF2B5EF4-FFF2-40B4-BE49-F238E27FC236}">
+                <a16:creationId xmlns:a16="http://schemas.microsoft.com/office/drawing/2014/main" id="{91817E32-A836-4927-964A-F0F90AC9C3E7}"/>
+              </a:ext>
+            </a:extLst>
+          </p:cNvPr>
+          <p:cNvSpPr txBox="1"/>
+          <p:nvPr/>
+        </p:nvSpPr>
+        <p:spPr>
+          <a:xfrm>
+            <a:off x="-5758" y="4882195"/>
+            <a:ext cx="430887" cy="604958"/>
+          </a:xfrm>
+          <a:prstGeom prst="rect">
+            <a:avLst/>
+          </a:prstGeom>
+          <a:noFill/>
+        </p:spPr>
+        <p:txBody>
+          <a:bodyPr vert="vert270" wrap="square" rtlCol="0">
+            <a:spAutoFit/>
+          </a:bodyPr>
+          <a:lstStyle/>
+          <a:p>
+            <a:pPr algn="ctr"/>
+            <a:r>
+              <a:rPr kumimoji="1" lang="ja-JP" altLang="en-US" sz="1600" dirty="0"/>
+              <a:t>加工</a:t>
+            </a:r>
+          </a:p>
+        </p:txBody>
+      </p:sp>
+      <p:pic>
+        <p:nvPicPr>
+          <p:cNvPr id="46" name="図 45" descr="グラフ, ヒストグラム&#10;&#10;自動的に生成された説明">
+            <a:extLst>
+              <a:ext uri="{FF2B5EF4-FFF2-40B4-BE49-F238E27FC236}">
+                <a16:creationId xmlns:a16="http://schemas.microsoft.com/office/drawing/2014/main" id="{F361B7DF-ED34-482E-8B2B-E88790C28325}"/>
+              </a:ext>
+            </a:extLst>
+          </p:cNvPr>
+          <p:cNvPicPr>
+            <a:picLocks noChangeAspect="1"/>
+          </p:cNvPicPr>
+          <p:nvPr/>
+        </p:nvPicPr>
+        <p:blipFill>
+          <a:blip r:embed="rId4">
+            <a:extLst>
+              <a:ext uri="{28A0092B-C50C-407E-A947-70E740481C1C}">
+                <a14:useLocalDpi xmlns:a14="http://schemas.microsoft.com/office/drawing/2010/main" val="0"/>
+              </a:ext>
+            </a:extLst>
+          </a:blip>
+          <a:stretch>
+            <a:fillRect/>
+          </a:stretch>
+        </p:blipFill>
+        <p:spPr>
+          <a:xfrm>
+            <a:off x="364144" y="1947580"/>
+            <a:ext cx="2867504" cy="1898687"/>
+          </a:xfrm>
+          <a:prstGeom prst="rect">
+            <a:avLst/>
+          </a:prstGeom>
+        </p:spPr>
+      </p:pic>
+      <p:sp>
+        <p:nvSpPr>
+          <p:cNvPr id="47" name="テキスト ボックス 46">
+            <a:extLst>
+              <a:ext uri="{FF2B5EF4-FFF2-40B4-BE49-F238E27FC236}">
+                <a16:creationId xmlns:a16="http://schemas.microsoft.com/office/drawing/2014/main" id="{FFCBDE24-6FC0-4845-B3E8-DDC2B57F2804}"/>
+              </a:ext>
+            </a:extLst>
+          </p:cNvPr>
+          <p:cNvSpPr txBox="1"/>
+          <p:nvPr/>
+        </p:nvSpPr>
+        <p:spPr>
+          <a:xfrm>
+            <a:off x="9656944" y="768919"/>
+            <a:ext cx="2535056" cy="338554"/>
           </a:xfrm>
           <a:prstGeom prst="rect">
             <a:avLst/>
@@ -27370,34 +31189,607 @@
           </a:bodyPr>
           <a:lstStyle/>
           <a:p>
-            <a:r>
-              <a:rPr lang="en-US" altLang="ja-JP" sz="1600" b="1" dirty="0">
+            <a:pPr algn="ctr"/>
+            <a:r>
+              <a:rPr kumimoji="1" lang="ja-JP" altLang="en-US" sz="1600" dirty="0"/>
+              <a:t>単位の</a:t>
+            </a:r>
+            <a:r>
+              <a:rPr kumimoji="1" lang="en-US" altLang="ja-JP" sz="1600" dirty="0"/>
+              <a:t>mu</a:t>
+            </a:r>
+            <a:r>
+              <a:rPr kumimoji="1" lang="ja-JP" altLang="en-US" sz="1600" dirty="0"/>
+              <a:t>：接頭辞</a:t>
+            </a:r>
+            <a:r>
+              <a:rPr kumimoji="1" lang="en-US" altLang="ja-JP" sz="1600" dirty="0"/>
+              <a:t>μ(10</a:t>
+            </a:r>
+            <a:r>
+              <a:rPr kumimoji="1" lang="en-US" altLang="ja-JP" sz="1600" baseline="30000" dirty="0"/>
+              <a:t>-6</a:t>
+            </a:r>
+            <a:r>
+              <a:rPr kumimoji="1" lang="en-US" altLang="ja-JP" sz="1600" dirty="0"/>
+              <a:t>)</a:t>
+            </a:r>
+            <a:endParaRPr kumimoji="1" lang="ja-JP" altLang="en-US" sz="1600" dirty="0"/>
+          </a:p>
+        </p:txBody>
+      </p:sp>
+      <p:sp>
+        <p:nvSpPr>
+          <p:cNvPr id="48" name="テキスト ボックス 47">
+            <a:extLst>
+              <a:ext uri="{FF2B5EF4-FFF2-40B4-BE49-F238E27FC236}">
+                <a16:creationId xmlns:a16="http://schemas.microsoft.com/office/drawing/2014/main" id="{BEF9CD46-FCCF-4BFF-B09B-BE1A288C2943}"/>
+              </a:ext>
+            </a:extLst>
+          </p:cNvPr>
+          <p:cNvSpPr txBox="1"/>
+          <p:nvPr/>
+        </p:nvSpPr>
+        <p:spPr>
+          <a:xfrm>
+            <a:off x="1006326" y="1541317"/>
+            <a:ext cx="1583141" cy="338554"/>
+          </a:xfrm>
+          <a:prstGeom prst="rect">
+            <a:avLst/>
+          </a:prstGeom>
+          <a:noFill/>
+        </p:spPr>
+        <p:txBody>
+          <a:bodyPr wrap="square" rtlCol="0">
+            <a:spAutoFit/>
+          </a:bodyPr>
+          <a:lstStyle/>
+          <a:p>
+            <a:pPr algn="ctr"/>
+            <a:r>
+              <a:rPr kumimoji="1" lang="en-US" altLang="ja-JP" sz="1600" dirty="0"/>
+              <a:t>RO</a:t>
+            </a:r>
+            <a:r>
+              <a:rPr kumimoji="1" lang="ja-JP" altLang="en-US" sz="1600" dirty="0"/>
+              <a:t>流入 導電率</a:t>
+            </a:r>
+          </a:p>
+        </p:txBody>
+      </p:sp>
+      <p:pic>
+        <p:nvPicPr>
+          <p:cNvPr id="49" name="図 48" descr="グラフ, 折れ線グラフ&#10;&#10;自動的に生成された説明">
+            <a:extLst>
+              <a:ext uri="{FF2B5EF4-FFF2-40B4-BE49-F238E27FC236}">
+                <a16:creationId xmlns:a16="http://schemas.microsoft.com/office/drawing/2014/main" id="{A480F0E8-5622-4305-A242-A60A7D6CC03D}"/>
+              </a:ext>
+            </a:extLst>
+          </p:cNvPr>
+          <p:cNvPicPr>
+            <a:picLocks noChangeAspect="1"/>
+          </p:cNvPicPr>
+          <p:nvPr/>
+        </p:nvPicPr>
+        <p:blipFill>
+          <a:blip r:embed="rId5">
+            <a:extLst>
+              <a:ext uri="{28A0092B-C50C-407E-A947-70E740481C1C}">
+                <a14:useLocalDpi xmlns:a14="http://schemas.microsoft.com/office/drawing/2010/main" val="0"/>
+              </a:ext>
+            </a:extLst>
+          </a:blip>
+          <a:stretch>
+            <a:fillRect/>
+          </a:stretch>
+        </p:blipFill>
+        <p:spPr>
+          <a:xfrm>
+            <a:off x="364144" y="4236940"/>
+            <a:ext cx="2867504" cy="1895469"/>
+          </a:xfrm>
+          <a:prstGeom prst="rect">
+            <a:avLst/>
+          </a:prstGeom>
+        </p:spPr>
+      </p:pic>
+      <p:pic>
+        <p:nvPicPr>
+          <p:cNvPr id="50" name="図 49" descr="グラフ, ヒストグラム&#10;&#10;自動的に生成された説明">
+            <a:extLst>
+              <a:ext uri="{FF2B5EF4-FFF2-40B4-BE49-F238E27FC236}">
+                <a16:creationId xmlns:a16="http://schemas.microsoft.com/office/drawing/2014/main" id="{E0058C69-8679-4326-913E-280992053791}"/>
+              </a:ext>
+            </a:extLst>
+          </p:cNvPr>
+          <p:cNvPicPr>
+            <a:picLocks noChangeAspect="1"/>
+          </p:cNvPicPr>
+          <p:nvPr/>
+        </p:nvPicPr>
+        <p:blipFill>
+          <a:blip r:embed="rId6">
+            <a:extLst>
+              <a:ext uri="{28A0092B-C50C-407E-A947-70E740481C1C}">
+                <a14:useLocalDpi xmlns:a14="http://schemas.microsoft.com/office/drawing/2010/main" val="0"/>
+              </a:ext>
+            </a:extLst>
+          </a:blip>
+          <a:stretch>
+            <a:fillRect/>
+          </a:stretch>
+        </p:blipFill>
+        <p:spPr>
+          <a:xfrm>
+            <a:off x="6200138" y="4231591"/>
+            <a:ext cx="2854413" cy="1906167"/>
+          </a:xfrm>
+          <a:prstGeom prst="rect">
+            <a:avLst/>
+          </a:prstGeom>
+        </p:spPr>
+      </p:pic>
+      <p:pic>
+        <p:nvPicPr>
+          <p:cNvPr id="51" name="図 50" descr="グラフ&#10;&#10;自動的に生成された説明">
+            <a:extLst>
+              <a:ext uri="{FF2B5EF4-FFF2-40B4-BE49-F238E27FC236}">
+                <a16:creationId xmlns:a16="http://schemas.microsoft.com/office/drawing/2014/main" id="{5E932AEB-BDC1-4E0D-A39D-7185318180DF}"/>
+              </a:ext>
+            </a:extLst>
+          </p:cNvPr>
+          <p:cNvPicPr>
+            <a:picLocks noChangeAspect="1"/>
+          </p:cNvPicPr>
+          <p:nvPr/>
+        </p:nvPicPr>
+        <p:blipFill>
+          <a:blip r:embed="rId7">
+            <a:extLst>
+              <a:ext uri="{28A0092B-C50C-407E-A947-70E740481C1C}">
+                <a14:useLocalDpi xmlns:a14="http://schemas.microsoft.com/office/drawing/2010/main" val="0"/>
+              </a:ext>
+            </a:extLst>
+          </a:blip>
+          <a:stretch>
+            <a:fillRect/>
+          </a:stretch>
+        </p:blipFill>
+        <p:spPr>
+          <a:xfrm>
+            <a:off x="6202557" y="1944612"/>
+            <a:ext cx="2849574" cy="1906167"/>
+          </a:xfrm>
+          <a:prstGeom prst="rect">
+            <a:avLst/>
+          </a:prstGeom>
+        </p:spPr>
+      </p:pic>
+      <p:pic>
+        <p:nvPicPr>
+          <p:cNvPr id="52" name="図 51" descr="グラフ&#10;&#10;自動的に生成された説明">
+            <a:extLst>
+              <a:ext uri="{FF2B5EF4-FFF2-40B4-BE49-F238E27FC236}">
+                <a16:creationId xmlns:a16="http://schemas.microsoft.com/office/drawing/2014/main" id="{921BBD42-2FCB-4EFC-B8B6-17F1F9ADDEFA}"/>
+              </a:ext>
+            </a:extLst>
+          </p:cNvPr>
+          <p:cNvPicPr>
+            <a:picLocks noChangeAspect="1"/>
+          </p:cNvPicPr>
+          <p:nvPr/>
+        </p:nvPicPr>
+        <p:blipFill>
+          <a:blip r:embed="rId8">
+            <a:extLst>
+              <a:ext uri="{28A0092B-C50C-407E-A947-70E740481C1C}">
+                <a14:useLocalDpi xmlns:a14="http://schemas.microsoft.com/office/drawing/2010/main" val="0"/>
+              </a:ext>
+            </a:extLst>
+          </a:blip>
+          <a:stretch>
+            <a:fillRect/>
+          </a:stretch>
+        </p:blipFill>
+        <p:spPr>
+          <a:xfrm>
+            <a:off x="9192999" y="1949124"/>
+            <a:ext cx="2836084" cy="1897143"/>
+          </a:xfrm>
+          <a:prstGeom prst="rect">
+            <a:avLst/>
+          </a:prstGeom>
+        </p:spPr>
+      </p:pic>
+      <p:pic>
+        <p:nvPicPr>
+          <p:cNvPr id="53" name="図 52" descr="グラフ, 折れ線グラフ&#10;&#10;自動的に生成された説明">
+            <a:extLst>
+              <a:ext uri="{FF2B5EF4-FFF2-40B4-BE49-F238E27FC236}">
+                <a16:creationId xmlns:a16="http://schemas.microsoft.com/office/drawing/2014/main" id="{D8436106-F349-4E64-8694-24D61B55EC6A}"/>
+              </a:ext>
+            </a:extLst>
+          </p:cNvPr>
+          <p:cNvPicPr>
+            <a:picLocks noChangeAspect="1"/>
+          </p:cNvPicPr>
+          <p:nvPr/>
+        </p:nvPicPr>
+        <p:blipFill>
+          <a:blip r:embed="rId9">
+            <a:extLst>
+              <a:ext uri="{28A0092B-C50C-407E-A947-70E740481C1C}">
+                <a14:useLocalDpi xmlns:a14="http://schemas.microsoft.com/office/drawing/2010/main" val="0"/>
+              </a:ext>
+            </a:extLst>
+          </a:blip>
+          <a:stretch>
+            <a:fillRect/>
+          </a:stretch>
+        </p:blipFill>
+        <p:spPr>
+          <a:xfrm>
+            <a:off x="9191845" y="4235331"/>
+            <a:ext cx="2838393" cy="1898687"/>
+          </a:xfrm>
+          <a:prstGeom prst="rect">
+            <a:avLst/>
+          </a:prstGeom>
+        </p:spPr>
+      </p:pic>
+      <p:sp>
+        <p:nvSpPr>
+          <p:cNvPr id="54" name="テキスト ボックス 53">
+            <a:extLst>
+              <a:ext uri="{FF2B5EF4-FFF2-40B4-BE49-F238E27FC236}">
+                <a16:creationId xmlns:a16="http://schemas.microsoft.com/office/drawing/2014/main" id="{38E0928D-69D6-4619-BE83-95A526519D85}"/>
+              </a:ext>
+            </a:extLst>
+          </p:cNvPr>
+          <p:cNvSpPr txBox="1"/>
+          <p:nvPr/>
+        </p:nvSpPr>
+        <p:spPr>
+          <a:xfrm>
+            <a:off x="6709312" y="1541317"/>
+            <a:ext cx="1836064" cy="338554"/>
+          </a:xfrm>
+          <a:prstGeom prst="rect">
+            <a:avLst/>
+          </a:prstGeom>
+          <a:noFill/>
+        </p:spPr>
+        <p:txBody>
+          <a:bodyPr wrap="square" rtlCol="0">
+            <a:spAutoFit/>
+          </a:bodyPr>
+          <a:lstStyle/>
+          <a:p>
+            <a:pPr algn="ctr"/>
+            <a:r>
+              <a:rPr kumimoji="1" lang="en-US" altLang="ja-JP" sz="1600" dirty="0"/>
+              <a:t>2</a:t>
+            </a:r>
+            <a:r>
+              <a:rPr kumimoji="1" lang="ja-JP" altLang="en-US" sz="1600" dirty="0"/>
+              <a:t>段目 透過 導電率</a:t>
+            </a:r>
+          </a:p>
+        </p:txBody>
+      </p:sp>
+      <p:sp>
+        <p:nvSpPr>
+          <p:cNvPr id="55" name="テキスト ボックス 54">
+            <a:extLst>
+              <a:ext uri="{FF2B5EF4-FFF2-40B4-BE49-F238E27FC236}">
+                <a16:creationId xmlns:a16="http://schemas.microsoft.com/office/drawing/2014/main" id="{BD6C8BE5-166B-4026-B187-3CDD44864449}"/>
+              </a:ext>
+            </a:extLst>
+          </p:cNvPr>
+          <p:cNvSpPr txBox="1"/>
+          <p:nvPr/>
+        </p:nvSpPr>
+        <p:spPr>
+          <a:xfrm>
+            <a:off x="9693009" y="1541317"/>
+            <a:ext cx="1836064" cy="338554"/>
+          </a:xfrm>
+          <a:prstGeom prst="rect">
+            <a:avLst/>
+          </a:prstGeom>
+          <a:noFill/>
+        </p:spPr>
+        <p:txBody>
+          <a:bodyPr wrap="square" rtlCol="0">
+            <a:spAutoFit/>
+          </a:bodyPr>
+          <a:lstStyle/>
+          <a:p>
+            <a:pPr algn="ctr"/>
+            <a:r>
+              <a:rPr kumimoji="1" lang="en-US" altLang="ja-JP" sz="1600" dirty="0"/>
+              <a:t>3</a:t>
+            </a:r>
+            <a:r>
+              <a:rPr kumimoji="1" lang="ja-JP" altLang="en-US" sz="1600" dirty="0"/>
+              <a:t>段目 透過 導電率</a:t>
+            </a:r>
+          </a:p>
+        </p:txBody>
+      </p:sp>
+      <p:sp>
+        <p:nvSpPr>
+          <p:cNvPr id="56" name="テキスト ボックス 55">
+            <a:extLst>
+              <a:ext uri="{FF2B5EF4-FFF2-40B4-BE49-F238E27FC236}">
+                <a16:creationId xmlns:a16="http://schemas.microsoft.com/office/drawing/2014/main" id="{CCEBF1F7-5FA6-4975-AC39-D0B355B9CE25}"/>
+              </a:ext>
+            </a:extLst>
+          </p:cNvPr>
+          <p:cNvSpPr txBox="1"/>
+          <p:nvPr/>
+        </p:nvSpPr>
+        <p:spPr>
+          <a:xfrm>
+            <a:off x="9494028" y="349539"/>
+            <a:ext cx="2535055" cy="338554"/>
+          </a:xfrm>
+          <a:prstGeom prst="rect">
+            <a:avLst/>
+          </a:prstGeom>
+          <a:noFill/>
+        </p:spPr>
+        <p:txBody>
+          <a:bodyPr wrap="square" rtlCol="0">
+            <a:spAutoFit/>
+          </a:bodyPr>
+          <a:lstStyle/>
+          <a:p>
+            <a:pPr algn="ctr"/>
+            <a:r>
+              <a:rPr kumimoji="1" lang="ja-JP" altLang="en-US" sz="1600" dirty="0">
                 <a:solidFill>
                   <a:schemeClr val="bg1"/>
                 </a:solidFill>
               </a:rPr>
-              <a:t>3. </a:t>
-            </a:r>
-            <a:r>
-              <a:rPr lang="ja-JP" altLang="en-US" sz="1600" b="1" dirty="0">
+              <a:t>窓幅：</a:t>
+            </a:r>
+            <a:r>
+              <a:rPr kumimoji="1" lang="en-US" altLang="ja-JP" sz="1600" dirty="0">
                 <a:solidFill>
                   <a:schemeClr val="bg1"/>
                 </a:solidFill>
               </a:rPr>
-              <a:t>モデリング戦略</a:t>
-            </a:r>
-            <a:endParaRPr kumimoji="1" lang="ja-JP" altLang="en-US" sz="1600" b="1" dirty="0">
-              <a:solidFill>
-                <a:schemeClr val="bg1"/>
-              </a:solidFill>
-            </a:endParaRPr>
+              <a:t>96step</a:t>
+            </a:r>
+            <a:r>
+              <a:rPr kumimoji="1" lang="ja-JP" altLang="en-US" sz="1600" dirty="0">
+                <a:solidFill>
+                  <a:schemeClr val="bg1"/>
+                </a:solidFill>
+              </a:rPr>
+              <a:t>（</a:t>
+            </a:r>
+            <a:r>
+              <a:rPr kumimoji="1" lang="en-US" altLang="ja-JP" sz="1600" dirty="0">
+                <a:solidFill>
+                  <a:schemeClr val="bg1"/>
+                </a:solidFill>
+              </a:rPr>
+              <a:t>2</a:t>
+            </a:r>
+            <a:r>
+              <a:rPr kumimoji="1" lang="ja-JP" altLang="en-US" sz="1600" dirty="0">
+                <a:solidFill>
+                  <a:schemeClr val="bg1"/>
+                </a:solidFill>
+              </a:rPr>
+              <a:t>日間）</a:t>
+            </a:r>
+          </a:p>
+        </p:txBody>
+      </p:sp>
+      <p:sp>
+        <p:nvSpPr>
+          <p:cNvPr id="57" name="テキスト ボックス 56">
+            <a:extLst>
+              <a:ext uri="{FF2B5EF4-FFF2-40B4-BE49-F238E27FC236}">
+                <a16:creationId xmlns:a16="http://schemas.microsoft.com/office/drawing/2014/main" id="{63D1FB2B-1746-4E9F-AC5F-0EC8B012BD5B}"/>
+              </a:ext>
+            </a:extLst>
+          </p:cNvPr>
+          <p:cNvSpPr txBox="1"/>
+          <p:nvPr/>
+        </p:nvSpPr>
+        <p:spPr>
+          <a:xfrm>
+            <a:off x="736358" y="3796809"/>
+            <a:ext cx="2123076" cy="307777"/>
+          </a:xfrm>
+          <a:prstGeom prst="rect">
+            <a:avLst/>
+          </a:prstGeom>
+          <a:noFill/>
+        </p:spPr>
+        <p:txBody>
+          <a:bodyPr wrap="square" rtlCol="0">
+            <a:spAutoFit/>
+          </a:bodyPr>
+          <a:lstStyle/>
+          <a:p>
+            <a:pPr algn="ctr"/>
+            <a:r>
+              <a:rPr kumimoji="1" lang="ja-JP" altLang="en-US" sz="1400" dirty="0"/>
+              <a:t>下限：</a:t>
+            </a:r>
+            <a:r>
+              <a:rPr kumimoji="1" lang="en-US" altLang="ja-JP" sz="1400" dirty="0"/>
+              <a:t>250</a:t>
+            </a:r>
+            <a:r>
+              <a:rPr kumimoji="1" lang="ja-JP" altLang="en-US" sz="1400" dirty="0"/>
+              <a:t>、上限：</a:t>
+            </a:r>
+            <a:r>
+              <a:rPr kumimoji="1" lang="en-US" altLang="ja-JP" sz="1400" dirty="0"/>
+              <a:t>2000</a:t>
+            </a:r>
+            <a:endParaRPr kumimoji="1" lang="ja-JP" altLang="en-US" sz="1400" dirty="0"/>
+          </a:p>
+        </p:txBody>
+      </p:sp>
+      <p:sp>
+        <p:nvSpPr>
+          <p:cNvPr id="58" name="テキスト ボックス 57">
+            <a:extLst>
+              <a:ext uri="{FF2B5EF4-FFF2-40B4-BE49-F238E27FC236}">
+                <a16:creationId xmlns:a16="http://schemas.microsoft.com/office/drawing/2014/main" id="{2392DED4-6B77-4C3B-8A08-658513FE734A}"/>
+              </a:ext>
+            </a:extLst>
+          </p:cNvPr>
+          <p:cNvSpPr txBox="1"/>
+          <p:nvPr/>
+        </p:nvSpPr>
+        <p:spPr>
+          <a:xfrm>
+            <a:off x="3750159" y="3796808"/>
+            <a:ext cx="1930069" cy="307777"/>
+          </a:xfrm>
+          <a:prstGeom prst="rect">
+            <a:avLst/>
+          </a:prstGeom>
+          <a:noFill/>
+        </p:spPr>
+        <p:txBody>
+          <a:bodyPr wrap="square" rtlCol="0">
+            <a:spAutoFit/>
+          </a:bodyPr>
+          <a:lstStyle/>
+          <a:p>
+            <a:pPr algn="ctr"/>
+            <a:r>
+              <a:rPr kumimoji="1" lang="ja-JP" altLang="en-US" sz="1400" dirty="0"/>
+              <a:t>下限：</a:t>
+            </a:r>
+            <a:r>
+              <a:rPr kumimoji="1" lang="en-US" altLang="ja-JP" sz="1400" dirty="0"/>
+              <a:t>7</a:t>
+            </a:r>
+            <a:r>
+              <a:rPr kumimoji="1" lang="ja-JP" altLang="en-US" sz="1400" dirty="0"/>
+              <a:t>、上限：</a:t>
+            </a:r>
+            <a:r>
+              <a:rPr kumimoji="1" lang="en-US" altLang="ja-JP" sz="1400" dirty="0"/>
+              <a:t>40</a:t>
+            </a:r>
+            <a:endParaRPr kumimoji="1" lang="ja-JP" altLang="en-US" sz="1400" dirty="0"/>
+          </a:p>
+        </p:txBody>
+      </p:sp>
+      <p:sp>
+        <p:nvSpPr>
+          <p:cNvPr id="60" name="テキスト ボックス 59">
+            <a:extLst>
+              <a:ext uri="{FF2B5EF4-FFF2-40B4-BE49-F238E27FC236}">
+                <a16:creationId xmlns:a16="http://schemas.microsoft.com/office/drawing/2014/main" id="{4D4EA04F-ACA2-45E4-8E3F-7DB8981FA977}"/>
+              </a:ext>
+            </a:extLst>
+          </p:cNvPr>
+          <p:cNvSpPr txBox="1"/>
+          <p:nvPr/>
+        </p:nvSpPr>
+        <p:spPr>
+          <a:xfrm>
+            <a:off x="6660912" y="3796808"/>
+            <a:ext cx="1930069" cy="307777"/>
+          </a:xfrm>
+          <a:prstGeom prst="rect">
+            <a:avLst/>
+          </a:prstGeom>
+          <a:noFill/>
+        </p:spPr>
+        <p:txBody>
+          <a:bodyPr wrap="square" rtlCol="0">
+            <a:spAutoFit/>
+          </a:bodyPr>
+          <a:lstStyle/>
+          <a:p>
+            <a:pPr algn="ctr"/>
+            <a:r>
+              <a:rPr kumimoji="1" lang="ja-JP" altLang="en-US" sz="1400" dirty="0"/>
+              <a:t>下限：</a:t>
+            </a:r>
+            <a:r>
+              <a:rPr kumimoji="1" lang="en-US" altLang="ja-JP" sz="1400" dirty="0"/>
+              <a:t>5</a:t>
+            </a:r>
+            <a:r>
+              <a:rPr kumimoji="1" lang="ja-JP" altLang="en-US" sz="1400" dirty="0"/>
+              <a:t>、上限：</a:t>
+            </a:r>
+            <a:r>
+              <a:rPr kumimoji="1" lang="en-US" altLang="ja-JP" sz="1400" dirty="0"/>
+              <a:t>45</a:t>
+            </a:r>
+            <a:endParaRPr kumimoji="1" lang="ja-JP" altLang="en-US" sz="1400" dirty="0"/>
+          </a:p>
+        </p:txBody>
+      </p:sp>
+      <p:sp>
+        <p:nvSpPr>
+          <p:cNvPr id="61" name="テキスト ボックス 60">
+            <a:extLst>
+              <a:ext uri="{FF2B5EF4-FFF2-40B4-BE49-F238E27FC236}">
+                <a16:creationId xmlns:a16="http://schemas.microsoft.com/office/drawing/2014/main" id="{DAF78693-0DBE-4395-9BDC-DC60DCDB0829}"/>
+              </a:ext>
+            </a:extLst>
+          </p:cNvPr>
+          <p:cNvSpPr txBox="1"/>
+          <p:nvPr/>
+        </p:nvSpPr>
+        <p:spPr>
+          <a:xfrm>
+            <a:off x="9646006" y="3796808"/>
+            <a:ext cx="1930069" cy="307777"/>
+          </a:xfrm>
+          <a:prstGeom prst="rect">
+            <a:avLst/>
+          </a:prstGeom>
+          <a:noFill/>
+        </p:spPr>
+        <p:txBody>
+          <a:bodyPr wrap="square" rtlCol="0">
+            <a:spAutoFit/>
+          </a:bodyPr>
+          <a:lstStyle/>
+          <a:p>
+            <a:pPr algn="ctr"/>
+            <a:r>
+              <a:rPr kumimoji="1" lang="ja-JP" altLang="en-US" sz="1400" dirty="0"/>
+              <a:t>下限：</a:t>
+            </a:r>
+            <a:r>
+              <a:rPr kumimoji="1" lang="en-US" altLang="ja-JP" sz="1400" dirty="0"/>
+              <a:t>10</a:t>
+            </a:r>
+            <a:r>
+              <a:rPr kumimoji="1" lang="ja-JP" altLang="en-US" sz="1400" dirty="0"/>
+              <a:t>、上限：</a:t>
+            </a:r>
+            <a:r>
+              <a:rPr kumimoji="1" lang="en-US" altLang="ja-JP" sz="1400" dirty="0"/>
+              <a:t>50</a:t>
+            </a:r>
+            <a:endParaRPr kumimoji="1" lang="ja-JP" altLang="en-US" sz="1400" dirty="0"/>
           </a:p>
         </p:txBody>
       </p:sp>
     </p:spTree>
     <p:extLst>
       <p:ext uri="{BB962C8B-B14F-4D97-AF65-F5344CB8AC3E}">
-        <p14:creationId xmlns:p14="http://schemas.microsoft.com/office/powerpoint/2010/main" val="261946302"/>
+        <p14:creationId xmlns:p14="http://schemas.microsoft.com/office/powerpoint/2010/main" val="1906236263"/>
       </p:ext>
     </p:extLst>
   </p:cSld>
